--- a/Powerpoints/3 Inference.pptx
+++ b/Powerpoints/3 Inference.pptx
@@ -225,7 +225,7 @@
           <a:p>
             <a:fld id="{E723D93F-DE43-BC4C-A115-7456D7C9E421}" type="datetimeFigureOut">
               <a:rPr lang="en-US" smtClean="0"/>
-              <a:t>10/22/21</a:t>
+              <a:t>1/8/22</a:t>
             </a:fld>
             <a:endParaRPr lang="en-US"/>
           </a:p>
@@ -1388,7 +1388,7 @@
           <a:p>
             <a:fld id="{DBAB7D6F-FC53-384C-96BE-9F2C5FAC3370}" type="datetimeFigureOut">
               <a:rPr lang="en-US" smtClean="0"/>
-              <a:t>10/22/21</a:t>
+              <a:t>1/8/22</a:t>
             </a:fld>
             <a:endParaRPr lang="en-US"/>
           </a:p>
@@ -1586,7 +1586,7 @@
           <a:p>
             <a:fld id="{DBAB7D6F-FC53-384C-96BE-9F2C5FAC3370}" type="datetimeFigureOut">
               <a:rPr lang="en-US" smtClean="0"/>
-              <a:t>10/22/21</a:t>
+              <a:t>1/8/22</a:t>
             </a:fld>
             <a:endParaRPr lang="en-US"/>
           </a:p>
@@ -1794,7 +1794,7 @@
           <a:p>
             <a:fld id="{DBAB7D6F-FC53-384C-96BE-9F2C5FAC3370}" type="datetimeFigureOut">
               <a:rPr lang="en-US" smtClean="0"/>
-              <a:t>10/22/21</a:t>
+              <a:t>1/8/22</a:t>
             </a:fld>
             <a:endParaRPr lang="en-US"/>
           </a:p>
@@ -1992,7 +1992,7 @@
           <a:p>
             <a:fld id="{DBAB7D6F-FC53-384C-96BE-9F2C5FAC3370}" type="datetimeFigureOut">
               <a:rPr lang="en-US" smtClean="0"/>
-              <a:t>10/22/21</a:t>
+              <a:t>1/8/22</a:t>
             </a:fld>
             <a:endParaRPr lang="en-US"/>
           </a:p>
@@ -2267,7 +2267,7 @@
           <a:p>
             <a:fld id="{DBAB7D6F-FC53-384C-96BE-9F2C5FAC3370}" type="datetimeFigureOut">
               <a:rPr lang="en-US" smtClean="0"/>
-              <a:t>10/22/21</a:t>
+              <a:t>1/8/22</a:t>
             </a:fld>
             <a:endParaRPr lang="en-US"/>
           </a:p>
@@ -2532,7 +2532,7 @@
           <a:p>
             <a:fld id="{DBAB7D6F-FC53-384C-96BE-9F2C5FAC3370}" type="datetimeFigureOut">
               <a:rPr lang="en-US" smtClean="0"/>
-              <a:t>10/22/21</a:t>
+              <a:t>1/8/22</a:t>
             </a:fld>
             <a:endParaRPr lang="en-US"/>
           </a:p>
@@ -2944,7 +2944,7 @@
           <a:p>
             <a:fld id="{DBAB7D6F-FC53-384C-96BE-9F2C5FAC3370}" type="datetimeFigureOut">
               <a:rPr lang="en-US" smtClean="0"/>
-              <a:t>10/22/21</a:t>
+              <a:t>1/8/22</a:t>
             </a:fld>
             <a:endParaRPr lang="en-US"/>
           </a:p>
@@ -3085,7 +3085,7 @@
           <a:p>
             <a:fld id="{DBAB7D6F-FC53-384C-96BE-9F2C5FAC3370}" type="datetimeFigureOut">
               <a:rPr lang="en-US" smtClean="0"/>
-              <a:t>10/22/21</a:t>
+              <a:t>1/8/22</a:t>
             </a:fld>
             <a:endParaRPr lang="en-US"/>
           </a:p>
@@ -3198,7 +3198,7 @@
           <a:p>
             <a:fld id="{DBAB7D6F-FC53-384C-96BE-9F2C5FAC3370}" type="datetimeFigureOut">
               <a:rPr lang="en-US" smtClean="0"/>
-              <a:t>10/22/21</a:t>
+              <a:t>1/8/22</a:t>
             </a:fld>
             <a:endParaRPr lang="en-US"/>
           </a:p>
@@ -3509,7 +3509,7 @@
           <a:p>
             <a:fld id="{DBAB7D6F-FC53-384C-96BE-9F2C5FAC3370}" type="datetimeFigureOut">
               <a:rPr lang="en-US" smtClean="0"/>
-              <a:t>10/22/21</a:t>
+              <a:t>1/8/22</a:t>
             </a:fld>
             <a:endParaRPr lang="en-US"/>
           </a:p>
@@ -3797,7 +3797,7 @@
           <a:p>
             <a:fld id="{DBAB7D6F-FC53-384C-96BE-9F2C5FAC3370}" type="datetimeFigureOut">
               <a:rPr lang="en-US" smtClean="0"/>
-              <a:t>10/22/21</a:t>
+              <a:t>1/8/22</a:t>
             </a:fld>
             <a:endParaRPr lang="en-US"/>
           </a:p>
@@ -4038,7 +4038,7 @@
           <a:p>
             <a:fld id="{DBAB7D6F-FC53-384C-96BE-9F2C5FAC3370}" type="datetimeFigureOut">
               <a:rPr lang="en-US" smtClean="0"/>
-              <a:t>10/22/21</a:t>
+              <a:t>1/8/22</a:t>
             </a:fld>
             <a:endParaRPr lang="en-US"/>
           </a:p>
@@ -7479,8 +7479,8 @@
           </a:p>
         </p:txBody>
       </p:sp>
-      <mc:AlternateContent xmlns:mc="http://schemas.openxmlformats.org/markup-compatibility/2006" xmlns:a14="http://schemas.microsoft.com/office/drawing/2010/main">
-        <mc:Choice Requires="a14">
+      <mc:AlternateContent xmlns:mc="http://schemas.openxmlformats.org/markup-compatibility/2006">
+        <mc:Choice xmlns:a14="http://schemas.microsoft.com/office/drawing/2010/main" Requires="a14">
           <p:sp>
             <p:nvSpPr>
               <p:cNvPr id="3" name="Content Placeholder 2">
@@ -7517,7 +7517,23 @@
               <a:p>
                 <a:r>
                   <a:rPr lang="en-US" dirty="0"/>
-                  <a:t>For example, you can train an ML model to predict </a:t>
+                  <a:t>Example 1: Coefficients from standard LASSO and Ridge regressions are not consistent, so bootstrapping will not deliver inference results. </a:t>
+                </a:r>
+                <a:r>
+                  <a:rPr lang="en-US" dirty="0">
+                    <a:hlinkClick r:id="rId2" action="ppaction://hlinksldjump"/>
+                  </a:rPr>
+                  <a:t>See Appendix for details.</a:t>
+                </a:r>
+                <a:r>
+                  <a:rPr lang="en-US" dirty="0"/>
+                  <a:t> </a:t>
+                </a:r>
+              </a:p>
+              <a:p>
+                <a:r>
+                  <a:rPr lang="en-US" dirty="0"/>
+                  <a:t>Example 2: you can train an ML model to predict </a:t>
                 </a:r>
                 <a14:m>
                   <m:oMath xmlns:m="http://schemas.openxmlformats.org/officeDocument/2006/math">
@@ -7821,7 +7837,7 @@
             </p:txBody>
           </p:sp>
         </mc:Choice>
-        <mc:Fallback xmlns="">
+        <mc:Fallback>
           <p:sp>
             <p:nvSpPr>
               <p:cNvPr id="3" name="Content Placeholder 2">
@@ -7844,7 +7860,7 @@
                 <a:ext cx="10515600" cy="4486275"/>
               </a:xfrm>
               <a:blipFill>
-                <a:blip r:embed="rId2"/>
+                <a:blip r:embed="rId3"/>
                 <a:stretch>
                   <a:fillRect l="-1086" t="-2254" r="-1327"/>
                 </a:stretch>

--- a/Powerpoints/3 Inference.pptx
+++ b/Powerpoints/3 Inference.pptx
@@ -225,7 +225,7 @@
           <a:p>
             <a:fld id="{E723D93F-DE43-BC4C-A115-7456D7C9E421}" type="datetimeFigureOut">
               <a:rPr lang="en-US" smtClean="0"/>
-              <a:t>1/8/22</a:t>
+              <a:t>6/15/22</a:t>
             </a:fld>
             <a:endParaRPr lang="en-US"/>
           </a:p>
@@ -1388,7 +1388,7 @@
           <a:p>
             <a:fld id="{DBAB7D6F-FC53-384C-96BE-9F2C5FAC3370}" type="datetimeFigureOut">
               <a:rPr lang="en-US" smtClean="0"/>
-              <a:t>1/8/22</a:t>
+              <a:t>6/15/22</a:t>
             </a:fld>
             <a:endParaRPr lang="en-US"/>
           </a:p>
@@ -1586,7 +1586,7 @@
           <a:p>
             <a:fld id="{DBAB7D6F-FC53-384C-96BE-9F2C5FAC3370}" type="datetimeFigureOut">
               <a:rPr lang="en-US" smtClean="0"/>
-              <a:t>1/8/22</a:t>
+              <a:t>6/15/22</a:t>
             </a:fld>
             <a:endParaRPr lang="en-US"/>
           </a:p>
@@ -1794,7 +1794,7 @@
           <a:p>
             <a:fld id="{DBAB7D6F-FC53-384C-96BE-9F2C5FAC3370}" type="datetimeFigureOut">
               <a:rPr lang="en-US" smtClean="0"/>
-              <a:t>1/8/22</a:t>
+              <a:t>6/15/22</a:t>
             </a:fld>
             <a:endParaRPr lang="en-US"/>
           </a:p>
@@ -1992,7 +1992,7 @@
           <a:p>
             <a:fld id="{DBAB7D6F-FC53-384C-96BE-9F2C5FAC3370}" type="datetimeFigureOut">
               <a:rPr lang="en-US" smtClean="0"/>
-              <a:t>1/8/22</a:t>
+              <a:t>6/15/22</a:t>
             </a:fld>
             <a:endParaRPr lang="en-US"/>
           </a:p>
@@ -2267,7 +2267,7 @@
           <a:p>
             <a:fld id="{DBAB7D6F-FC53-384C-96BE-9F2C5FAC3370}" type="datetimeFigureOut">
               <a:rPr lang="en-US" smtClean="0"/>
-              <a:t>1/8/22</a:t>
+              <a:t>6/15/22</a:t>
             </a:fld>
             <a:endParaRPr lang="en-US"/>
           </a:p>
@@ -2532,7 +2532,7 @@
           <a:p>
             <a:fld id="{DBAB7D6F-FC53-384C-96BE-9F2C5FAC3370}" type="datetimeFigureOut">
               <a:rPr lang="en-US" smtClean="0"/>
-              <a:t>1/8/22</a:t>
+              <a:t>6/15/22</a:t>
             </a:fld>
             <a:endParaRPr lang="en-US"/>
           </a:p>
@@ -2944,7 +2944,7 @@
           <a:p>
             <a:fld id="{DBAB7D6F-FC53-384C-96BE-9F2C5FAC3370}" type="datetimeFigureOut">
               <a:rPr lang="en-US" smtClean="0"/>
-              <a:t>1/8/22</a:t>
+              <a:t>6/15/22</a:t>
             </a:fld>
             <a:endParaRPr lang="en-US"/>
           </a:p>
@@ -3085,7 +3085,7 @@
           <a:p>
             <a:fld id="{DBAB7D6F-FC53-384C-96BE-9F2C5FAC3370}" type="datetimeFigureOut">
               <a:rPr lang="en-US" smtClean="0"/>
-              <a:t>1/8/22</a:t>
+              <a:t>6/15/22</a:t>
             </a:fld>
             <a:endParaRPr lang="en-US"/>
           </a:p>
@@ -3198,7 +3198,7 @@
           <a:p>
             <a:fld id="{DBAB7D6F-FC53-384C-96BE-9F2C5FAC3370}" type="datetimeFigureOut">
               <a:rPr lang="en-US" smtClean="0"/>
-              <a:t>1/8/22</a:t>
+              <a:t>6/15/22</a:t>
             </a:fld>
             <a:endParaRPr lang="en-US"/>
           </a:p>
@@ -3509,7 +3509,7 @@
           <a:p>
             <a:fld id="{DBAB7D6F-FC53-384C-96BE-9F2C5FAC3370}" type="datetimeFigureOut">
               <a:rPr lang="en-US" smtClean="0"/>
-              <a:t>1/8/22</a:t>
+              <a:t>6/15/22</a:t>
             </a:fld>
             <a:endParaRPr lang="en-US"/>
           </a:p>
@@ -3797,7 +3797,7 @@
           <a:p>
             <a:fld id="{DBAB7D6F-FC53-384C-96BE-9F2C5FAC3370}" type="datetimeFigureOut">
               <a:rPr lang="en-US" smtClean="0"/>
-              <a:t>1/8/22</a:t>
+              <a:t>6/15/22</a:t>
             </a:fld>
             <a:endParaRPr lang="en-US"/>
           </a:p>
@@ -4038,7 +4038,7 @@
           <a:p>
             <a:fld id="{DBAB7D6F-FC53-384C-96BE-9F2C5FAC3370}" type="datetimeFigureOut">
               <a:rPr lang="en-US" smtClean="0"/>
-              <a:t>1/8/22</a:t>
+              <a:t>6/15/22</a:t>
             </a:fld>
             <a:endParaRPr lang="en-US"/>
           </a:p>
@@ -6133,12 +6133,14 @@
             </p:nvSpPr>
             <p:spPr/>
             <p:txBody>
-              <a:bodyPr/>
+              <a:bodyPr>
+                <a:normAutofit/>
+              </a:bodyPr>
               <a:lstStyle/>
               <a:p>
                 <a:r>
                   <a:rPr lang="en-US" dirty="0"/>
-                  <a:t>What happens if the estimator is consistent, but we cannot figure out how the estimator is distributed?</a:t>
+                  <a:t>What happens if the estimator is consistent, but we cannot figure out how the estimator is distributed? </a:t>
                 </a:r>
               </a:p>
               <a:p>
@@ -7479,8 +7481,8 @@
           </a:p>
         </p:txBody>
       </p:sp>
-      <mc:AlternateContent xmlns:mc="http://schemas.openxmlformats.org/markup-compatibility/2006">
-        <mc:Choice xmlns:a14="http://schemas.microsoft.com/office/drawing/2010/main" Requires="a14">
+      <mc:AlternateContent xmlns:mc="http://schemas.openxmlformats.org/markup-compatibility/2006" xmlns:a14="http://schemas.microsoft.com/office/drawing/2010/main">
+        <mc:Choice Requires="a14">
           <p:sp>
             <p:nvSpPr>
               <p:cNvPr id="3" name="Content Placeholder 2">
@@ -7837,7 +7839,7 @@
             </p:txBody>
           </p:sp>
         </mc:Choice>
-        <mc:Fallback>
+        <mc:Fallback xmlns="">
           <p:sp>
             <p:nvSpPr>
               <p:cNvPr id="3" name="Content Placeholder 2">

--- a/Powerpoints/3 Inference.pptx
+++ b/Powerpoints/3 Inference.pptx
@@ -5,38 +5,45 @@
     <p:sldMasterId id="2147483648" r:id="rId1"/>
   </p:sldMasterIdLst>
   <p:notesMasterIdLst>
-    <p:notesMasterId r:id="rId31"/>
+    <p:notesMasterId r:id="rId38"/>
   </p:notesMasterIdLst>
   <p:sldIdLst>
     <p:sldId id="257" r:id="rId2"/>
     <p:sldId id="335" r:id="rId3"/>
     <p:sldId id="258" r:id="rId4"/>
-    <p:sldId id="301" r:id="rId5"/>
-    <p:sldId id="312" r:id="rId6"/>
-    <p:sldId id="302" r:id="rId7"/>
-    <p:sldId id="313" r:id="rId8"/>
-    <p:sldId id="314" r:id="rId9"/>
-    <p:sldId id="325" r:id="rId10"/>
-    <p:sldId id="315" r:id="rId11"/>
-    <p:sldId id="322" r:id="rId12"/>
-    <p:sldId id="317" r:id="rId13"/>
-    <p:sldId id="316" r:id="rId14"/>
-    <p:sldId id="318" r:id="rId15"/>
-    <p:sldId id="308" r:id="rId16"/>
-    <p:sldId id="323" r:id="rId17"/>
-    <p:sldId id="324" r:id="rId18"/>
-    <p:sldId id="326" r:id="rId19"/>
-    <p:sldId id="310" r:id="rId20"/>
-    <p:sldId id="329" r:id="rId21"/>
-    <p:sldId id="334" r:id="rId22"/>
-    <p:sldId id="332" r:id="rId23"/>
-    <p:sldId id="333" r:id="rId24"/>
-    <p:sldId id="304" r:id="rId25"/>
-    <p:sldId id="306" r:id="rId26"/>
-    <p:sldId id="267" r:id="rId27"/>
-    <p:sldId id="272" r:id="rId28"/>
-    <p:sldId id="328" r:id="rId29"/>
-    <p:sldId id="320" r:id="rId30"/>
+    <p:sldId id="336" r:id="rId5"/>
+    <p:sldId id="301" r:id="rId6"/>
+    <p:sldId id="312" r:id="rId7"/>
+    <p:sldId id="302" r:id="rId8"/>
+    <p:sldId id="313" r:id="rId9"/>
+    <p:sldId id="344" r:id="rId10"/>
+    <p:sldId id="345" r:id="rId11"/>
+    <p:sldId id="346" r:id="rId12"/>
+    <p:sldId id="341" r:id="rId13"/>
+    <p:sldId id="308" r:id="rId14"/>
+    <p:sldId id="323" r:id="rId15"/>
+    <p:sldId id="324" r:id="rId16"/>
+    <p:sldId id="342" r:id="rId17"/>
+    <p:sldId id="326" r:id="rId18"/>
+    <p:sldId id="310" r:id="rId19"/>
+    <p:sldId id="329" r:id="rId20"/>
+    <p:sldId id="334" r:id="rId21"/>
+    <p:sldId id="332" r:id="rId22"/>
+    <p:sldId id="333" r:id="rId23"/>
+    <p:sldId id="338" r:id="rId24"/>
+    <p:sldId id="325" r:id="rId25"/>
+    <p:sldId id="339" r:id="rId26"/>
+    <p:sldId id="314" r:id="rId27"/>
+    <p:sldId id="315" r:id="rId28"/>
+    <p:sldId id="322" r:id="rId29"/>
+    <p:sldId id="316" r:id="rId30"/>
+    <p:sldId id="318" r:id="rId31"/>
+    <p:sldId id="304" r:id="rId32"/>
+    <p:sldId id="306" r:id="rId33"/>
+    <p:sldId id="267" r:id="rId34"/>
+    <p:sldId id="272" r:id="rId35"/>
+    <p:sldId id="328" r:id="rId36"/>
+    <p:sldId id="320" r:id="rId37"/>
   </p:sldIdLst>
   <p:sldSz cx="12192000" cy="6858000"/>
   <p:notesSz cx="6858000" cy="9144000"/>
@@ -225,7 +232,7 @@
           <a:p>
             <a:fld id="{E723D93F-DE43-BC4C-A115-7456D7C9E421}" type="datetimeFigureOut">
               <a:rPr lang="en-US" smtClean="0"/>
-              <a:t>6/15/22</a:t>
+              <a:t>8/1/22</a:t>
             </a:fld>
             <a:endParaRPr lang="en-US"/>
           </a:p>
@@ -572,7 +579,7 @@
           <a:p>
             <a:fld id="{5E430008-97A9-1B47-8101-ED2EAE72FABC}" type="slidenum">
               <a:rPr lang="en-US" smtClean="0"/>
-              <a:t>5</a:t>
+              <a:t>6</a:t>
             </a:fld>
             <a:endParaRPr lang="en-US"/>
           </a:p>
@@ -620,53 +627,224 @@
         </p:nvSpPr>
         <p:spPr/>
       </p:sp>
-      <p:sp>
-        <p:nvSpPr>
-          <p:cNvPr id="3" name="Notes Placeholder 2"/>
-          <p:cNvSpPr>
-            <a:spLocks noGrp="1"/>
-          </p:cNvSpPr>
-          <p:nvPr>
-            <p:ph type="body" idx="1"/>
-          </p:nvPr>
-        </p:nvSpPr>
-        <p:spPr/>
-        <p:txBody>
-          <a:bodyPr/>
-          <a:lstStyle/>
-          <a:p>
-            <a:r>
-              <a:rPr lang="en-US" sz="2000" dirty="0"/>
-              <a:t>We won’t be covering the derivation of the OLS estimator today. The derivation is easy to find, and there are multiple ways to get there.</a:t>
-            </a:r>
-          </a:p>
-          <a:p>
-            <a:endParaRPr lang="en-US" sz="2000" dirty="0"/>
-          </a:p>
-          <a:p>
-            <a:r>
-              <a:rPr lang="en-US" sz="2000" dirty="0"/>
-              <a:t>This is only one derivation how the distribution of the OLS estimator. There are others, such as the (1) maximum likelihood estimation distribution, which relies on the Fisher information matrix, and the hessians; and (2) </a:t>
-            </a:r>
-            <a:r>
-              <a:rPr lang="en-US" sz="2000" dirty="0" err="1"/>
-              <a:t>Amemiya</a:t>
-            </a:r>
-            <a:r>
-              <a:rPr lang="en-US" sz="2000" dirty="0"/>
-              <a:t> (1985) proof using </a:t>
-            </a:r>
-            <a:r>
-              <a:rPr lang="en-US" sz="2000" dirty="0" err="1"/>
-              <a:t>taylor</a:t>
-            </a:r>
-            <a:r>
-              <a:rPr lang="en-US" sz="2000" dirty="0"/>
-              <a:t> expansions </a:t>
-            </a:r>
-          </a:p>
-        </p:txBody>
-      </p:sp>
+      <mc:AlternateContent xmlns:mc="http://schemas.openxmlformats.org/markup-compatibility/2006">
+        <mc:Choice xmlns:a14="http://schemas.microsoft.com/office/drawing/2010/main" Requires="a14">
+          <p:sp>
+            <p:nvSpPr>
+              <p:cNvPr id="3" name="Notes Placeholder 2"/>
+              <p:cNvSpPr>
+                <a:spLocks noGrp="1"/>
+              </p:cNvSpPr>
+              <p:nvPr>
+                <p:ph type="body" idx="1"/>
+              </p:nvPr>
+            </p:nvSpPr>
+            <p:spPr/>
+            <p:txBody>
+              <a:bodyPr/>
+              <a:lstStyle/>
+              <a:p>
+                <a:r>
+                  <a:rPr lang="en-US" sz="2000" dirty="0"/>
+                  <a:t>We won’t be covering the derivation of the OLS estimator today. The derivation is easy to find, and there are multiple ways to get there.</a:t>
+                </a:r>
+              </a:p>
+              <a:p>
+                <a:endParaRPr lang="en-US" sz="2000" dirty="0"/>
+              </a:p>
+              <a:p>
+                <a:pPr marL="0" marR="0" lvl="0" indent="0" algn="l" defTabSz="914400" rtl="0" eaLnBrk="1" fontAlgn="auto" latinLnBrk="0" hangingPunct="1">
+                  <a:lnSpc>
+                    <a:spcPct val="100000"/>
+                  </a:lnSpc>
+                  <a:spcBef>
+                    <a:spcPts val="0"/>
+                  </a:spcBef>
+                  <a:spcAft>
+                    <a:spcPts val="0"/>
+                  </a:spcAft>
+                  <a:buClrTx/>
+                  <a:buSzTx/>
+                  <a:buFontTx/>
+                  <a:buNone/>
+                  <a:tabLst/>
+                  <a:defRPr/>
+                </a:pPr>
+                <a:r>
+                  <a:rPr lang="en-US" sz="2000" dirty="0"/>
+                  <a:t>This now tells us the joint distribution of </a:t>
+                </a:r>
+                <a14:m>
+                  <m:oMath xmlns:m="http://schemas.openxmlformats.org/officeDocument/2006/math">
+                    <m:acc>
+                      <m:accPr>
+                        <m:chr m:val="̂"/>
+                        <m:ctrlPr>
+                          <a:rPr lang="en-US" sz="2000" i="1">
+                            <a:latin typeface="Cambria Math" panose="02040503050406030204" pitchFamily="18" charset="0"/>
+                          </a:rPr>
+                        </m:ctrlPr>
+                      </m:accPr>
+                      <m:e>
+                        <m:r>
+                          <a:rPr lang="en-US" sz="2000" i="1">
+                            <a:latin typeface="Cambria Math" panose="02040503050406030204" pitchFamily="18" charset="0"/>
+                          </a:rPr>
+                          <m:t>𝛽</m:t>
+                        </m:r>
+                      </m:e>
+                    </m:acc>
+                  </m:oMath>
+                </a14:m>
+                <a:r>
+                  <a:rPr lang="en-US" sz="2000" dirty="0"/>
+                  <a:t>. See the Appendix for how to test hypothesis based on transformations of </a:t>
+                </a:r>
+                <a14:m>
+                  <m:oMath xmlns:m="http://schemas.openxmlformats.org/officeDocument/2006/math">
+                    <m:acc>
+                      <m:accPr>
+                        <m:chr m:val="̂"/>
+                        <m:ctrlPr>
+                          <a:rPr lang="en-US" sz="2000" i="1">
+                            <a:latin typeface="Cambria Math" panose="02040503050406030204" pitchFamily="18" charset="0"/>
+                          </a:rPr>
+                        </m:ctrlPr>
+                      </m:accPr>
+                      <m:e>
+                        <m:r>
+                          <a:rPr lang="en-US" sz="2000" i="1">
+                            <a:latin typeface="Cambria Math" panose="02040503050406030204" pitchFamily="18" charset="0"/>
+                          </a:rPr>
+                          <m:t>𝛽</m:t>
+                        </m:r>
+                      </m:e>
+                    </m:acc>
+                  </m:oMath>
+                </a14:m>
+                <a:endParaRPr lang="en-US" sz="2000" dirty="0"/>
+              </a:p>
+              <a:p>
+                <a:endParaRPr lang="en-US" sz="2000" dirty="0"/>
+              </a:p>
+              <a:p>
+                <a:r>
+                  <a:rPr lang="en-US" sz="2000" dirty="0"/>
+                  <a:t>This is only one derivation how the distribution of the OLS estimator. There are others, such as the (1) maximum likelihood estimation distribution, which relies on the Fisher information matrix, and the hessians; and (2) </a:t>
+                </a:r>
+                <a:r>
+                  <a:rPr lang="en-US" sz="2000" dirty="0" err="1"/>
+                  <a:t>Amemiya</a:t>
+                </a:r>
+                <a:r>
+                  <a:rPr lang="en-US" sz="2000" dirty="0"/>
+                  <a:t> (1985) proof using </a:t>
+                </a:r>
+                <a:r>
+                  <a:rPr lang="en-US" sz="2000" dirty="0" err="1"/>
+                  <a:t>taylor</a:t>
+                </a:r>
+                <a:r>
+                  <a:rPr lang="en-US" sz="2000" dirty="0"/>
+                  <a:t> expansions </a:t>
+                </a:r>
+              </a:p>
+            </p:txBody>
+          </p:sp>
+        </mc:Choice>
+        <mc:Fallback>
+          <p:sp>
+            <p:nvSpPr>
+              <p:cNvPr id="3" name="Notes Placeholder 2"/>
+              <p:cNvSpPr>
+                <a:spLocks noGrp="1"/>
+              </p:cNvSpPr>
+              <p:nvPr>
+                <p:ph type="body" idx="1"/>
+              </p:nvPr>
+            </p:nvSpPr>
+            <p:spPr/>
+            <p:txBody>
+              <a:bodyPr/>
+              <a:lstStyle/>
+              <a:p>
+                <a:r>
+                  <a:rPr lang="en-US" sz="2000" dirty="0"/>
+                  <a:t>We won’t be covering the derivation of the OLS estimator today. The derivation is easy to find, and there are multiple ways to get there.</a:t>
+                </a:r>
+              </a:p>
+              <a:p>
+                <a:endParaRPr lang="en-US" sz="2000" dirty="0"/>
+              </a:p>
+              <a:p>
+                <a:pPr marL="0" marR="0" lvl="0" indent="0" algn="l" defTabSz="914400" rtl="0" eaLnBrk="1" fontAlgn="auto" latinLnBrk="0" hangingPunct="1">
+                  <a:lnSpc>
+                    <a:spcPct val="100000"/>
+                  </a:lnSpc>
+                  <a:spcBef>
+                    <a:spcPts val="0"/>
+                  </a:spcBef>
+                  <a:spcAft>
+                    <a:spcPts val="0"/>
+                  </a:spcAft>
+                  <a:buClrTx/>
+                  <a:buSzTx/>
+                  <a:buFontTx/>
+                  <a:buNone/>
+                  <a:tabLst/>
+                  <a:defRPr/>
+                </a:pPr>
+                <a:r>
+                  <a:rPr lang="en-US" sz="2000" dirty="0"/>
+                  <a:t>This now tells us the joint distribution of </a:t>
+                </a:r>
+                <a:r>
+                  <a:rPr lang="en-US" sz="2000" i="0">
+                    <a:latin typeface="Cambria Math" panose="02040503050406030204" pitchFamily="18" charset="0"/>
+                  </a:rPr>
+                  <a:t>𝛽 ̂</a:t>
+                </a:r>
+                <a:r>
+                  <a:rPr lang="en-US" sz="2000" dirty="0"/>
+                  <a:t>. See the Appendix for how to test hypothesis based on transformations of </a:t>
+                </a:r>
+                <a:r>
+                  <a:rPr lang="en-US" sz="2000" i="0">
+                    <a:latin typeface="Cambria Math" panose="02040503050406030204" pitchFamily="18" charset="0"/>
+                  </a:rPr>
+                  <a:t>𝛽 ̂</a:t>
+                </a:r>
+                <a:endParaRPr lang="en-US" sz="2000" dirty="0"/>
+              </a:p>
+              <a:p>
+                <a:endParaRPr lang="en-US" sz="2000" dirty="0"/>
+              </a:p>
+              <a:p>
+                <a:r>
+                  <a:rPr lang="en-US" sz="2000" dirty="0"/>
+                  <a:t>This is only one derivation how the distribution of the OLS estimator. There are others, such as the (1) maximum likelihood estimation distribution, which relies on the Fisher information matrix, and the hessians; and (2) </a:t>
+                </a:r>
+                <a:r>
+                  <a:rPr lang="en-US" sz="2000" dirty="0" err="1"/>
+                  <a:t>Amemiya</a:t>
+                </a:r>
+                <a:r>
+                  <a:rPr lang="en-US" sz="2000" dirty="0"/>
+                  <a:t> (1985) proof using </a:t>
+                </a:r>
+                <a:r>
+                  <a:rPr lang="en-US" sz="2000" dirty="0" err="1"/>
+                  <a:t>taylor</a:t>
+                </a:r>
+                <a:r>
+                  <a:rPr lang="en-US" sz="2000" dirty="0"/>
+                  <a:t> expansions </a:t>
+                </a:r>
+              </a:p>
+            </p:txBody>
+          </p:sp>
+        </mc:Fallback>
+      </mc:AlternateContent>
       <p:sp>
         <p:nvSpPr>
           <p:cNvPr id="4" name="Slide Number Placeholder 3"/>
@@ -684,7 +862,7 @@
           <a:p>
             <a:fld id="{5E430008-97A9-1B47-8101-ED2EAE72FABC}" type="slidenum">
               <a:rPr lang="en-US" smtClean="0"/>
-              <a:t>7</a:t>
+              <a:t>8</a:t>
             </a:fld>
             <a:endParaRPr lang="en-US"/>
           </a:p>
@@ -768,7 +946,7 @@
           <a:p>
             <a:fld id="{5E430008-97A9-1B47-8101-ED2EAE72FABC}" type="slidenum">
               <a:rPr lang="en-US" smtClean="0"/>
-              <a:t>8</a:t>
+              <a:t>13</a:t>
             </a:fld>
             <a:endParaRPr lang="en-US"/>
           </a:p>
@@ -777,7 +955,7 @@
     </p:spTree>
     <p:extLst>
       <p:ext uri="{BB962C8B-B14F-4D97-AF65-F5344CB8AC3E}">
-        <p14:creationId xmlns:p14="http://schemas.microsoft.com/office/powerpoint/2010/main" val="2677062076"/>
+        <p14:creationId xmlns:p14="http://schemas.microsoft.com/office/powerpoint/2010/main" val="1800318067"/>
       </p:ext>
     </p:extLst>
   </p:cSld>
@@ -831,29 +1009,6 @@
           <a:bodyPr/>
           <a:lstStyle/>
           <a:p>
-            <a:pPr marL="0" marR="0" lvl="0" indent="0" algn="l" defTabSz="914400" rtl="0" eaLnBrk="1" fontAlgn="auto" latinLnBrk="0" hangingPunct="1">
-              <a:lnSpc>
-                <a:spcPct val="100000"/>
-              </a:lnSpc>
-              <a:spcBef>
-                <a:spcPts val="0"/>
-              </a:spcBef>
-              <a:spcAft>
-                <a:spcPts val="0"/>
-              </a:spcAft>
-              <a:buClrTx/>
-              <a:buSzTx/>
-              <a:buFontTx/>
-              <a:buNone/>
-              <a:tabLst/>
-              <a:defRPr/>
-            </a:pPr>
-            <a:r>
-              <a:rPr lang="en-US" dirty="0"/>
-              <a:t>We can see this in more complicated causal models, like a propensity matching model.</a:t>
-            </a:r>
-          </a:p>
-          <a:p>
             <a:endParaRPr lang="en-US" dirty="0"/>
           </a:p>
         </p:txBody>
@@ -875,7 +1030,7 @@
           <a:p>
             <a:fld id="{5E430008-97A9-1B47-8101-ED2EAE72FABC}" type="slidenum">
               <a:rPr lang="en-US" smtClean="0"/>
-              <a:t>10</a:t>
+              <a:t>21</a:t>
             </a:fld>
             <a:endParaRPr lang="en-US"/>
           </a:p>
@@ -884,7 +1039,7 @@
     </p:spTree>
     <p:extLst>
       <p:ext uri="{BB962C8B-B14F-4D97-AF65-F5344CB8AC3E}">
-        <p14:creationId xmlns:p14="http://schemas.microsoft.com/office/powerpoint/2010/main" val="2736547366"/>
+        <p14:creationId xmlns:p14="http://schemas.microsoft.com/office/powerpoint/2010/main" val="1215681163"/>
       </p:ext>
     </p:extLst>
   </p:cSld>
@@ -959,7 +1114,7 @@
           <a:p>
             <a:fld id="{5E430008-97A9-1B47-8101-ED2EAE72FABC}" type="slidenum">
               <a:rPr lang="en-US" smtClean="0"/>
-              <a:t>12</a:t>
+              <a:t>26</a:t>
             </a:fld>
             <a:endParaRPr lang="en-US"/>
           </a:p>
@@ -968,7 +1123,7 @@
     </p:spTree>
     <p:extLst>
       <p:ext uri="{BB962C8B-B14F-4D97-AF65-F5344CB8AC3E}">
-        <p14:creationId xmlns:p14="http://schemas.microsoft.com/office/powerpoint/2010/main" val="2936843532"/>
+        <p14:creationId xmlns:p14="http://schemas.microsoft.com/office/powerpoint/2010/main" val="3770622560"/>
       </p:ext>
     </p:extLst>
   </p:cSld>
@@ -1022,6 +1177,29 @@
           <a:bodyPr/>
           <a:lstStyle/>
           <a:p>
+            <a:pPr marL="0" marR="0" lvl="0" indent="0" algn="l" defTabSz="914400" rtl="0" eaLnBrk="1" fontAlgn="auto" latinLnBrk="0" hangingPunct="1">
+              <a:lnSpc>
+                <a:spcPct val="100000"/>
+              </a:lnSpc>
+              <a:spcBef>
+                <a:spcPts val="0"/>
+              </a:spcBef>
+              <a:spcAft>
+                <a:spcPts val="0"/>
+              </a:spcAft>
+              <a:buClrTx/>
+              <a:buSzTx/>
+              <a:buFontTx/>
+              <a:buNone/>
+              <a:tabLst/>
+              <a:defRPr/>
+            </a:pPr>
+            <a:r>
+              <a:rPr lang="en-US" dirty="0"/>
+              <a:t>We can see this in more complicated causal models, like a propensity matching model.</a:t>
+            </a:r>
+          </a:p>
+          <a:p>
             <a:endParaRPr lang="en-US" dirty="0"/>
           </a:p>
         </p:txBody>
@@ -1043,7 +1221,7 @@
           <a:p>
             <a:fld id="{5E430008-97A9-1B47-8101-ED2EAE72FABC}" type="slidenum">
               <a:rPr lang="en-US" smtClean="0"/>
-              <a:t>15</a:t>
+              <a:t>27</a:t>
             </a:fld>
             <a:endParaRPr lang="en-US"/>
           </a:p>
@@ -1052,7 +1230,7 @@
     </p:spTree>
     <p:extLst>
       <p:ext uri="{BB962C8B-B14F-4D97-AF65-F5344CB8AC3E}">
-        <p14:creationId xmlns:p14="http://schemas.microsoft.com/office/powerpoint/2010/main" val="1800318067"/>
+        <p14:creationId xmlns:p14="http://schemas.microsoft.com/office/powerpoint/2010/main" val="2753699267"/>
       </p:ext>
     </p:extLst>
   </p:cSld>
@@ -1106,7 +1284,18 @@
           <a:bodyPr/>
           <a:lstStyle/>
           <a:p>
-            <a:endParaRPr lang="en-US" dirty="0"/>
+            <a:r>
+              <a:rPr lang="en-US" dirty="0"/>
+              <a:t>Note that P(</a:t>
+            </a:r>
+            <a:r>
+              <a:rPr lang="en-US" dirty="0" err="1"/>
+              <a:t>X_i</a:t>
+            </a:r>
+            <a:r>
+              <a:rPr lang="en-US" dirty="0"/>
+              <a:t>) can be wrong not only because of features, but the functional form! Forcing the model to be linear (OLS/Lasso), piecewise (forests), or decomposable into specific layers (DNN) can result in model specification.</a:t>
+            </a:r>
           </a:p>
         </p:txBody>
       </p:sp>
@@ -1127,102 +1316,7 @@
           <a:p>
             <a:fld id="{5E430008-97A9-1B47-8101-ED2EAE72FABC}" type="slidenum">
               <a:rPr lang="en-US" smtClean="0"/>
-              <a:t>22</a:t>
-            </a:fld>
-            <a:endParaRPr lang="en-US"/>
-          </a:p>
-        </p:txBody>
-      </p:sp>
-    </p:spTree>
-    <p:extLst>
-      <p:ext uri="{BB962C8B-B14F-4D97-AF65-F5344CB8AC3E}">
-        <p14:creationId xmlns:p14="http://schemas.microsoft.com/office/powerpoint/2010/main" val="1215681163"/>
-      </p:ext>
-    </p:extLst>
-  </p:cSld>
-  <p:clrMapOvr>
-    <a:masterClrMapping/>
-  </p:clrMapOvr>
-</p:notes>
-</file>
-
-<file path=ppt/notesSlides/notesSlide8.xml><?xml version="1.0" encoding="utf-8"?>
-<p:notes xmlns:a="http://schemas.openxmlformats.org/drawingml/2006/main" xmlns:r="http://schemas.openxmlformats.org/officeDocument/2006/relationships" xmlns:p="http://schemas.openxmlformats.org/presentationml/2006/main">
-  <p:cSld>
-    <p:spTree>
-      <p:nvGrpSpPr>
-        <p:cNvPr id="1" name=""/>
-        <p:cNvGrpSpPr/>
-        <p:nvPr/>
-      </p:nvGrpSpPr>
-      <p:grpSpPr>
-        <a:xfrm>
-          <a:off x="0" y="0"/>
-          <a:ext cx="0" cy="0"/>
-          <a:chOff x="0" y="0"/>
-          <a:chExt cx="0" cy="0"/>
-        </a:xfrm>
-      </p:grpSpPr>
-      <p:sp>
-        <p:nvSpPr>
-          <p:cNvPr id="2" name="Slide Image Placeholder 1"/>
-          <p:cNvSpPr>
-            <a:spLocks noGrp="1" noRot="1" noChangeAspect="1"/>
-          </p:cNvSpPr>
-          <p:nvPr>
-            <p:ph type="sldImg"/>
-          </p:nvPr>
-        </p:nvSpPr>
-        <p:spPr/>
-      </p:sp>
-      <p:sp>
-        <p:nvSpPr>
-          <p:cNvPr id="3" name="Notes Placeholder 2"/>
-          <p:cNvSpPr>
-            <a:spLocks noGrp="1"/>
-          </p:cNvSpPr>
-          <p:nvPr>
-            <p:ph type="body" idx="1"/>
-          </p:nvPr>
-        </p:nvSpPr>
-        <p:spPr/>
-        <p:txBody>
-          <a:bodyPr/>
-          <a:lstStyle/>
-          <a:p>
-            <a:r>
-              <a:rPr lang="en-US" dirty="0"/>
-              <a:t>Note that P(</a:t>
-            </a:r>
-            <a:r>
-              <a:rPr lang="en-US" dirty="0" err="1"/>
-              <a:t>X_i</a:t>
-            </a:r>
-            <a:r>
-              <a:rPr lang="en-US" dirty="0"/>
-              <a:t>) can be wrong not only because of features, but the functional form! Forcing the model to be linear (OLS/Lasso), piecewise (forests), or decomposable into specific layers (DNN) can result in model specification.</a:t>
-            </a:r>
-          </a:p>
-        </p:txBody>
-      </p:sp>
-      <p:sp>
-        <p:nvSpPr>
-          <p:cNvPr id="4" name="Slide Number Placeholder 3"/>
-          <p:cNvSpPr>
-            <a:spLocks noGrp="1"/>
-          </p:cNvSpPr>
-          <p:nvPr>
-            <p:ph type="sldNum" sz="quarter" idx="5"/>
-          </p:nvPr>
-        </p:nvSpPr>
-        <p:spPr/>
-        <p:txBody>
-          <a:bodyPr/>
-          <a:lstStyle/>
-          <a:p>
-            <a:fld id="{5E430008-97A9-1B47-8101-ED2EAE72FABC}" type="slidenum">
-              <a:rPr lang="en-US" smtClean="0"/>
-              <a:t>29</a:t>
+              <a:t>36</a:t>
             </a:fld>
             <a:endParaRPr lang="en-US"/>
           </a:p>
@@ -1388,7 +1482,7 @@
           <a:p>
             <a:fld id="{DBAB7D6F-FC53-384C-96BE-9F2C5FAC3370}" type="datetimeFigureOut">
               <a:rPr lang="en-US" smtClean="0"/>
-              <a:t>6/15/22</a:t>
+              <a:t>8/1/22</a:t>
             </a:fld>
             <a:endParaRPr lang="en-US"/>
           </a:p>
@@ -1586,7 +1680,7 @@
           <a:p>
             <a:fld id="{DBAB7D6F-FC53-384C-96BE-9F2C5FAC3370}" type="datetimeFigureOut">
               <a:rPr lang="en-US" smtClean="0"/>
-              <a:t>6/15/22</a:t>
+              <a:t>8/1/22</a:t>
             </a:fld>
             <a:endParaRPr lang="en-US"/>
           </a:p>
@@ -1794,7 +1888,7 @@
           <a:p>
             <a:fld id="{DBAB7D6F-FC53-384C-96BE-9F2C5FAC3370}" type="datetimeFigureOut">
               <a:rPr lang="en-US" smtClean="0"/>
-              <a:t>6/15/22</a:t>
+              <a:t>8/1/22</a:t>
             </a:fld>
             <a:endParaRPr lang="en-US"/>
           </a:p>
@@ -1992,7 +2086,7 @@
           <a:p>
             <a:fld id="{DBAB7D6F-FC53-384C-96BE-9F2C5FAC3370}" type="datetimeFigureOut">
               <a:rPr lang="en-US" smtClean="0"/>
-              <a:t>6/15/22</a:t>
+              <a:t>8/1/22</a:t>
             </a:fld>
             <a:endParaRPr lang="en-US"/>
           </a:p>
@@ -2267,7 +2361,7 @@
           <a:p>
             <a:fld id="{DBAB7D6F-FC53-384C-96BE-9F2C5FAC3370}" type="datetimeFigureOut">
               <a:rPr lang="en-US" smtClean="0"/>
-              <a:t>6/15/22</a:t>
+              <a:t>8/1/22</a:t>
             </a:fld>
             <a:endParaRPr lang="en-US"/>
           </a:p>
@@ -2532,7 +2626,7 @@
           <a:p>
             <a:fld id="{DBAB7D6F-FC53-384C-96BE-9F2C5FAC3370}" type="datetimeFigureOut">
               <a:rPr lang="en-US" smtClean="0"/>
-              <a:t>6/15/22</a:t>
+              <a:t>8/1/22</a:t>
             </a:fld>
             <a:endParaRPr lang="en-US"/>
           </a:p>
@@ -2944,7 +3038,7 @@
           <a:p>
             <a:fld id="{DBAB7D6F-FC53-384C-96BE-9F2C5FAC3370}" type="datetimeFigureOut">
               <a:rPr lang="en-US" smtClean="0"/>
-              <a:t>6/15/22</a:t>
+              <a:t>8/1/22</a:t>
             </a:fld>
             <a:endParaRPr lang="en-US"/>
           </a:p>
@@ -3085,7 +3179,7 @@
           <a:p>
             <a:fld id="{DBAB7D6F-FC53-384C-96BE-9F2C5FAC3370}" type="datetimeFigureOut">
               <a:rPr lang="en-US" smtClean="0"/>
-              <a:t>6/15/22</a:t>
+              <a:t>8/1/22</a:t>
             </a:fld>
             <a:endParaRPr lang="en-US"/>
           </a:p>
@@ -3198,7 +3292,7 @@
           <a:p>
             <a:fld id="{DBAB7D6F-FC53-384C-96BE-9F2C5FAC3370}" type="datetimeFigureOut">
               <a:rPr lang="en-US" smtClean="0"/>
-              <a:t>6/15/22</a:t>
+              <a:t>8/1/22</a:t>
             </a:fld>
             <a:endParaRPr lang="en-US"/>
           </a:p>
@@ -3509,7 +3603,7 @@
           <a:p>
             <a:fld id="{DBAB7D6F-FC53-384C-96BE-9F2C5FAC3370}" type="datetimeFigureOut">
               <a:rPr lang="en-US" smtClean="0"/>
-              <a:t>6/15/22</a:t>
+              <a:t>8/1/22</a:t>
             </a:fld>
             <a:endParaRPr lang="en-US"/>
           </a:p>
@@ -3797,7 +3891,7 @@
           <a:p>
             <a:fld id="{DBAB7D6F-FC53-384C-96BE-9F2C5FAC3370}" type="datetimeFigureOut">
               <a:rPr lang="en-US" smtClean="0"/>
-              <a:t>6/15/22</a:t>
+              <a:t>8/1/22</a:t>
             </a:fld>
             <a:endParaRPr lang="en-US"/>
           </a:p>
@@ -4038,7 +4132,7 @@
           <a:p>
             <a:fld id="{DBAB7D6F-FC53-384C-96BE-9F2C5FAC3370}" type="datetimeFigureOut">
               <a:rPr lang="en-US" smtClean="0"/>
-              <a:t>6/15/22</a:t>
+              <a:t>8/1/22</a:t>
             </a:fld>
             <a:endParaRPr lang="en-US"/>
           </a:p>
@@ -4550,42 +4644,115 @@
           <a:chExt cx="0" cy="0"/>
         </a:xfrm>
       </p:grpSpPr>
-      <p:sp>
-        <p:nvSpPr>
-          <p:cNvPr id="2" name="Title 1">
-            <a:extLst>
-              <a:ext uri="{FF2B5EF4-FFF2-40B4-BE49-F238E27FC236}">
-                <a16:creationId xmlns:a16="http://schemas.microsoft.com/office/drawing/2014/main" id="{60BF36F5-6FB5-5544-9345-BB84D5818E88}"/>
-              </a:ext>
-            </a:extLst>
-          </p:cNvPr>
-          <p:cNvSpPr>
-            <a:spLocks noGrp="1"/>
-          </p:cNvSpPr>
-          <p:nvPr>
-            <p:ph type="title"/>
-          </p:nvPr>
-        </p:nvSpPr>
-        <p:spPr/>
-        <p:txBody>
-          <a:bodyPr/>
-          <a:lstStyle/>
-          <a:p>
-            <a:r>
-              <a:rPr lang="en-US" dirty="0"/>
-              <a:t>Model misspecification also creates bias</a:t>
-            </a:r>
-          </a:p>
-        </p:txBody>
-      </p:sp>
-      <mc:AlternateContent xmlns:mc="http://schemas.openxmlformats.org/markup-compatibility/2006" xmlns:a14="http://schemas.microsoft.com/office/drawing/2010/main">
-        <mc:Choice Requires="a14">
+      <mc:AlternateContent xmlns:mc="http://schemas.openxmlformats.org/markup-compatibility/2006">
+        <mc:Choice xmlns:a14="http://schemas.microsoft.com/office/drawing/2010/main" Requires="a14">
           <p:sp>
             <p:nvSpPr>
-              <p:cNvPr id="3" name="Content Placeholder 2">
+              <p:cNvPr id="4" name="Title 3">
                 <a:extLst>
                   <a:ext uri="{FF2B5EF4-FFF2-40B4-BE49-F238E27FC236}">
-                    <a16:creationId xmlns:a16="http://schemas.microsoft.com/office/drawing/2014/main" id="{174FC84F-5A6F-484F-8365-5F2F31B08658}"/>
+                    <a16:creationId xmlns:a16="http://schemas.microsoft.com/office/drawing/2014/main" id="{E8064975-7A74-0E77-682C-A1CAB0EEFC63}"/>
+                  </a:ext>
+                </a:extLst>
+              </p:cNvPr>
+              <p:cNvSpPr>
+                <a:spLocks noGrp="1"/>
+              </p:cNvSpPr>
+              <p:nvPr>
+                <p:ph type="title"/>
+              </p:nvPr>
+            </p:nvSpPr>
+            <p:spPr/>
+            <p:txBody>
+              <a:bodyPr/>
+              <a:lstStyle/>
+              <a:p>
+                <a:r>
+                  <a:rPr lang="en-US" dirty="0"/>
+                  <a:t>Assumptions in the distribution of </a:t>
+                </a:r>
+                <a14:m>
+                  <m:oMath xmlns:m="http://schemas.openxmlformats.org/officeDocument/2006/math">
+                    <m:sSub>
+                      <m:sSubPr>
+                        <m:ctrlPr>
+                          <a:rPr lang="en-US" i="1">
+                            <a:latin typeface="Cambria Math" panose="02040503050406030204" pitchFamily="18" charset="0"/>
+                          </a:rPr>
+                        </m:ctrlPr>
+                      </m:sSubPr>
+                      <m:e>
+                        <m:r>
+                          <a:rPr lang="en-US" i="1">
+                            <a:latin typeface="Cambria Math" panose="02040503050406030204" pitchFamily="18" charset="0"/>
+                          </a:rPr>
+                          <m:t>𝜖</m:t>
+                        </m:r>
+                      </m:e>
+                      <m:sub>
+                        <m:r>
+                          <a:rPr lang="en-US" i="1">
+                            <a:latin typeface="Cambria Math" panose="02040503050406030204" pitchFamily="18" charset="0"/>
+                          </a:rPr>
+                          <m:t>𝑖</m:t>
+                        </m:r>
+                      </m:sub>
+                    </m:sSub>
+                  </m:oMath>
+                </a14:m>
+                <a:endParaRPr lang="en-US" dirty="0"/>
+              </a:p>
+            </p:txBody>
+          </p:sp>
+        </mc:Choice>
+        <mc:Fallback>
+          <p:sp>
+            <p:nvSpPr>
+              <p:cNvPr id="4" name="Title 3">
+                <a:extLst>
+                  <a:ext uri="{FF2B5EF4-FFF2-40B4-BE49-F238E27FC236}">
+                    <a16:creationId xmlns:a16="http://schemas.microsoft.com/office/drawing/2014/main" id="{E8064975-7A74-0E77-682C-A1CAB0EEFC63}"/>
+                  </a:ext>
+                </a:extLst>
+              </p:cNvPr>
+              <p:cNvSpPr>
+                <a:spLocks noGrp="1" noRot="1" noChangeAspect="1" noMove="1" noResize="1" noEditPoints="1" noAdjustHandles="1" noChangeArrowheads="1" noChangeShapeType="1" noTextEdit="1"/>
+              </p:cNvSpPr>
+              <p:nvPr>
+                <p:ph type="title"/>
+              </p:nvPr>
+            </p:nvSpPr>
+            <p:spPr>
+              <a:blipFill>
+                <a:blip r:embed="rId2"/>
+                <a:stretch>
+                  <a:fillRect l="-2413"/>
+                </a:stretch>
+              </a:blipFill>
+            </p:spPr>
+            <p:txBody>
+              <a:bodyPr/>
+              <a:lstStyle/>
+              <a:p>
+                <a:r>
+                  <a:rPr lang="en-US">
+                    <a:noFill/>
+                  </a:rPr>
+                  <a:t> </a:t>
+                </a:r>
+              </a:p>
+            </p:txBody>
+          </p:sp>
+        </mc:Fallback>
+      </mc:AlternateContent>
+      <mc:AlternateContent xmlns:mc="http://schemas.openxmlformats.org/markup-compatibility/2006">
+        <mc:Choice xmlns:a14="http://schemas.microsoft.com/office/drawing/2010/main" Requires="a14">
+          <p:sp>
+            <p:nvSpPr>
+              <p:cNvPr id="5" name="Content Placeholder 4">
+                <a:extLst>
+                  <a:ext uri="{FF2B5EF4-FFF2-40B4-BE49-F238E27FC236}">
+                    <a16:creationId xmlns:a16="http://schemas.microsoft.com/office/drawing/2014/main" id="{76C6CB2F-5241-4CD7-62A1-E68B5DA30772}"/>
                   </a:ext>
                 </a:extLst>
               </p:cNvPr>
@@ -4603,86 +4770,164 @@
               </a:bodyPr>
               <a:lstStyle/>
               <a:p>
+                <a:pPr marL="0" indent="0">
+                  <a:buNone/>
+                </a:pPr>
+                <a14:m>
+                  <m:oMathPara xmlns:m="http://schemas.openxmlformats.org/officeDocument/2006/math">
+                    <m:oMathParaPr>
+                      <m:jc m:val="centerGroup"/>
+                    </m:oMathParaPr>
+                    <m:oMath xmlns:m="http://schemas.openxmlformats.org/officeDocument/2006/math">
+                      <m:sSub>
+                        <m:sSubPr>
+                          <m:ctrlPr>
+                            <a:rPr lang="en-US" i="1" smtClean="0">
+                              <a:latin typeface="Cambria Math" panose="02040503050406030204" pitchFamily="18" charset="0"/>
+                            </a:rPr>
+                          </m:ctrlPr>
+                        </m:sSubPr>
+                        <m:e>
+                          <m:r>
+                            <a:rPr lang="en-US" i="1">
+                              <a:latin typeface="Cambria Math" panose="02040503050406030204" pitchFamily="18" charset="0"/>
+                            </a:rPr>
+                            <m:t>𝑌</m:t>
+                          </m:r>
+                        </m:e>
+                        <m:sub>
+                          <m:r>
+                            <a:rPr lang="en-US" i="1">
+                              <a:latin typeface="Cambria Math" panose="02040503050406030204" pitchFamily="18" charset="0"/>
+                            </a:rPr>
+                            <m:t>𝑖</m:t>
+                          </m:r>
+                        </m:sub>
+                      </m:sSub>
+                      <m:r>
+                        <a:rPr lang="en-US" i="1">
+                          <a:latin typeface="Cambria Math" panose="02040503050406030204" pitchFamily="18" charset="0"/>
+                        </a:rPr>
+                        <m:t>=</m:t>
+                      </m:r>
+                      <m:acc>
+                        <m:accPr>
+                          <m:chr m:val="̂"/>
+                          <m:ctrlPr>
+                            <a:rPr lang="en-US" i="1">
+                              <a:latin typeface="Cambria Math" panose="02040503050406030204" pitchFamily="18" charset="0"/>
+                            </a:rPr>
+                          </m:ctrlPr>
+                        </m:accPr>
+                        <m:e>
+                          <m:r>
+                            <a:rPr lang="en-US" i="1">
+                              <a:latin typeface="Cambria Math" panose="02040503050406030204" pitchFamily="18" charset="0"/>
+                            </a:rPr>
+                            <m:t>𝛽</m:t>
+                          </m:r>
+                        </m:e>
+                      </m:acc>
+                      <m:sSub>
+                        <m:sSubPr>
+                          <m:ctrlPr>
+                            <a:rPr lang="en-US" i="1">
+                              <a:latin typeface="Cambria Math" panose="02040503050406030204" pitchFamily="18" charset="0"/>
+                            </a:rPr>
+                          </m:ctrlPr>
+                        </m:sSubPr>
+                        <m:e>
+                          <m:r>
+                            <a:rPr lang="en-US" i="1">
+                              <a:latin typeface="Cambria Math" panose="02040503050406030204" pitchFamily="18" charset="0"/>
+                            </a:rPr>
+                            <m:t>𝑋</m:t>
+                          </m:r>
+                        </m:e>
+                        <m:sub>
+                          <m:r>
+                            <a:rPr lang="en-US" i="1">
+                              <a:latin typeface="Cambria Math" panose="02040503050406030204" pitchFamily="18" charset="0"/>
+                            </a:rPr>
+                            <m:t>𝑖</m:t>
+                          </m:r>
+                        </m:sub>
+                      </m:sSub>
+                      <m:r>
+                        <a:rPr lang="en-US" i="1">
+                          <a:latin typeface="Cambria Math" panose="02040503050406030204" pitchFamily="18" charset="0"/>
+                        </a:rPr>
+                        <m:t>+</m:t>
+                      </m:r>
+                      <m:sSub>
+                        <m:sSubPr>
+                          <m:ctrlPr>
+                            <a:rPr lang="en-US" i="1">
+                              <a:latin typeface="Cambria Math" panose="02040503050406030204" pitchFamily="18" charset="0"/>
+                            </a:rPr>
+                          </m:ctrlPr>
+                        </m:sSubPr>
+                        <m:e>
+                          <m:r>
+                            <a:rPr lang="en-US" i="1">
+                              <a:latin typeface="Cambria Math" panose="02040503050406030204" pitchFamily="18" charset="0"/>
+                            </a:rPr>
+                            <m:t>𝜖</m:t>
+                          </m:r>
+                        </m:e>
+                        <m:sub>
+                          <m:r>
+                            <a:rPr lang="en-US" i="1">
+                              <a:latin typeface="Cambria Math" panose="02040503050406030204" pitchFamily="18" charset="0"/>
+                            </a:rPr>
+                            <m:t>𝑖</m:t>
+                          </m:r>
+                        </m:sub>
+                      </m:sSub>
+                    </m:oMath>
+                  </m:oMathPara>
+                </a14:m>
+                <a:endParaRPr lang="en-US" dirty="0"/>
+              </a:p>
+              <a:p>
                 <a:r>
                   <a:rPr lang="en-US" dirty="0"/>
-                  <a:t>For example, the true model is:</a:t>
+                  <a:t>To know how </a:t>
                 </a:r>
                 <a14:m>
                   <m:oMath xmlns:m="http://schemas.openxmlformats.org/officeDocument/2006/math">
-                    <m:r>
-                      <a:rPr lang="en-US" b="0" i="0" smtClean="0">
-                        <a:latin typeface="Cambria Math" panose="02040503050406030204" pitchFamily="18" charset="0"/>
-                      </a:rPr>
-                      <m:t> </m:t>
-                    </m:r>
-                    <m:r>
-                      <a:rPr lang="en-US" b="0" i="1" smtClean="0">
-                        <a:latin typeface="Cambria Math" panose="02040503050406030204" pitchFamily="18" charset="0"/>
-                      </a:rPr>
-                      <m:t>𝑌</m:t>
-                    </m:r>
-                    <m:r>
-                      <a:rPr lang="en-US" i="1">
-                        <a:latin typeface="Cambria Math" panose="02040503050406030204" pitchFamily="18" charset="0"/>
-                      </a:rPr>
-                      <m:t>=</m:t>
-                    </m:r>
-                    <m:sSub>
-                      <m:sSubPr>
+                    <m:acc>
+                      <m:accPr>
+                        <m:chr m:val="̂"/>
                         <m:ctrlPr>
-                          <a:rPr lang="en-US" b="0" i="1" smtClean="0">
+                          <a:rPr lang="en-US" i="1">
                             <a:latin typeface="Cambria Math" panose="02040503050406030204" pitchFamily="18" charset="0"/>
                           </a:rPr>
                         </m:ctrlPr>
-                      </m:sSubPr>
+                      </m:accPr>
                       <m:e>
                         <m:r>
-                          <a:rPr lang="en-US" b="0" i="1" smtClean="0">
+                          <a:rPr lang="en-US" i="1">
                             <a:latin typeface="Cambria Math" panose="02040503050406030204" pitchFamily="18" charset="0"/>
                           </a:rPr>
                           <m:t>𝛽</m:t>
                         </m:r>
                       </m:e>
-                      <m:sub>
-                        <m:r>
-                          <a:rPr lang="en-US" b="0" i="1" smtClean="0">
-                            <a:latin typeface="Cambria Math" panose="02040503050406030204" pitchFamily="18" charset="0"/>
-                          </a:rPr>
-                          <m:t>1</m:t>
-                        </m:r>
-                      </m:sub>
-                    </m:sSub>
-                    <m:sSub>
-                      <m:sSubPr>
-                        <m:ctrlPr>
-                          <a:rPr lang="en-US" b="0" i="1" smtClean="0">
-                            <a:latin typeface="Cambria Math" panose="02040503050406030204" pitchFamily="18" charset="0"/>
-                          </a:rPr>
-                        </m:ctrlPr>
-                      </m:sSubPr>
-                      <m:e>
-                        <m:r>
-                          <a:rPr lang="en-US" b="0" i="1" smtClean="0">
-                            <a:latin typeface="Cambria Math" panose="02040503050406030204" pitchFamily="18" charset="0"/>
-                          </a:rPr>
-                          <m:t>𝑋</m:t>
-                        </m:r>
-                      </m:e>
-                      <m:sub>
-                        <m:r>
-                          <a:rPr lang="en-US" b="0" i="1" smtClean="0">
-                            <a:latin typeface="Cambria Math" panose="02040503050406030204" pitchFamily="18" charset="0"/>
-                          </a:rPr>
-                          <m:t>1</m:t>
-                        </m:r>
-                      </m:sub>
-                    </m:sSub>
-                    <m:r>
-                      <a:rPr lang="en-US" b="0" i="1" smtClean="0">
-                        <a:latin typeface="Cambria Math" panose="02040503050406030204" pitchFamily="18" charset="0"/>
-                      </a:rPr>
-                      <m:t>+</m:t>
-                    </m:r>
+                    </m:acc>
+                    <m:r>
+                      <a:rPr lang="en-US" i="1">
+                        <a:latin typeface="Cambria Math" panose="02040503050406030204" pitchFamily="18" charset="0"/>
+                      </a:rPr>
+                      <m:t> </m:t>
+                    </m:r>
+                  </m:oMath>
+                </a14:m>
+                <a:r>
+                  <a:rPr lang="en-US" dirty="0"/>
+                  <a:t> is distributed, we assumed that 1. </a:t>
+                </a:r>
+                <a14:m>
+                  <m:oMath xmlns:m="http://schemas.openxmlformats.org/officeDocument/2006/math">
                     <m:sSub>
                       <m:sSubPr>
                         <m:ctrlPr>
@@ -4696,7 +4941,7 @@
                           <a:rPr lang="en-US" i="1">
                             <a:latin typeface="Cambria Math" panose="02040503050406030204" pitchFamily="18" charset="0"/>
                           </a:rPr>
-                          <m:t>𝛽</m:t>
+                          <m:t>𝜖</m:t>
                         </m:r>
                       </m:e>
                       <m:sub>
@@ -4704,10 +4949,18 @@
                           <a:rPr lang="en-US" i="1">
                             <a:latin typeface="Cambria Math" panose="02040503050406030204" pitchFamily="18" charset="0"/>
                           </a:rPr>
-                          <m:t>2</m:t>
+                          <m:t>𝑖</m:t>
                         </m:r>
                       </m:sub>
                     </m:sSub>
+                  </m:oMath>
+                </a14:m>
+                <a:r>
+                  <a:rPr lang="en-US" dirty="0"/>
+                  <a:t> does not vary over </a:t>
+                </a:r>
+                <a14:m>
+                  <m:oMath xmlns:m="http://schemas.openxmlformats.org/officeDocument/2006/math">
                     <m:sSub>
                       <m:sSubPr>
                         <m:ctrlPr>
@@ -4729,79 +4982,18 @@
                           <a:rPr lang="en-US" i="1">
                             <a:latin typeface="Cambria Math" panose="02040503050406030204" pitchFamily="18" charset="0"/>
                           </a:rPr>
-                          <m:t>2</m:t>
+                          <m:t>𝑖</m:t>
                         </m:r>
                       </m:sub>
                     </m:sSub>
-                    <m:r>
-                      <a:rPr lang="en-US" b="0" i="1" smtClean="0">
-                        <a:latin typeface="Cambria Math" panose="02040503050406030204" pitchFamily="18" charset="0"/>
-                      </a:rPr>
-                      <m:t>+</m:t>
-                    </m:r>
-                    <m:r>
-                      <a:rPr lang="en-US" b="0" i="1" smtClean="0">
-                        <a:latin typeface="Cambria Math" panose="02040503050406030204" pitchFamily="18" charset="0"/>
-                      </a:rPr>
-                      <m:t>𝜖</m:t>
-                    </m:r>
                   </m:oMath>
                 </a14:m>
-                <a:endParaRPr lang="en-US" dirty="0"/>
-              </a:p>
-              <a:p>
                 <a:r>
                   <a:rPr lang="en-US" dirty="0"/>
-                  <a:t>But we instead estimate this model:</a:t>
+                  <a:t>, and 2. that the variance of </a:t>
                 </a:r>
                 <a14:m>
                   <m:oMath xmlns:m="http://schemas.openxmlformats.org/officeDocument/2006/math">
-                    <m:r>
-                      <a:rPr lang="en-US" b="0" i="0" smtClean="0">
-                        <a:latin typeface="Cambria Math" panose="02040503050406030204" pitchFamily="18" charset="0"/>
-                      </a:rPr>
-                      <m:t> </m:t>
-                    </m:r>
-                    <m:r>
-                      <m:rPr>
-                        <m:sty m:val="p"/>
-                      </m:rPr>
-                      <a:rPr lang="en-US" b="0" i="0" smtClean="0">
-                        <a:latin typeface="Cambria Math" panose="02040503050406030204" pitchFamily="18" charset="0"/>
-                      </a:rPr>
-                      <m:t>Y</m:t>
-                    </m:r>
-                    <m:r>
-                      <a:rPr lang="en-US" b="0" i="0" smtClean="0">
-                        <a:latin typeface="Cambria Math" panose="02040503050406030204" pitchFamily="18" charset="0"/>
-                      </a:rPr>
-                      <m:t>=</m:t>
-                    </m:r>
-                    <m:sSub>
-                      <m:sSubPr>
-                        <m:ctrlPr>
-                          <a:rPr lang="en-US" b="0" i="1" smtClean="0">
-                            <a:latin typeface="Cambria Math" panose="02040503050406030204" pitchFamily="18" charset="0"/>
-                          </a:rPr>
-                        </m:ctrlPr>
-                      </m:sSubPr>
-                      <m:e>
-                        <m:r>
-                          <a:rPr lang="en-US" b="0" i="1" smtClean="0">
-                            <a:latin typeface="Cambria Math" panose="02040503050406030204" pitchFamily="18" charset="0"/>
-                          </a:rPr>
-                          <m:t>𝛽</m:t>
-                        </m:r>
-                      </m:e>
-                      <m:sub>
-                        <m:r>
-                          <a:rPr lang="en-US" b="0" i="1" smtClean="0">
-                            <a:latin typeface="Cambria Math" panose="02040503050406030204" pitchFamily="18" charset="0"/>
-                          </a:rPr>
-                          <m:t>1</m:t>
-                        </m:r>
-                      </m:sub>
-                    </m:sSub>
                     <m:sSub>
                       <m:sSubPr>
                         <m:ctrlPr>
@@ -4815,113 +5007,34 @@
                           <a:rPr lang="en-US" i="1">
                             <a:latin typeface="Cambria Math" panose="02040503050406030204" pitchFamily="18" charset="0"/>
                           </a:rPr>
-                          <m:t>𝑋</m:t>
+                          <m:t>𝜖</m:t>
                         </m:r>
                       </m:e>
                       <m:sub>
                         <m:r>
-                          <a:rPr lang="en-US" b="0" i="1" smtClean="0">
-                            <a:latin typeface="Cambria Math" panose="02040503050406030204" pitchFamily="18" charset="0"/>
-                          </a:rPr>
-                          <m:t>1</m:t>
+                          <a:rPr lang="en-US" i="1">
+                            <a:latin typeface="Cambria Math" panose="02040503050406030204" pitchFamily="18" charset="0"/>
+                          </a:rPr>
+                          <m:t>𝑖</m:t>
                         </m:r>
                       </m:sub>
                     </m:sSub>
-                    <m:r>
-                      <a:rPr lang="en-US" b="0" i="1" smtClean="0">
-                        <a:latin typeface="Cambria Math" panose="02040503050406030204" pitchFamily="18" charset="0"/>
-                      </a:rPr>
-                      <m:t>+</m:t>
-                    </m:r>
+                  </m:oMath>
+                </a14:m>
+                <a:r>
+                  <a:rPr lang="en-US" dirty="0"/>
+                  <a:t> is the same over </a:t>
+                </a:r>
+                <a14:m>
+                  <m:oMath xmlns:m="http://schemas.openxmlformats.org/officeDocument/2006/math">
                     <m:sSub>
                       <m:sSubPr>
                         <m:ctrlPr>
-                          <a:rPr lang="en-US" b="0" i="1" smtClean="0">
+                          <a:rPr lang="en-US" i="1">
                             <a:latin typeface="Cambria Math" panose="02040503050406030204" pitchFamily="18" charset="0"/>
                           </a:rPr>
                         </m:ctrlPr>
                       </m:sSubPr>
-                      <m:e>
-                        <m:r>
-                          <a:rPr lang="en-US" b="0" i="1" smtClean="0">
-                            <a:latin typeface="Cambria Math" panose="02040503050406030204" pitchFamily="18" charset="0"/>
-                          </a:rPr>
-                          <m:t>𝛽</m:t>
-                        </m:r>
-                      </m:e>
-                      <m:sub>
-                        <m:r>
-                          <a:rPr lang="en-US" b="0" i="1" smtClean="0">
-                            <a:latin typeface="Cambria Math" panose="02040503050406030204" pitchFamily="18" charset="0"/>
-                          </a:rPr>
-                          <m:t>2</m:t>
-                        </m:r>
-                      </m:sub>
-                    </m:sSub>
-                    <m:sSub>
-                      <m:sSubPr>
-                        <m:ctrlPr>
-                          <a:rPr lang="en-US" b="0" i="1" smtClean="0">
-                            <a:latin typeface="Cambria Math" panose="02040503050406030204" pitchFamily="18" charset="0"/>
-                          </a:rPr>
-                        </m:ctrlPr>
-                      </m:sSubPr>
-                      <m:e>
-                        <m:r>
-                          <a:rPr lang="en-US" b="0" i="1" smtClean="0">
-                            <a:latin typeface="Cambria Math" panose="02040503050406030204" pitchFamily="18" charset="0"/>
-                          </a:rPr>
-                          <m:t>𝑋</m:t>
-                        </m:r>
-                      </m:e>
-                      <m:sub>
-                        <m:r>
-                          <a:rPr lang="en-US" b="0" i="1" smtClean="0">
-                            <a:latin typeface="Cambria Math" panose="02040503050406030204" pitchFamily="18" charset="0"/>
-                          </a:rPr>
-                          <m:t>2</m:t>
-                        </m:r>
-                      </m:sub>
-                    </m:sSub>
-                    <m:r>
-                      <a:rPr lang="en-US" b="0" i="1" smtClean="0">
-                        <a:latin typeface="Cambria Math" panose="02040503050406030204" pitchFamily="18" charset="0"/>
-                      </a:rPr>
-                      <m:t>+</m:t>
-                    </m:r>
-                    <m:sSub>
-                      <m:sSubPr>
-                        <m:ctrlPr>
-                          <a:rPr lang="en-US" b="0" i="1" smtClean="0">
-                            <a:latin typeface="Cambria Math" panose="02040503050406030204" pitchFamily="18" charset="0"/>
-                          </a:rPr>
-                        </m:ctrlPr>
-                      </m:sSubPr>
-                      <m:e>
-                        <m:r>
-                          <a:rPr lang="en-US" b="0" i="1" smtClean="0">
-                            <a:latin typeface="Cambria Math" panose="02040503050406030204" pitchFamily="18" charset="0"/>
-                          </a:rPr>
-                          <m:t>𝛽</m:t>
-                        </m:r>
-                      </m:e>
-                      <m:sub>
-                        <m:r>
-                          <a:rPr lang="en-US" b="0" i="1" smtClean="0">
-                            <a:latin typeface="Cambria Math" panose="02040503050406030204" pitchFamily="18" charset="0"/>
-                          </a:rPr>
-                          <m:t>3</m:t>
-                        </m:r>
-                      </m:sub>
-                    </m:sSub>
-                    <m:sSubSup>
-                      <m:sSubSupPr>
-                        <m:ctrlPr>
-                          <a:rPr lang="en-US" b="0" i="1" smtClean="0">
-                            <a:latin typeface="Cambria Math" panose="02040503050406030204" pitchFamily="18" charset="0"/>
-                          </a:rPr>
-                        </m:ctrlPr>
-                      </m:sSubSupPr>
                       <m:e>
                         <m:r>
                           <a:rPr lang="en-US" i="1">
@@ -4935,71 +5048,7 @@
                           <a:rPr lang="en-US" i="1">
                             <a:latin typeface="Cambria Math" panose="02040503050406030204" pitchFamily="18" charset="0"/>
                           </a:rPr>
-                          <m:t>2</m:t>
-                        </m:r>
-                      </m:sub>
-                      <m:sup>
-                        <m:r>
-                          <a:rPr lang="en-US" b="0" i="1" smtClean="0">
-                            <a:latin typeface="Cambria Math" panose="02040503050406030204" pitchFamily="18" charset="0"/>
-                          </a:rPr>
-                          <m:t>2</m:t>
-                        </m:r>
-                      </m:sup>
-                    </m:sSubSup>
-                    <m:r>
-                      <a:rPr lang="en-US" b="0" i="1" smtClean="0">
-                        <a:latin typeface="Cambria Math" panose="02040503050406030204" pitchFamily="18" charset="0"/>
-                      </a:rPr>
-                      <m:t>+</m:t>
-                    </m:r>
-                    <m:r>
-                      <a:rPr lang="en-US" b="0" i="1" smtClean="0">
-                        <a:latin typeface="Cambria Math" panose="02040503050406030204" pitchFamily="18" charset="0"/>
-                      </a:rPr>
-                      <m:t>𝜂</m:t>
-                    </m:r>
-                  </m:oMath>
-                </a14:m>
-                <a:endParaRPr lang="en-US" b="0" dirty="0"/>
-              </a:p>
-              <a:p>
-                <a:r>
-                  <a:rPr lang="en-US" dirty="0"/>
-                  <a:t>You have a </a:t>
-                </a:r>
-                <a:r>
-                  <a:rPr lang="en-US" dirty="0" err="1"/>
-                  <a:t>misspecified</a:t>
-                </a:r>
-                <a:r>
-                  <a:rPr lang="en-US" dirty="0"/>
-                  <a:t> model and so your estimate of </a:t>
-                </a:r>
-                <a14:m>
-                  <m:oMath xmlns:m="http://schemas.openxmlformats.org/officeDocument/2006/math">
-                    <m:sSub>
-                      <m:sSubPr>
-                        <m:ctrlPr>
-                          <a:rPr lang="en-US" i="1">
-                            <a:latin typeface="Cambria Math" panose="02040503050406030204" pitchFamily="18" charset="0"/>
-                          </a:rPr>
-                        </m:ctrlPr>
-                      </m:sSubPr>
-                      <m:e>
-                        <m:r>
-                          <a:rPr lang="en-US" i="1">
-                            <a:latin typeface="Cambria Math" panose="02040503050406030204" pitchFamily="18" charset="0"/>
-                          </a:rPr>
-                          <m:t>𝛽</m:t>
-                        </m:r>
-                      </m:e>
-                      <m:sub>
-                        <m:r>
-                          <a:rPr lang="en-US" i="1">
-                            <a:latin typeface="Cambria Math" panose="02040503050406030204" pitchFamily="18" charset="0"/>
-                          </a:rPr>
-                          <m:t>1</m:t>
+                          <m:t>𝑖</m:t>
                         </m:r>
                       </m:sub>
                     </m:sSub>
@@ -5007,22 +5056,51 @@
                 </a14:m>
                 <a:r>
                   <a:rPr lang="en-US" dirty="0"/>
-                  <a:t> will be different but can still be statistically significant.</a:t>
+                  <a:t>.</a:t>
                 </a:r>
               </a:p>
               <a:p>
-                <a:endParaRPr lang="en-US" dirty="0"/>
+                <a:r>
+                  <a:rPr lang="en-US" dirty="0"/>
+                  <a:t>When 1. or 2. are not true, we are likely under estimating the variance. This means we be incorrectly concluding something is statistically insignificant. </a:t>
+                </a:r>
+              </a:p>
+              <a:p>
+                <a:r>
+                  <a:rPr lang="en-US" dirty="0"/>
+                  <a:t>Two common types of correlation:</a:t>
+                </a:r>
+              </a:p>
+              <a:p>
+                <a:pPr marL="914400" lvl="1" indent="-457200">
+                  <a:buFont typeface="+mj-lt"/>
+                  <a:buAutoNum type="arabicPeriod"/>
+                </a:pPr>
+                <a:r>
+                  <a:rPr lang="en-US" dirty="0"/>
+                  <a:t>Grouped or Clustered Errors</a:t>
+                </a:r>
+              </a:p>
+              <a:p>
+                <a:pPr marL="914400" lvl="1" indent="-457200">
+                  <a:buFont typeface="+mj-lt"/>
+                  <a:buAutoNum type="arabicPeriod"/>
+                </a:pPr>
+                <a:r>
+                  <a:rPr lang="en-US" dirty="0"/>
+                  <a:t>Heteroskedastic Errors</a:t>
+                </a:r>
               </a:p>
             </p:txBody>
           </p:sp>
         </mc:Choice>
-        <mc:Fallback xmlns="">
+        <mc:Fallback>
           <p:sp>
             <p:nvSpPr>
-              <p:cNvPr id="3" name="Content Placeholder 2">
+              <p:cNvPr id="5" name="Content Placeholder 4">
                 <a:extLst>
                   <a:ext uri="{FF2B5EF4-FFF2-40B4-BE49-F238E27FC236}">
-                    <a16:creationId xmlns:a16="http://schemas.microsoft.com/office/drawing/2014/main" id="{174FC84F-5A6F-484F-8365-5F2F31B08658}"/>
+                    <a16:creationId xmlns:a16="http://schemas.microsoft.com/office/drawing/2014/main" id="{76C6CB2F-5241-4CD7-62A1-E68B5DA30772}"/>
                   </a:ext>
                 </a:extLst>
               </p:cNvPr>
@@ -5037,7 +5115,7 @@
               <a:blipFill>
                 <a:blip r:embed="rId3"/>
                 <a:stretch>
-                  <a:fillRect l="-1086" t="-2326"/>
+                  <a:fillRect l="-1086" t="-2035"/>
                 </a:stretch>
               </a:blipFill>
             </p:spPr>
@@ -5059,7 +5137,7 @@
     </p:spTree>
     <p:extLst>
       <p:ext uri="{BB962C8B-B14F-4D97-AF65-F5344CB8AC3E}">
-        <p14:creationId xmlns:p14="http://schemas.microsoft.com/office/powerpoint/2010/main" val="992305161"/>
+        <p14:creationId xmlns:p14="http://schemas.microsoft.com/office/powerpoint/2010/main" val="2701655701"/>
       </p:ext>
     </p:extLst>
   </p:cSld>
@@ -5091,7 +5169,7 @@
           <p:cNvPr id="2" name="Title 1">
             <a:extLst>
               <a:ext uri="{FF2B5EF4-FFF2-40B4-BE49-F238E27FC236}">
-                <a16:creationId xmlns:a16="http://schemas.microsoft.com/office/drawing/2014/main" id="{B6AB1734-249B-F04D-B081-E3AC1D5DD359}"/>
+                <a16:creationId xmlns:a16="http://schemas.microsoft.com/office/drawing/2014/main" id="{14BC1D4A-A287-7410-4F57-50FEC7E62021}"/>
               </a:ext>
             </a:extLst>
           </p:cNvPr>
@@ -5109,136 +5187,40 @@
           <a:p>
             <a:r>
               <a:rPr lang="en-US" dirty="0"/>
-              <a:t>Why can’t I just use LASSO and select features?</a:t>
+              <a:t>Grouped or Clustered Standard Errors</a:t>
             </a:r>
           </a:p>
         </p:txBody>
       </p:sp>
-      <mc:AlternateContent xmlns:mc="http://schemas.openxmlformats.org/markup-compatibility/2006" xmlns:a14="http://schemas.microsoft.com/office/drawing/2010/main">
-        <mc:Choice Requires="a14">
-          <p:sp>
-            <p:nvSpPr>
-              <p:cNvPr id="3" name="Content Placeholder 2">
-                <a:extLst>
-                  <a:ext uri="{FF2B5EF4-FFF2-40B4-BE49-F238E27FC236}">
-                    <a16:creationId xmlns:a16="http://schemas.microsoft.com/office/drawing/2014/main" id="{FB7B9DAB-2AD9-AF4C-A8B4-4CDCA872862D}"/>
-                  </a:ext>
-                </a:extLst>
-              </p:cNvPr>
-              <p:cNvSpPr>
-                <a:spLocks noGrp="1"/>
-              </p:cNvSpPr>
-              <p:nvPr>
-                <p:ph idx="1"/>
-              </p:nvPr>
-            </p:nvSpPr>
-            <p:spPr/>
-            <p:txBody>
-              <a:bodyPr/>
-              <a:lstStyle/>
-              <a:p>
-                <a:r>
-                  <a:rPr lang="en-US" dirty="0"/>
-                  <a:t>Since LASSO selects features, we cannot do inference. </a:t>
-                </a:r>
-              </a:p>
-              <a:p>
-                <a:r>
-                  <a:rPr lang="en-US" dirty="0"/>
-                  <a:t>LASSO coefficients are estimates using a penalty term for L1 regularization.</a:t>
-                </a:r>
-              </a:p>
-              <a:p>
-                <a:r>
-                  <a:rPr lang="en-US" dirty="0"/>
-                  <a:t>Therefore, we cannot say that the coefficients from a LASSO regression are consistent and converge to the true coefficients.</a:t>
-                </a:r>
-              </a:p>
-              <a:p>
-                <a:r>
-                  <a:rPr lang="en-US" dirty="0"/>
-                  <a:t>In other words, LASSO coefficients have two interpretations: the causal estimate of </a:t>
-                </a:r>
-                <a14:m>
-                  <m:oMath xmlns:m="http://schemas.openxmlformats.org/officeDocument/2006/math">
-                    <m:acc>
-                      <m:accPr>
-                        <m:chr m:val="̂"/>
-                        <m:ctrlPr>
-                          <a:rPr lang="en-US" i="1">
-                            <a:latin typeface="Cambria Math" panose="02040503050406030204" pitchFamily="18" charset="0"/>
-                          </a:rPr>
-                        </m:ctrlPr>
-                      </m:accPr>
-                      <m:e>
-                        <m:r>
-                          <a:rPr lang="en-US" i="1">
-                            <a:latin typeface="Cambria Math" panose="02040503050406030204" pitchFamily="18" charset="0"/>
-                          </a:rPr>
-                          <m:t>𝜏</m:t>
-                        </m:r>
-                      </m:e>
-                    </m:acc>
-                    <m:r>
-                      <a:rPr lang="en-US" b="0" i="0" smtClean="0">
-                        <a:latin typeface="Cambria Math" panose="02040503050406030204" pitchFamily="18" charset="0"/>
-                      </a:rPr>
-                      <m:t> </m:t>
-                    </m:r>
-                  </m:oMath>
-                </a14:m>
-                <a:r>
-                  <a:rPr lang="en-US" dirty="0"/>
-                  <a:t>and a bias towards zero to maximize prediction</a:t>
-                </a:r>
-              </a:p>
-            </p:txBody>
-          </p:sp>
-        </mc:Choice>
-        <mc:Fallback xmlns="">
-          <p:sp>
-            <p:nvSpPr>
-              <p:cNvPr id="3" name="Content Placeholder 2">
-                <a:extLst>
-                  <a:ext uri="{FF2B5EF4-FFF2-40B4-BE49-F238E27FC236}">
-                    <a16:creationId xmlns:a16="http://schemas.microsoft.com/office/drawing/2014/main" id="{FB7B9DAB-2AD9-AF4C-A8B4-4CDCA872862D}"/>
-                  </a:ext>
-                </a:extLst>
-              </p:cNvPr>
-              <p:cNvSpPr>
-                <a:spLocks noGrp="1" noRot="1" noChangeAspect="1" noMove="1" noResize="1" noEditPoints="1" noAdjustHandles="1" noChangeArrowheads="1" noChangeShapeType="1" noTextEdit="1"/>
-              </p:cNvSpPr>
-              <p:nvPr>
-                <p:ph idx="1"/>
-              </p:nvPr>
-            </p:nvSpPr>
-            <p:spPr>
-              <a:blipFill>
-                <a:blip r:embed="rId2"/>
-                <a:stretch>
-                  <a:fillRect l="-1086" t="-2326"/>
-                </a:stretch>
-              </a:blipFill>
-            </p:spPr>
-            <p:txBody>
-              <a:bodyPr/>
-              <a:lstStyle/>
-              <a:p>
-                <a:r>
-                  <a:rPr lang="en-US">
-                    <a:noFill/>
-                  </a:rPr>
-                  <a:t> </a:t>
-                </a:r>
-              </a:p>
-            </p:txBody>
-          </p:sp>
-        </mc:Fallback>
-      </mc:AlternateContent>
+      <p:sp>
+        <p:nvSpPr>
+          <p:cNvPr id="3" name="Content Placeholder 2">
+            <a:extLst>
+              <a:ext uri="{FF2B5EF4-FFF2-40B4-BE49-F238E27FC236}">
+                <a16:creationId xmlns:a16="http://schemas.microsoft.com/office/drawing/2014/main" id="{7A70728A-ADC1-7EB7-8A11-D293332A7970}"/>
+              </a:ext>
+            </a:extLst>
+          </p:cNvPr>
+          <p:cNvSpPr>
+            <a:spLocks noGrp="1"/>
+          </p:cNvSpPr>
+          <p:nvPr>
+            <p:ph idx="1"/>
+          </p:nvPr>
+        </p:nvSpPr>
+        <p:spPr/>
+        <p:txBody>
+          <a:bodyPr/>
+          <a:lstStyle/>
+          <a:p>
+            <a:endParaRPr lang="en-US" dirty="0"/>
+          </a:p>
+        </p:txBody>
+      </p:sp>
     </p:spTree>
     <p:extLst>
       <p:ext uri="{BB962C8B-B14F-4D97-AF65-F5344CB8AC3E}">
-        <p14:creationId xmlns:p14="http://schemas.microsoft.com/office/powerpoint/2010/main" val="1620553528"/>
+        <p14:creationId xmlns:p14="http://schemas.microsoft.com/office/powerpoint/2010/main" val="2000677892"/>
       </p:ext>
     </p:extLst>
   </p:cSld>
@@ -5267,10 +5249,10 @@
       </p:grpSpPr>
       <p:sp>
         <p:nvSpPr>
-          <p:cNvPr id="2" name="Title 1">
+          <p:cNvPr id="4" name="Title 3">
             <a:extLst>
               <a:ext uri="{FF2B5EF4-FFF2-40B4-BE49-F238E27FC236}">
-                <a16:creationId xmlns:a16="http://schemas.microsoft.com/office/drawing/2014/main" id="{1B0A069A-4C08-BA46-A0FC-7DFB0FE4DCD5}"/>
+                <a16:creationId xmlns:a16="http://schemas.microsoft.com/office/drawing/2014/main" id="{48AE7B57-7EA7-E07B-3CE7-C807E68A0B83}"/>
               </a:ext>
             </a:extLst>
           </p:cNvPr>
@@ -5288,421 +5270,40 @@
           <a:p>
             <a:r>
               <a:rPr lang="en-US" dirty="0"/>
-              <a:t>Model misspecification in a regression adjustment model</a:t>
+              <a:t>Bootstrapping</a:t>
             </a:r>
           </a:p>
         </p:txBody>
       </p:sp>
-      <mc:AlternateContent xmlns:mc="http://schemas.openxmlformats.org/markup-compatibility/2006" xmlns:a14="http://schemas.microsoft.com/office/drawing/2010/main">
-        <mc:Choice Requires="a14">
-          <p:sp>
-            <p:nvSpPr>
-              <p:cNvPr id="3" name="Content Placeholder 2">
-                <a:extLst>
-                  <a:ext uri="{FF2B5EF4-FFF2-40B4-BE49-F238E27FC236}">
-                    <a16:creationId xmlns:a16="http://schemas.microsoft.com/office/drawing/2014/main" id="{1F3115D0-3EE8-8446-862B-D3ACAC8F1143}"/>
-                  </a:ext>
-                </a:extLst>
-              </p:cNvPr>
-              <p:cNvSpPr>
-                <a:spLocks noGrp="1"/>
-              </p:cNvSpPr>
-              <p:nvPr>
-                <p:ph idx="1"/>
-              </p:nvPr>
-            </p:nvSpPr>
-            <p:spPr/>
-            <p:txBody>
-              <a:bodyPr/>
-              <a:lstStyle/>
-              <a:p>
-                <a:r>
-                  <a:rPr lang="en-US" dirty="0"/>
-                  <a:t>Recall the high-level model algorithm:</a:t>
-                </a:r>
-              </a:p>
-              <a:p>
-                <a:pPr lvl="1"/>
-                <a:r>
-                  <a:rPr lang="en-US" dirty="0"/>
-                  <a:t>First, estimate the counterfactual control and treatment outcomes </a:t>
-                </a:r>
-                <a14:m>
-                  <m:oMath xmlns:m="http://schemas.openxmlformats.org/officeDocument/2006/math">
-                    <m:sSub>
-                      <m:sSubPr>
-                        <m:ctrlPr>
-                          <a:rPr lang="en-US" b="0" i="1" dirty="0" smtClean="0">
-                            <a:latin typeface="Cambria Math" panose="02040503050406030204" pitchFamily="18" charset="0"/>
-                          </a:rPr>
-                        </m:ctrlPr>
-                      </m:sSubPr>
-                      <m:e>
-                        <m:acc>
-                          <m:accPr>
-                            <m:chr m:val="̂"/>
-                            <m:ctrlPr>
-                              <a:rPr lang="en-US" b="0" i="1" dirty="0" smtClean="0">
-                                <a:latin typeface="Cambria Math" panose="02040503050406030204" pitchFamily="18" charset="0"/>
-                              </a:rPr>
-                            </m:ctrlPr>
-                          </m:accPr>
-                          <m:e>
-                            <m:r>
-                              <a:rPr lang="en-US" b="0" i="1" dirty="0" smtClean="0">
-                                <a:latin typeface="Cambria Math" panose="02040503050406030204" pitchFamily="18" charset="0"/>
-                              </a:rPr>
-                              <m:t>𝑌</m:t>
-                            </m:r>
-                          </m:e>
-                        </m:acc>
-                      </m:e>
-                      <m:sub>
-                        <m:r>
-                          <a:rPr lang="en-US" b="0" i="1" dirty="0" smtClean="0">
-                            <a:latin typeface="Cambria Math" panose="02040503050406030204" pitchFamily="18" charset="0"/>
-                          </a:rPr>
-                          <m:t>0</m:t>
-                        </m:r>
-                      </m:sub>
-                    </m:sSub>
-                  </m:oMath>
-                </a14:m>
-                <a:r>
-                  <a:rPr lang="en-US" dirty="0"/>
-                  <a:t> </a:t>
-                </a:r>
-                <a14:m>
-                  <m:oMath xmlns:m="http://schemas.openxmlformats.org/officeDocument/2006/math">
-                    <m:r>
-                      <m:rPr>
-                        <m:sty m:val="p"/>
-                      </m:rPr>
-                      <a:rPr lang="en-US" b="0" i="0" dirty="0" smtClean="0">
-                        <a:latin typeface="Cambria Math" panose="02040503050406030204" pitchFamily="18" charset="0"/>
-                      </a:rPr>
-                      <m:t>and</m:t>
-                    </m:r>
-                    <m:r>
-                      <a:rPr lang="en-US" b="0" i="0" dirty="0" smtClean="0">
-                        <a:latin typeface="Cambria Math" panose="02040503050406030204" pitchFamily="18" charset="0"/>
-                      </a:rPr>
-                      <m:t> </m:t>
-                    </m:r>
-                    <m:sSub>
-                      <m:sSubPr>
-                        <m:ctrlPr>
-                          <a:rPr lang="en-US" i="1" dirty="0">
-                            <a:latin typeface="Cambria Math" panose="02040503050406030204" pitchFamily="18" charset="0"/>
-                          </a:rPr>
-                        </m:ctrlPr>
-                      </m:sSubPr>
-                      <m:e>
-                        <m:acc>
-                          <m:accPr>
-                            <m:chr m:val="̂"/>
-                            <m:ctrlPr>
-                              <a:rPr lang="en-US" i="1" dirty="0">
-                                <a:latin typeface="Cambria Math" panose="02040503050406030204" pitchFamily="18" charset="0"/>
-                              </a:rPr>
-                            </m:ctrlPr>
-                          </m:accPr>
-                          <m:e>
-                            <m:r>
-                              <a:rPr lang="en-US" i="1" dirty="0">
-                                <a:latin typeface="Cambria Math" panose="02040503050406030204" pitchFamily="18" charset="0"/>
-                              </a:rPr>
-                              <m:t>𝑌</m:t>
-                            </m:r>
-                          </m:e>
-                        </m:acc>
-                      </m:e>
-                      <m:sub>
-                        <m:r>
-                          <a:rPr lang="en-US" b="0" i="1" dirty="0" smtClean="0">
-                            <a:latin typeface="Cambria Math" panose="02040503050406030204" pitchFamily="18" charset="0"/>
-                          </a:rPr>
-                          <m:t>1</m:t>
-                        </m:r>
-                      </m:sub>
-                    </m:sSub>
-                  </m:oMath>
-                </a14:m>
-                <a:r>
-                  <a:rPr lang="en-US" dirty="0"/>
-                  <a:t>;</a:t>
-                </a:r>
-              </a:p>
-              <a:p>
-                <a:pPr lvl="1"/>
-                <a:r>
-                  <a:rPr lang="en-US" dirty="0"/>
-                  <a:t>Then estimate ATE/ATET based on the differences between </a:t>
-                </a:r>
-                <a14:m>
-                  <m:oMath xmlns:m="http://schemas.openxmlformats.org/officeDocument/2006/math">
-                    <m:sSub>
-                      <m:sSubPr>
-                        <m:ctrlPr>
-                          <a:rPr lang="en-US" i="1" dirty="0">
-                            <a:latin typeface="Cambria Math" panose="02040503050406030204" pitchFamily="18" charset="0"/>
-                          </a:rPr>
-                        </m:ctrlPr>
-                      </m:sSubPr>
-                      <m:e>
-                        <m:acc>
-                          <m:accPr>
-                            <m:chr m:val="̂"/>
-                            <m:ctrlPr>
-                              <a:rPr lang="en-US" i="1" dirty="0">
-                                <a:latin typeface="Cambria Math" panose="02040503050406030204" pitchFamily="18" charset="0"/>
-                              </a:rPr>
-                            </m:ctrlPr>
-                          </m:accPr>
-                          <m:e>
-                            <m:r>
-                              <a:rPr lang="en-US" i="1" dirty="0">
-                                <a:latin typeface="Cambria Math" panose="02040503050406030204" pitchFamily="18" charset="0"/>
-                              </a:rPr>
-                              <m:t>𝑌</m:t>
-                            </m:r>
-                          </m:e>
-                        </m:acc>
-                      </m:e>
-                      <m:sub>
-                        <m:r>
-                          <a:rPr lang="en-US" i="1" dirty="0">
-                            <a:latin typeface="Cambria Math" panose="02040503050406030204" pitchFamily="18" charset="0"/>
-                          </a:rPr>
-                          <m:t>0</m:t>
-                        </m:r>
-                      </m:sub>
-                    </m:sSub>
-                  </m:oMath>
-                </a14:m>
-                <a:r>
-                  <a:rPr lang="en-US" dirty="0"/>
-                  <a:t> </a:t>
-                </a:r>
-                <a14:m>
-                  <m:oMath xmlns:m="http://schemas.openxmlformats.org/officeDocument/2006/math">
-                    <m:r>
-                      <m:rPr>
-                        <m:sty m:val="p"/>
-                      </m:rPr>
-                      <a:rPr lang="en-US" dirty="0">
-                        <a:latin typeface="Cambria Math" panose="02040503050406030204" pitchFamily="18" charset="0"/>
-                      </a:rPr>
-                      <m:t>and</m:t>
-                    </m:r>
-                    <m:r>
-                      <a:rPr lang="en-US" dirty="0">
-                        <a:latin typeface="Cambria Math" panose="02040503050406030204" pitchFamily="18" charset="0"/>
-                      </a:rPr>
-                      <m:t> </m:t>
-                    </m:r>
-                    <m:sSub>
-                      <m:sSubPr>
-                        <m:ctrlPr>
-                          <a:rPr lang="en-US" i="1" dirty="0">
-                            <a:latin typeface="Cambria Math" panose="02040503050406030204" pitchFamily="18" charset="0"/>
-                          </a:rPr>
-                        </m:ctrlPr>
-                      </m:sSubPr>
-                      <m:e>
-                        <m:acc>
-                          <m:accPr>
-                            <m:chr m:val="̂"/>
-                            <m:ctrlPr>
-                              <a:rPr lang="en-US" i="1" dirty="0">
-                                <a:latin typeface="Cambria Math" panose="02040503050406030204" pitchFamily="18" charset="0"/>
-                              </a:rPr>
-                            </m:ctrlPr>
-                          </m:accPr>
-                          <m:e>
-                            <m:r>
-                              <a:rPr lang="en-US" i="1" dirty="0">
-                                <a:latin typeface="Cambria Math" panose="02040503050406030204" pitchFamily="18" charset="0"/>
-                              </a:rPr>
-                              <m:t>𝑌</m:t>
-                            </m:r>
-                          </m:e>
-                        </m:acc>
-                      </m:e>
-                      <m:sub>
-                        <m:r>
-                          <a:rPr lang="en-US" i="1" dirty="0">
-                            <a:latin typeface="Cambria Math" panose="02040503050406030204" pitchFamily="18" charset="0"/>
-                          </a:rPr>
-                          <m:t>1</m:t>
-                        </m:r>
-                      </m:sub>
-                    </m:sSub>
-                  </m:oMath>
-                </a14:m>
-                <a:endParaRPr lang="en-US" dirty="0"/>
-              </a:p>
-              <a:p>
-                <a:r>
-                  <a:rPr lang="en-US" dirty="0"/>
-                  <a:t>Ideally, </a:t>
-                </a:r>
-                <a14:m>
-                  <m:oMath xmlns:m="http://schemas.openxmlformats.org/officeDocument/2006/math">
-                    <m:sSub>
-                      <m:sSubPr>
-                        <m:ctrlPr>
-                          <a:rPr lang="en-US" i="1" dirty="0">
-                            <a:latin typeface="Cambria Math" panose="02040503050406030204" pitchFamily="18" charset="0"/>
-                          </a:rPr>
-                        </m:ctrlPr>
-                      </m:sSubPr>
-                      <m:e>
-                        <m:acc>
-                          <m:accPr>
-                            <m:chr m:val="̂"/>
-                            <m:ctrlPr>
-                              <a:rPr lang="en-US" i="1" dirty="0">
-                                <a:latin typeface="Cambria Math" panose="02040503050406030204" pitchFamily="18" charset="0"/>
-                              </a:rPr>
-                            </m:ctrlPr>
-                          </m:accPr>
-                          <m:e>
-                            <m:r>
-                              <a:rPr lang="en-US" i="1" dirty="0">
-                                <a:latin typeface="Cambria Math" panose="02040503050406030204" pitchFamily="18" charset="0"/>
-                              </a:rPr>
-                              <m:t>𝑌</m:t>
-                            </m:r>
-                          </m:e>
-                        </m:acc>
-                      </m:e>
-                      <m:sub>
-                        <m:r>
-                          <a:rPr lang="en-US" i="1" dirty="0">
-                            <a:latin typeface="Cambria Math" panose="02040503050406030204" pitchFamily="18" charset="0"/>
-                          </a:rPr>
-                          <m:t>0</m:t>
-                        </m:r>
-                      </m:sub>
-                    </m:sSub>
-                    <m:r>
-                      <a:rPr lang="en-US" i="1" dirty="0">
-                        <a:latin typeface="Cambria Math" panose="02040503050406030204" pitchFamily="18" charset="0"/>
-                      </a:rPr>
-                      <m:t> </m:t>
-                    </m:r>
-                  </m:oMath>
-                </a14:m>
-                <a:r>
-                  <a:rPr lang="en-US" dirty="0"/>
-                  <a:t>and </a:t>
-                </a:r>
-                <a14:m>
-                  <m:oMath xmlns:m="http://schemas.openxmlformats.org/officeDocument/2006/math">
-                    <m:sSub>
-                      <m:sSubPr>
-                        <m:ctrlPr>
-                          <a:rPr lang="en-US" i="1" dirty="0">
-                            <a:latin typeface="Cambria Math" panose="02040503050406030204" pitchFamily="18" charset="0"/>
-                          </a:rPr>
-                        </m:ctrlPr>
-                      </m:sSubPr>
-                      <m:e>
-                        <m:acc>
-                          <m:accPr>
-                            <m:chr m:val="̂"/>
-                            <m:ctrlPr>
-                              <a:rPr lang="en-US" i="1" dirty="0">
-                                <a:latin typeface="Cambria Math" panose="02040503050406030204" pitchFamily="18" charset="0"/>
-                              </a:rPr>
-                            </m:ctrlPr>
-                          </m:accPr>
-                          <m:e>
-                            <m:r>
-                              <a:rPr lang="en-US" i="1" dirty="0">
-                                <a:latin typeface="Cambria Math" panose="02040503050406030204" pitchFamily="18" charset="0"/>
-                              </a:rPr>
-                              <m:t>𝑌</m:t>
-                            </m:r>
-                          </m:e>
-                        </m:acc>
-                      </m:e>
-                      <m:sub>
-                        <m:r>
-                          <a:rPr lang="en-US" b="0" i="1" dirty="0" smtClean="0">
-                            <a:latin typeface="Cambria Math" panose="02040503050406030204" pitchFamily="18" charset="0"/>
-                          </a:rPr>
-                          <m:t>1</m:t>
-                        </m:r>
-                      </m:sub>
-                    </m:sSub>
-                    <m:r>
-                      <a:rPr lang="en-US" i="1" dirty="0">
-                        <a:latin typeface="Cambria Math" panose="02040503050406030204" pitchFamily="18" charset="0"/>
-                      </a:rPr>
-                      <m:t> </m:t>
-                    </m:r>
-                  </m:oMath>
-                </a14:m>
-                <a:r>
-                  <a:rPr lang="en-US" dirty="0"/>
-                  <a:t>represent the true counterfactual outcomes. But if they are wrong, then the ATE/ATET estimate can still be wrong.</a:t>
-                </a:r>
-              </a:p>
-              <a:p>
-                <a:r>
-                  <a:rPr lang="en-US" dirty="0"/>
-                  <a:t>But it can still be statistically significant. </a:t>
-                </a:r>
-              </a:p>
-            </p:txBody>
-          </p:sp>
-        </mc:Choice>
-        <mc:Fallback xmlns="">
-          <p:sp>
-            <p:nvSpPr>
-              <p:cNvPr id="3" name="Content Placeholder 2">
-                <a:extLst>
-                  <a:ext uri="{FF2B5EF4-FFF2-40B4-BE49-F238E27FC236}">
-                    <a16:creationId xmlns:a16="http://schemas.microsoft.com/office/drawing/2014/main" id="{1F3115D0-3EE8-8446-862B-D3ACAC8F1143}"/>
-                  </a:ext>
-                </a:extLst>
-              </p:cNvPr>
-              <p:cNvSpPr>
-                <a:spLocks noGrp="1" noRot="1" noChangeAspect="1" noMove="1" noResize="1" noEditPoints="1" noAdjustHandles="1" noChangeArrowheads="1" noChangeShapeType="1" noTextEdit="1"/>
-              </p:cNvSpPr>
-              <p:nvPr>
-                <p:ph idx="1"/>
-              </p:nvPr>
-            </p:nvSpPr>
-            <p:spPr>
-              <a:blipFill>
-                <a:blip r:embed="rId3"/>
-                <a:stretch>
-                  <a:fillRect l="-1086" t="-2326"/>
-                </a:stretch>
-              </a:blipFill>
-            </p:spPr>
-            <p:txBody>
-              <a:bodyPr/>
-              <a:lstStyle/>
-              <a:p>
-                <a:r>
-                  <a:rPr lang="en-US">
-                    <a:noFill/>
-                  </a:rPr>
-                  <a:t> </a:t>
-                </a:r>
-              </a:p>
-            </p:txBody>
-          </p:sp>
-        </mc:Fallback>
-      </mc:AlternateContent>
+      <p:sp>
+        <p:nvSpPr>
+          <p:cNvPr id="5" name="Text Placeholder 4">
+            <a:extLst>
+              <a:ext uri="{FF2B5EF4-FFF2-40B4-BE49-F238E27FC236}">
+                <a16:creationId xmlns:a16="http://schemas.microsoft.com/office/drawing/2014/main" id="{3FF52B18-7982-8733-7401-383D4D2FE2EC}"/>
+              </a:ext>
+            </a:extLst>
+          </p:cNvPr>
+          <p:cNvSpPr>
+            <a:spLocks noGrp="1"/>
+          </p:cNvSpPr>
+          <p:nvPr>
+            <p:ph type="body" idx="1"/>
+          </p:nvPr>
+        </p:nvSpPr>
+        <p:spPr/>
+        <p:txBody>
+          <a:bodyPr/>
+          <a:lstStyle/>
+          <a:p>
+            <a:endParaRPr lang="en-US" dirty="0"/>
+          </a:p>
+        </p:txBody>
+      </p:sp>
     </p:spTree>
     <p:extLst>
       <p:ext uri="{BB962C8B-B14F-4D97-AF65-F5344CB8AC3E}">
-        <p14:creationId xmlns:p14="http://schemas.microsoft.com/office/powerpoint/2010/main" val="3449582329"/>
+        <p14:creationId xmlns:p14="http://schemas.microsoft.com/office/powerpoint/2010/main" val="3596029183"/>
       </p:ext>
     </p:extLst>
   </p:cSld>
@@ -5713,362 +5314,6 @@
 </file>
 
 <file path=ppt/slides/slide13.xml><?xml version="1.0" encoding="utf-8"?>
-<p:sld xmlns:a="http://schemas.openxmlformats.org/drawingml/2006/main" xmlns:r="http://schemas.openxmlformats.org/officeDocument/2006/relationships" xmlns:p="http://schemas.openxmlformats.org/presentationml/2006/main">
-  <p:cSld>
-    <p:spTree>
-      <p:nvGrpSpPr>
-        <p:cNvPr id="1" name=""/>
-        <p:cNvGrpSpPr/>
-        <p:nvPr/>
-      </p:nvGrpSpPr>
-      <p:grpSpPr>
-        <a:xfrm>
-          <a:off x="0" y="0"/>
-          <a:ext cx="0" cy="0"/>
-          <a:chOff x="0" y="0"/>
-          <a:chExt cx="0" cy="0"/>
-        </a:xfrm>
-      </p:grpSpPr>
-      <p:sp>
-        <p:nvSpPr>
-          <p:cNvPr id="2" name="Title 1">
-            <a:extLst>
-              <a:ext uri="{FF2B5EF4-FFF2-40B4-BE49-F238E27FC236}">
-                <a16:creationId xmlns:a16="http://schemas.microsoft.com/office/drawing/2014/main" id="{CA002A13-F5CF-EA47-B801-0698090C7323}"/>
-              </a:ext>
-            </a:extLst>
-          </p:cNvPr>
-          <p:cNvSpPr>
-            <a:spLocks noGrp="1"/>
-          </p:cNvSpPr>
-          <p:nvPr>
-            <p:ph type="title"/>
-          </p:nvPr>
-        </p:nvSpPr>
-        <p:spPr/>
-        <p:txBody>
-          <a:bodyPr/>
-          <a:lstStyle/>
-          <a:p>
-            <a:r>
-              <a:rPr lang="en-US" dirty="0"/>
-              <a:t>How do we deal with model misspecification?</a:t>
-            </a:r>
-          </a:p>
-        </p:txBody>
-      </p:sp>
-      <p:sp>
-        <p:nvSpPr>
-          <p:cNvPr id="3" name="Content Placeholder 2">
-            <a:extLst>
-              <a:ext uri="{FF2B5EF4-FFF2-40B4-BE49-F238E27FC236}">
-                <a16:creationId xmlns:a16="http://schemas.microsoft.com/office/drawing/2014/main" id="{44BFBEFE-1792-CA43-922D-9135071A443F}"/>
-              </a:ext>
-            </a:extLst>
-          </p:cNvPr>
-          <p:cNvSpPr>
-            <a:spLocks noGrp="1"/>
-          </p:cNvSpPr>
-          <p:nvPr>
-            <p:ph idx="1"/>
-          </p:nvPr>
-        </p:nvSpPr>
-        <p:spPr/>
-        <p:txBody>
-          <a:bodyPr/>
-          <a:lstStyle/>
-          <a:p>
-            <a:r>
-              <a:rPr lang="en-US" dirty="0"/>
-              <a:t>Each model will generate some model misspecification bias</a:t>
-            </a:r>
-          </a:p>
-          <a:p>
-            <a:r>
-              <a:rPr lang="en-US" dirty="0"/>
-              <a:t>The recommendation is to try do robustness checks. Try different model specifications, and they should provide similar results</a:t>
-            </a:r>
-          </a:p>
-          <a:p>
-            <a:pPr lvl="1"/>
-            <a:r>
-              <a:rPr lang="en-US" dirty="0"/>
-              <a:t>Transforming features like squares </a:t>
-            </a:r>
-          </a:p>
-          <a:p>
-            <a:pPr lvl="1"/>
-            <a:r>
-              <a:rPr lang="en-US" dirty="0"/>
-              <a:t>Linear and non-linear models</a:t>
-            </a:r>
-          </a:p>
-          <a:p>
-            <a:r>
-              <a:rPr lang="en-US" dirty="0"/>
-              <a:t>The No Free Lunch Theorem (Wolpert and Macready, 1997) states that there is no model with universally superior performance, so relying on one model is guaranteed to eventually fail you</a:t>
-            </a:r>
-          </a:p>
-        </p:txBody>
-      </p:sp>
-    </p:spTree>
-    <p:extLst>
-      <p:ext uri="{BB962C8B-B14F-4D97-AF65-F5344CB8AC3E}">
-        <p14:creationId xmlns:p14="http://schemas.microsoft.com/office/powerpoint/2010/main" val="2320632151"/>
-      </p:ext>
-    </p:extLst>
-  </p:cSld>
-  <p:clrMapOvr>
-    <a:masterClrMapping/>
-  </p:clrMapOvr>
-</p:sld>
-</file>
-
-<file path=ppt/slides/slide14.xml><?xml version="1.0" encoding="utf-8"?>
-<p:sld xmlns:a="http://schemas.openxmlformats.org/drawingml/2006/main" xmlns:r="http://schemas.openxmlformats.org/officeDocument/2006/relationships" xmlns:p="http://schemas.openxmlformats.org/presentationml/2006/main">
-  <p:cSld>
-    <p:spTree>
-      <p:nvGrpSpPr>
-        <p:cNvPr id="1" name=""/>
-        <p:cNvGrpSpPr/>
-        <p:nvPr/>
-      </p:nvGrpSpPr>
-      <p:grpSpPr>
-        <a:xfrm>
-          <a:off x="0" y="0"/>
-          <a:ext cx="0" cy="0"/>
-          <a:chOff x="0" y="0"/>
-          <a:chExt cx="0" cy="0"/>
-        </a:xfrm>
-      </p:grpSpPr>
-      <mc:AlternateContent xmlns:mc="http://schemas.openxmlformats.org/markup-compatibility/2006" xmlns:a14="http://schemas.microsoft.com/office/drawing/2010/main">
-        <mc:Choice Requires="a14">
-          <p:sp>
-            <p:nvSpPr>
-              <p:cNvPr id="2" name="Title 1">
-                <a:extLst>
-                  <a:ext uri="{FF2B5EF4-FFF2-40B4-BE49-F238E27FC236}">
-                    <a16:creationId xmlns:a16="http://schemas.microsoft.com/office/drawing/2014/main" id="{18BDBB03-7B0C-7346-844F-0C3AA816D725}"/>
-                  </a:ext>
-                </a:extLst>
-              </p:cNvPr>
-              <p:cNvSpPr>
-                <a:spLocks noGrp="1"/>
-              </p:cNvSpPr>
-              <p:nvPr>
-                <p:ph type="title"/>
-              </p:nvPr>
-            </p:nvSpPr>
-            <p:spPr/>
-            <p:txBody>
-              <a:bodyPr/>
-              <a:lstStyle/>
-              <a:p>
-                <a:r>
-                  <a:rPr lang="en-US" dirty="0"/>
-                  <a:t>Review on what an estimate of </a:t>
-                </a:r>
-                <a14:m>
-                  <m:oMath xmlns:m="http://schemas.openxmlformats.org/officeDocument/2006/math">
-                    <m:r>
-                      <a:rPr lang="en-US" b="0" i="1" smtClean="0">
-                        <a:latin typeface="Cambria Math" panose="02040503050406030204" pitchFamily="18" charset="0"/>
-                      </a:rPr>
-                      <m:t>𝛽</m:t>
-                    </m:r>
-                  </m:oMath>
-                </a14:m>
-                <a:r>
-                  <a:rPr lang="en-US" dirty="0"/>
-                  <a:t> is</a:t>
-                </a:r>
-              </a:p>
-            </p:txBody>
-          </p:sp>
-        </mc:Choice>
-        <mc:Fallback xmlns="">
-          <p:sp>
-            <p:nvSpPr>
-              <p:cNvPr id="2" name="Title 1">
-                <a:extLst>
-                  <a:ext uri="{FF2B5EF4-FFF2-40B4-BE49-F238E27FC236}">
-                    <a16:creationId xmlns:a16="http://schemas.microsoft.com/office/drawing/2014/main" id="{18BDBB03-7B0C-7346-844F-0C3AA816D725}"/>
-                  </a:ext>
-                </a:extLst>
-              </p:cNvPr>
-              <p:cNvSpPr>
-                <a:spLocks noGrp="1" noRot="1" noChangeAspect="1" noMove="1" noResize="1" noEditPoints="1" noAdjustHandles="1" noChangeArrowheads="1" noChangeShapeType="1" noTextEdit="1"/>
-              </p:cNvSpPr>
-              <p:nvPr>
-                <p:ph type="title"/>
-              </p:nvPr>
-            </p:nvSpPr>
-            <p:spPr>
-              <a:blipFill>
-                <a:blip r:embed="rId2"/>
-                <a:stretch>
-                  <a:fillRect l="-2413"/>
-                </a:stretch>
-              </a:blipFill>
-            </p:spPr>
-            <p:txBody>
-              <a:bodyPr/>
-              <a:lstStyle/>
-              <a:p>
-                <a:r>
-                  <a:rPr lang="en-US">
-                    <a:noFill/>
-                  </a:rPr>
-                  <a:t> </a:t>
-                </a:r>
-              </a:p>
-            </p:txBody>
-          </p:sp>
-        </mc:Fallback>
-      </mc:AlternateContent>
-      <mc:AlternateContent xmlns:mc="http://schemas.openxmlformats.org/markup-compatibility/2006" xmlns:a14="http://schemas.microsoft.com/office/drawing/2010/main">
-        <mc:Choice Requires="a14">
-          <p:sp>
-            <p:nvSpPr>
-              <p:cNvPr id="3" name="Content Placeholder 2">
-                <a:extLst>
-                  <a:ext uri="{FF2B5EF4-FFF2-40B4-BE49-F238E27FC236}">
-                    <a16:creationId xmlns:a16="http://schemas.microsoft.com/office/drawing/2014/main" id="{2C45E9FC-750F-5243-8DF0-17B0B9CDB659}"/>
-                  </a:ext>
-                </a:extLst>
-              </p:cNvPr>
-              <p:cNvSpPr>
-                <a:spLocks noGrp="1"/>
-              </p:cNvSpPr>
-              <p:nvPr>
-                <p:ph idx="1"/>
-              </p:nvPr>
-            </p:nvSpPr>
-            <p:spPr/>
-            <p:txBody>
-              <a:bodyPr/>
-              <a:lstStyle/>
-              <a:p>
-                <a14:m>
-                  <m:oMath xmlns:m="http://schemas.openxmlformats.org/officeDocument/2006/math">
-                    <m:acc>
-                      <m:accPr>
-                        <m:chr m:val="̂"/>
-                        <m:ctrlPr>
-                          <a:rPr lang="en-US" b="0" i="1" dirty="0" smtClean="0">
-                            <a:latin typeface="Cambria Math" panose="02040503050406030204" pitchFamily="18" charset="0"/>
-                          </a:rPr>
-                        </m:ctrlPr>
-                      </m:accPr>
-                      <m:e>
-                        <m:r>
-                          <a:rPr lang="en-US" b="0" i="1" dirty="0" smtClean="0">
-                            <a:latin typeface="Cambria Math" panose="02040503050406030204" pitchFamily="18" charset="0"/>
-                          </a:rPr>
-                          <m:t>𝛽</m:t>
-                        </m:r>
-                      </m:e>
-                    </m:acc>
-                    <m:r>
-                      <a:rPr lang="en-US" b="0" i="1" dirty="0" smtClean="0">
-                        <a:latin typeface="Cambria Math" panose="02040503050406030204" pitchFamily="18" charset="0"/>
-                      </a:rPr>
-                      <m:t>=</m:t>
-                    </m:r>
-                    <m:r>
-                      <a:rPr lang="en-US" b="0" i="1" dirty="0" smtClean="0">
-                        <a:latin typeface="Cambria Math" panose="02040503050406030204" pitchFamily="18" charset="0"/>
-                      </a:rPr>
-                      <m:t>𝛽</m:t>
-                    </m:r>
-                    <m:r>
-                      <a:rPr lang="en-US" b="0" i="1" dirty="0" smtClean="0">
-                        <a:latin typeface="Cambria Math" panose="02040503050406030204" pitchFamily="18" charset="0"/>
-                      </a:rPr>
-                      <m:t>+</m:t>
-                    </m:r>
-                  </m:oMath>
-                </a14:m>
-                <a:r>
-                  <a:rPr lang="en-US" dirty="0"/>
-                  <a:t>(Selection Bias) + (Model Misspecification Bias)</a:t>
-                </a:r>
-              </a:p>
-              <a:p>
-                <a:r>
-                  <a:rPr lang="en-US" dirty="0"/>
-                  <a:t>Selection Bias is addressed by assuming we have satisfied the assumptions for a causal interpretation</a:t>
-                </a:r>
-              </a:p>
-              <a:p>
-                <a:r>
-                  <a:rPr lang="en-US" dirty="0"/>
-                  <a:t>Model Misspecification Bias is addressed by robustness checks</a:t>
-                </a:r>
-              </a:p>
-              <a:p>
-                <a:endParaRPr lang="en-US" dirty="0"/>
-              </a:p>
-              <a:p>
-                <a:endParaRPr lang="en-US" dirty="0"/>
-              </a:p>
-            </p:txBody>
-          </p:sp>
-        </mc:Choice>
-        <mc:Fallback xmlns="">
-          <p:sp>
-            <p:nvSpPr>
-              <p:cNvPr id="3" name="Content Placeholder 2">
-                <a:extLst>
-                  <a:ext uri="{FF2B5EF4-FFF2-40B4-BE49-F238E27FC236}">
-                    <a16:creationId xmlns:a16="http://schemas.microsoft.com/office/drawing/2014/main" id="{2C45E9FC-750F-5243-8DF0-17B0B9CDB659}"/>
-                  </a:ext>
-                </a:extLst>
-              </p:cNvPr>
-              <p:cNvSpPr>
-                <a:spLocks noGrp="1" noRot="1" noChangeAspect="1" noMove="1" noResize="1" noEditPoints="1" noAdjustHandles="1" noChangeArrowheads="1" noChangeShapeType="1" noTextEdit="1"/>
-              </p:cNvSpPr>
-              <p:nvPr>
-                <p:ph idx="1"/>
-              </p:nvPr>
-            </p:nvSpPr>
-            <p:spPr>
-              <a:blipFill>
-                <a:blip r:embed="rId3"/>
-                <a:stretch>
-                  <a:fillRect l="-1086" t="-2035"/>
-                </a:stretch>
-              </a:blipFill>
-            </p:spPr>
-            <p:txBody>
-              <a:bodyPr/>
-              <a:lstStyle/>
-              <a:p>
-                <a:r>
-                  <a:rPr lang="en-US">
-                    <a:noFill/>
-                  </a:rPr>
-                  <a:t> </a:t>
-                </a:r>
-              </a:p>
-            </p:txBody>
-          </p:sp>
-        </mc:Fallback>
-      </mc:AlternateContent>
-    </p:spTree>
-    <p:extLst>
-      <p:ext uri="{BB962C8B-B14F-4D97-AF65-F5344CB8AC3E}">
-        <p14:creationId xmlns:p14="http://schemas.microsoft.com/office/powerpoint/2010/main" val="2182916288"/>
-      </p:ext>
-    </p:extLst>
-  </p:cSld>
-  <p:clrMapOvr>
-    <a:masterClrMapping/>
-  </p:clrMapOvr>
-</p:sld>
-</file>
-
-<file path=ppt/slides/slide15.xml><?xml version="1.0" encoding="utf-8"?>
 <p:sld xmlns:a="http://schemas.openxmlformats.org/drawingml/2006/main" xmlns:r="http://schemas.openxmlformats.org/officeDocument/2006/relationships" xmlns:p="http://schemas.openxmlformats.org/presentationml/2006/main">
   <p:cSld>
     <p:spTree>
@@ -6113,8 +5358,8 @@
           </a:p>
         </p:txBody>
       </p:sp>
-      <mc:AlternateContent xmlns:mc="http://schemas.openxmlformats.org/markup-compatibility/2006">
-        <mc:Choice xmlns:a14="http://schemas.microsoft.com/office/drawing/2010/main" Requires="a14">
+      <mc:AlternateContent xmlns:mc="http://schemas.openxmlformats.org/markup-compatibility/2006" xmlns:a14="http://schemas.microsoft.com/office/drawing/2010/main">
+        <mc:Choice Requires="a14">
           <p:sp>
             <p:nvSpPr>
               <p:cNvPr id="3" name="Content Placeholder 2">
@@ -6190,7 +5435,7 @@
             </p:txBody>
           </p:sp>
         </mc:Choice>
-        <mc:Fallback>
+        <mc:Fallback xmlns="">
           <p:sp>
             <p:nvSpPr>
               <p:cNvPr id="3" name="Content Placeholder 2">
@@ -6243,7 +5488,7 @@
 </p:sld>
 </file>
 
-<file path=ppt/slides/slide16.xml><?xml version="1.0" encoding="utf-8"?>
+<file path=ppt/slides/slide14.xml><?xml version="1.0" encoding="utf-8"?>
 <p:sld xmlns:a="http://schemas.openxmlformats.org/drawingml/2006/main" xmlns:r="http://schemas.openxmlformats.org/officeDocument/2006/relationships" xmlns:p="http://schemas.openxmlformats.org/presentationml/2006/main">
   <p:cSld>
     <p:spTree>
@@ -6288,8 +5533,8 @@
           </a:p>
         </p:txBody>
       </p:sp>
-      <mc:AlternateContent xmlns:mc="http://schemas.openxmlformats.org/markup-compatibility/2006" xmlns:a14="http://schemas.microsoft.com/office/drawing/2010/main">
-        <mc:Choice Requires="a14">
+      <mc:AlternateContent xmlns:mc="http://schemas.openxmlformats.org/markup-compatibility/2006">
+        <mc:Choice xmlns:a14="http://schemas.microsoft.com/office/drawing/2010/main" Requires="a14">
           <p:sp>
             <p:nvSpPr>
               <p:cNvPr id="3" name="Content Placeholder 2">
@@ -6654,6 +5899,24 @@
                       </a:rPr>
                       <m:t>𝑠</m:t>
                     </m:r>
+                    <m:r>
+                      <a:rPr lang="en-US" b="0" i="1" smtClean="0">
+                        <a:latin typeface="Cambria Math" panose="02040503050406030204" pitchFamily="18" charset="0"/>
+                      </a:rPr>
+                      <m:t>=1,…,</m:t>
+                    </m:r>
+                    <m:r>
+                      <a:rPr lang="en-US" b="0" i="1" smtClean="0">
+                        <a:latin typeface="Cambria Math" panose="02040503050406030204" pitchFamily="18" charset="0"/>
+                      </a:rPr>
+                      <m:t>𝑆</m:t>
+                    </m:r>
+                    <m:r>
+                      <a:rPr lang="en-US" b="0" i="1" smtClean="0">
+                        <a:latin typeface="Cambria Math" panose="02040503050406030204" pitchFamily="18" charset="0"/>
+                      </a:rPr>
+                      <m:t> </m:t>
+                    </m:r>
                   </m:oMath>
                 </a14:m>
                 <a:r>
@@ -6953,13 +6216,13 @@
                 </a14:m>
                 <a:r>
                   <a:rPr lang="en-US" dirty="0"/>
-                  <a:t>, and do the same as 2. and 3. from the non-parametric bootstrap</a:t>
+                  <a:t>, and do the same as 2. and 3. above</a:t>
                 </a:r>
               </a:p>
             </p:txBody>
           </p:sp>
         </mc:Choice>
-        <mc:Fallback xmlns="">
+        <mc:Fallback>
           <p:sp>
             <p:nvSpPr>
               <p:cNvPr id="3" name="Content Placeholder 2">
@@ -7016,7 +6279,7 @@
 </p:sld>
 </file>
 
-<file path=ppt/slides/slide17.xml><?xml version="1.0" encoding="utf-8"?>
+<file path=ppt/slides/slide15.xml><?xml version="1.0" encoding="utf-8"?>
 <p:sld xmlns:a="http://schemas.openxmlformats.org/drawingml/2006/main" xmlns:r="http://schemas.openxmlformats.org/officeDocument/2006/relationships" xmlns:p="http://schemas.openxmlformats.org/presentationml/2006/main">
   <p:cSld>
     <p:spTree>
@@ -7436,7 +6699,232 @@
 </p:sld>
 </file>
 
-<file path=ppt/slides/slide18.xml><?xml version="1.0" encoding="utf-8"?>
+<file path=ppt/slides/slide16.xml><?xml version="1.0" encoding="utf-8"?>
+<p:sld xmlns:a="http://schemas.openxmlformats.org/drawingml/2006/main" xmlns:r="http://schemas.openxmlformats.org/officeDocument/2006/relationships" xmlns:p="http://schemas.openxmlformats.org/presentationml/2006/main">
+  <p:cSld>
+    <p:spTree>
+      <p:nvGrpSpPr>
+        <p:cNvPr id="1" name=""/>
+        <p:cNvGrpSpPr/>
+        <p:nvPr/>
+      </p:nvGrpSpPr>
+      <p:grpSpPr>
+        <a:xfrm>
+          <a:off x="0" y="0"/>
+          <a:ext cx="0" cy="0"/>
+          <a:chOff x="0" y="0"/>
+          <a:chExt cx="0" cy="0"/>
+        </a:xfrm>
+      </p:grpSpPr>
+      <p:sp>
+        <p:nvSpPr>
+          <p:cNvPr id="2" name="Title 1">
+            <a:extLst>
+              <a:ext uri="{FF2B5EF4-FFF2-40B4-BE49-F238E27FC236}">
+                <a16:creationId xmlns:a16="http://schemas.microsoft.com/office/drawing/2014/main" id="{54474BDF-E83A-875A-0164-86A8AF20A8BB}"/>
+              </a:ext>
+            </a:extLst>
+          </p:cNvPr>
+          <p:cNvSpPr>
+            <a:spLocks noGrp="1"/>
+          </p:cNvSpPr>
+          <p:nvPr>
+            <p:ph type="title"/>
+          </p:nvPr>
+        </p:nvSpPr>
+        <p:spPr/>
+        <p:txBody>
+          <a:bodyPr/>
+          <a:lstStyle/>
+          <a:p>
+            <a:r>
+              <a:rPr lang="en-US" dirty="0"/>
+              <a:t>Bootstrap advantages</a:t>
+            </a:r>
+          </a:p>
+        </p:txBody>
+      </p:sp>
+      <mc:AlternateContent xmlns:mc="http://schemas.openxmlformats.org/markup-compatibility/2006">
+        <mc:Choice xmlns:a14="http://schemas.microsoft.com/office/drawing/2010/main" Requires="a14">
+          <p:sp>
+            <p:nvSpPr>
+              <p:cNvPr id="3" name="Content Placeholder 2">
+                <a:extLst>
+                  <a:ext uri="{FF2B5EF4-FFF2-40B4-BE49-F238E27FC236}">
+                    <a16:creationId xmlns:a16="http://schemas.microsoft.com/office/drawing/2014/main" id="{0415E4C4-96EC-0A06-1C88-6F490CB9A129}"/>
+                  </a:ext>
+                </a:extLst>
+              </p:cNvPr>
+              <p:cNvSpPr>
+                <a:spLocks noGrp="1"/>
+              </p:cNvSpPr>
+              <p:nvPr>
+                <p:ph idx="1"/>
+              </p:nvPr>
+            </p:nvSpPr>
+            <p:spPr/>
+            <p:txBody>
+              <a:bodyPr/>
+              <a:lstStyle/>
+              <a:p>
+                <a:r>
+                  <a:rPr lang="en-US" dirty="0"/>
+                  <a:t>It may be faster to do bootstraps than calculate the analytical standard error</a:t>
+                </a:r>
+              </a:p>
+              <a:p>
+                <a:pPr lvl="1"/>
+                <a:r>
+                  <a:rPr lang="en-US" dirty="0"/>
+                  <a:t>In OLS, you need to do matrix inversion to calculate the variance of </a:t>
+                </a:r>
+                <a14:m>
+                  <m:oMath xmlns:m="http://schemas.openxmlformats.org/officeDocument/2006/math">
+                    <m:acc>
+                      <m:accPr>
+                        <m:chr m:val="̂"/>
+                        <m:ctrlPr>
+                          <a:rPr lang="en-US" b="0" i="1" dirty="0" smtClean="0">
+                            <a:latin typeface="Cambria Math" panose="02040503050406030204" pitchFamily="18" charset="0"/>
+                          </a:rPr>
+                        </m:ctrlPr>
+                      </m:accPr>
+                      <m:e>
+                        <m:r>
+                          <a:rPr lang="en-US" b="0" i="1" dirty="0" smtClean="0">
+                            <a:latin typeface="Cambria Math" panose="02040503050406030204" pitchFamily="18" charset="0"/>
+                          </a:rPr>
+                          <m:t>𝛽</m:t>
+                        </m:r>
+                      </m:e>
+                    </m:acc>
+                  </m:oMath>
+                </a14:m>
+                <a:endParaRPr lang="en-US" dirty="0"/>
+              </a:p>
+              <a:p>
+                <a:pPr lvl="1"/>
+                <a:r>
+                  <a:rPr lang="en-US" dirty="0"/>
+                  <a:t>It may be faster to calculate the variance by bootstrap if you calculate </a:t>
+                </a:r>
+                <a14:m>
+                  <m:oMath xmlns:m="http://schemas.openxmlformats.org/officeDocument/2006/math">
+                    <m:sSub>
+                      <m:sSubPr>
+                        <m:ctrlPr>
+                          <a:rPr lang="en-US" b="0" i="1" dirty="0" smtClean="0">
+                            <a:latin typeface="Cambria Math" panose="02040503050406030204" pitchFamily="18" charset="0"/>
+                          </a:rPr>
+                        </m:ctrlPr>
+                      </m:sSubPr>
+                      <m:e>
+                        <m:acc>
+                          <m:accPr>
+                            <m:chr m:val="̂"/>
+                            <m:ctrlPr>
+                              <a:rPr lang="en-US" b="0" i="1" dirty="0" smtClean="0">
+                                <a:latin typeface="Cambria Math" panose="02040503050406030204" pitchFamily="18" charset="0"/>
+                              </a:rPr>
+                            </m:ctrlPr>
+                          </m:accPr>
+                          <m:e>
+                            <m:r>
+                              <a:rPr lang="en-US" b="0" i="1" dirty="0" smtClean="0">
+                                <a:latin typeface="Cambria Math" panose="02040503050406030204" pitchFamily="18" charset="0"/>
+                              </a:rPr>
+                              <m:t>𝛽</m:t>
+                            </m:r>
+                          </m:e>
+                        </m:acc>
+                      </m:e>
+                      <m:sub>
+                        <m:r>
+                          <a:rPr lang="en-US" b="0" i="1" dirty="0" smtClean="0">
+                            <a:latin typeface="Cambria Math" panose="02040503050406030204" pitchFamily="18" charset="0"/>
+                          </a:rPr>
+                          <m:t>𝑠</m:t>
+                        </m:r>
+                      </m:sub>
+                    </m:sSub>
+                  </m:oMath>
+                </a14:m>
+                <a:r>
+                  <a:rPr lang="en-US" dirty="0"/>
+                  <a:t> with stochastic gradient descent</a:t>
+                </a:r>
+              </a:p>
+              <a:p>
+                <a:r>
+                  <a:rPr lang="en-US" dirty="0">
+                    <a:highlight>
+                      <a:srgbClr val="FFFF00"/>
+                    </a:highlight>
+                  </a:rPr>
+                  <a:t>The analytical solution may rely on too many assumptions</a:t>
+                </a:r>
+              </a:p>
+              <a:p>
+                <a:pPr lvl="2"/>
+                <a:endParaRPr lang="en-US" dirty="0"/>
+              </a:p>
+            </p:txBody>
+          </p:sp>
+        </mc:Choice>
+        <mc:Fallback>
+          <p:sp>
+            <p:nvSpPr>
+              <p:cNvPr id="3" name="Content Placeholder 2">
+                <a:extLst>
+                  <a:ext uri="{FF2B5EF4-FFF2-40B4-BE49-F238E27FC236}">
+                    <a16:creationId xmlns:a16="http://schemas.microsoft.com/office/drawing/2014/main" id="{0415E4C4-96EC-0A06-1C88-6F490CB9A129}"/>
+                  </a:ext>
+                </a:extLst>
+              </p:cNvPr>
+              <p:cNvSpPr>
+                <a:spLocks noGrp="1" noRot="1" noChangeAspect="1" noMove="1" noResize="1" noEditPoints="1" noAdjustHandles="1" noChangeArrowheads="1" noChangeShapeType="1" noTextEdit="1"/>
+              </p:cNvSpPr>
+              <p:nvPr>
+                <p:ph idx="1"/>
+              </p:nvPr>
+            </p:nvSpPr>
+            <p:spPr>
+              <a:blipFill>
+                <a:blip r:embed="rId2"/>
+                <a:stretch>
+                  <a:fillRect l="-1086" t="-2326" r="-483"/>
+                </a:stretch>
+              </a:blipFill>
+            </p:spPr>
+            <p:txBody>
+              <a:bodyPr/>
+              <a:lstStyle/>
+              <a:p>
+                <a:r>
+                  <a:rPr lang="en-US">
+                    <a:noFill/>
+                  </a:rPr>
+                  <a:t> </a:t>
+                </a:r>
+              </a:p>
+            </p:txBody>
+          </p:sp>
+        </mc:Fallback>
+      </mc:AlternateContent>
+    </p:spTree>
+    <p:extLst>
+      <p:ext uri="{BB962C8B-B14F-4D97-AF65-F5344CB8AC3E}">
+        <p14:creationId xmlns:p14="http://schemas.microsoft.com/office/powerpoint/2010/main" val="783021548"/>
+      </p:ext>
+    </p:extLst>
+  </p:cSld>
+  <p:clrMapOvr>
+    <a:masterClrMapping/>
+  </p:clrMapOvr>
+</p:sld>
+</file>
+
+<file path=ppt/slides/slide17.xml><?xml version="1.0" encoding="utf-8"?>
 <p:sld xmlns:a="http://schemas.openxmlformats.org/drawingml/2006/main" xmlns:r="http://schemas.openxmlformats.org/officeDocument/2006/relationships" xmlns:p="http://schemas.openxmlformats.org/presentationml/2006/main">
   <p:cSld>
     <p:spTree>
@@ -7896,7 +7384,7 @@
 </p:sld>
 </file>
 
-<file path=ppt/slides/slide19.xml><?xml version="1.0" encoding="utf-8"?>
+<file path=ppt/slides/slide18.xml><?xml version="1.0" encoding="utf-8"?>
 <p:sld xmlns:a="http://schemas.openxmlformats.org/drawingml/2006/main" xmlns:r="http://schemas.openxmlformats.org/officeDocument/2006/relationships" xmlns:p="http://schemas.openxmlformats.org/presentationml/2006/main">
   <p:cSld>
     <p:spTree>
@@ -7995,6 +7483,89 @@
     <p:extLst>
       <p:ext uri="{BB962C8B-B14F-4D97-AF65-F5344CB8AC3E}">
         <p14:creationId xmlns:p14="http://schemas.microsoft.com/office/powerpoint/2010/main" val="3885975257"/>
+      </p:ext>
+    </p:extLst>
+  </p:cSld>
+  <p:clrMapOvr>
+    <a:masterClrMapping/>
+  </p:clrMapOvr>
+</p:sld>
+</file>
+
+<file path=ppt/slides/slide19.xml><?xml version="1.0" encoding="utf-8"?>
+<p:sld xmlns:a="http://schemas.openxmlformats.org/drawingml/2006/main" xmlns:r="http://schemas.openxmlformats.org/officeDocument/2006/relationships" xmlns:p="http://schemas.openxmlformats.org/presentationml/2006/main">
+  <p:cSld>
+    <p:spTree>
+      <p:nvGrpSpPr>
+        <p:cNvPr id="1" name=""/>
+        <p:cNvGrpSpPr/>
+        <p:nvPr/>
+      </p:nvGrpSpPr>
+      <p:grpSpPr>
+        <a:xfrm>
+          <a:off x="0" y="0"/>
+          <a:ext cx="0" cy="0"/>
+          <a:chOff x="0" y="0"/>
+          <a:chExt cx="0" cy="0"/>
+        </a:xfrm>
+      </p:grpSpPr>
+      <p:sp>
+        <p:nvSpPr>
+          <p:cNvPr id="4" name="Title 3">
+            <a:extLst>
+              <a:ext uri="{FF2B5EF4-FFF2-40B4-BE49-F238E27FC236}">
+                <a16:creationId xmlns:a16="http://schemas.microsoft.com/office/drawing/2014/main" id="{31E64C55-0772-0D49-8736-0DEB64A72C51}"/>
+              </a:ext>
+            </a:extLst>
+          </p:cNvPr>
+          <p:cNvSpPr>
+            <a:spLocks noGrp="1"/>
+          </p:cNvSpPr>
+          <p:nvPr>
+            <p:ph type="ctrTitle"/>
+          </p:nvPr>
+        </p:nvSpPr>
+        <p:spPr/>
+        <p:txBody>
+          <a:bodyPr/>
+          <a:lstStyle/>
+          <a:p>
+            <a:r>
+              <a:rPr lang="en-US" dirty="0"/>
+              <a:t>Appendix Slides</a:t>
+            </a:r>
+          </a:p>
+        </p:txBody>
+      </p:sp>
+      <p:sp>
+        <p:nvSpPr>
+          <p:cNvPr id="5" name="Subtitle 4">
+            <a:extLst>
+              <a:ext uri="{FF2B5EF4-FFF2-40B4-BE49-F238E27FC236}">
+                <a16:creationId xmlns:a16="http://schemas.microsoft.com/office/drawing/2014/main" id="{6049D9BB-67DA-3A4B-906C-F33415C00FC4}"/>
+              </a:ext>
+            </a:extLst>
+          </p:cNvPr>
+          <p:cNvSpPr>
+            <a:spLocks noGrp="1"/>
+          </p:cNvSpPr>
+          <p:nvPr>
+            <p:ph type="subTitle" idx="1"/>
+          </p:nvPr>
+        </p:nvSpPr>
+        <p:spPr/>
+        <p:txBody>
+          <a:bodyPr/>
+          <a:lstStyle/>
+          <a:p>
+            <a:endParaRPr lang="en-US"/>
+          </a:p>
+        </p:txBody>
+      </p:sp>
+    </p:spTree>
+    <p:extLst>
+      <p:ext uri="{BB962C8B-B14F-4D97-AF65-F5344CB8AC3E}">
+        <p14:creationId xmlns:p14="http://schemas.microsoft.com/office/powerpoint/2010/main" val="3344848400"/>
       </p:ext>
     </p:extLst>
   </p:cSld>
@@ -8068,7 +7639,7 @@
         <p:spPr/>
         <p:txBody>
           <a:bodyPr>
-            <a:normAutofit lnSpcReduction="10000"/>
+            <a:normAutofit fontScale="92500" lnSpcReduction="10000"/>
           </a:bodyPr>
           <a:lstStyle/>
           <a:p>
@@ -8150,6 +7721,21 @@
               <a:rPr lang="en-US" dirty="0"/>
               <a:t>Arguable Validation</a:t>
             </a:r>
+          </a:p>
+          <a:p>
+            <a:pPr marL="514350" indent="-514350">
+              <a:buFont typeface="+mj-lt"/>
+              <a:buAutoNum type="arabicParenR"/>
+            </a:pPr>
+            <a:r>
+              <a:rPr lang="en-US" dirty="0"/>
+              <a:t>Multiple Hypothesis </a:t>
+            </a:r>
+            <a:r>
+              <a:rPr lang="en-US"/>
+              <a:t>and Sequential Testing</a:t>
+            </a:r>
+            <a:endParaRPr lang="en-US" dirty="0"/>
           </a:p>
         </p:txBody>
       </p:sp>
@@ -8188,89 +7774,6 @@
           <p:cNvPr id="4" name="Title 3">
             <a:extLst>
               <a:ext uri="{FF2B5EF4-FFF2-40B4-BE49-F238E27FC236}">
-                <a16:creationId xmlns:a16="http://schemas.microsoft.com/office/drawing/2014/main" id="{31E64C55-0772-0D49-8736-0DEB64A72C51}"/>
-              </a:ext>
-            </a:extLst>
-          </p:cNvPr>
-          <p:cNvSpPr>
-            <a:spLocks noGrp="1"/>
-          </p:cNvSpPr>
-          <p:nvPr>
-            <p:ph type="ctrTitle"/>
-          </p:nvPr>
-        </p:nvSpPr>
-        <p:spPr/>
-        <p:txBody>
-          <a:bodyPr/>
-          <a:lstStyle/>
-          <a:p>
-            <a:r>
-              <a:rPr lang="en-US" dirty="0"/>
-              <a:t>Appendix Slides</a:t>
-            </a:r>
-          </a:p>
-        </p:txBody>
-      </p:sp>
-      <p:sp>
-        <p:nvSpPr>
-          <p:cNvPr id="5" name="Subtitle 4">
-            <a:extLst>
-              <a:ext uri="{FF2B5EF4-FFF2-40B4-BE49-F238E27FC236}">
-                <a16:creationId xmlns:a16="http://schemas.microsoft.com/office/drawing/2014/main" id="{6049D9BB-67DA-3A4B-906C-F33415C00FC4}"/>
-              </a:ext>
-            </a:extLst>
-          </p:cNvPr>
-          <p:cNvSpPr>
-            <a:spLocks noGrp="1"/>
-          </p:cNvSpPr>
-          <p:nvPr>
-            <p:ph type="subTitle" idx="1"/>
-          </p:nvPr>
-        </p:nvSpPr>
-        <p:spPr/>
-        <p:txBody>
-          <a:bodyPr/>
-          <a:lstStyle/>
-          <a:p>
-            <a:endParaRPr lang="en-US"/>
-          </a:p>
-        </p:txBody>
-      </p:sp>
-    </p:spTree>
-    <p:extLst>
-      <p:ext uri="{BB962C8B-B14F-4D97-AF65-F5344CB8AC3E}">
-        <p14:creationId xmlns:p14="http://schemas.microsoft.com/office/powerpoint/2010/main" val="3344848400"/>
-      </p:ext>
-    </p:extLst>
-  </p:cSld>
-  <p:clrMapOvr>
-    <a:masterClrMapping/>
-  </p:clrMapOvr>
-</p:sld>
-</file>
-
-<file path=ppt/slides/slide21.xml><?xml version="1.0" encoding="utf-8"?>
-<p:sld xmlns:a="http://schemas.openxmlformats.org/drawingml/2006/main" xmlns:r="http://schemas.openxmlformats.org/officeDocument/2006/relationships" xmlns:p="http://schemas.openxmlformats.org/presentationml/2006/main">
-  <p:cSld>
-    <p:spTree>
-      <p:nvGrpSpPr>
-        <p:cNvPr id="1" name=""/>
-        <p:cNvGrpSpPr/>
-        <p:nvPr/>
-      </p:nvGrpSpPr>
-      <p:grpSpPr>
-        <a:xfrm>
-          <a:off x="0" y="0"/>
-          <a:ext cx="0" cy="0"/>
-          <a:chOff x="0" y="0"/>
-          <a:chExt cx="0" cy="0"/>
-        </a:xfrm>
-      </p:grpSpPr>
-      <p:sp>
-        <p:nvSpPr>
-          <p:cNvPr id="4" name="Title 3">
-            <a:extLst>
-              <a:ext uri="{FF2B5EF4-FFF2-40B4-BE49-F238E27FC236}">
                 <a16:creationId xmlns:a16="http://schemas.microsoft.com/office/drawing/2014/main" id="{9B62BED8-22BE-204E-90B6-09DECCE294D3}"/>
               </a:ext>
             </a:extLst>
@@ -8337,7 +7840,7 @@
 </p:sld>
 </file>
 
-<file path=ppt/slides/slide22.xml><?xml version="1.0" encoding="utf-8"?>
+<file path=ppt/slides/slide21.xml><?xml version="1.0" encoding="utf-8"?>
 <p:sld xmlns:a="http://schemas.openxmlformats.org/drawingml/2006/main" xmlns:r="http://schemas.openxmlformats.org/officeDocument/2006/relationships" xmlns:p="http://schemas.openxmlformats.org/presentationml/2006/main">
   <p:cSld>
     <p:spTree>
@@ -9470,7 +8973,7 @@
 </p:sld>
 </file>
 
-<file path=ppt/slides/slide23.xml><?xml version="1.0" encoding="utf-8"?>
+<file path=ppt/slides/slide22.xml><?xml version="1.0" encoding="utf-8"?>
 <p:sld xmlns:a="http://schemas.openxmlformats.org/drawingml/2006/main" xmlns:r="http://schemas.openxmlformats.org/officeDocument/2006/relationships" xmlns:p="http://schemas.openxmlformats.org/presentationml/2006/main">
   <p:cSld>
     <p:spTree>
@@ -9791,7 +9294,7 @@
 </p:sld>
 </file>
 
-<file path=ppt/slides/slide24.xml><?xml version="1.0" encoding="utf-8"?>
+<file path=ppt/slides/slide23.xml><?xml version="1.0" encoding="utf-8"?>
 <p:sld xmlns:a="http://schemas.openxmlformats.org/drawingml/2006/main" xmlns:r="http://schemas.openxmlformats.org/officeDocument/2006/relationships" xmlns:p="http://schemas.openxmlformats.org/presentationml/2006/main">
   <p:cSld>
     <p:spTree>
@@ -9831,7 +9334,7 @@
           <a:p>
             <a:r>
               <a:rPr lang="en-US" dirty="0"/>
-              <a:t>Appendix Slides – You can’t do Inference with LASSO</a:t>
+              <a:t>Appendix Slides – Inference and Forecasting</a:t>
             </a:r>
           </a:p>
         </p:txBody>
@@ -9864,7 +9367,493 @@
     </p:spTree>
     <p:extLst>
       <p:ext uri="{BB962C8B-B14F-4D97-AF65-F5344CB8AC3E}">
-        <p14:creationId xmlns:p14="http://schemas.microsoft.com/office/powerpoint/2010/main" val="2019528221"/>
+        <p14:creationId xmlns:p14="http://schemas.microsoft.com/office/powerpoint/2010/main" val="1456972712"/>
+      </p:ext>
+    </p:extLst>
+  </p:cSld>
+  <p:clrMapOvr>
+    <a:masterClrMapping/>
+  </p:clrMapOvr>
+</p:sld>
+</file>
+
+<file path=ppt/slides/slide24.xml><?xml version="1.0" encoding="utf-8"?>
+<p:sld xmlns:a="http://schemas.openxmlformats.org/drawingml/2006/main" xmlns:r="http://schemas.openxmlformats.org/officeDocument/2006/relationships" xmlns:p="http://schemas.openxmlformats.org/presentationml/2006/main">
+  <p:cSld>
+    <p:spTree>
+      <p:nvGrpSpPr>
+        <p:cNvPr id="1" name=""/>
+        <p:cNvGrpSpPr/>
+        <p:nvPr/>
+      </p:nvGrpSpPr>
+      <p:grpSpPr>
+        <a:xfrm>
+          <a:off x="0" y="0"/>
+          <a:ext cx="0" cy="0"/>
+          <a:chOff x="0" y="0"/>
+          <a:chExt cx="0" cy="0"/>
+        </a:xfrm>
+      </p:grpSpPr>
+      <p:sp>
+        <p:nvSpPr>
+          <p:cNvPr id="2" name="Title 1">
+            <a:extLst>
+              <a:ext uri="{FF2B5EF4-FFF2-40B4-BE49-F238E27FC236}">
+                <a16:creationId xmlns:a16="http://schemas.microsoft.com/office/drawing/2014/main" id="{FA644BEC-5571-6944-AC4B-5815C0550B0C}"/>
+              </a:ext>
+            </a:extLst>
+          </p:cNvPr>
+          <p:cNvSpPr>
+            <a:spLocks noGrp="1"/>
+          </p:cNvSpPr>
+          <p:nvPr>
+            <p:ph type="title"/>
+          </p:nvPr>
+        </p:nvSpPr>
+        <p:spPr/>
+        <p:txBody>
+          <a:bodyPr/>
+          <a:lstStyle/>
+          <a:p>
+            <a:r>
+              <a:rPr lang="en-US" dirty="0"/>
+              <a:t>Inference is also not forecasting</a:t>
+            </a:r>
+          </a:p>
+        </p:txBody>
+      </p:sp>
+      <mc:AlternateContent xmlns:mc="http://schemas.openxmlformats.org/markup-compatibility/2006" xmlns:a14="http://schemas.microsoft.com/office/drawing/2010/main">
+        <mc:Choice Requires="a14">
+          <p:sp>
+            <p:nvSpPr>
+              <p:cNvPr id="3" name="Content Placeholder 2">
+                <a:extLst>
+                  <a:ext uri="{FF2B5EF4-FFF2-40B4-BE49-F238E27FC236}">
+                    <a16:creationId xmlns:a16="http://schemas.microsoft.com/office/drawing/2014/main" id="{22D9D7AD-5F29-AE4E-8876-18CBDD1109ED}"/>
+                  </a:ext>
+                </a:extLst>
+              </p:cNvPr>
+              <p:cNvSpPr>
+                <a:spLocks noGrp="1"/>
+              </p:cNvSpPr>
+              <p:nvPr>
+                <p:ph idx="1"/>
+              </p:nvPr>
+            </p:nvSpPr>
+            <p:spPr>
+              <a:xfrm>
+                <a:off x="838200" y="1550894"/>
+                <a:ext cx="10515600" cy="4796119"/>
+              </a:xfrm>
+            </p:spPr>
+            <p:txBody>
+              <a:bodyPr>
+                <a:normAutofit/>
+              </a:bodyPr>
+              <a:lstStyle/>
+              <a:p>
+                <a:r>
+                  <a:rPr lang="en-US" dirty="0"/>
+                  <a:t>We interpret the confidence interval as what the estimate would be if we collected more </a:t>
+                </a:r>
+                <a14:m>
+                  <m:oMath xmlns:m="http://schemas.openxmlformats.org/officeDocument/2006/math">
+                    <m:r>
+                      <a:rPr lang="en-US" b="0" i="0" smtClean="0">
+                        <a:latin typeface="Cambria Math" panose="02040503050406030204" pitchFamily="18" charset="0"/>
+                      </a:rPr>
+                      <m:t>(</m:t>
+                    </m:r>
+                    <m:r>
+                      <m:rPr>
+                        <m:sty m:val="p"/>
+                      </m:rPr>
+                      <a:rPr lang="en-US" b="0" i="0" smtClean="0">
+                        <a:latin typeface="Cambria Math" panose="02040503050406030204" pitchFamily="18" charset="0"/>
+                      </a:rPr>
+                      <m:t>Y</m:t>
+                    </m:r>
+                    <m:r>
+                      <a:rPr lang="en-US" b="0" i="0" smtClean="0">
+                        <a:latin typeface="Cambria Math" panose="02040503050406030204" pitchFamily="18" charset="0"/>
+                      </a:rPr>
+                      <m:t>,</m:t>
+                    </m:r>
+                    <m:r>
+                      <m:rPr>
+                        <m:sty m:val="p"/>
+                      </m:rPr>
+                      <a:rPr lang="en-US" b="0" i="0" smtClean="0">
+                        <a:latin typeface="Cambria Math" panose="02040503050406030204" pitchFamily="18" charset="0"/>
+                      </a:rPr>
+                      <m:t>X</m:t>
+                    </m:r>
+                    <m:r>
+                      <a:rPr lang="en-US" b="0" i="0" smtClean="0">
+                        <a:latin typeface="Cambria Math" panose="02040503050406030204" pitchFamily="18" charset="0"/>
+                      </a:rPr>
+                      <m:t>)</m:t>
+                    </m:r>
+                    <m:r>
+                      <a:rPr lang="en-US" i="1">
+                        <a:latin typeface="Cambria Math" panose="02040503050406030204" pitchFamily="18" charset="0"/>
+                      </a:rPr>
+                      <m:t> </m:t>
+                    </m:r>
+                  </m:oMath>
+                </a14:m>
+                <a:r>
+                  <a:rPr lang="en-US" dirty="0"/>
+                  <a:t>data from </a:t>
+                </a:r>
+                <a14:m>
+                  <m:oMath xmlns:m="http://schemas.openxmlformats.org/officeDocument/2006/math">
+                    <m:r>
+                      <m:rPr>
+                        <m:sty m:val="p"/>
+                      </m:rPr>
+                      <a:rPr lang="en-US" b="0" i="0" smtClean="0">
+                        <a:latin typeface="Cambria Math" panose="02040503050406030204" pitchFamily="18" charset="0"/>
+                      </a:rPr>
+                      <m:t>F</m:t>
+                    </m:r>
+                    <m:r>
+                      <a:rPr lang="en-US" b="0" i="0" smtClean="0">
+                        <a:latin typeface="Cambria Math" panose="02040503050406030204" pitchFamily="18" charset="0"/>
+                      </a:rPr>
+                      <m:t>(</m:t>
+                    </m:r>
+                    <m:r>
+                      <m:rPr>
+                        <m:sty m:val="p"/>
+                      </m:rPr>
+                      <a:rPr lang="en-US" b="0" i="0" smtClean="0">
+                        <a:latin typeface="Cambria Math" panose="02040503050406030204" pitchFamily="18" charset="0"/>
+                      </a:rPr>
+                      <m:t>y</m:t>
+                    </m:r>
+                    <m:r>
+                      <a:rPr lang="en-US" b="0" i="0" smtClean="0">
+                        <a:latin typeface="Cambria Math" panose="02040503050406030204" pitchFamily="18" charset="0"/>
+                      </a:rPr>
+                      <m:t>|</m:t>
+                    </m:r>
+                    <m:r>
+                      <m:rPr>
+                        <m:sty m:val="p"/>
+                      </m:rPr>
+                      <a:rPr lang="en-US" b="0" i="0" smtClean="0">
+                        <a:latin typeface="Cambria Math" panose="02040503050406030204" pitchFamily="18" charset="0"/>
+                      </a:rPr>
+                      <m:t>x</m:t>
+                    </m:r>
+                    <m:r>
+                      <a:rPr lang="en-US" b="0" i="0" smtClean="0">
+                        <a:latin typeface="Cambria Math" panose="02040503050406030204" pitchFamily="18" charset="0"/>
+                      </a:rPr>
+                      <m:t> , </m:t>
+                    </m:r>
+                    <m:r>
+                      <a:rPr lang="en-US" b="0" i="1" smtClean="0">
+                        <a:latin typeface="Cambria Math" panose="02040503050406030204" pitchFamily="18" charset="0"/>
+                      </a:rPr>
+                      <m:t>𝜃</m:t>
+                    </m:r>
+                    <m:r>
+                      <a:rPr lang="en-US" b="0" i="1" smtClean="0">
+                        <a:latin typeface="Cambria Math" panose="02040503050406030204" pitchFamily="18" charset="0"/>
+                      </a:rPr>
+                      <m:t>)</m:t>
+                    </m:r>
+                  </m:oMath>
+                </a14:m>
+                <a:endParaRPr lang="en-US" dirty="0"/>
+              </a:p>
+              <a:p>
+                <a:r>
+                  <a:rPr lang="en-US" dirty="0"/>
+                  <a:t>“More data” doesn’t mean data from another context. For example, a confidence interval using data from </a:t>
+                </a:r>
+                <a14:m>
+                  <m:oMath xmlns:m="http://schemas.openxmlformats.org/officeDocument/2006/math">
+                    <m:sSub>
+                      <m:sSubPr>
+                        <m:ctrlPr>
+                          <a:rPr lang="en-US" b="0" i="1" smtClean="0">
+                            <a:latin typeface="Cambria Math" panose="02040503050406030204" pitchFamily="18" charset="0"/>
+                          </a:rPr>
+                        </m:ctrlPr>
+                      </m:sSubPr>
+                      <m:e>
+                        <m:r>
+                          <m:rPr>
+                            <m:sty m:val="p"/>
+                          </m:rPr>
+                          <a:rPr lang="en-US">
+                            <a:latin typeface="Cambria Math" panose="02040503050406030204" pitchFamily="18" charset="0"/>
+                          </a:rPr>
+                          <m:t>F</m:t>
+                        </m:r>
+                      </m:e>
+                      <m:sub>
+                        <m:r>
+                          <m:rPr>
+                            <m:sty m:val="p"/>
+                          </m:rPr>
+                          <a:rPr lang="en-US" b="0" i="0" smtClean="0">
+                            <a:latin typeface="Cambria Math" panose="02040503050406030204" pitchFamily="18" charset="0"/>
+                          </a:rPr>
+                          <m:t>t</m:t>
+                        </m:r>
+                        <m:r>
+                          <a:rPr lang="en-US" b="0" i="0" smtClean="0">
+                            <a:latin typeface="Cambria Math" panose="02040503050406030204" pitchFamily="18" charset="0"/>
+                          </a:rPr>
+                          <m:t>=1</m:t>
+                        </m:r>
+                      </m:sub>
+                    </m:sSub>
+                    <m:r>
+                      <a:rPr lang="en-US">
+                        <a:latin typeface="Cambria Math" panose="02040503050406030204" pitchFamily="18" charset="0"/>
+                      </a:rPr>
+                      <m:t>(</m:t>
+                    </m:r>
+                    <m:r>
+                      <m:rPr>
+                        <m:sty m:val="p"/>
+                      </m:rPr>
+                      <a:rPr lang="en-US">
+                        <a:latin typeface="Cambria Math" panose="02040503050406030204" pitchFamily="18" charset="0"/>
+                      </a:rPr>
+                      <m:t>y</m:t>
+                    </m:r>
+                    <m:r>
+                      <a:rPr lang="en-US">
+                        <a:latin typeface="Cambria Math" panose="02040503050406030204" pitchFamily="18" charset="0"/>
+                      </a:rPr>
+                      <m:t>|</m:t>
+                    </m:r>
+                    <m:r>
+                      <m:rPr>
+                        <m:sty m:val="p"/>
+                      </m:rPr>
+                      <a:rPr lang="en-US">
+                        <a:latin typeface="Cambria Math" panose="02040503050406030204" pitchFamily="18" charset="0"/>
+                      </a:rPr>
+                      <m:t>x</m:t>
+                    </m:r>
+                    <m:r>
+                      <a:rPr lang="en-US">
+                        <a:latin typeface="Cambria Math" panose="02040503050406030204" pitchFamily="18" charset="0"/>
+                      </a:rPr>
+                      <m:t> , </m:t>
+                    </m:r>
+                    <m:r>
+                      <a:rPr lang="en-US" i="1">
+                        <a:latin typeface="Cambria Math" panose="02040503050406030204" pitchFamily="18" charset="0"/>
+                      </a:rPr>
+                      <m:t>𝜃</m:t>
+                    </m:r>
+                    <m:r>
+                      <a:rPr lang="en-US" i="1">
+                        <a:latin typeface="Cambria Math" panose="02040503050406030204" pitchFamily="18" charset="0"/>
+                      </a:rPr>
+                      <m:t>)</m:t>
+                    </m:r>
+                  </m:oMath>
+                </a14:m>
+                <a:r>
+                  <a:rPr lang="en-US" dirty="0"/>
+                  <a:t> does not directly inform the results we would get from using data from </a:t>
+                </a:r>
+                <a14:m>
+                  <m:oMath xmlns:m="http://schemas.openxmlformats.org/officeDocument/2006/math">
+                    <m:sSub>
+                      <m:sSubPr>
+                        <m:ctrlPr>
+                          <a:rPr lang="en-US" b="0" i="1" smtClean="0">
+                            <a:latin typeface="Cambria Math" panose="02040503050406030204" pitchFamily="18" charset="0"/>
+                          </a:rPr>
+                        </m:ctrlPr>
+                      </m:sSubPr>
+                      <m:e>
+                        <m:r>
+                          <m:rPr>
+                            <m:sty m:val="p"/>
+                          </m:rPr>
+                          <a:rPr lang="en-US">
+                            <a:latin typeface="Cambria Math" panose="02040503050406030204" pitchFamily="18" charset="0"/>
+                          </a:rPr>
+                          <m:t>F</m:t>
+                        </m:r>
+                      </m:e>
+                      <m:sub>
+                        <m:r>
+                          <m:rPr>
+                            <m:sty m:val="p"/>
+                          </m:rPr>
+                          <a:rPr lang="en-US" b="0" i="0" smtClean="0">
+                            <a:latin typeface="Cambria Math" panose="02040503050406030204" pitchFamily="18" charset="0"/>
+                          </a:rPr>
+                          <m:t>t</m:t>
+                        </m:r>
+                        <m:r>
+                          <a:rPr lang="en-US" b="0" i="0" smtClean="0">
+                            <a:latin typeface="Cambria Math" panose="02040503050406030204" pitchFamily="18" charset="0"/>
+                          </a:rPr>
+                          <m:t>=2</m:t>
+                        </m:r>
+                      </m:sub>
+                    </m:sSub>
+                    <m:r>
+                      <a:rPr lang="en-US">
+                        <a:latin typeface="Cambria Math" panose="02040503050406030204" pitchFamily="18" charset="0"/>
+                      </a:rPr>
+                      <m:t>(</m:t>
+                    </m:r>
+                    <m:r>
+                      <m:rPr>
+                        <m:sty m:val="p"/>
+                      </m:rPr>
+                      <a:rPr lang="en-US">
+                        <a:latin typeface="Cambria Math" panose="02040503050406030204" pitchFamily="18" charset="0"/>
+                      </a:rPr>
+                      <m:t>y</m:t>
+                    </m:r>
+                    <m:r>
+                      <a:rPr lang="en-US">
+                        <a:latin typeface="Cambria Math" panose="02040503050406030204" pitchFamily="18" charset="0"/>
+                      </a:rPr>
+                      <m:t>|</m:t>
+                    </m:r>
+                    <m:r>
+                      <m:rPr>
+                        <m:sty m:val="p"/>
+                      </m:rPr>
+                      <a:rPr lang="en-US">
+                        <a:latin typeface="Cambria Math" panose="02040503050406030204" pitchFamily="18" charset="0"/>
+                      </a:rPr>
+                      <m:t>x</m:t>
+                    </m:r>
+                    <m:r>
+                      <a:rPr lang="en-US">
+                        <a:latin typeface="Cambria Math" panose="02040503050406030204" pitchFamily="18" charset="0"/>
+                      </a:rPr>
+                      <m:t> , </m:t>
+                    </m:r>
+                    <m:r>
+                      <a:rPr lang="en-US" i="1">
+                        <a:latin typeface="Cambria Math" panose="02040503050406030204" pitchFamily="18" charset="0"/>
+                      </a:rPr>
+                      <m:t>𝜃</m:t>
+                    </m:r>
+                    <m:r>
+                      <a:rPr lang="en-US" i="1">
+                        <a:latin typeface="Cambria Math" panose="02040503050406030204" pitchFamily="18" charset="0"/>
+                      </a:rPr>
+                      <m:t>)</m:t>
+                    </m:r>
+                  </m:oMath>
+                </a14:m>
+                <a:endParaRPr lang="en-US" dirty="0"/>
+              </a:p>
+              <a:p>
+                <a:pPr lvl="1"/>
+                <a:r>
+                  <a:rPr lang="en-US" dirty="0"/>
+                  <a:t>The confidence interval doesn’t directly answer whether </a:t>
+                </a:r>
+                <a14:m>
+                  <m:oMath xmlns:m="http://schemas.openxmlformats.org/officeDocument/2006/math">
+                    <m:acc>
+                      <m:accPr>
+                        <m:chr m:val="̂"/>
+                        <m:ctrlPr>
+                          <a:rPr lang="en-US" i="1" smtClean="0">
+                            <a:latin typeface="Cambria Math" panose="02040503050406030204" pitchFamily="18" charset="0"/>
+                          </a:rPr>
+                        </m:ctrlPr>
+                      </m:accPr>
+                      <m:e>
+                        <m:r>
+                          <a:rPr lang="en-US" i="1">
+                            <a:latin typeface="Cambria Math" panose="02040503050406030204" pitchFamily="18" charset="0"/>
+                          </a:rPr>
+                          <m:t>𝛽</m:t>
+                        </m:r>
+                      </m:e>
+                    </m:acc>
+                  </m:oMath>
+                </a14:m>
+                <a:r>
+                  <a:rPr lang="en-US" dirty="0"/>
+                  <a:t> would be the same if we collected data from next month. </a:t>
+                </a:r>
+              </a:p>
+              <a:p>
+                <a:r>
+                  <a:rPr lang="en-US" dirty="0"/>
+                  <a:t>If the underlying data generating process changes over time, then we will have model misspecification biases.</a:t>
+                </a:r>
+              </a:p>
+              <a:p>
+                <a:r>
+                  <a:rPr lang="en-US" dirty="0"/>
+                  <a:t>Model misspecification cause problems with inference.</a:t>
+                </a:r>
+              </a:p>
+            </p:txBody>
+          </p:sp>
+        </mc:Choice>
+        <mc:Fallback xmlns="">
+          <p:sp>
+            <p:nvSpPr>
+              <p:cNvPr id="3" name="Content Placeholder 2">
+                <a:extLst>
+                  <a:ext uri="{FF2B5EF4-FFF2-40B4-BE49-F238E27FC236}">
+                    <a16:creationId xmlns:a16="http://schemas.microsoft.com/office/drawing/2014/main" id="{22D9D7AD-5F29-AE4E-8876-18CBDD1109ED}"/>
+                  </a:ext>
+                </a:extLst>
+              </p:cNvPr>
+              <p:cNvSpPr>
+                <a:spLocks noGrp="1" noRot="1" noChangeAspect="1" noMove="1" noResize="1" noEditPoints="1" noAdjustHandles="1" noChangeArrowheads="1" noChangeShapeType="1" noTextEdit="1"/>
+              </p:cNvSpPr>
+              <p:nvPr>
+                <p:ph idx="1"/>
+              </p:nvPr>
+            </p:nvSpPr>
+            <p:spPr>
+              <a:xfrm>
+                <a:off x="838200" y="1550894"/>
+                <a:ext cx="10515600" cy="4796119"/>
+              </a:xfrm>
+              <a:blipFill>
+                <a:blip r:embed="rId2"/>
+                <a:stretch>
+                  <a:fillRect l="-1086" t="-2111" r="-1327"/>
+                </a:stretch>
+              </a:blipFill>
+            </p:spPr>
+            <p:txBody>
+              <a:bodyPr/>
+              <a:lstStyle/>
+              <a:p>
+                <a:r>
+                  <a:rPr lang="en-US">
+                    <a:noFill/>
+                  </a:rPr>
+                  <a:t> </a:t>
+                </a:r>
+              </a:p>
+            </p:txBody>
+          </p:sp>
+        </mc:Fallback>
+      </mc:AlternateContent>
+    </p:spTree>
+    <p:extLst>
+      <p:ext uri="{BB962C8B-B14F-4D97-AF65-F5344CB8AC3E}">
+        <p14:creationId xmlns:p14="http://schemas.microsoft.com/office/powerpoint/2010/main" val="2810612432"/>
       </p:ext>
     </p:extLst>
   </p:cSld>
@@ -9875,6 +9864,1005 @@
 </file>
 
 <file path=ppt/slides/slide25.xml><?xml version="1.0" encoding="utf-8"?>
+<p:sld xmlns:a="http://schemas.openxmlformats.org/drawingml/2006/main" xmlns:r="http://schemas.openxmlformats.org/officeDocument/2006/relationships" xmlns:p="http://schemas.openxmlformats.org/presentationml/2006/main">
+  <p:cSld>
+    <p:spTree>
+      <p:nvGrpSpPr>
+        <p:cNvPr id="1" name=""/>
+        <p:cNvGrpSpPr/>
+        <p:nvPr/>
+      </p:nvGrpSpPr>
+      <p:grpSpPr>
+        <a:xfrm>
+          <a:off x="0" y="0"/>
+          <a:ext cx="0" cy="0"/>
+          <a:chOff x="0" y="0"/>
+          <a:chExt cx="0" cy="0"/>
+        </a:xfrm>
+      </p:grpSpPr>
+      <p:sp>
+        <p:nvSpPr>
+          <p:cNvPr id="4" name="Title 3">
+            <a:extLst>
+              <a:ext uri="{FF2B5EF4-FFF2-40B4-BE49-F238E27FC236}">
+                <a16:creationId xmlns:a16="http://schemas.microsoft.com/office/drawing/2014/main" id="{48AE7B57-7EA7-E07B-3CE7-C807E68A0B83}"/>
+              </a:ext>
+            </a:extLst>
+          </p:cNvPr>
+          <p:cNvSpPr>
+            <a:spLocks noGrp="1"/>
+          </p:cNvSpPr>
+          <p:nvPr>
+            <p:ph type="title"/>
+          </p:nvPr>
+        </p:nvSpPr>
+        <p:spPr/>
+        <p:txBody>
+          <a:bodyPr/>
+          <a:lstStyle/>
+          <a:p>
+            <a:r>
+              <a:rPr lang="en-US" dirty="0"/>
+              <a:t>Inference and bias</a:t>
+            </a:r>
+          </a:p>
+        </p:txBody>
+      </p:sp>
+      <p:sp>
+        <p:nvSpPr>
+          <p:cNvPr id="5" name="Text Placeholder 4">
+            <a:extLst>
+              <a:ext uri="{FF2B5EF4-FFF2-40B4-BE49-F238E27FC236}">
+                <a16:creationId xmlns:a16="http://schemas.microsoft.com/office/drawing/2014/main" id="{3FF52B18-7982-8733-7401-383D4D2FE2EC}"/>
+              </a:ext>
+            </a:extLst>
+          </p:cNvPr>
+          <p:cNvSpPr>
+            <a:spLocks noGrp="1"/>
+          </p:cNvSpPr>
+          <p:nvPr>
+            <p:ph type="body" idx="1"/>
+          </p:nvPr>
+        </p:nvSpPr>
+        <p:spPr/>
+        <p:txBody>
+          <a:bodyPr/>
+          <a:lstStyle/>
+          <a:p>
+            <a:endParaRPr lang="en-US" dirty="0"/>
+          </a:p>
+        </p:txBody>
+      </p:sp>
+    </p:spTree>
+    <p:extLst>
+      <p:ext uri="{BB962C8B-B14F-4D97-AF65-F5344CB8AC3E}">
+        <p14:creationId xmlns:p14="http://schemas.microsoft.com/office/powerpoint/2010/main" val="2968510755"/>
+      </p:ext>
+    </p:extLst>
+  </p:cSld>
+  <p:clrMapOvr>
+    <a:masterClrMapping/>
+  </p:clrMapOvr>
+</p:sld>
+</file>
+
+<file path=ppt/slides/slide26.xml><?xml version="1.0" encoding="utf-8"?>
+<p:sld xmlns:a="http://schemas.openxmlformats.org/drawingml/2006/main" xmlns:r="http://schemas.openxmlformats.org/officeDocument/2006/relationships" xmlns:p="http://schemas.openxmlformats.org/presentationml/2006/main">
+  <p:cSld>
+    <p:spTree>
+      <p:nvGrpSpPr>
+        <p:cNvPr id="1" name=""/>
+        <p:cNvGrpSpPr/>
+        <p:nvPr/>
+      </p:nvGrpSpPr>
+      <p:grpSpPr>
+        <a:xfrm>
+          <a:off x="0" y="0"/>
+          <a:ext cx="0" cy="0"/>
+          <a:chOff x="0" y="0"/>
+          <a:chExt cx="0" cy="0"/>
+        </a:xfrm>
+      </p:grpSpPr>
+      <p:sp>
+        <p:nvSpPr>
+          <p:cNvPr id="2" name="Title 1">
+            <a:extLst>
+              <a:ext uri="{FF2B5EF4-FFF2-40B4-BE49-F238E27FC236}">
+                <a16:creationId xmlns:a16="http://schemas.microsoft.com/office/drawing/2014/main" id="{41553EBE-FC42-D242-8020-97AB7C959511}"/>
+              </a:ext>
+            </a:extLst>
+          </p:cNvPr>
+          <p:cNvSpPr>
+            <a:spLocks noGrp="1"/>
+          </p:cNvSpPr>
+          <p:nvPr>
+            <p:ph type="title"/>
+          </p:nvPr>
+        </p:nvSpPr>
+        <p:spPr/>
+        <p:txBody>
+          <a:bodyPr/>
+          <a:lstStyle/>
+          <a:p>
+            <a:r>
+              <a:rPr lang="en-US" dirty="0"/>
+              <a:t>Inference vs bias</a:t>
+            </a:r>
+          </a:p>
+        </p:txBody>
+      </p:sp>
+      <mc:AlternateContent xmlns:mc="http://schemas.openxmlformats.org/markup-compatibility/2006">
+        <mc:Choice xmlns:a14="http://schemas.microsoft.com/office/drawing/2010/main" Requires="a14">
+          <p:sp>
+            <p:nvSpPr>
+              <p:cNvPr id="3" name="Content Placeholder 2">
+                <a:extLst>
+                  <a:ext uri="{FF2B5EF4-FFF2-40B4-BE49-F238E27FC236}">
+                    <a16:creationId xmlns:a16="http://schemas.microsoft.com/office/drawing/2014/main" id="{549CE041-C0A3-AE44-9043-DACAC79BEA98}"/>
+                  </a:ext>
+                </a:extLst>
+              </p:cNvPr>
+              <p:cNvSpPr>
+                <a:spLocks noGrp="1"/>
+              </p:cNvSpPr>
+              <p:nvPr>
+                <p:ph idx="1"/>
+              </p:nvPr>
+            </p:nvSpPr>
+            <p:spPr/>
+            <p:txBody>
+              <a:bodyPr/>
+              <a:lstStyle/>
+              <a:p>
+                <a:r>
+                  <a:rPr lang="en-US" dirty="0"/>
+                  <a:t>Confidence intervals are about whether we would get the same estimates a certain proportion of the time.</a:t>
+                </a:r>
+              </a:p>
+              <a:p>
+                <a:r>
+                  <a:rPr lang="en-US" dirty="0"/>
+                  <a:t>A 95% confidence interval contains 95% of the possible estimates we would get from resampling the data. </a:t>
+                </a:r>
+              </a:p>
+              <a:p>
+                <a:r>
+                  <a:rPr lang="en-US" dirty="0"/>
+                  <a:t>But </a:t>
+                </a:r>
+                <a14:m>
+                  <m:oMath xmlns:m="http://schemas.openxmlformats.org/officeDocument/2006/math">
+                    <m:acc>
+                      <m:accPr>
+                        <m:chr m:val="̂"/>
+                        <m:ctrlPr>
+                          <a:rPr lang="en-US" i="1">
+                            <a:latin typeface="Cambria Math" panose="02040503050406030204" pitchFamily="18" charset="0"/>
+                          </a:rPr>
+                        </m:ctrlPr>
+                      </m:accPr>
+                      <m:e>
+                        <m:r>
+                          <a:rPr lang="en-US" i="1">
+                            <a:latin typeface="Cambria Math" panose="02040503050406030204" pitchFamily="18" charset="0"/>
+                          </a:rPr>
+                          <m:t>𝛽</m:t>
+                        </m:r>
+                      </m:e>
+                    </m:acc>
+                  </m:oMath>
+                </a14:m>
+                <a:r>
+                  <a:rPr lang="en-US" dirty="0"/>
+                  <a:t> could be biased. </a:t>
+                </a:r>
+                <a14:m>
+                  <m:oMath xmlns:m="http://schemas.openxmlformats.org/officeDocument/2006/math">
+                    <m:acc>
+                      <m:accPr>
+                        <m:chr m:val="̂"/>
+                        <m:ctrlPr>
+                          <a:rPr lang="en-US" i="1">
+                            <a:latin typeface="Cambria Math" panose="02040503050406030204" pitchFamily="18" charset="0"/>
+                          </a:rPr>
+                        </m:ctrlPr>
+                      </m:accPr>
+                      <m:e>
+                        <m:r>
+                          <a:rPr lang="en-US" i="1">
+                            <a:latin typeface="Cambria Math" panose="02040503050406030204" pitchFamily="18" charset="0"/>
+                          </a:rPr>
+                          <m:t>𝛽</m:t>
+                        </m:r>
+                      </m:e>
+                    </m:acc>
+                    <m:r>
+                      <a:rPr lang="en-US" i="1">
+                        <a:latin typeface="Cambria Math" panose="02040503050406030204" pitchFamily="18" charset="0"/>
+                      </a:rPr>
+                      <m:t> </m:t>
+                    </m:r>
+                  </m:oMath>
+                </a14:m>
+                <a:r>
+                  <a:rPr lang="en-US" dirty="0"/>
+                  <a:t>can consistently estimate a biased value.</a:t>
+                </a:r>
+              </a:p>
+              <a:p>
+                <a:pPr marL="0" indent="0">
+                  <a:buNone/>
+                </a:pPr>
+                <a14:m>
+                  <m:oMathPara xmlns:m="http://schemas.openxmlformats.org/officeDocument/2006/math">
+                    <m:oMathParaPr>
+                      <m:jc m:val="centerGroup"/>
+                    </m:oMathParaPr>
+                    <m:oMath xmlns:m="http://schemas.openxmlformats.org/officeDocument/2006/math">
+                      <m:rad>
+                        <m:radPr>
+                          <m:degHide m:val="on"/>
+                          <m:ctrlPr>
+                            <a:rPr lang="en-US" i="1">
+                              <a:latin typeface="Cambria Math" panose="02040503050406030204" pitchFamily="18" charset="0"/>
+                            </a:rPr>
+                          </m:ctrlPr>
+                        </m:radPr>
+                        <m:deg/>
+                        <m:e>
+                          <m:r>
+                            <a:rPr lang="en-US" i="1">
+                              <a:latin typeface="Cambria Math" panose="02040503050406030204" pitchFamily="18" charset="0"/>
+                            </a:rPr>
+                            <m:t>𝑁</m:t>
+                          </m:r>
+                        </m:e>
+                      </m:rad>
+                      <m:r>
+                        <a:rPr lang="en-US" i="1">
+                          <a:latin typeface="Cambria Math" panose="02040503050406030204" pitchFamily="18" charset="0"/>
+                        </a:rPr>
+                        <m:t>(</m:t>
+                      </m:r>
+                      <m:acc>
+                        <m:accPr>
+                          <m:chr m:val="̂"/>
+                          <m:ctrlPr>
+                            <a:rPr lang="en-US" i="1">
+                              <a:latin typeface="Cambria Math" panose="02040503050406030204" pitchFamily="18" charset="0"/>
+                            </a:rPr>
+                          </m:ctrlPr>
+                        </m:accPr>
+                        <m:e>
+                          <m:r>
+                            <a:rPr lang="en-US" i="1">
+                              <a:latin typeface="Cambria Math" panose="02040503050406030204" pitchFamily="18" charset="0"/>
+                            </a:rPr>
+                            <m:t>𝛽</m:t>
+                          </m:r>
+                        </m:e>
+                      </m:acc>
+                      <m:r>
+                        <a:rPr lang="en-US" i="1">
+                          <a:latin typeface="Cambria Math" panose="02040503050406030204" pitchFamily="18" charset="0"/>
+                        </a:rPr>
+                        <m:t>−</m:t>
+                      </m:r>
+                      <m:r>
+                        <a:rPr lang="en-US" i="1">
+                          <a:latin typeface="Cambria Math" panose="02040503050406030204" pitchFamily="18" charset="0"/>
+                        </a:rPr>
+                        <m:t>𝛽</m:t>
+                      </m:r>
+                      <m:r>
+                        <a:rPr lang="en-US" i="1">
+                          <a:latin typeface="Cambria Math" panose="02040503050406030204" pitchFamily="18" charset="0"/>
+                        </a:rPr>
+                        <m:t>)</m:t>
+                      </m:r>
+                      <m:sSup>
+                        <m:sSupPr>
+                          <m:ctrlPr>
+                            <a:rPr lang="en-US" i="1">
+                              <a:latin typeface="Cambria Math" panose="02040503050406030204" pitchFamily="18" charset="0"/>
+                            </a:rPr>
+                          </m:ctrlPr>
+                        </m:sSupPr>
+                        <m:e>
+                          <m:r>
+                            <a:rPr lang="en-US" i="1">
+                              <a:latin typeface="Cambria Math" panose="02040503050406030204" pitchFamily="18" charset="0"/>
+                            </a:rPr>
+                            <m:t>→</m:t>
+                          </m:r>
+                        </m:e>
+                        <m:sup>
+                          <m:r>
+                            <a:rPr lang="en-US" i="1">
+                              <a:latin typeface="Cambria Math" panose="02040503050406030204" pitchFamily="18" charset="0"/>
+                            </a:rPr>
+                            <m:t>𝑑</m:t>
+                          </m:r>
+                        </m:sup>
+                      </m:sSup>
+                      <m:r>
+                        <a:rPr lang="en-US" i="1">
+                          <a:latin typeface="Cambria Math" panose="02040503050406030204" pitchFamily="18" charset="0"/>
+                        </a:rPr>
+                        <m:t>𝑁</m:t>
+                      </m:r>
+                      <m:r>
+                        <a:rPr lang="en-US" i="1">
+                          <a:latin typeface="Cambria Math" panose="02040503050406030204" pitchFamily="18" charset="0"/>
+                        </a:rPr>
+                        <m:t>( </m:t>
+                      </m:r>
+                      <m:r>
+                        <a:rPr lang="en-US" b="0" i="1" smtClean="0">
+                          <a:solidFill>
+                            <a:schemeClr val="accent2"/>
+                          </a:solidFill>
+                          <a:latin typeface="Cambria Math" panose="02040503050406030204" pitchFamily="18" charset="0"/>
+                        </a:rPr>
+                        <m:t>𝑏𝑖𝑎𝑠</m:t>
+                      </m:r>
+                      <m:r>
+                        <a:rPr lang="en-US" b="0" i="1" smtClean="0">
+                          <a:latin typeface="Cambria Math" panose="02040503050406030204" pitchFamily="18" charset="0"/>
+                        </a:rPr>
+                        <m:t> </m:t>
+                      </m:r>
+                      <m:r>
+                        <a:rPr lang="en-US" i="1" smtClean="0">
+                          <a:latin typeface="Cambria Math" panose="02040503050406030204" pitchFamily="18" charset="0"/>
+                        </a:rPr>
+                        <m:t>,</m:t>
+                      </m:r>
+                      <m:r>
+                        <m:rPr>
+                          <m:sty m:val="p"/>
+                        </m:rPr>
+                        <a:rPr lang="en-US">
+                          <a:latin typeface="Cambria Math" panose="02040503050406030204" pitchFamily="18" charset="0"/>
+                        </a:rPr>
+                        <m:t>Σ</m:t>
+                      </m:r>
+                      <m:r>
+                        <a:rPr lang="en-US" i="1">
+                          <a:latin typeface="Cambria Math" panose="02040503050406030204" pitchFamily="18" charset="0"/>
+                        </a:rPr>
+                        <m:t>)</m:t>
+                      </m:r>
+                    </m:oMath>
+                  </m:oMathPara>
+                </a14:m>
+                <a:endParaRPr lang="en-US" dirty="0"/>
+              </a:p>
+              <a:p>
+                <a:r>
+                  <a:rPr lang="en-US" dirty="0"/>
+                  <a:t>Therefore, </a:t>
+                </a:r>
+                <a14:m>
+                  <m:oMath xmlns:m="http://schemas.openxmlformats.org/officeDocument/2006/math">
+                    <m:acc>
+                      <m:accPr>
+                        <m:chr m:val="̂"/>
+                        <m:ctrlPr>
+                          <a:rPr lang="en-US" i="1">
+                            <a:latin typeface="Cambria Math" panose="02040503050406030204" pitchFamily="18" charset="0"/>
+                          </a:rPr>
+                        </m:ctrlPr>
+                      </m:accPr>
+                      <m:e>
+                        <m:r>
+                          <a:rPr lang="en-US" i="1">
+                            <a:latin typeface="Cambria Math" panose="02040503050406030204" pitchFamily="18" charset="0"/>
+                          </a:rPr>
+                          <m:t>𝛽</m:t>
+                        </m:r>
+                      </m:e>
+                    </m:acc>
+                  </m:oMath>
+                </a14:m>
+                <a:r>
+                  <a:rPr lang="en-US" dirty="0"/>
+                  <a:t> can be statistically significant and still be biased.</a:t>
+                </a:r>
+              </a:p>
+            </p:txBody>
+          </p:sp>
+        </mc:Choice>
+        <mc:Fallback>
+          <p:sp>
+            <p:nvSpPr>
+              <p:cNvPr id="3" name="Content Placeholder 2">
+                <a:extLst>
+                  <a:ext uri="{FF2B5EF4-FFF2-40B4-BE49-F238E27FC236}">
+                    <a16:creationId xmlns:a16="http://schemas.microsoft.com/office/drawing/2014/main" id="{549CE041-C0A3-AE44-9043-DACAC79BEA98}"/>
+                  </a:ext>
+                </a:extLst>
+              </p:cNvPr>
+              <p:cNvSpPr>
+                <a:spLocks noGrp="1" noRot="1" noChangeAspect="1" noMove="1" noResize="1" noEditPoints="1" noAdjustHandles="1" noChangeArrowheads="1" noChangeShapeType="1" noTextEdit="1"/>
+              </p:cNvSpPr>
+              <p:nvPr>
+                <p:ph idx="1"/>
+              </p:nvPr>
+            </p:nvSpPr>
+            <p:spPr>
+              <a:blipFill>
+                <a:blip r:embed="rId3"/>
+                <a:stretch>
+                  <a:fillRect l="-1086" t="-2326" r="-121"/>
+                </a:stretch>
+              </a:blipFill>
+            </p:spPr>
+            <p:txBody>
+              <a:bodyPr/>
+              <a:lstStyle/>
+              <a:p>
+                <a:r>
+                  <a:rPr lang="en-US">
+                    <a:noFill/>
+                  </a:rPr>
+                  <a:t> </a:t>
+                </a:r>
+              </a:p>
+            </p:txBody>
+          </p:sp>
+        </mc:Fallback>
+      </mc:AlternateContent>
+    </p:spTree>
+    <p:extLst>
+      <p:ext uri="{BB962C8B-B14F-4D97-AF65-F5344CB8AC3E}">
+        <p14:creationId xmlns:p14="http://schemas.microsoft.com/office/powerpoint/2010/main" val="3785873295"/>
+      </p:ext>
+    </p:extLst>
+  </p:cSld>
+  <p:clrMapOvr>
+    <a:masterClrMapping/>
+  </p:clrMapOvr>
+</p:sld>
+</file>
+
+<file path=ppt/slides/slide27.xml><?xml version="1.0" encoding="utf-8"?>
+<p:sld xmlns:a="http://schemas.openxmlformats.org/drawingml/2006/main" xmlns:r="http://schemas.openxmlformats.org/officeDocument/2006/relationships" xmlns:p="http://schemas.openxmlformats.org/presentationml/2006/main">
+  <p:cSld>
+    <p:spTree>
+      <p:nvGrpSpPr>
+        <p:cNvPr id="1" name=""/>
+        <p:cNvGrpSpPr/>
+        <p:nvPr/>
+      </p:nvGrpSpPr>
+      <p:grpSpPr>
+        <a:xfrm>
+          <a:off x="0" y="0"/>
+          <a:ext cx="0" cy="0"/>
+          <a:chOff x="0" y="0"/>
+          <a:chExt cx="0" cy="0"/>
+        </a:xfrm>
+      </p:grpSpPr>
+      <p:sp>
+        <p:nvSpPr>
+          <p:cNvPr id="2" name="Title 1">
+            <a:extLst>
+              <a:ext uri="{FF2B5EF4-FFF2-40B4-BE49-F238E27FC236}">
+                <a16:creationId xmlns:a16="http://schemas.microsoft.com/office/drawing/2014/main" id="{60BF36F5-6FB5-5544-9345-BB84D5818E88}"/>
+              </a:ext>
+            </a:extLst>
+          </p:cNvPr>
+          <p:cNvSpPr>
+            <a:spLocks noGrp="1"/>
+          </p:cNvSpPr>
+          <p:nvPr>
+            <p:ph type="title"/>
+          </p:nvPr>
+        </p:nvSpPr>
+        <p:spPr/>
+        <p:txBody>
+          <a:bodyPr/>
+          <a:lstStyle/>
+          <a:p>
+            <a:r>
+              <a:rPr lang="en-US" dirty="0"/>
+              <a:t>Model misspecification also creates bias</a:t>
+            </a:r>
+          </a:p>
+        </p:txBody>
+      </p:sp>
+      <mc:AlternateContent xmlns:mc="http://schemas.openxmlformats.org/markup-compatibility/2006" xmlns:a14="http://schemas.microsoft.com/office/drawing/2010/main">
+        <mc:Choice Requires="a14">
+          <p:sp>
+            <p:nvSpPr>
+              <p:cNvPr id="3" name="Content Placeholder 2">
+                <a:extLst>
+                  <a:ext uri="{FF2B5EF4-FFF2-40B4-BE49-F238E27FC236}">
+                    <a16:creationId xmlns:a16="http://schemas.microsoft.com/office/drawing/2014/main" id="{174FC84F-5A6F-484F-8365-5F2F31B08658}"/>
+                  </a:ext>
+                </a:extLst>
+              </p:cNvPr>
+              <p:cNvSpPr>
+                <a:spLocks noGrp="1"/>
+              </p:cNvSpPr>
+              <p:nvPr>
+                <p:ph idx="1"/>
+              </p:nvPr>
+            </p:nvSpPr>
+            <p:spPr/>
+            <p:txBody>
+              <a:bodyPr>
+                <a:normAutofit/>
+              </a:bodyPr>
+              <a:lstStyle/>
+              <a:p>
+                <a:r>
+                  <a:rPr lang="en-US" dirty="0"/>
+                  <a:t>For example, the true model is:</a:t>
+                </a:r>
+                <a14:m>
+                  <m:oMath xmlns:m="http://schemas.openxmlformats.org/officeDocument/2006/math">
+                    <m:r>
+                      <a:rPr lang="en-US" b="0" i="0" smtClean="0">
+                        <a:latin typeface="Cambria Math" panose="02040503050406030204" pitchFamily="18" charset="0"/>
+                      </a:rPr>
+                      <m:t> </m:t>
+                    </m:r>
+                    <m:r>
+                      <a:rPr lang="en-US" b="0" i="1" smtClean="0">
+                        <a:latin typeface="Cambria Math" panose="02040503050406030204" pitchFamily="18" charset="0"/>
+                      </a:rPr>
+                      <m:t>𝑌</m:t>
+                    </m:r>
+                    <m:r>
+                      <a:rPr lang="en-US" i="1">
+                        <a:latin typeface="Cambria Math" panose="02040503050406030204" pitchFamily="18" charset="0"/>
+                      </a:rPr>
+                      <m:t>=</m:t>
+                    </m:r>
+                    <m:sSub>
+                      <m:sSubPr>
+                        <m:ctrlPr>
+                          <a:rPr lang="en-US" b="0" i="1" smtClean="0">
+                            <a:latin typeface="Cambria Math" panose="02040503050406030204" pitchFamily="18" charset="0"/>
+                          </a:rPr>
+                        </m:ctrlPr>
+                      </m:sSubPr>
+                      <m:e>
+                        <m:r>
+                          <a:rPr lang="en-US" b="0" i="1" smtClean="0">
+                            <a:latin typeface="Cambria Math" panose="02040503050406030204" pitchFamily="18" charset="0"/>
+                          </a:rPr>
+                          <m:t>𝛽</m:t>
+                        </m:r>
+                      </m:e>
+                      <m:sub>
+                        <m:r>
+                          <a:rPr lang="en-US" b="0" i="1" smtClean="0">
+                            <a:latin typeface="Cambria Math" panose="02040503050406030204" pitchFamily="18" charset="0"/>
+                          </a:rPr>
+                          <m:t>1</m:t>
+                        </m:r>
+                      </m:sub>
+                    </m:sSub>
+                    <m:sSub>
+                      <m:sSubPr>
+                        <m:ctrlPr>
+                          <a:rPr lang="en-US" b="0" i="1" smtClean="0">
+                            <a:latin typeface="Cambria Math" panose="02040503050406030204" pitchFamily="18" charset="0"/>
+                          </a:rPr>
+                        </m:ctrlPr>
+                      </m:sSubPr>
+                      <m:e>
+                        <m:r>
+                          <a:rPr lang="en-US" b="0" i="1" smtClean="0">
+                            <a:latin typeface="Cambria Math" panose="02040503050406030204" pitchFamily="18" charset="0"/>
+                          </a:rPr>
+                          <m:t>𝑋</m:t>
+                        </m:r>
+                      </m:e>
+                      <m:sub>
+                        <m:r>
+                          <a:rPr lang="en-US" b="0" i="1" smtClean="0">
+                            <a:latin typeface="Cambria Math" panose="02040503050406030204" pitchFamily="18" charset="0"/>
+                          </a:rPr>
+                          <m:t>1</m:t>
+                        </m:r>
+                      </m:sub>
+                    </m:sSub>
+                    <m:r>
+                      <a:rPr lang="en-US" b="0" i="1" smtClean="0">
+                        <a:latin typeface="Cambria Math" panose="02040503050406030204" pitchFamily="18" charset="0"/>
+                      </a:rPr>
+                      <m:t>+</m:t>
+                    </m:r>
+                    <m:sSub>
+                      <m:sSubPr>
+                        <m:ctrlPr>
+                          <a:rPr lang="en-US" i="1">
+                            <a:latin typeface="Cambria Math" panose="02040503050406030204" pitchFamily="18" charset="0"/>
+                          </a:rPr>
+                        </m:ctrlPr>
+                      </m:sSubPr>
+                      <m:e>
+                        <m:r>
+                          <a:rPr lang="en-US" i="1">
+                            <a:latin typeface="Cambria Math" panose="02040503050406030204" pitchFamily="18" charset="0"/>
+                          </a:rPr>
+                          <m:t>𝛽</m:t>
+                        </m:r>
+                      </m:e>
+                      <m:sub>
+                        <m:r>
+                          <a:rPr lang="en-US" i="1">
+                            <a:latin typeface="Cambria Math" panose="02040503050406030204" pitchFamily="18" charset="0"/>
+                          </a:rPr>
+                          <m:t>2</m:t>
+                        </m:r>
+                      </m:sub>
+                    </m:sSub>
+                    <m:sSub>
+                      <m:sSubPr>
+                        <m:ctrlPr>
+                          <a:rPr lang="en-US" i="1">
+                            <a:latin typeface="Cambria Math" panose="02040503050406030204" pitchFamily="18" charset="0"/>
+                          </a:rPr>
+                        </m:ctrlPr>
+                      </m:sSubPr>
+                      <m:e>
+                        <m:r>
+                          <a:rPr lang="en-US" i="1">
+                            <a:latin typeface="Cambria Math" panose="02040503050406030204" pitchFamily="18" charset="0"/>
+                          </a:rPr>
+                          <m:t>𝑋</m:t>
+                        </m:r>
+                      </m:e>
+                      <m:sub>
+                        <m:r>
+                          <a:rPr lang="en-US" i="1">
+                            <a:latin typeface="Cambria Math" panose="02040503050406030204" pitchFamily="18" charset="0"/>
+                          </a:rPr>
+                          <m:t>2</m:t>
+                        </m:r>
+                      </m:sub>
+                    </m:sSub>
+                    <m:r>
+                      <a:rPr lang="en-US" b="0" i="1" smtClean="0">
+                        <a:latin typeface="Cambria Math" panose="02040503050406030204" pitchFamily="18" charset="0"/>
+                      </a:rPr>
+                      <m:t>+</m:t>
+                    </m:r>
+                    <m:r>
+                      <a:rPr lang="en-US" b="0" i="1" smtClean="0">
+                        <a:latin typeface="Cambria Math" panose="02040503050406030204" pitchFamily="18" charset="0"/>
+                      </a:rPr>
+                      <m:t>𝜖</m:t>
+                    </m:r>
+                  </m:oMath>
+                </a14:m>
+                <a:endParaRPr lang="en-US" dirty="0"/>
+              </a:p>
+              <a:p>
+                <a:r>
+                  <a:rPr lang="en-US" dirty="0"/>
+                  <a:t>But we instead estimate this model:</a:t>
+                </a:r>
+                <a14:m>
+                  <m:oMath xmlns:m="http://schemas.openxmlformats.org/officeDocument/2006/math">
+                    <m:r>
+                      <a:rPr lang="en-US" b="0" i="0" smtClean="0">
+                        <a:latin typeface="Cambria Math" panose="02040503050406030204" pitchFamily="18" charset="0"/>
+                      </a:rPr>
+                      <m:t> </m:t>
+                    </m:r>
+                    <m:r>
+                      <m:rPr>
+                        <m:sty m:val="p"/>
+                      </m:rPr>
+                      <a:rPr lang="en-US" b="0" i="0" smtClean="0">
+                        <a:latin typeface="Cambria Math" panose="02040503050406030204" pitchFamily="18" charset="0"/>
+                      </a:rPr>
+                      <m:t>Y</m:t>
+                    </m:r>
+                    <m:r>
+                      <a:rPr lang="en-US" b="0" i="0" smtClean="0">
+                        <a:latin typeface="Cambria Math" panose="02040503050406030204" pitchFamily="18" charset="0"/>
+                      </a:rPr>
+                      <m:t>=</m:t>
+                    </m:r>
+                    <m:sSub>
+                      <m:sSubPr>
+                        <m:ctrlPr>
+                          <a:rPr lang="en-US" b="0" i="1" smtClean="0">
+                            <a:latin typeface="Cambria Math" panose="02040503050406030204" pitchFamily="18" charset="0"/>
+                          </a:rPr>
+                        </m:ctrlPr>
+                      </m:sSubPr>
+                      <m:e>
+                        <m:r>
+                          <a:rPr lang="en-US" b="0" i="1" smtClean="0">
+                            <a:latin typeface="Cambria Math" panose="02040503050406030204" pitchFamily="18" charset="0"/>
+                          </a:rPr>
+                          <m:t>𝛽</m:t>
+                        </m:r>
+                      </m:e>
+                      <m:sub>
+                        <m:r>
+                          <a:rPr lang="en-US" b="0" i="1" smtClean="0">
+                            <a:latin typeface="Cambria Math" panose="02040503050406030204" pitchFamily="18" charset="0"/>
+                          </a:rPr>
+                          <m:t>1</m:t>
+                        </m:r>
+                      </m:sub>
+                    </m:sSub>
+                    <m:sSub>
+                      <m:sSubPr>
+                        <m:ctrlPr>
+                          <a:rPr lang="en-US" i="1">
+                            <a:latin typeface="Cambria Math" panose="02040503050406030204" pitchFamily="18" charset="0"/>
+                          </a:rPr>
+                        </m:ctrlPr>
+                      </m:sSubPr>
+                      <m:e>
+                        <m:r>
+                          <a:rPr lang="en-US" i="1">
+                            <a:latin typeface="Cambria Math" panose="02040503050406030204" pitchFamily="18" charset="0"/>
+                          </a:rPr>
+                          <m:t>𝑋</m:t>
+                        </m:r>
+                      </m:e>
+                      <m:sub>
+                        <m:r>
+                          <a:rPr lang="en-US" b="0" i="1" smtClean="0">
+                            <a:latin typeface="Cambria Math" panose="02040503050406030204" pitchFamily="18" charset="0"/>
+                          </a:rPr>
+                          <m:t>1</m:t>
+                        </m:r>
+                      </m:sub>
+                    </m:sSub>
+                    <m:r>
+                      <a:rPr lang="en-US" b="0" i="1" smtClean="0">
+                        <a:latin typeface="Cambria Math" panose="02040503050406030204" pitchFamily="18" charset="0"/>
+                      </a:rPr>
+                      <m:t>+</m:t>
+                    </m:r>
+                    <m:sSub>
+                      <m:sSubPr>
+                        <m:ctrlPr>
+                          <a:rPr lang="en-US" b="0" i="1" smtClean="0">
+                            <a:latin typeface="Cambria Math" panose="02040503050406030204" pitchFamily="18" charset="0"/>
+                          </a:rPr>
+                        </m:ctrlPr>
+                      </m:sSubPr>
+                      <m:e>
+                        <m:r>
+                          <a:rPr lang="en-US" b="0" i="1" smtClean="0">
+                            <a:latin typeface="Cambria Math" panose="02040503050406030204" pitchFamily="18" charset="0"/>
+                          </a:rPr>
+                          <m:t>𝛽</m:t>
+                        </m:r>
+                      </m:e>
+                      <m:sub>
+                        <m:r>
+                          <a:rPr lang="en-US" b="0" i="1" smtClean="0">
+                            <a:latin typeface="Cambria Math" panose="02040503050406030204" pitchFamily="18" charset="0"/>
+                          </a:rPr>
+                          <m:t>2</m:t>
+                        </m:r>
+                      </m:sub>
+                    </m:sSub>
+                    <m:sSub>
+                      <m:sSubPr>
+                        <m:ctrlPr>
+                          <a:rPr lang="en-US" b="0" i="1" smtClean="0">
+                            <a:latin typeface="Cambria Math" panose="02040503050406030204" pitchFamily="18" charset="0"/>
+                          </a:rPr>
+                        </m:ctrlPr>
+                      </m:sSubPr>
+                      <m:e>
+                        <m:r>
+                          <a:rPr lang="en-US" b="0" i="1" smtClean="0">
+                            <a:latin typeface="Cambria Math" panose="02040503050406030204" pitchFamily="18" charset="0"/>
+                          </a:rPr>
+                          <m:t>𝑋</m:t>
+                        </m:r>
+                      </m:e>
+                      <m:sub>
+                        <m:r>
+                          <a:rPr lang="en-US" b="0" i="1" smtClean="0">
+                            <a:latin typeface="Cambria Math" panose="02040503050406030204" pitchFamily="18" charset="0"/>
+                          </a:rPr>
+                          <m:t>2</m:t>
+                        </m:r>
+                      </m:sub>
+                    </m:sSub>
+                    <m:r>
+                      <a:rPr lang="en-US" b="0" i="1" smtClean="0">
+                        <a:latin typeface="Cambria Math" panose="02040503050406030204" pitchFamily="18" charset="0"/>
+                      </a:rPr>
+                      <m:t>+</m:t>
+                    </m:r>
+                    <m:sSub>
+                      <m:sSubPr>
+                        <m:ctrlPr>
+                          <a:rPr lang="en-US" b="0" i="1" smtClean="0">
+                            <a:latin typeface="Cambria Math" panose="02040503050406030204" pitchFamily="18" charset="0"/>
+                          </a:rPr>
+                        </m:ctrlPr>
+                      </m:sSubPr>
+                      <m:e>
+                        <m:r>
+                          <a:rPr lang="en-US" b="0" i="1" smtClean="0">
+                            <a:latin typeface="Cambria Math" panose="02040503050406030204" pitchFamily="18" charset="0"/>
+                          </a:rPr>
+                          <m:t>𝛽</m:t>
+                        </m:r>
+                      </m:e>
+                      <m:sub>
+                        <m:r>
+                          <a:rPr lang="en-US" b="0" i="1" smtClean="0">
+                            <a:latin typeface="Cambria Math" panose="02040503050406030204" pitchFamily="18" charset="0"/>
+                          </a:rPr>
+                          <m:t>3</m:t>
+                        </m:r>
+                      </m:sub>
+                    </m:sSub>
+                    <m:sSubSup>
+                      <m:sSubSupPr>
+                        <m:ctrlPr>
+                          <a:rPr lang="en-US" b="0" i="1" smtClean="0">
+                            <a:latin typeface="Cambria Math" panose="02040503050406030204" pitchFamily="18" charset="0"/>
+                          </a:rPr>
+                        </m:ctrlPr>
+                      </m:sSubSupPr>
+                      <m:e>
+                        <m:r>
+                          <a:rPr lang="en-US" i="1">
+                            <a:latin typeface="Cambria Math" panose="02040503050406030204" pitchFamily="18" charset="0"/>
+                          </a:rPr>
+                          <m:t>𝑋</m:t>
+                        </m:r>
+                      </m:e>
+                      <m:sub>
+                        <m:r>
+                          <a:rPr lang="en-US" i="1">
+                            <a:latin typeface="Cambria Math" panose="02040503050406030204" pitchFamily="18" charset="0"/>
+                          </a:rPr>
+                          <m:t>2</m:t>
+                        </m:r>
+                      </m:sub>
+                      <m:sup>
+                        <m:r>
+                          <a:rPr lang="en-US" b="0" i="1" smtClean="0">
+                            <a:latin typeface="Cambria Math" panose="02040503050406030204" pitchFamily="18" charset="0"/>
+                          </a:rPr>
+                          <m:t>2</m:t>
+                        </m:r>
+                      </m:sup>
+                    </m:sSubSup>
+                    <m:r>
+                      <a:rPr lang="en-US" b="0" i="1" smtClean="0">
+                        <a:latin typeface="Cambria Math" panose="02040503050406030204" pitchFamily="18" charset="0"/>
+                      </a:rPr>
+                      <m:t>+</m:t>
+                    </m:r>
+                    <m:r>
+                      <a:rPr lang="en-US" b="0" i="1" smtClean="0">
+                        <a:latin typeface="Cambria Math" panose="02040503050406030204" pitchFamily="18" charset="0"/>
+                      </a:rPr>
+                      <m:t>𝜂</m:t>
+                    </m:r>
+                  </m:oMath>
+                </a14:m>
+                <a:endParaRPr lang="en-US" b="0" dirty="0"/>
+              </a:p>
+              <a:p>
+                <a:r>
+                  <a:rPr lang="en-US" dirty="0"/>
+                  <a:t>You have a </a:t>
+                </a:r>
+                <a:r>
+                  <a:rPr lang="en-US" dirty="0" err="1"/>
+                  <a:t>misspecified</a:t>
+                </a:r>
+                <a:r>
+                  <a:rPr lang="en-US" dirty="0"/>
+                  <a:t> model and so your estimate of </a:t>
+                </a:r>
+                <a14:m>
+                  <m:oMath xmlns:m="http://schemas.openxmlformats.org/officeDocument/2006/math">
+                    <m:sSub>
+                      <m:sSubPr>
+                        <m:ctrlPr>
+                          <a:rPr lang="en-US" i="1">
+                            <a:latin typeface="Cambria Math" panose="02040503050406030204" pitchFamily="18" charset="0"/>
+                          </a:rPr>
+                        </m:ctrlPr>
+                      </m:sSubPr>
+                      <m:e>
+                        <m:r>
+                          <a:rPr lang="en-US" i="1">
+                            <a:latin typeface="Cambria Math" panose="02040503050406030204" pitchFamily="18" charset="0"/>
+                          </a:rPr>
+                          <m:t>𝛽</m:t>
+                        </m:r>
+                      </m:e>
+                      <m:sub>
+                        <m:r>
+                          <a:rPr lang="en-US" i="1">
+                            <a:latin typeface="Cambria Math" panose="02040503050406030204" pitchFamily="18" charset="0"/>
+                          </a:rPr>
+                          <m:t>1</m:t>
+                        </m:r>
+                      </m:sub>
+                    </m:sSub>
+                  </m:oMath>
+                </a14:m>
+                <a:r>
+                  <a:rPr lang="en-US" dirty="0"/>
+                  <a:t> will be different but can still be statistically significant.</a:t>
+                </a:r>
+              </a:p>
+              <a:p>
+                <a:endParaRPr lang="en-US" dirty="0"/>
+              </a:p>
+            </p:txBody>
+          </p:sp>
+        </mc:Choice>
+        <mc:Fallback xmlns="">
+          <p:sp>
+            <p:nvSpPr>
+              <p:cNvPr id="3" name="Content Placeholder 2">
+                <a:extLst>
+                  <a:ext uri="{FF2B5EF4-FFF2-40B4-BE49-F238E27FC236}">
+                    <a16:creationId xmlns:a16="http://schemas.microsoft.com/office/drawing/2014/main" id="{174FC84F-5A6F-484F-8365-5F2F31B08658}"/>
+                  </a:ext>
+                </a:extLst>
+              </p:cNvPr>
+              <p:cNvSpPr>
+                <a:spLocks noGrp="1" noRot="1" noChangeAspect="1" noMove="1" noResize="1" noEditPoints="1" noAdjustHandles="1" noChangeArrowheads="1" noChangeShapeType="1" noTextEdit="1"/>
+              </p:cNvSpPr>
+              <p:nvPr>
+                <p:ph idx="1"/>
+              </p:nvPr>
+            </p:nvSpPr>
+            <p:spPr>
+              <a:blipFill>
+                <a:blip r:embed="rId3"/>
+                <a:stretch>
+                  <a:fillRect l="-1086" t="-2326"/>
+                </a:stretch>
+              </a:blipFill>
+            </p:spPr>
+            <p:txBody>
+              <a:bodyPr/>
+              <a:lstStyle/>
+              <a:p>
+                <a:r>
+                  <a:rPr lang="en-US">
+                    <a:noFill/>
+                  </a:rPr>
+                  <a:t> </a:t>
+                </a:r>
+              </a:p>
+            </p:txBody>
+          </p:sp>
+        </mc:Fallback>
+      </mc:AlternateContent>
+    </p:spTree>
+    <p:extLst>
+      <p:ext uri="{BB962C8B-B14F-4D97-AF65-F5344CB8AC3E}">
+        <p14:creationId xmlns:p14="http://schemas.microsoft.com/office/powerpoint/2010/main" val="2003836612"/>
+      </p:ext>
+    </p:extLst>
+  </p:cSld>
+  <p:clrMapOvr>
+    <a:masterClrMapping/>
+  </p:clrMapOvr>
+</p:sld>
+</file>
+
+<file path=ppt/slides/slide28.xml><?xml version="1.0" encoding="utf-8"?>
 <p:sld xmlns:a="http://schemas.openxmlformats.org/drawingml/2006/main" xmlns:r="http://schemas.openxmlformats.org/officeDocument/2006/relationships" xmlns:p="http://schemas.openxmlformats.org/presentationml/2006/main">
   <p:cSld>
     <p:spTree>
@@ -9914,6 +10902,794 @@
           <a:p>
             <a:r>
               <a:rPr lang="en-US" dirty="0"/>
+              <a:t>Why can’t I just use LASSO and select features?</a:t>
+            </a:r>
+          </a:p>
+        </p:txBody>
+      </p:sp>
+      <mc:AlternateContent xmlns:mc="http://schemas.openxmlformats.org/markup-compatibility/2006">
+        <mc:Choice xmlns:a14="http://schemas.microsoft.com/office/drawing/2010/main" Requires="a14">
+          <p:sp>
+            <p:nvSpPr>
+              <p:cNvPr id="3" name="Content Placeholder 2">
+                <a:extLst>
+                  <a:ext uri="{FF2B5EF4-FFF2-40B4-BE49-F238E27FC236}">
+                    <a16:creationId xmlns:a16="http://schemas.microsoft.com/office/drawing/2014/main" id="{FB7B9DAB-2AD9-AF4C-A8B4-4CDCA872862D}"/>
+                  </a:ext>
+                </a:extLst>
+              </p:cNvPr>
+              <p:cNvSpPr>
+                <a:spLocks noGrp="1"/>
+              </p:cNvSpPr>
+              <p:nvPr>
+                <p:ph idx="1"/>
+              </p:nvPr>
+            </p:nvSpPr>
+            <p:spPr/>
+            <p:txBody>
+              <a:bodyPr/>
+              <a:lstStyle/>
+              <a:p>
+                <a:r>
+                  <a:rPr lang="en-US" dirty="0"/>
+                  <a:t>Since LASSO selects features, we cannot do inference. Since there is feature selection by biasing estimates towards zero, LASSO coefficients do not necessarily converge to the true values.</a:t>
+                </a:r>
+              </a:p>
+              <a:p>
+                <a:r>
+                  <a:rPr lang="en-US" dirty="0"/>
+                  <a:t>In other words, LASSO coefficients have two interpretations: the causal estimate of </a:t>
+                </a:r>
+                <a14:m>
+                  <m:oMath xmlns:m="http://schemas.openxmlformats.org/officeDocument/2006/math">
+                    <m:acc>
+                      <m:accPr>
+                        <m:chr m:val="̂"/>
+                        <m:ctrlPr>
+                          <a:rPr lang="en-US" i="1">
+                            <a:latin typeface="Cambria Math" panose="02040503050406030204" pitchFamily="18" charset="0"/>
+                          </a:rPr>
+                        </m:ctrlPr>
+                      </m:accPr>
+                      <m:e>
+                        <m:r>
+                          <a:rPr lang="en-US" i="1">
+                            <a:latin typeface="Cambria Math" panose="02040503050406030204" pitchFamily="18" charset="0"/>
+                          </a:rPr>
+                          <m:t>𝜏</m:t>
+                        </m:r>
+                      </m:e>
+                    </m:acc>
+                    <m:r>
+                      <a:rPr lang="en-US" b="0" i="0" smtClean="0">
+                        <a:latin typeface="Cambria Math" panose="02040503050406030204" pitchFamily="18" charset="0"/>
+                      </a:rPr>
+                      <m:t> </m:t>
+                    </m:r>
+                  </m:oMath>
+                </a14:m>
+                <a:r>
+                  <a:rPr lang="en-US" dirty="0"/>
+                  <a:t>and a bias towards zero to maximize prediction</a:t>
+                </a:r>
+              </a:p>
+            </p:txBody>
+          </p:sp>
+        </mc:Choice>
+        <mc:Fallback>
+          <p:sp>
+            <p:nvSpPr>
+              <p:cNvPr id="3" name="Content Placeholder 2">
+                <a:extLst>
+                  <a:ext uri="{FF2B5EF4-FFF2-40B4-BE49-F238E27FC236}">
+                    <a16:creationId xmlns:a16="http://schemas.microsoft.com/office/drawing/2014/main" id="{FB7B9DAB-2AD9-AF4C-A8B4-4CDCA872862D}"/>
+                  </a:ext>
+                </a:extLst>
+              </p:cNvPr>
+              <p:cNvSpPr>
+                <a:spLocks noGrp="1" noRot="1" noChangeAspect="1" noMove="1" noResize="1" noEditPoints="1" noAdjustHandles="1" noChangeArrowheads="1" noChangeShapeType="1" noTextEdit="1"/>
+              </p:cNvSpPr>
+              <p:nvPr>
+                <p:ph idx="1"/>
+              </p:nvPr>
+            </p:nvSpPr>
+            <p:spPr>
+              <a:blipFill>
+                <a:blip r:embed="rId2"/>
+                <a:stretch>
+                  <a:fillRect l="-1086" t="-2326"/>
+                </a:stretch>
+              </a:blipFill>
+            </p:spPr>
+            <p:txBody>
+              <a:bodyPr/>
+              <a:lstStyle/>
+              <a:p>
+                <a:r>
+                  <a:rPr lang="en-US">
+                    <a:noFill/>
+                  </a:rPr>
+                  <a:t> </a:t>
+                </a:r>
+              </a:p>
+            </p:txBody>
+          </p:sp>
+        </mc:Fallback>
+      </mc:AlternateContent>
+    </p:spTree>
+    <p:extLst>
+      <p:ext uri="{BB962C8B-B14F-4D97-AF65-F5344CB8AC3E}">
+        <p14:creationId xmlns:p14="http://schemas.microsoft.com/office/powerpoint/2010/main" val="2755143019"/>
+      </p:ext>
+    </p:extLst>
+  </p:cSld>
+  <p:clrMapOvr>
+    <a:masterClrMapping/>
+  </p:clrMapOvr>
+</p:sld>
+</file>
+
+<file path=ppt/slides/slide29.xml><?xml version="1.0" encoding="utf-8"?>
+<p:sld xmlns:a="http://schemas.openxmlformats.org/drawingml/2006/main" xmlns:r="http://schemas.openxmlformats.org/officeDocument/2006/relationships" xmlns:p="http://schemas.openxmlformats.org/presentationml/2006/main">
+  <p:cSld>
+    <p:spTree>
+      <p:nvGrpSpPr>
+        <p:cNvPr id="1" name=""/>
+        <p:cNvGrpSpPr/>
+        <p:nvPr/>
+      </p:nvGrpSpPr>
+      <p:grpSpPr>
+        <a:xfrm>
+          <a:off x="0" y="0"/>
+          <a:ext cx="0" cy="0"/>
+          <a:chOff x="0" y="0"/>
+          <a:chExt cx="0" cy="0"/>
+        </a:xfrm>
+      </p:grpSpPr>
+      <p:sp>
+        <p:nvSpPr>
+          <p:cNvPr id="2" name="Title 1">
+            <a:extLst>
+              <a:ext uri="{FF2B5EF4-FFF2-40B4-BE49-F238E27FC236}">
+                <a16:creationId xmlns:a16="http://schemas.microsoft.com/office/drawing/2014/main" id="{CA002A13-F5CF-EA47-B801-0698090C7323}"/>
+              </a:ext>
+            </a:extLst>
+          </p:cNvPr>
+          <p:cNvSpPr>
+            <a:spLocks noGrp="1"/>
+          </p:cNvSpPr>
+          <p:nvPr>
+            <p:ph type="title"/>
+          </p:nvPr>
+        </p:nvSpPr>
+        <p:spPr/>
+        <p:txBody>
+          <a:bodyPr/>
+          <a:lstStyle/>
+          <a:p>
+            <a:r>
+              <a:rPr lang="en-US" dirty="0"/>
+              <a:t>How do we deal with model misspecification?</a:t>
+            </a:r>
+          </a:p>
+        </p:txBody>
+      </p:sp>
+      <p:sp>
+        <p:nvSpPr>
+          <p:cNvPr id="3" name="Content Placeholder 2">
+            <a:extLst>
+              <a:ext uri="{FF2B5EF4-FFF2-40B4-BE49-F238E27FC236}">
+                <a16:creationId xmlns:a16="http://schemas.microsoft.com/office/drawing/2014/main" id="{44BFBEFE-1792-CA43-922D-9135071A443F}"/>
+              </a:ext>
+            </a:extLst>
+          </p:cNvPr>
+          <p:cNvSpPr>
+            <a:spLocks noGrp="1"/>
+          </p:cNvSpPr>
+          <p:nvPr>
+            <p:ph idx="1"/>
+          </p:nvPr>
+        </p:nvSpPr>
+        <p:spPr/>
+        <p:txBody>
+          <a:bodyPr/>
+          <a:lstStyle/>
+          <a:p>
+            <a:r>
+              <a:rPr lang="en-US" dirty="0"/>
+              <a:t>Each model will generate some model misspecification bias</a:t>
+            </a:r>
+          </a:p>
+          <a:p>
+            <a:r>
+              <a:rPr lang="en-US" dirty="0"/>
+              <a:t>The recommendation is to try do robustness checks. Try different model specifications, and they should provide similar results</a:t>
+            </a:r>
+          </a:p>
+          <a:p>
+            <a:pPr lvl="1"/>
+            <a:r>
+              <a:rPr lang="en-US" dirty="0"/>
+              <a:t>Transforming features like squares </a:t>
+            </a:r>
+          </a:p>
+          <a:p>
+            <a:pPr lvl="1"/>
+            <a:r>
+              <a:rPr lang="en-US" dirty="0"/>
+              <a:t>Linear and non-linear models</a:t>
+            </a:r>
+          </a:p>
+          <a:p>
+            <a:r>
+              <a:rPr lang="en-US" dirty="0"/>
+              <a:t>The No Free Lunch Theorem (Wolpert and Macready, 1997) states that there is no model with universally superior performance, so relying on one model is guaranteed to eventually fail you</a:t>
+            </a:r>
+          </a:p>
+        </p:txBody>
+      </p:sp>
+    </p:spTree>
+    <p:extLst>
+      <p:ext uri="{BB962C8B-B14F-4D97-AF65-F5344CB8AC3E}">
+        <p14:creationId xmlns:p14="http://schemas.microsoft.com/office/powerpoint/2010/main" val="1921304409"/>
+      </p:ext>
+    </p:extLst>
+  </p:cSld>
+  <p:clrMapOvr>
+    <a:masterClrMapping/>
+  </p:clrMapOvr>
+</p:sld>
+</file>
+
+<file path=ppt/slides/slide3.xml><?xml version="1.0" encoding="utf-8"?>
+<p:sld xmlns:a="http://schemas.openxmlformats.org/drawingml/2006/main" xmlns:r="http://schemas.openxmlformats.org/officeDocument/2006/relationships" xmlns:p="http://schemas.openxmlformats.org/presentationml/2006/main">
+  <p:cSld>
+    <p:spTree>
+      <p:nvGrpSpPr>
+        <p:cNvPr id="1" name=""/>
+        <p:cNvGrpSpPr/>
+        <p:nvPr/>
+      </p:nvGrpSpPr>
+      <p:grpSpPr>
+        <a:xfrm>
+          <a:off x="0" y="0"/>
+          <a:ext cx="0" cy="0"/>
+          <a:chOff x="0" y="0"/>
+          <a:chExt cx="0" cy="0"/>
+        </a:xfrm>
+      </p:grpSpPr>
+      <p:sp>
+        <p:nvSpPr>
+          <p:cNvPr id="2" name="Title 1">
+            <a:extLst>
+              <a:ext uri="{FF2B5EF4-FFF2-40B4-BE49-F238E27FC236}">
+                <a16:creationId xmlns:a16="http://schemas.microsoft.com/office/drawing/2014/main" id="{24B68EBB-F12F-CF42-9DC8-4FE2991706FE}"/>
+              </a:ext>
+            </a:extLst>
+          </p:cNvPr>
+          <p:cNvSpPr>
+            <a:spLocks noGrp="1"/>
+          </p:cNvSpPr>
+          <p:nvPr>
+            <p:ph type="title"/>
+          </p:nvPr>
+        </p:nvSpPr>
+        <p:spPr/>
+        <p:txBody>
+          <a:bodyPr/>
+          <a:lstStyle/>
+          <a:p>
+            <a:r>
+              <a:rPr lang="en-US" dirty="0"/>
+              <a:t>Overview </a:t>
+            </a:r>
+          </a:p>
+        </p:txBody>
+      </p:sp>
+      <p:sp>
+        <p:nvSpPr>
+          <p:cNvPr id="3" name="Content Placeholder 2">
+            <a:extLst>
+              <a:ext uri="{FF2B5EF4-FFF2-40B4-BE49-F238E27FC236}">
+                <a16:creationId xmlns:a16="http://schemas.microsoft.com/office/drawing/2014/main" id="{DE295CB1-7DEA-4A4A-AD6D-A12A5992A3B5}"/>
+              </a:ext>
+            </a:extLst>
+          </p:cNvPr>
+          <p:cNvSpPr>
+            <a:spLocks noGrp="1"/>
+          </p:cNvSpPr>
+          <p:nvPr>
+            <p:ph idx="1"/>
+          </p:nvPr>
+        </p:nvSpPr>
+        <p:spPr>
+          <a:xfrm>
+            <a:off x="838200" y="1777429"/>
+            <a:ext cx="10515600" cy="4409808"/>
+          </a:xfrm>
+        </p:spPr>
+        <p:txBody>
+          <a:bodyPr>
+            <a:noAutofit/>
+          </a:bodyPr>
+          <a:lstStyle/>
+          <a:p>
+            <a:r>
+              <a:rPr lang="en-US" dirty="0"/>
+              <a:t>This presentation will describe the “inference” in causal inference.</a:t>
+            </a:r>
+          </a:p>
+          <a:p>
+            <a:pPr marL="914400" lvl="1" indent="-457200">
+              <a:buFont typeface="+mj-lt"/>
+              <a:buAutoNum type="alphaUcPeriod"/>
+            </a:pPr>
+            <a:r>
+              <a:rPr lang="en-US" dirty="0"/>
+              <a:t>Inference and consistency for OLS</a:t>
+            </a:r>
+          </a:p>
+          <a:p>
+            <a:pPr marL="914400" lvl="1" indent="-457200">
+              <a:buFont typeface="+mj-lt"/>
+              <a:buAutoNum type="alphaUcPeriod"/>
+            </a:pPr>
+            <a:r>
+              <a:rPr lang="en-US" dirty="0"/>
+              <a:t>Challenge of applying asymptotic theory </a:t>
+            </a:r>
+          </a:p>
+          <a:p>
+            <a:pPr marL="914400" lvl="1" indent="-457200">
+              <a:buFont typeface="+mj-lt"/>
+              <a:buAutoNum type="alphaUcPeriod"/>
+            </a:pPr>
+            <a:r>
+              <a:rPr lang="en-US" dirty="0"/>
+              <a:t>Bootstrapping is not a slow silver bullet</a:t>
+            </a:r>
+          </a:p>
+          <a:p>
+            <a:pPr marL="914400" lvl="1" indent="-457200">
+              <a:buFont typeface="+mj-lt"/>
+              <a:buAutoNum type="alphaUcPeriod"/>
+            </a:pPr>
+            <a:endParaRPr lang="en-US" dirty="0"/>
+          </a:p>
+          <a:p>
+            <a:r>
+              <a:rPr lang="en-US" dirty="0"/>
+              <a:t>We will only focus on inference for the ATE/ATET and not HTE. HTE incorporates additional inference challenges we will cover as part of HTE models.</a:t>
+            </a:r>
+          </a:p>
+          <a:p>
+            <a:pPr marL="914400" lvl="1" indent="-457200">
+              <a:buFont typeface="+mj-lt"/>
+              <a:buAutoNum type="alphaUcPeriod"/>
+            </a:pPr>
+            <a:endParaRPr lang="en-US" dirty="0"/>
+          </a:p>
+          <a:p>
+            <a:pPr marL="914400" lvl="1" indent="-457200">
+              <a:buFont typeface="+mj-lt"/>
+              <a:buAutoNum type="alphaUcPeriod"/>
+            </a:pPr>
+            <a:endParaRPr lang="en-US" dirty="0"/>
+          </a:p>
+          <a:p>
+            <a:endParaRPr lang="en-US" sz="2800" dirty="0"/>
+          </a:p>
+        </p:txBody>
+      </p:sp>
+      <p:sp>
+        <p:nvSpPr>
+          <p:cNvPr id="4" name="Slide Number Placeholder 3">
+            <a:extLst>
+              <a:ext uri="{FF2B5EF4-FFF2-40B4-BE49-F238E27FC236}">
+                <a16:creationId xmlns:a16="http://schemas.microsoft.com/office/drawing/2014/main" id="{06C3A529-3D87-5744-859C-7473E99149B3}"/>
+              </a:ext>
+            </a:extLst>
+          </p:cNvPr>
+          <p:cNvSpPr>
+            <a:spLocks noGrp="1"/>
+          </p:cNvSpPr>
+          <p:nvPr>
+            <p:ph type="sldNum" sz="quarter" idx="12"/>
+          </p:nvPr>
+        </p:nvSpPr>
+        <p:spPr/>
+        <p:txBody>
+          <a:bodyPr/>
+          <a:lstStyle/>
+          <a:p>
+            <a:fld id="{8D880951-5D38-F74F-9D96-7B3F48ECFF4E}" type="slidenum">
+              <a:rPr lang="en-US" smtClean="0"/>
+              <a:t>3</a:t>
+            </a:fld>
+            <a:endParaRPr lang="en-US" dirty="0"/>
+          </a:p>
+        </p:txBody>
+      </p:sp>
+    </p:spTree>
+    <p:extLst>
+      <p:ext uri="{BB962C8B-B14F-4D97-AF65-F5344CB8AC3E}">
+        <p14:creationId xmlns:p14="http://schemas.microsoft.com/office/powerpoint/2010/main" val="2842545647"/>
+      </p:ext>
+    </p:extLst>
+  </p:cSld>
+  <p:clrMapOvr>
+    <a:masterClrMapping/>
+  </p:clrMapOvr>
+</p:sld>
+</file>
+
+<file path=ppt/slides/slide30.xml><?xml version="1.0" encoding="utf-8"?>
+<p:sld xmlns:a="http://schemas.openxmlformats.org/drawingml/2006/main" xmlns:r="http://schemas.openxmlformats.org/officeDocument/2006/relationships" xmlns:p="http://schemas.openxmlformats.org/presentationml/2006/main">
+  <p:cSld>
+    <p:spTree>
+      <p:nvGrpSpPr>
+        <p:cNvPr id="1" name=""/>
+        <p:cNvGrpSpPr/>
+        <p:nvPr/>
+      </p:nvGrpSpPr>
+      <p:grpSpPr>
+        <a:xfrm>
+          <a:off x="0" y="0"/>
+          <a:ext cx="0" cy="0"/>
+          <a:chOff x="0" y="0"/>
+          <a:chExt cx="0" cy="0"/>
+        </a:xfrm>
+      </p:grpSpPr>
+      <mc:AlternateContent xmlns:mc="http://schemas.openxmlformats.org/markup-compatibility/2006" xmlns:a14="http://schemas.microsoft.com/office/drawing/2010/main">
+        <mc:Choice Requires="a14">
+          <p:sp>
+            <p:nvSpPr>
+              <p:cNvPr id="2" name="Title 1">
+                <a:extLst>
+                  <a:ext uri="{FF2B5EF4-FFF2-40B4-BE49-F238E27FC236}">
+                    <a16:creationId xmlns:a16="http://schemas.microsoft.com/office/drawing/2014/main" id="{18BDBB03-7B0C-7346-844F-0C3AA816D725}"/>
+                  </a:ext>
+                </a:extLst>
+              </p:cNvPr>
+              <p:cNvSpPr>
+                <a:spLocks noGrp="1"/>
+              </p:cNvSpPr>
+              <p:nvPr>
+                <p:ph type="title"/>
+              </p:nvPr>
+            </p:nvSpPr>
+            <p:spPr/>
+            <p:txBody>
+              <a:bodyPr/>
+              <a:lstStyle/>
+              <a:p>
+                <a:r>
+                  <a:rPr lang="en-US" dirty="0"/>
+                  <a:t>Review on what an estimate of </a:t>
+                </a:r>
+                <a14:m>
+                  <m:oMath xmlns:m="http://schemas.openxmlformats.org/officeDocument/2006/math">
+                    <m:r>
+                      <a:rPr lang="en-US" b="0" i="1" smtClean="0">
+                        <a:latin typeface="Cambria Math" panose="02040503050406030204" pitchFamily="18" charset="0"/>
+                      </a:rPr>
+                      <m:t>𝛽</m:t>
+                    </m:r>
+                  </m:oMath>
+                </a14:m>
+                <a:r>
+                  <a:rPr lang="en-US" dirty="0"/>
+                  <a:t> is</a:t>
+                </a:r>
+              </a:p>
+            </p:txBody>
+          </p:sp>
+        </mc:Choice>
+        <mc:Fallback xmlns="">
+          <p:sp>
+            <p:nvSpPr>
+              <p:cNvPr id="2" name="Title 1">
+                <a:extLst>
+                  <a:ext uri="{FF2B5EF4-FFF2-40B4-BE49-F238E27FC236}">
+                    <a16:creationId xmlns:a16="http://schemas.microsoft.com/office/drawing/2014/main" id="{18BDBB03-7B0C-7346-844F-0C3AA816D725}"/>
+                  </a:ext>
+                </a:extLst>
+              </p:cNvPr>
+              <p:cNvSpPr>
+                <a:spLocks noGrp="1" noRot="1" noChangeAspect="1" noMove="1" noResize="1" noEditPoints="1" noAdjustHandles="1" noChangeArrowheads="1" noChangeShapeType="1" noTextEdit="1"/>
+              </p:cNvSpPr>
+              <p:nvPr>
+                <p:ph type="title"/>
+              </p:nvPr>
+            </p:nvSpPr>
+            <p:spPr>
+              <a:blipFill>
+                <a:blip r:embed="rId2"/>
+                <a:stretch>
+                  <a:fillRect l="-2413"/>
+                </a:stretch>
+              </a:blipFill>
+            </p:spPr>
+            <p:txBody>
+              <a:bodyPr/>
+              <a:lstStyle/>
+              <a:p>
+                <a:r>
+                  <a:rPr lang="en-US">
+                    <a:noFill/>
+                  </a:rPr>
+                  <a:t> </a:t>
+                </a:r>
+              </a:p>
+            </p:txBody>
+          </p:sp>
+        </mc:Fallback>
+      </mc:AlternateContent>
+      <mc:AlternateContent xmlns:mc="http://schemas.openxmlformats.org/markup-compatibility/2006" xmlns:a14="http://schemas.microsoft.com/office/drawing/2010/main">
+        <mc:Choice Requires="a14">
+          <p:sp>
+            <p:nvSpPr>
+              <p:cNvPr id="3" name="Content Placeholder 2">
+                <a:extLst>
+                  <a:ext uri="{FF2B5EF4-FFF2-40B4-BE49-F238E27FC236}">
+                    <a16:creationId xmlns:a16="http://schemas.microsoft.com/office/drawing/2014/main" id="{2C45E9FC-750F-5243-8DF0-17B0B9CDB659}"/>
+                  </a:ext>
+                </a:extLst>
+              </p:cNvPr>
+              <p:cNvSpPr>
+                <a:spLocks noGrp="1"/>
+              </p:cNvSpPr>
+              <p:nvPr>
+                <p:ph idx="1"/>
+              </p:nvPr>
+            </p:nvSpPr>
+            <p:spPr/>
+            <p:txBody>
+              <a:bodyPr/>
+              <a:lstStyle/>
+              <a:p>
+                <a14:m>
+                  <m:oMath xmlns:m="http://schemas.openxmlformats.org/officeDocument/2006/math">
+                    <m:acc>
+                      <m:accPr>
+                        <m:chr m:val="̂"/>
+                        <m:ctrlPr>
+                          <a:rPr lang="en-US" b="0" i="1" dirty="0" smtClean="0">
+                            <a:latin typeface="Cambria Math" panose="02040503050406030204" pitchFamily="18" charset="0"/>
+                          </a:rPr>
+                        </m:ctrlPr>
+                      </m:accPr>
+                      <m:e>
+                        <m:r>
+                          <a:rPr lang="en-US" b="0" i="1" dirty="0" smtClean="0">
+                            <a:latin typeface="Cambria Math" panose="02040503050406030204" pitchFamily="18" charset="0"/>
+                          </a:rPr>
+                          <m:t>𝛽</m:t>
+                        </m:r>
+                      </m:e>
+                    </m:acc>
+                    <m:r>
+                      <a:rPr lang="en-US" b="0" i="1" dirty="0" smtClean="0">
+                        <a:latin typeface="Cambria Math" panose="02040503050406030204" pitchFamily="18" charset="0"/>
+                      </a:rPr>
+                      <m:t>=</m:t>
+                    </m:r>
+                    <m:r>
+                      <a:rPr lang="en-US" b="0" i="1" dirty="0" smtClean="0">
+                        <a:latin typeface="Cambria Math" panose="02040503050406030204" pitchFamily="18" charset="0"/>
+                      </a:rPr>
+                      <m:t>𝛽</m:t>
+                    </m:r>
+                    <m:r>
+                      <a:rPr lang="en-US" b="0" i="1" dirty="0" smtClean="0">
+                        <a:latin typeface="Cambria Math" panose="02040503050406030204" pitchFamily="18" charset="0"/>
+                      </a:rPr>
+                      <m:t>+</m:t>
+                    </m:r>
+                  </m:oMath>
+                </a14:m>
+                <a:r>
+                  <a:rPr lang="en-US" dirty="0"/>
+                  <a:t>(Selection Bias) + (Model Misspecification Bias)</a:t>
+                </a:r>
+              </a:p>
+              <a:p>
+                <a:r>
+                  <a:rPr lang="en-US" dirty="0"/>
+                  <a:t>Selection Bias is addressed by assuming we have satisfied the assumptions for a causal interpretation</a:t>
+                </a:r>
+              </a:p>
+              <a:p>
+                <a:r>
+                  <a:rPr lang="en-US" dirty="0"/>
+                  <a:t>Model Misspecification Bias is addressed by robustness checks</a:t>
+                </a:r>
+              </a:p>
+              <a:p>
+                <a:endParaRPr lang="en-US" dirty="0"/>
+              </a:p>
+              <a:p>
+                <a:endParaRPr lang="en-US" dirty="0"/>
+              </a:p>
+            </p:txBody>
+          </p:sp>
+        </mc:Choice>
+        <mc:Fallback xmlns="">
+          <p:sp>
+            <p:nvSpPr>
+              <p:cNvPr id="3" name="Content Placeholder 2">
+                <a:extLst>
+                  <a:ext uri="{FF2B5EF4-FFF2-40B4-BE49-F238E27FC236}">
+                    <a16:creationId xmlns:a16="http://schemas.microsoft.com/office/drawing/2014/main" id="{2C45E9FC-750F-5243-8DF0-17B0B9CDB659}"/>
+                  </a:ext>
+                </a:extLst>
+              </p:cNvPr>
+              <p:cNvSpPr>
+                <a:spLocks noGrp="1" noRot="1" noChangeAspect="1" noMove="1" noResize="1" noEditPoints="1" noAdjustHandles="1" noChangeArrowheads="1" noChangeShapeType="1" noTextEdit="1"/>
+              </p:cNvSpPr>
+              <p:nvPr>
+                <p:ph idx="1"/>
+              </p:nvPr>
+            </p:nvSpPr>
+            <p:spPr>
+              <a:blipFill>
+                <a:blip r:embed="rId3"/>
+                <a:stretch>
+                  <a:fillRect l="-1086" t="-2035"/>
+                </a:stretch>
+              </a:blipFill>
+            </p:spPr>
+            <p:txBody>
+              <a:bodyPr/>
+              <a:lstStyle/>
+              <a:p>
+                <a:r>
+                  <a:rPr lang="en-US">
+                    <a:noFill/>
+                  </a:rPr>
+                  <a:t> </a:t>
+                </a:r>
+              </a:p>
+            </p:txBody>
+          </p:sp>
+        </mc:Fallback>
+      </mc:AlternateContent>
+    </p:spTree>
+    <p:extLst>
+      <p:ext uri="{BB962C8B-B14F-4D97-AF65-F5344CB8AC3E}">
+        <p14:creationId xmlns:p14="http://schemas.microsoft.com/office/powerpoint/2010/main" val="3740148946"/>
+      </p:ext>
+    </p:extLst>
+  </p:cSld>
+  <p:clrMapOvr>
+    <a:masterClrMapping/>
+  </p:clrMapOvr>
+</p:sld>
+</file>
+
+<file path=ppt/slides/slide31.xml><?xml version="1.0" encoding="utf-8"?>
+<p:sld xmlns:a="http://schemas.openxmlformats.org/drawingml/2006/main" xmlns:r="http://schemas.openxmlformats.org/officeDocument/2006/relationships" xmlns:p="http://schemas.openxmlformats.org/presentationml/2006/main">
+  <p:cSld>
+    <p:spTree>
+      <p:nvGrpSpPr>
+        <p:cNvPr id="1" name=""/>
+        <p:cNvGrpSpPr/>
+        <p:nvPr/>
+      </p:nvGrpSpPr>
+      <p:grpSpPr>
+        <a:xfrm>
+          <a:off x="0" y="0"/>
+          <a:ext cx="0" cy="0"/>
+          <a:chOff x="0" y="0"/>
+          <a:chExt cx="0" cy="0"/>
+        </a:xfrm>
+      </p:grpSpPr>
+      <p:sp>
+        <p:nvSpPr>
+          <p:cNvPr id="4" name="Title 3">
+            <a:extLst>
+              <a:ext uri="{FF2B5EF4-FFF2-40B4-BE49-F238E27FC236}">
+                <a16:creationId xmlns:a16="http://schemas.microsoft.com/office/drawing/2014/main" id="{9B62BED8-22BE-204E-90B6-09DECCE294D3}"/>
+              </a:ext>
+            </a:extLst>
+          </p:cNvPr>
+          <p:cNvSpPr>
+            <a:spLocks noGrp="1"/>
+          </p:cNvSpPr>
+          <p:nvPr>
+            <p:ph type="title"/>
+          </p:nvPr>
+        </p:nvSpPr>
+        <p:spPr/>
+        <p:txBody>
+          <a:bodyPr/>
+          <a:lstStyle/>
+          <a:p>
+            <a:r>
+              <a:rPr lang="en-US" dirty="0"/>
+              <a:t>Appendix Slides – You can’t do Inference with LASSO</a:t>
+            </a:r>
+          </a:p>
+        </p:txBody>
+      </p:sp>
+      <p:sp>
+        <p:nvSpPr>
+          <p:cNvPr id="5" name="Text Placeholder 4">
+            <a:extLst>
+              <a:ext uri="{FF2B5EF4-FFF2-40B4-BE49-F238E27FC236}">
+                <a16:creationId xmlns:a16="http://schemas.microsoft.com/office/drawing/2014/main" id="{D34CC932-D9E6-2F40-8CED-105AC843325B}"/>
+              </a:ext>
+            </a:extLst>
+          </p:cNvPr>
+          <p:cNvSpPr>
+            <a:spLocks noGrp="1"/>
+          </p:cNvSpPr>
+          <p:nvPr>
+            <p:ph type="body" idx="1"/>
+          </p:nvPr>
+        </p:nvSpPr>
+        <p:spPr/>
+        <p:txBody>
+          <a:bodyPr/>
+          <a:lstStyle/>
+          <a:p>
+            <a:endParaRPr lang="en-US"/>
+          </a:p>
+        </p:txBody>
+      </p:sp>
+    </p:spTree>
+    <p:extLst>
+      <p:ext uri="{BB962C8B-B14F-4D97-AF65-F5344CB8AC3E}">
+        <p14:creationId xmlns:p14="http://schemas.microsoft.com/office/powerpoint/2010/main" val="2019528221"/>
+      </p:ext>
+    </p:extLst>
+  </p:cSld>
+  <p:clrMapOvr>
+    <a:masterClrMapping/>
+  </p:clrMapOvr>
+</p:sld>
+</file>
+
+<file path=ppt/slides/slide32.xml><?xml version="1.0" encoding="utf-8"?>
+<p:sld xmlns:a="http://schemas.openxmlformats.org/drawingml/2006/main" xmlns:r="http://schemas.openxmlformats.org/officeDocument/2006/relationships" xmlns:p="http://schemas.openxmlformats.org/presentationml/2006/main">
+  <p:cSld>
+    <p:spTree>
+      <p:nvGrpSpPr>
+        <p:cNvPr id="1" name=""/>
+        <p:cNvGrpSpPr/>
+        <p:nvPr/>
+      </p:nvGrpSpPr>
+      <p:grpSpPr>
+        <a:xfrm>
+          <a:off x="0" y="0"/>
+          <a:ext cx="0" cy="0"/>
+          <a:chOff x="0" y="0"/>
+          <a:chExt cx="0" cy="0"/>
+        </a:xfrm>
+      </p:grpSpPr>
+      <p:sp>
+        <p:nvSpPr>
+          <p:cNvPr id="2" name="Title 1">
+            <a:extLst>
+              <a:ext uri="{FF2B5EF4-FFF2-40B4-BE49-F238E27FC236}">
+                <a16:creationId xmlns:a16="http://schemas.microsoft.com/office/drawing/2014/main" id="{B6AB1734-249B-F04D-B081-E3AC1D5DD359}"/>
+              </a:ext>
+            </a:extLst>
+          </p:cNvPr>
+          <p:cNvSpPr>
+            <a:spLocks noGrp="1"/>
+          </p:cNvSpPr>
+          <p:nvPr>
+            <p:ph type="title"/>
+          </p:nvPr>
+        </p:nvSpPr>
+        <p:spPr/>
+        <p:txBody>
+          <a:bodyPr/>
+          <a:lstStyle/>
+          <a:p>
+            <a:r>
+              <a:rPr lang="en-US" dirty="0"/>
               <a:t>Challenges to applying statistical inference</a:t>
             </a:r>
           </a:p>
@@ -9969,7 +11745,7 @@
 </p:sld>
 </file>
 
-<file path=ppt/slides/slide26.xml><?xml version="1.0" encoding="utf-8"?>
+<file path=ppt/slides/slide33.xml><?xml version="1.0" encoding="utf-8"?>
 <p:sld xmlns:a="http://schemas.openxmlformats.org/drawingml/2006/main" xmlns:r="http://schemas.openxmlformats.org/officeDocument/2006/relationships" xmlns:p="http://schemas.openxmlformats.org/presentationml/2006/main">
   <p:cSld>
     <p:spTree>
@@ -11207,7 +12983,7 @@
 </p:sld>
 </file>
 
-<file path=ppt/slides/slide27.xml><?xml version="1.0" encoding="utf-8"?>
+<file path=ppt/slides/slide34.xml><?xml version="1.0" encoding="utf-8"?>
 <p:sld xmlns:a="http://schemas.openxmlformats.org/drawingml/2006/main" xmlns:r="http://schemas.openxmlformats.org/officeDocument/2006/relationships" xmlns:p="http://schemas.openxmlformats.org/presentationml/2006/main">
   <p:cSld>
     <p:spTree>
@@ -11767,7 +13543,7 @@
 </p:sld>
 </file>
 
-<file path=ppt/slides/slide28.xml><?xml version="1.0" encoding="utf-8"?>
+<file path=ppt/slides/slide35.xml><?xml version="1.0" encoding="utf-8"?>
 <p:sld xmlns:a="http://schemas.openxmlformats.org/drawingml/2006/main" xmlns:r="http://schemas.openxmlformats.org/officeDocument/2006/relationships" xmlns:p="http://schemas.openxmlformats.org/presentationml/2006/main">
   <p:cSld>
     <p:spTree>
@@ -11850,7 +13626,7 @@
 </p:sld>
 </file>
 
-<file path=ppt/slides/slide29.xml><?xml version="1.0" encoding="utf-8"?>
+<file path=ppt/slides/slide36.xml><?xml version="1.0" encoding="utf-8"?>
 <p:sld xmlns:a="http://schemas.openxmlformats.org/drawingml/2006/main" xmlns:r="http://schemas.openxmlformats.org/officeDocument/2006/relationships" xmlns:p="http://schemas.openxmlformats.org/presentationml/2006/main">
   <p:cSld>
     <p:spTree>
@@ -12264,7 +14040,7 @@
 </p:sld>
 </file>
 
-<file path=ppt/slides/slide3.xml><?xml version="1.0" encoding="utf-8"?>
+<file path=ppt/slides/slide4.xml><?xml version="1.0" encoding="utf-8"?>
 <p:sld xmlns:a="http://schemas.openxmlformats.org/drawingml/2006/main" xmlns:r="http://schemas.openxmlformats.org/officeDocument/2006/relationships" xmlns:p="http://schemas.openxmlformats.org/presentationml/2006/main">
   <p:cSld>
     <p:spTree>
@@ -12283,10 +14059,10 @@
       </p:grpSpPr>
       <p:sp>
         <p:nvSpPr>
-          <p:cNvPr id="2" name="Title 1">
+          <p:cNvPr id="4" name="Title 3">
             <a:extLst>
               <a:ext uri="{FF2B5EF4-FFF2-40B4-BE49-F238E27FC236}">
-                <a16:creationId xmlns:a16="http://schemas.microsoft.com/office/drawing/2014/main" id="{24B68EBB-F12F-CF42-9DC8-4FE2991706FE}"/>
+                <a16:creationId xmlns:a16="http://schemas.microsoft.com/office/drawing/2014/main" id="{8F704A3B-3527-CCF6-D1CC-99054F56B78E}"/>
               </a:ext>
             </a:extLst>
           </p:cNvPr>
@@ -12304,17 +14080,17 @@
           <a:p>
             <a:r>
               <a:rPr lang="en-US" dirty="0"/>
-              <a:t>Overview </a:t>
+              <a:t>Inference and hypothesis testing</a:t>
             </a:r>
           </a:p>
         </p:txBody>
       </p:sp>
       <p:sp>
         <p:nvSpPr>
-          <p:cNvPr id="3" name="Content Placeholder 2">
+          <p:cNvPr id="5" name="Text Placeholder 4">
             <a:extLst>
               <a:ext uri="{FF2B5EF4-FFF2-40B4-BE49-F238E27FC236}">
-                <a16:creationId xmlns:a16="http://schemas.microsoft.com/office/drawing/2014/main" id="{DE295CB1-7DEA-4A4A-AD6D-A12A5992A3B5}"/>
+                <a16:creationId xmlns:a16="http://schemas.microsoft.com/office/drawing/2014/main" id="{6C302C4E-3EE7-FE62-6076-9359176B2B5B}"/>
               </a:ext>
             </a:extLst>
           </p:cNvPr>
@@ -12322,102 +14098,7 @@
             <a:spLocks noGrp="1"/>
           </p:cNvSpPr>
           <p:nvPr>
-            <p:ph idx="1"/>
-          </p:nvPr>
-        </p:nvSpPr>
-        <p:spPr>
-          <a:xfrm>
-            <a:off x="838200" y="1777429"/>
-            <a:ext cx="10515600" cy="4409808"/>
-          </a:xfrm>
-        </p:spPr>
-        <p:txBody>
-          <a:bodyPr>
-            <a:noAutofit/>
-          </a:bodyPr>
-          <a:lstStyle/>
-          <a:p>
-            <a:r>
-              <a:rPr lang="en-US" dirty="0"/>
-              <a:t>This presentation will describe the “inference” in causal inference.</a:t>
-            </a:r>
-          </a:p>
-          <a:p>
-            <a:pPr marL="914400" lvl="1" indent="-457200">
-              <a:buFont typeface="+mj-lt"/>
-              <a:buAutoNum type="alphaUcPeriod"/>
-            </a:pPr>
-            <a:r>
-              <a:rPr lang="en-US" dirty="0"/>
-              <a:t>Inference and consistency for OLS</a:t>
-            </a:r>
-          </a:p>
-          <a:p>
-            <a:pPr marL="914400" lvl="1" indent="-457200">
-              <a:buFont typeface="+mj-lt"/>
-              <a:buAutoNum type="alphaUcPeriod"/>
-            </a:pPr>
-            <a:r>
-              <a:rPr lang="en-US" dirty="0"/>
-              <a:t>Challenge of applying asymptotic theory </a:t>
-            </a:r>
-          </a:p>
-          <a:p>
-            <a:pPr marL="914400" lvl="1" indent="-457200">
-              <a:buFont typeface="+mj-lt"/>
-              <a:buAutoNum type="alphaUcPeriod"/>
-            </a:pPr>
-            <a:r>
-              <a:rPr lang="en-US" dirty="0"/>
-              <a:t>Bootstrapping is not a slow silver bullet</a:t>
-            </a:r>
-          </a:p>
-          <a:p>
-            <a:pPr marL="914400" lvl="1" indent="-457200">
-              <a:buFont typeface="+mj-lt"/>
-              <a:buAutoNum type="alphaUcPeriod"/>
-            </a:pPr>
-            <a:endParaRPr lang="en-US" dirty="0"/>
-          </a:p>
-          <a:p>
-            <a:r>
-              <a:rPr lang="en-US" dirty="0"/>
-              <a:t>We will only focus on inference for the ATE/ATET and not HTE. HTE incorporates additional inference challenges we will cover as part of HTE models.</a:t>
-            </a:r>
-          </a:p>
-          <a:p>
-            <a:pPr marL="914400" lvl="1" indent="-457200">
-              <a:buFont typeface="+mj-lt"/>
-              <a:buAutoNum type="alphaUcPeriod"/>
-            </a:pPr>
-            <a:endParaRPr lang="en-US" dirty="0"/>
-          </a:p>
-          <a:p>
-            <a:pPr marL="914400" lvl="1" indent="-457200">
-              <a:buFont typeface="+mj-lt"/>
-              <a:buAutoNum type="alphaUcPeriod"/>
-            </a:pPr>
-            <a:endParaRPr lang="en-US" dirty="0"/>
-          </a:p>
-          <a:p>
-            <a:endParaRPr lang="en-US" sz="2800" dirty="0"/>
-          </a:p>
-        </p:txBody>
-      </p:sp>
-      <p:sp>
-        <p:nvSpPr>
-          <p:cNvPr id="4" name="Slide Number Placeholder 3">
-            <a:extLst>
-              <a:ext uri="{FF2B5EF4-FFF2-40B4-BE49-F238E27FC236}">
-                <a16:creationId xmlns:a16="http://schemas.microsoft.com/office/drawing/2014/main" id="{06C3A529-3D87-5744-859C-7473E99149B3}"/>
-              </a:ext>
-            </a:extLst>
-          </p:cNvPr>
-          <p:cNvSpPr>
-            <a:spLocks noGrp="1"/>
-          </p:cNvSpPr>
-          <p:nvPr>
-            <p:ph type="sldNum" sz="quarter" idx="12"/>
+            <p:ph type="body" idx="1"/>
           </p:nvPr>
         </p:nvSpPr>
         <p:spPr/>
@@ -12425,18 +14106,14 @@
           <a:bodyPr/>
           <a:lstStyle/>
           <a:p>
-            <a:fld id="{8D880951-5D38-F74F-9D96-7B3F48ECFF4E}" type="slidenum">
-              <a:rPr lang="en-US" smtClean="0"/>
-              <a:t>3</a:t>
-            </a:fld>
-            <a:endParaRPr lang="en-US" dirty="0"/>
+            <a:endParaRPr lang="en-US"/>
           </a:p>
         </p:txBody>
       </p:sp>
     </p:spTree>
     <p:extLst>
       <p:ext uri="{BB962C8B-B14F-4D97-AF65-F5344CB8AC3E}">
-        <p14:creationId xmlns:p14="http://schemas.microsoft.com/office/powerpoint/2010/main" val="2842545647"/>
+        <p14:creationId xmlns:p14="http://schemas.microsoft.com/office/powerpoint/2010/main" val="2813643610"/>
       </p:ext>
     </p:extLst>
   </p:cSld>
@@ -12446,7 +14123,7 @@
 </p:sld>
 </file>
 
-<file path=ppt/slides/slide4.xml><?xml version="1.0" encoding="utf-8"?>
+<file path=ppt/slides/slide5.xml><?xml version="1.0" encoding="utf-8"?>
 <p:sld xmlns:a="http://schemas.openxmlformats.org/drawingml/2006/main" xmlns:r="http://schemas.openxmlformats.org/officeDocument/2006/relationships" xmlns:p="http://schemas.openxmlformats.org/presentationml/2006/main">
   <p:cSld>
     <p:spTree>
@@ -12491,8 +14168,8 @@
           </a:p>
         </p:txBody>
       </p:sp>
-      <mc:AlternateContent xmlns:mc="http://schemas.openxmlformats.org/markup-compatibility/2006" xmlns:a14="http://schemas.microsoft.com/office/drawing/2010/main">
-        <mc:Choice Requires="a14">
+      <mc:AlternateContent xmlns:mc="http://schemas.openxmlformats.org/markup-compatibility/2006">
+        <mc:Choice xmlns:a14="http://schemas.microsoft.com/office/drawing/2010/main" Requires="a14">
           <p:sp>
             <p:nvSpPr>
               <p:cNvPr id="3" name="Content Placeholder 2">
@@ -12537,7 +14214,45 @@
                 </a14:m>
                 <a:r>
                   <a:rPr lang="en-US" dirty="0"/>
-                  <a:t>) and want to know whether its average is different from a given number, say zero. </a:t>
+                  <a:t>) that comes from a distribution </a:t>
+                </a:r>
+                <a14:m>
+                  <m:oMath xmlns:m="http://schemas.openxmlformats.org/officeDocument/2006/math">
+                    <m:r>
+                      <a:rPr lang="en-US" i="1">
+                        <a:latin typeface="Cambria Math" panose="02040503050406030204" pitchFamily="18" charset="0"/>
+                      </a:rPr>
+                      <m:t>𝐹</m:t>
+                    </m:r>
+                    <m:r>
+                      <a:rPr lang="en-US" i="1">
+                        <a:latin typeface="Cambria Math" panose="02040503050406030204" pitchFamily="18" charset="0"/>
+                      </a:rPr>
+                      <m:t>(</m:t>
+                    </m:r>
+                    <m:r>
+                      <a:rPr lang="en-US" i="1">
+                        <a:latin typeface="Cambria Math" panose="02040503050406030204" pitchFamily="18" charset="0"/>
+                      </a:rPr>
+                      <m:t>𝜃</m:t>
+                    </m:r>
+                    <m:r>
+                      <a:rPr lang="en-US" i="1">
+                        <a:latin typeface="Cambria Math" panose="02040503050406030204" pitchFamily="18" charset="0"/>
+                      </a:rPr>
+                      <m:t>)</m:t>
+                    </m:r>
+                  </m:oMath>
+                </a14:m>
+                <a:r>
+                  <a:rPr lang="en-US" dirty="0"/>
+                  <a:t>.</a:t>
+                </a:r>
+              </a:p>
+              <a:p>
+                <a:r>
+                  <a:rPr lang="en-US" dirty="0"/>
+                  <a:t>We want to know whether the sample average is different from a given number, say zero. </a:t>
                 </a:r>
               </a:p>
               <a:p>
@@ -12722,44 +14437,6 @@
               <a:p>
                 <a:r>
                   <a:rPr lang="en-US" dirty="0"/>
-                  <a:t>We want to know whether a new sample from </a:t>
-                </a:r>
-                <a14:m>
-                  <m:oMath xmlns:m="http://schemas.openxmlformats.org/officeDocument/2006/math">
-                    <m:r>
-                      <a:rPr lang="en-US" i="1">
-                        <a:latin typeface="Cambria Math" panose="02040503050406030204" pitchFamily="18" charset="0"/>
-                      </a:rPr>
-                      <m:t>𝐹</m:t>
-                    </m:r>
-                    <m:r>
-                      <a:rPr lang="en-US" i="1">
-                        <a:latin typeface="Cambria Math" panose="02040503050406030204" pitchFamily="18" charset="0"/>
-                      </a:rPr>
-                      <m:t>(</m:t>
-                    </m:r>
-                    <m:r>
-                      <a:rPr lang="en-US" i="1">
-                        <a:latin typeface="Cambria Math" panose="02040503050406030204" pitchFamily="18" charset="0"/>
-                      </a:rPr>
-                      <m:t>𝜃</m:t>
-                    </m:r>
-                    <m:r>
-                      <a:rPr lang="en-US" i="1">
-                        <a:latin typeface="Cambria Math" panose="02040503050406030204" pitchFamily="18" charset="0"/>
-                      </a:rPr>
-                      <m:t>)</m:t>
-                    </m:r>
-                  </m:oMath>
-                </a14:m>
-                <a:r>
-                  <a:rPr lang="en-US" dirty="0"/>
-                  <a:t> would be different from zero on average.</a:t>
-                </a:r>
-              </a:p>
-              <a:p>
-                <a:r>
-                  <a:rPr lang="en-US" dirty="0"/>
                   <a:t>Our null hypothesis is that the average of </a:t>
                 </a:r>
                 <a14:m>
@@ -12786,7 +14463,7 @@
             </p:txBody>
           </p:sp>
         </mc:Choice>
-        <mc:Fallback xmlns="">
+        <mc:Fallback>
           <p:sp>
             <p:nvSpPr>
               <p:cNvPr id="3" name="Content Placeholder 2">
@@ -12811,7 +14488,7 @@
               <a:blipFill>
                 <a:blip r:embed="rId2"/>
                 <a:stretch>
-                  <a:fillRect l="-1086" t="-2168" r="-1086"/>
+                  <a:fillRect l="-1086" t="-2168"/>
                 </a:stretch>
               </a:blipFill>
             </p:spPr>
@@ -12843,7 +14520,7 @@
 </p:sld>
 </file>
 
-<file path=ppt/slides/slide5.xml><?xml version="1.0" encoding="utf-8"?>
+<file path=ppt/slides/slide6.xml><?xml version="1.0" encoding="utf-8"?>
 <p:sld xmlns:a="http://schemas.openxmlformats.org/drawingml/2006/main" xmlns:r="http://schemas.openxmlformats.org/officeDocument/2006/relationships" xmlns:p="http://schemas.openxmlformats.org/presentationml/2006/main">
   <p:cSld>
     <p:spTree>
@@ -12888,8 +14565,8 @@
           </a:p>
         </p:txBody>
       </p:sp>
-      <mc:AlternateContent xmlns:mc="http://schemas.openxmlformats.org/markup-compatibility/2006" xmlns:a14="http://schemas.microsoft.com/office/drawing/2010/main">
-        <mc:Choice Requires="a14">
+      <mc:AlternateContent xmlns:mc="http://schemas.openxmlformats.org/markup-compatibility/2006">
+        <mc:Choice xmlns:a14="http://schemas.microsoft.com/office/drawing/2010/main" Requires="a14">
           <p:sp>
             <p:nvSpPr>
               <p:cNvPr id="3" name="Content Placeholder 2">
@@ -12914,7 +14591,7 @@
             </p:spPr>
             <p:txBody>
               <a:bodyPr>
-                <a:normAutofit fontScale="92500" lnSpcReduction="10000"/>
+                <a:normAutofit lnSpcReduction="10000"/>
               </a:bodyPr>
               <a:lstStyle/>
               <a:p>
@@ -13184,45 +14861,21 @@
               <a:p>
                 <a:r>
                   <a:rPr lang="en-US" dirty="0"/>
-                  <a:t>This statistic tests our null hypothesis that </a:t>
+                  <a:t>This is useful because now we can model the variation in </a:t>
                 </a:r>
                 <a14:m>
                   <m:oMath xmlns:m="http://schemas.openxmlformats.org/officeDocument/2006/math">
-                    <m:acc>
-                      <m:accPr>
-                        <m:chr m:val="̅"/>
-                        <m:ctrlPr>
-                          <a:rPr lang="en-US" i="1">
-                            <a:latin typeface="Cambria Math" panose="02040503050406030204" pitchFamily="18" charset="0"/>
-                          </a:rPr>
-                        </m:ctrlPr>
-                      </m:accPr>
-                      <m:e>
-                        <m:r>
-                          <a:rPr lang="en-US" i="1">
-                            <a:latin typeface="Cambria Math" panose="02040503050406030204" pitchFamily="18" charset="0"/>
-                          </a:rPr>
-                          <m:t>𝑥</m:t>
-                        </m:r>
-                      </m:e>
-                    </m:acc>
-                    <m:r>
-                      <a:rPr lang="en-US" b="0" i="1" smtClean="0">
-                        <a:latin typeface="Cambria Math" panose="02040503050406030204" pitchFamily="18" charset="0"/>
-                      </a:rPr>
-                      <m:t>=0</m:t>
+                    <m:r>
+                      <a:rPr lang="en-US" i="1">
+                        <a:latin typeface="Cambria Math" panose="02040503050406030204" pitchFamily="18" charset="0"/>
+                      </a:rPr>
+                      <m:t>𝑋</m:t>
                     </m:r>
                   </m:oMath>
                 </a14:m>
                 <a:r>
                   <a:rPr lang="en-US" dirty="0"/>
-                  <a:t>.</a:t>
-                </a:r>
-              </a:p>
-              <a:p>
-                <a:r>
-                  <a:rPr lang="en-US" dirty="0"/>
-                  <a:t>This is useful because now we can model the variation in </a:t>
+                  <a:t> if we drew more samples from </a:t>
                 </a:r>
                 <a14:m>
                   <m:oMath xmlns:m="http://schemas.openxmlformats.org/officeDocument/2006/math">
@@ -13230,13 +14883,31 @@
                       <a:rPr lang="en-US" i="1">
                         <a:latin typeface="Cambria Math" panose="02040503050406030204" pitchFamily="18" charset="0"/>
                       </a:rPr>
-                      <m:t>𝑋</m:t>
+                      <m:t>𝐹</m:t>
+                    </m:r>
+                    <m:r>
+                      <a:rPr lang="en-US" i="1">
+                        <a:latin typeface="Cambria Math" panose="02040503050406030204" pitchFamily="18" charset="0"/>
+                      </a:rPr>
+                      <m:t>(</m:t>
+                    </m:r>
+                    <m:r>
+                      <a:rPr lang="en-US" i="1">
+                        <a:latin typeface="Cambria Math" panose="02040503050406030204" pitchFamily="18" charset="0"/>
+                      </a:rPr>
+                      <m:t>𝜃</m:t>
+                    </m:r>
+                    <m:r>
+                      <a:rPr lang="en-US" i="1">
+                        <a:latin typeface="Cambria Math" panose="02040503050406030204" pitchFamily="18" charset="0"/>
+                      </a:rPr>
+                      <m:t>)</m:t>
                     </m:r>
                   </m:oMath>
                 </a14:m>
                 <a:r>
                   <a:rPr lang="en-US" dirty="0"/>
-                  <a:t> if we drew more samples.</a:t>
+                  <a:t>.</a:t>
                 </a:r>
               </a:p>
               <a:p>
@@ -13262,7 +14933,7 @@
             </p:txBody>
           </p:sp>
         </mc:Choice>
-        <mc:Fallback xmlns="">
+        <mc:Fallback>
           <p:sp>
             <p:nvSpPr>
               <p:cNvPr id="3" name="Content Placeholder 2">
@@ -13287,7 +14958,7 @@
               <a:blipFill>
                 <a:blip r:embed="rId3"/>
                 <a:stretch>
-                  <a:fillRect l="-965" t="-2200"/>
+                  <a:fillRect l="-1086" t="-2689" r="-1689"/>
                 </a:stretch>
               </a:blipFill>
             </p:spPr>
@@ -13319,7 +14990,7 @@
 </p:sld>
 </file>
 
-<file path=ppt/slides/slide6.xml><?xml version="1.0" encoding="utf-8"?>
+<file path=ppt/slides/slide7.xml><?xml version="1.0" encoding="utf-8"?>
 <p:sld xmlns:a="http://schemas.openxmlformats.org/drawingml/2006/main" xmlns:r="http://schemas.openxmlformats.org/officeDocument/2006/relationships" xmlns:p="http://schemas.openxmlformats.org/presentationml/2006/main">
   <p:cSld>
     <p:spTree>
@@ -13364,8 +15035,8 @@
           </a:p>
         </p:txBody>
       </p:sp>
-      <mc:AlternateContent xmlns:mc="http://schemas.openxmlformats.org/markup-compatibility/2006" xmlns:a14="http://schemas.microsoft.com/office/drawing/2010/main">
-        <mc:Choice Requires="a14">
+      <mc:AlternateContent xmlns:mc="http://schemas.openxmlformats.org/markup-compatibility/2006">
+        <mc:Choice xmlns:a14="http://schemas.microsoft.com/office/drawing/2010/main" Requires="a14">
           <p:sp>
             <p:nvSpPr>
               <p:cNvPr id="3" name="Content Placeholder 2">
@@ -13555,7 +15226,7 @@
               <a:p>
                 <a:r>
                   <a:rPr lang="en-US" dirty="0"/>
-                  <a:t>Specifically, if we made another dataset, would we get the same value for </a:t>
+                  <a:t>Specifically, if we drew another dataset from the same data generating process, would we estimate the same value for </a:t>
                 </a:r>
                 <a14:m>
                   <m:oMath xmlns:m="http://schemas.openxmlformats.org/officeDocument/2006/math">
@@ -13625,7 +15296,7 @@
             </p:txBody>
           </p:sp>
         </mc:Choice>
-        <mc:Fallback xmlns="">
+        <mc:Fallback>
           <p:sp>
             <p:nvSpPr>
               <p:cNvPr id="3" name="Content Placeholder 2">
@@ -13646,7 +15317,7 @@
               <a:blipFill>
                 <a:blip r:embed="rId2"/>
                 <a:stretch>
-                  <a:fillRect l="-1086" t="-2326" r="-1809"/>
+                  <a:fillRect l="-1086" t="-2326"/>
                 </a:stretch>
               </a:blipFill>
             </p:spPr>
@@ -13678,7 +15349,7 @@
 </p:sld>
 </file>
 
-<file path=ppt/slides/slide7.xml><?xml version="1.0" encoding="utf-8"?>
+<file path=ppt/slides/slide8.xml><?xml version="1.0" encoding="utf-8"?>
 <p:sld xmlns:a="http://schemas.openxmlformats.org/drawingml/2006/main" xmlns:r="http://schemas.openxmlformats.org/officeDocument/2006/relationships" xmlns:p="http://schemas.openxmlformats.org/presentationml/2006/main">
   <p:cSld>
     <p:spTree>
@@ -13723,8 +15394,8 @@
           </a:p>
         </p:txBody>
       </p:sp>
-      <mc:AlternateContent xmlns:mc="http://schemas.openxmlformats.org/markup-compatibility/2006" xmlns:a14="http://schemas.microsoft.com/office/drawing/2010/main">
-        <mc:Choice Requires="a14">
+      <mc:AlternateContent xmlns:mc="http://schemas.openxmlformats.org/markup-compatibility/2006">
+        <mc:Choice xmlns:a14="http://schemas.microsoft.com/office/drawing/2010/main" Requires="a14">
           <p:sp>
             <p:nvSpPr>
               <p:cNvPr id="3" name="Content Placeholder 2">
@@ -13743,13 +15414,13 @@
             </p:nvSpPr>
             <p:spPr>
               <a:xfrm>
-                <a:off x="838200" y="1389529"/>
-                <a:ext cx="10515600" cy="5103346"/>
+                <a:off x="838200" y="1318162"/>
+                <a:ext cx="10515600" cy="5427022"/>
               </a:xfrm>
             </p:spPr>
             <p:txBody>
               <a:bodyPr>
-                <a:normAutofit fontScale="92500" lnSpcReduction="20000"/>
+                <a:normAutofit fontScale="92500" lnSpcReduction="10000"/>
               </a:bodyPr>
               <a:lstStyle/>
               <a:p>
@@ -13781,7 +15452,7 @@
                 </a14:m>
                 <a:r>
                   <a:rPr lang="en-US" dirty="0"/>
-                  <a:t> is consistent and converges to the true values.</a:t>
+                  <a:t> is consistent and converges to the true value.</a:t>
                 </a:r>
               </a:p>
               <a:p>
@@ -14098,7 +15769,10 @@
                     <m:sSup>
                       <m:sSupPr>
                         <m:ctrlPr>
-                          <a:rPr lang="en-US" sz="2800" i="1">
+                          <a:rPr lang="en-US" sz="2800" i="1" smtClean="0">
+                            <a:solidFill>
+                              <a:srgbClr val="FF0000"/>
+                            </a:solidFill>
                             <a:latin typeface="Cambria Math" panose="02040503050406030204" pitchFamily="18" charset="0"/>
                           </a:rPr>
                         </m:ctrlPr>
@@ -14108,6 +15782,9 @@
                           <m:dPr>
                             <m:ctrlPr>
                               <a:rPr lang="en-US" sz="2800" i="1">
+                                <a:solidFill>
+                                  <a:srgbClr val="FF0000"/>
+                                </a:solidFill>
                                 <a:latin typeface="Cambria Math" panose="02040503050406030204" pitchFamily="18" charset="0"/>
                               </a:rPr>
                             </m:ctrlPr>
@@ -14117,6 +15794,9 @@
                               <m:sSupPr>
                                 <m:ctrlPr>
                                   <a:rPr lang="en-US" sz="2800" i="1">
+                                    <a:solidFill>
+                                      <a:srgbClr val="FF0000"/>
+                                    </a:solidFill>
                                     <a:latin typeface="Cambria Math" panose="02040503050406030204" pitchFamily="18" charset="0"/>
                                   </a:rPr>
                                 </m:ctrlPr>
@@ -14124,6 +15804,9 @@
                               <m:e>
                                 <m:r>
                                   <a:rPr lang="en-US" sz="2800" i="1">
+                                    <a:solidFill>
+                                      <a:srgbClr val="FF0000"/>
+                                    </a:solidFill>
                                     <a:latin typeface="Cambria Math" panose="02040503050406030204" pitchFamily="18" charset="0"/>
                                   </a:rPr>
                                   <m:t>𝑋</m:t>
@@ -14132,6 +15815,9 @@
                               <m:sup>
                                 <m:r>
                                   <a:rPr lang="en-US" sz="2800" i="1">
+                                    <a:solidFill>
+                                      <a:srgbClr val="FF0000"/>
+                                    </a:solidFill>
                                     <a:latin typeface="Cambria Math" panose="02040503050406030204" pitchFamily="18" charset="0"/>
                                   </a:rPr>
                                   <m:t>′</m:t>
@@ -14140,6 +15826,9 @@
                             </m:sSup>
                             <m:r>
                               <a:rPr lang="en-US" sz="2800" i="1">
+                                <a:solidFill>
+                                  <a:srgbClr val="FF0000"/>
+                                </a:solidFill>
                                 <a:latin typeface="Cambria Math" panose="02040503050406030204" pitchFamily="18" charset="0"/>
                               </a:rPr>
                               <m:t>𝑋</m:t>
@@ -14150,6 +15839,9 @@
                       <m:sup>
                         <m:r>
                           <a:rPr lang="en-US" sz="2800" b="0" i="1" smtClean="0">
+                            <a:solidFill>
+                              <a:srgbClr val="FF0000"/>
+                            </a:solidFill>
                             <a:latin typeface="Cambria Math" panose="02040503050406030204" pitchFamily="18" charset="0"/>
                           </a:rPr>
                           <m:t>−1</m:t>
@@ -14160,6 +15852,9 @@
                       <m:sSupPr>
                         <m:ctrlPr>
                           <a:rPr lang="en-US" sz="2800" b="0" i="1" smtClean="0">
+                            <a:solidFill>
+                              <a:srgbClr val="FF0000"/>
+                            </a:solidFill>
                             <a:latin typeface="Cambria Math" panose="02040503050406030204" pitchFamily="18" charset="0"/>
                           </a:rPr>
                         </m:ctrlPr>
@@ -14167,6 +15862,9 @@
                       <m:e>
                         <m:r>
                           <a:rPr lang="en-US" sz="2800" b="0" i="1" smtClean="0">
+                            <a:solidFill>
+                              <a:srgbClr val="FF0000"/>
+                            </a:solidFill>
                             <a:latin typeface="Cambria Math" panose="02040503050406030204" pitchFamily="18" charset="0"/>
                           </a:rPr>
                           <m:t>𝑋</m:t>
@@ -14175,6 +15873,9 @@
                       <m:sup>
                         <m:r>
                           <a:rPr lang="en-US" sz="2800" b="0" i="1" smtClean="0">
+                            <a:solidFill>
+                              <a:srgbClr val="FF0000"/>
+                            </a:solidFill>
                             <a:latin typeface="Cambria Math" panose="02040503050406030204" pitchFamily="18" charset="0"/>
                           </a:rPr>
                           <m:t>′</m:t>
@@ -14183,6 +15884,9 @@
                     </m:sSup>
                     <m:r>
                       <a:rPr lang="en-US" sz="2800" b="0" i="1" smtClean="0">
+                        <a:solidFill>
+                          <a:srgbClr val="FF0000"/>
+                        </a:solidFill>
                         <a:latin typeface="Cambria Math" panose="02040503050406030204" pitchFamily="18" charset="0"/>
                       </a:rPr>
                       <m:t>𝑋</m:t>
@@ -14328,7 +16032,7 @@
                         <m:ctrlPr>
                           <a:rPr lang="en-US" sz="2800" i="1" smtClean="0">
                             <a:solidFill>
-                              <a:schemeClr val="accent2"/>
+                              <a:srgbClr val="00B050"/>
                             </a:solidFill>
                             <a:latin typeface="Cambria Math" panose="02040503050406030204" pitchFamily="18" charset="0"/>
                           </a:rPr>
@@ -14340,7 +16044,7 @@
                             <m:ctrlPr>
                               <a:rPr lang="en-US" sz="2800" i="1">
                                 <a:solidFill>
-                                  <a:schemeClr val="accent2"/>
+                                  <a:srgbClr val="00B050"/>
                                 </a:solidFill>
                                 <a:latin typeface="Cambria Math" panose="02040503050406030204" pitchFamily="18" charset="0"/>
                               </a:rPr>
@@ -14352,7 +16056,7 @@
                                 <m:ctrlPr>
                                   <a:rPr lang="en-US" sz="2800" i="1">
                                     <a:solidFill>
-                                      <a:schemeClr val="accent2"/>
+                                      <a:srgbClr val="00B050"/>
                                     </a:solidFill>
                                     <a:latin typeface="Cambria Math" panose="02040503050406030204" pitchFamily="18" charset="0"/>
                                   </a:rPr>
@@ -14362,7 +16066,7 @@
                                 <m:r>
                                   <a:rPr lang="en-US" sz="2800" i="1">
                                     <a:solidFill>
-                                      <a:schemeClr val="accent2"/>
+                                      <a:srgbClr val="00B050"/>
                                     </a:solidFill>
                                     <a:latin typeface="Cambria Math" panose="02040503050406030204" pitchFamily="18" charset="0"/>
                                   </a:rPr>
@@ -14373,7 +16077,7 @@
                                 <m:r>
                                   <a:rPr lang="en-US" sz="2800" i="1">
                                     <a:solidFill>
-                                      <a:schemeClr val="accent2"/>
+                                      <a:srgbClr val="00B050"/>
                                     </a:solidFill>
                                     <a:latin typeface="Cambria Math" panose="02040503050406030204" pitchFamily="18" charset="0"/>
                                   </a:rPr>
@@ -14384,7 +16088,7 @@
                             <m:r>
                               <a:rPr lang="en-US" sz="2800" i="1">
                                 <a:solidFill>
-                                  <a:schemeClr val="accent2"/>
+                                  <a:srgbClr val="00B050"/>
                                 </a:solidFill>
                                 <a:latin typeface="Cambria Math" panose="02040503050406030204" pitchFamily="18" charset="0"/>
                               </a:rPr>
@@ -14397,7 +16101,7 @@
                         <m:r>
                           <a:rPr lang="en-US" sz="2800" b="0" i="1" smtClean="0">
                             <a:solidFill>
-                              <a:schemeClr val="accent2"/>
+                              <a:srgbClr val="00B050"/>
                             </a:solidFill>
                             <a:latin typeface="Cambria Math" panose="02040503050406030204" pitchFamily="18" charset="0"/>
                           </a:rPr>
@@ -14410,7 +16114,7 @@
                         <m:ctrlPr>
                           <a:rPr lang="en-US" sz="2800" i="1">
                             <a:solidFill>
-                              <a:schemeClr val="accent2"/>
+                              <a:srgbClr val="00B050"/>
                             </a:solidFill>
                             <a:latin typeface="Cambria Math" panose="02040503050406030204" pitchFamily="18" charset="0"/>
                           </a:rPr>
@@ -14420,7 +16124,7 @@
                         <m:r>
                           <a:rPr lang="en-US" sz="2800" i="1">
                             <a:solidFill>
-                              <a:schemeClr val="accent2"/>
+                              <a:srgbClr val="00B050"/>
                             </a:solidFill>
                             <a:latin typeface="Cambria Math" panose="02040503050406030204" pitchFamily="18" charset="0"/>
                           </a:rPr>
@@ -14431,7 +16135,7 @@
                         <m:r>
                           <a:rPr lang="en-US" sz="2800" i="1">
                             <a:solidFill>
-                              <a:schemeClr val="accent2"/>
+                              <a:srgbClr val="00B050"/>
                             </a:solidFill>
                             <a:latin typeface="Cambria Math" panose="02040503050406030204" pitchFamily="18" charset="0"/>
                           </a:rPr>
@@ -14442,7 +16146,7 @@
                     <m:r>
                       <a:rPr lang="en-US" sz="2800" i="1" smtClean="0">
                         <a:solidFill>
-                          <a:schemeClr val="accent2"/>
+                          <a:srgbClr val="00B050"/>
                         </a:solidFill>
                         <a:latin typeface="Cambria Math" panose="02040503050406030204" pitchFamily="18" charset="0"/>
                       </a:rPr>
@@ -14451,6 +16155,9 @@
                   </m:oMath>
                 </a14:m>
                 <a:endParaRPr lang="en-US" sz="2800" dirty="0">
+                  <a:solidFill>
+                    <a:srgbClr val="00B050"/>
+                  </a:solidFill>
                   <a:highlight>
                     <a:srgbClr val="FFFF00"/>
                   </a:highlight>
@@ -14458,20 +16165,48 @@
               </a:p>
               <a:p>
                 <a:r>
+                  <a:rPr lang="en-US" dirty="0">
+                    <a:solidFill>
+                      <a:srgbClr val="FF0000"/>
+                    </a:solidFill>
+                  </a:rPr>
+                  <a:t>This part </a:t>
+                </a:r>
+                <a:r>
+                  <a:rPr lang="en-US" dirty="0"/>
+                  <a:t>cancels out.</a:t>
+                </a:r>
+              </a:p>
+              <a:p>
+                <a:r>
                   <a:rPr lang="en-US" dirty="0"/>
                   <a:t>How is </a:t>
                 </a:r>
                 <a:r>
                   <a:rPr lang="en-US" dirty="0">
                     <a:solidFill>
-                      <a:schemeClr val="accent2"/>
+                      <a:srgbClr val="00B050"/>
                     </a:solidFill>
                   </a:rPr>
                   <a:t>this</a:t>
                 </a:r>
                 <a:r>
                   <a:rPr lang="en-US" dirty="0"/>
-                  <a:t> is distributed? We can then show that:</a:t>
+                  <a:t> is distributed? We assume </a:t>
+                </a:r>
+                <a14:m>
+                  <m:oMath xmlns:m="http://schemas.openxmlformats.org/officeDocument/2006/math">
+                    <m:r>
+                      <a:rPr lang="en-US" i="1">
+                        <a:latin typeface="Cambria Math" panose="02040503050406030204" pitchFamily="18" charset="0"/>
+                      </a:rPr>
+                      <m:t>𝜖</m:t>
+                    </m:r>
+                  </m:oMath>
+                </a14:m>
+                <a:r>
+                  <a:rPr lang="en-US" dirty="0"/>
+                  <a:t> is distributed with a constant variance, from which we can show that:</a:t>
                 </a:r>
               </a:p>
               <a:p>
@@ -14901,7 +16636,15 @@
               <a:p>
                 <a:r>
                   <a:rPr lang="en-US" b="0" dirty="0"/>
-                  <a:t>If we gathered more data and recalculated </a:t>
+                  <a:t>If we gathered more data and </a:t>
+                </a:r>
+                <a:r>
+                  <a:rPr lang="en-US" b="0" dirty="0" err="1"/>
+                  <a:t>reestimated</a:t>
+                </a:r>
+                <a:r>
+                  <a:rPr lang="en-US" b="0" dirty="0"/>
+                  <a:t> </a:t>
                 </a:r>
                 <a14:m>
                   <m:oMath xmlns:m="http://schemas.openxmlformats.org/officeDocument/2006/math">
@@ -14927,7 +16670,21 @@
                 </a14:m>
                 <a:r>
                   <a:rPr lang="en-US" b="0" dirty="0"/>
-                  <a:t> the distribution of those calculations would asymptotically converge to </a:t>
+                  <a:t> the distribution of those estimates would asymptotically converge to </a:t>
+                </a:r>
+                <a14:m>
+                  <m:oMath xmlns:m="http://schemas.openxmlformats.org/officeDocument/2006/math">
+                    <m:r>
+                      <a:rPr lang="en-US" b="0" i="1" smtClean="0">
+                        <a:latin typeface="Cambria Math" panose="02040503050406030204" pitchFamily="18" charset="0"/>
+                      </a:rPr>
+                      <m:t>𝛽</m:t>
+                    </m:r>
+                  </m:oMath>
+                </a14:m>
+                <a:r>
+                  <a:rPr lang="en-US" b="0" dirty="0"/>
+                  <a:t> with variance of </a:t>
                 </a:r>
                 <a14:m>
                   <m:oMath xmlns:m="http://schemas.openxmlformats.org/officeDocument/2006/math">
@@ -14935,7 +16692,7 @@
                       <m:rPr>
                         <m:sty m:val="p"/>
                       </m:rPr>
-                      <a:rPr lang="en-US">
+                      <a:rPr lang="en-US" b="0" i="0" smtClean="0">
                         <a:latin typeface="Cambria Math" panose="02040503050406030204" pitchFamily="18" charset="0"/>
                       </a:rPr>
                       <m:t>Σ</m:t>
@@ -14947,69 +16704,13 @@
               <a:p>
                 <a:r>
                   <a:rPr lang="en-US" dirty="0"/>
-                  <a:t>This now tells us the joint distribution of </a:t>
-                </a:r>
-                <a14:m>
-                  <m:oMath xmlns:m="http://schemas.openxmlformats.org/officeDocument/2006/math">
-                    <m:acc>
-                      <m:accPr>
-                        <m:chr m:val="̂"/>
-                        <m:ctrlPr>
-                          <a:rPr lang="en-US" i="1">
-                            <a:latin typeface="Cambria Math" panose="02040503050406030204" pitchFamily="18" charset="0"/>
-                          </a:rPr>
-                        </m:ctrlPr>
-                      </m:accPr>
-                      <m:e>
-                        <m:r>
-                          <a:rPr lang="en-US" i="1">
-                            <a:latin typeface="Cambria Math" panose="02040503050406030204" pitchFamily="18" charset="0"/>
-                          </a:rPr>
-                          <m:t>𝛽</m:t>
-                        </m:r>
-                      </m:e>
-                    </m:acc>
-                  </m:oMath>
-                </a14:m>
-                <a:r>
-                  <a:rPr lang="en-US" dirty="0"/>
-                  <a:t>. Now we can calculate confidence intervals. </a:t>
-                </a:r>
-              </a:p>
-              <a:p>
-                <a:pPr lvl="1"/>
-                <a:r>
-                  <a:rPr lang="en-US" dirty="0"/>
-                  <a:t>See the Appendix for how to test hypothesis based on transformations of </a:t>
-                </a:r>
-                <a14:m>
-                  <m:oMath xmlns:m="http://schemas.openxmlformats.org/officeDocument/2006/math">
-                    <m:acc>
-                      <m:accPr>
-                        <m:chr m:val="̂"/>
-                        <m:ctrlPr>
-                          <a:rPr lang="en-US" i="1">
-                            <a:latin typeface="Cambria Math" panose="02040503050406030204" pitchFamily="18" charset="0"/>
-                          </a:rPr>
-                        </m:ctrlPr>
-                      </m:accPr>
-                      <m:e>
-                        <m:r>
-                          <a:rPr lang="en-US" i="1">
-                            <a:latin typeface="Cambria Math" panose="02040503050406030204" pitchFamily="18" charset="0"/>
-                          </a:rPr>
-                          <m:t>𝛽</m:t>
-                        </m:r>
-                      </m:e>
-                    </m:acc>
-                  </m:oMath>
-                </a14:m>
-                <a:endParaRPr lang="en-US" dirty="0"/>
+                  <a:t>Now we can calculate confidence intervals. </a:t>
+                </a:r>
               </a:p>
             </p:txBody>
           </p:sp>
         </mc:Choice>
-        <mc:Fallback xmlns="">
+        <mc:Fallback>
           <p:sp>
             <p:nvSpPr>
               <p:cNvPr id="3" name="Content Placeholder 2">
@@ -15028,436 +16729,13 @@
             </p:nvSpPr>
             <p:spPr>
               <a:xfrm>
-                <a:off x="838200" y="1389529"/>
-                <a:ext cx="10515600" cy="5103346"/>
+                <a:off x="838200" y="1318162"/>
+                <a:ext cx="10515600" cy="5427022"/>
               </a:xfrm>
               <a:blipFill>
                 <a:blip r:embed="rId3"/>
                 <a:stretch>
-                  <a:fillRect l="-965" t="-3226"/>
-                </a:stretch>
-              </a:blipFill>
-            </p:spPr>
-            <p:txBody>
-              <a:bodyPr/>
-              <a:lstStyle/>
-              <a:p>
-                <a:r>
-                  <a:rPr lang="en-US">
-                    <a:noFill/>
-                  </a:rPr>
-                  <a:t> </a:t>
-                </a:r>
-              </a:p>
-            </p:txBody>
-          </p:sp>
-        </mc:Fallback>
-      </mc:AlternateContent>
-      <p:cxnSp>
-        <p:nvCxnSpPr>
-          <p:cNvPr id="6" name="Elbow Connector 5">
-            <a:extLst>
-              <a:ext uri="{FF2B5EF4-FFF2-40B4-BE49-F238E27FC236}">
-                <a16:creationId xmlns:a16="http://schemas.microsoft.com/office/drawing/2014/main" id="{3FBE71A1-3CC5-4C4E-AAA5-D369C64499B8}"/>
-              </a:ext>
-            </a:extLst>
-          </p:cNvPr>
-          <p:cNvCxnSpPr>
-            <a:cxnSpLocks/>
-          </p:cNvCxnSpPr>
-          <p:nvPr/>
-        </p:nvCxnSpPr>
-        <p:spPr>
-          <a:xfrm flipV="1">
-            <a:off x="2349942" y="3138985"/>
-            <a:ext cx="2535957" cy="111585"/>
-          </a:xfrm>
-          <a:prstGeom prst="bentConnector3">
-            <a:avLst>
-              <a:gd name="adj1" fmla="val 50000"/>
-            </a:avLst>
-          </a:prstGeom>
-          <a:ln w="19050">
-            <a:tailEnd type="triangle"/>
-          </a:ln>
-        </p:spPr>
-        <p:style>
-          <a:lnRef idx="1">
-            <a:schemeClr val="accent2"/>
-          </a:lnRef>
-          <a:fillRef idx="0">
-            <a:schemeClr val="accent2"/>
-          </a:fillRef>
-          <a:effectRef idx="0">
-            <a:schemeClr val="accent2"/>
-          </a:effectRef>
-          <a:fontRef idx="minor">
-            <a:schemeClr val="tx1"/>
-          </a:fontRef>
-        </p:style>
-      </p:cxnSp>
-    </p:spTree>
-    <p:extLst>
-      <p:ext uri="{BB962C8B-B14F-4D97-AF65-F5344CB8AC3E}">
-        <p14:creationId xmlns:p14="http://schemas.microsoft.com/office/powerpoint/2010/main" val="2215224683"/>
-      </p:ext>
-    </p:extLst>
-  </p:cSld>
-  <p:clrMapOvr>
-    <a:masterClrMapping/>
-  </p:clrMapOvr>
-</p:sld>
-</file>
-
-<file path=ppt/slides/slide8.xml><?xml version="1.0" encoding="utf-8"?>
-<p:sld xmlns:a="http://schemas.openxmlformats.org/drawingml/2006/main" xmlns:r="http://schemas.openxmlformats.org/officeDocument/2006/relationships" xmlns:p="http://schemas.openxmlformats.org/presentationml/2006/main">
-  <p:cSld>
-    <p:spTree>
-      <p:nvGrpSpPr>
-        <p:cNvPr id="1" name=""/>
-        <p:cNvGrpSpPr/>
-        <p:nvPr/>
-      </p:nvGrpSpPr>
-      <p:grpSpPr>
-        <a:xfrm>
-          <a:off x="0" y="0"/>
-          <a:ext cx="0" cy="0"/>
-          <a:chOff x="0" y="0"/>
-          <a:chExt cx="0" cy="0"/>
-        </a:xfrm>
-      </p:grpSpPr>
-      <p:sp>
-        <p:nvSpPr>
-          <p:cNvPr id="2" name="Title 1">
-            <a:extLst>
-              <a:ext uri="{FF2B5EF4-FFF2-40B4-BE49-F238E27FC236}">
-                <a16:creationId xmlns:a16="http://schemas.microsoft.com/office/drawing/2014/main" id="{41553EBE-FC42-D242-8020-97AB7C959511}"/>
-              </a:ext>
-            </a:extLst>
-          </p:cNvPr>
-          <p:cNvSpPr>
-            <a:spLocks noGrp="1"/>
-          </p:cNvSpPr>
-          <p:nvPr>
-            <p:ph type="title"/>
-          </p:nvPr>
-        </p:nvSpPr>
-        <p:spPr/>
-        <p:txBody>
-          <a:bodyPr/>
-          <a:lstStyle/>
-          <a:p>
-            <a:r>
-              <a:rPr lang="en-US" dirty="0"/>
-              <a:t>Inference is not bias</a:t>
-            </a:r>
-          </a:p>
-        </p:txBody>
-      </p:sp>
-      <mc:AlternateContent xmlns:mc="http://schemas.openxmlformats.org/markup-compatibility/2006" xmlns:a14="http://schemas.microsoft.com/office/drawing/2010/main">
-        <mc:Choice Requires="a14">
-          <p:sp>
-            <p:nvSpPr>
-              <p:cNvPr id="3" name="Content Placeholder 2">
-                <a:extLst>
-                  <a:ext uri="{FF2B5EF4-FFF2-40B4-BE49-F238E27FC236}">
-                    <a16:creationId xmlns:a16="http://schemas.microsoft.com/office/drawing/2014/main" id="{549CE041-C0A3-AE44-9043-DACAC79BEA98}"/>
-                  </a:ext>
-                </a:extLst>
-              </p:cNvPr>
-              <p:cNvSpPr>
-                <a:spLocks noGrp="1"/>
-              </p:cNvSpPr>
-              <p:nvPr>
-                <p:ph idx="1"/>
-              </p:nvPr>
-            </p:nvSpPr>
-            <p:spPr/>
-            <p:txBody>
-              <a:bodyPr/>
-              <a:lstStyle/>
-              <a:p>
-                <a:r>
-                  <a:rPr lang="en-US" dirty="0"/>
-                  <a:t>Confidence intervals are about whether we would get the same estimates a certain proportion of the time.</a:t>
-                </a:r>
-              </a:p>
-              <a:p>
-                <a:r>
-                  <a:rPr lang="en-US" dirty="0"/>
-                  <a:t>A 95% confidence interval contains 95% of the possible estimates we would get from resampling the data. </a:t>
-                </a:r>
-              </a:p>
-              <a:p>
-                <a:r>
-                  <a:rPr lang="en-US" dirty="0"/>
-                  <a:t>But </a:t>
-                </a:r>
-                <a14:m>
-                  <m:oMath xmlns:m="http://schemas.openxmlformats.org/officeDocument/2006/math">
-                    <m:acc>
-                      <m:accPr>
-                        <m:chr m:val="̂"/>
-                        <m:ctrlPr>
-                          <a:rPr lang="en-US" i="1">
-                            <a:latin typeface="Cambria Math" panose="02040503050406030204" pitchFamily="18" charset="0"/>
-                          </a:rPr>
-                        </m:ctrlPr>
-                      </m:accPr>
-                      <m:e>
-                        <m:r>
-                          <a:rPr lang="en-US" i="1">
-                            <a:latin typeface="Cambria Math" panose="02040503050406030204" pitchFamily="18" charset="0"/>
-                          </a:rPr>
-                          <m:t>𝛽</m:t>
-                        </m:r>
-                      </m:e>
-                    </m:acc>
-                  </m:oMath>
-                </a14:m>
-                <a:r>
-                  <a:rPr lang="en-US" dirty="0"/>
-                  <a:t> could be biased. </a:t>
-                </a:r>
-                <a14:m>
-                  <m:oMath xmlns:m="http://schemas.openxmlformats.org/officeDocument/2006/math">
-                    <m:acc>
-                      <m:accPr>
-                        <m:chr m:val="̂"/>
-                        <m:ctrlPr>
-                          <a:rPr lang="en-US" i="1">
-                            <a:latin typeface="Cambria Math" panose="02040503050406030204" pitchFamily="18" charset="0"/>
-                          </a:rPr>
-                        </m:ctrlPr>
-                      </m:accPr>
-                      <m:e>
-                        <m:r>
-                          <a:rPr lang="en-US" i="1">
-                            <a:latin typeface="Cambria Math" panose="02040503050406030204" pitchFamily="18" charset="0"/>
-                          </a:rPr>
-                          <m:t>𝛽</m:t>
-                        </m:r>
-                      </m:e>
-                    </m:acc>
-                    <m:r>
-                      <a:rPr lang="en-US" i="1">
-                        <a:latin typeface="Cambria Math" panose="02040503050406030204" pitchFamily="18" charset="0"/>
-                      </a:rPr>
-                      <m:t> </m:t>
-                    </m:r>
-                  </m:oMath>
-                </a14:m>
-                <a:r>
-                  <a:rPr lang="en-US" dirty="0"/>
-                  <a:t>can consistently estimate a biased value.</a:t>
-                </a:r>
-              </a:p>
-              <a:p>
-                <a:pPr marL="0" indent="0">
-                  <a:buNone/>
-                </a:pPr>
-                <a14:m>
-                  <m:oMathPara xmlns:m="http://schemas.openxmlformats.org/officeDocument/2006/math">
-                    <m:oMathParaPr>
-                      <m:jc m:val="centerGroup"/>
-                    </m:oMathParaPr>
-                    <m:oMath xmlns:m="http://schemas.openxmlformats.org/officeDocument/2006/math">
-                      <m:rad>
-                        <m:radPr>
-                          <m:degHide m:val="on"/>
-                          <m:ctrlPr>
-                            <a:rPr lang="en-US" i="1">
-                              <a:latin typeface="Cambria Math" panose="02040503050406030204" pitchFamily="18" charset="0"/>
-                            </a:rPr>
-                          </m:ctrlPr>
-                        </m:radPr>
-                        <m:deg/>
-                        <m:e>
-                          <m:r>
-                            <a:rPr lang="en-US" i="1">
-                              <a:latin typeface="Cambria Math" panose="02040503050406030204" pitchFamily="18" charset="0"/>
-                            </a:rPr>
-                            <m:t>𝑁</m:t>
-                          </m:r>
-                        </m:e>
-                      </m:rad>
-                      <m:r>
-                        <a:rPr lang="en-US" i="1">
-                          <a:latin typeface="Cambria Math" panose="02040503050406030204" pitchFamily="18" charset="0"/>
-                        </a:rPr>
-                        <m:t>(</m:t>
-                      </m:r>
-                      <m:acc>
-                        <m:accPr>
-                          <m:chr m:val="̂"/>
-                          <m:ctrlPr>
-                            <a:rPr lang="en-US" i="1">
-                              <a:latin typeface="Cambria Math" panose="02040503050406030204" pitchFamily="18" charset="0"/>
-                            </a:rPr>
-                          </m:ctrlPr>
-                        </m:accPr>
-                        <m:e>
-                          <m:r>
-                            <a:rPr lang="en-US" i="1">
-                              <a:latin typeface="Cambria Math" panose="02040503050406030204" pitchFamily="18" charset="0"/>
-                            </a:rPr>
-                            <m:t>𝛽</m:t>
-                          </m:r>
-                        </m:e>
-                      </m:acc>
-                      <m:r>
-                        <a:rPr lang="en-US" i="1">
-                          <a:latin typeface="Cambria Math" panose="02040503050406030204" pitchFamily="18" charset="0"/>
-                        </a:rPr>
-                        <m:t>−</m:t>
-                      </m:r>
-                      <m:r>
-                        <a:rPr lang="en-US" i="1">
-                          <a:latin typeface="Cambria Math" panose="02040503050406030204" pitchFamily="18" charset="0"/>
-                        </a:rPr>
-                        <m:t>𝛽</m:t>
-                      </m:r>
-                      <m:r>
-                        <a:rPr lang="en-US" i="1">
-                          <a:latin typeface="Cambria Math" panose="02040503050406030204" pitchFamily="18" charset="0"/>
-                        </a:rPr>
-                        <m:t>)</m:t>
-                      </m:r>
-                      <m:sSup>
-                        <m:sSupPr>
-                          <m:ctrlPr>
-                            <a:rPr lang="en-US" i="1">
-                              <a:latin typeface="Cambria Math" panose="02040503050406030204" pitchFamily="18" charset="0"/>
-                            </a:rPr>
-                          </m:ctrlPr>
-                        </m:sSupPr>
-                        <m:e>
-                          <m:r>
-                            <a:rPr lang="en-US" i="1">
-                              <a:latin typeface="Cambria Math" panose="02040503050406030204" pitchFamily="18" charset="0"/>
-                            </a:rPr>
-                            <m:t>→</m:t>
-                          </m:r>
-                        </m:e>
-                        <m:sup>
-                          <m:r>
-                            <a:rPr lang="en-US" i="1">
-                              <a:latin typeface="Cambria Math" panose="02040503050406030204" pitchFamily="18" charset="0"/>
-                            </a:rPr>
-                            <m:t>𝑑</m:t>
-                          </m:r>
-                        </m:sup>
-                      </m:sSup>
-                      <m:r>
-                        <a:rPr lang="en-US" i="1">
-                          <a:latin typeface="Cambria Math" panose="02040503050406030204" pitchFamily="18" charset="0"/>
-                        </a:rPr>
-                        <m:t>𝑁</m:t>
-                      </m:r>
-                      <m:r>
-                        <a:rPr lang="en-US" i="1">
-                          <a:latin typeface="Cambria Math" panose="02040503050406030204" pitchFamily="18" charset="0"/>
-                        </a:rPr>
-                        <m:t>( </m:t>
-                      </m:r>
-                      <m:r>
-                        <a:rPr lang="en-US" b="0" i="1" smtClean="0">
-                          <a:solidFill>
-                            <a:schemeClr val="accent2"/>
-                          </a:solidFill>
-                          <a:latin typeface="Cambria Math" panose="02040503050406030204" pitchFamily="18" charset="0"/>
-                        </a:rPr>
-                        <m:t>𝑏𝑖𝑎𝑠</m:t>
-                      </m:r>
-                      <m:r>
-                        <a:rPr lang="en-US" b="0" i="1" smtClean="0">
-                          <a:latin typeface="Cambria Math" panose="02040503050406030204" pitchFamily="18" charset="0"/>
-                        </a:rPr>
-                        <m:t> </m:t>
-                      </m:r>
-                      <m:r>
-                        <a:rPr lang="en-US" i="1" smtClean="0">
-                          <a:latin typeface="Cambria Math" panose="02040503050406030204" pitchFamily="18" charset="0"/>
-                        </a:rPr>
-                        <m:t>,</m:t>
-                      </m:r>
-                      <m:r>
-                        <m:rPr>
-                          <m:sty m:val="p"/>
-                        </m:rPr>
-                        <a:rPr lang="en-US">
-                          <a:latin typeface="Cambria Math" panose="02040503050406030204" pitchFamily="18" charset="0"/>
-                        </a:rPr>
-                        <m:t>Σ</m:t>
-                      </m:r>
-                      <m:r>
-                        <a:rPr lang="en-US" i="1">
-                          <a:latin typeface="Cambria Math" panose="02040503050406030204" pitchFamily="18" charset="0"/>
-                        </a:rPr>
-                        <m:t>)</m:t>
-                      </m:r>
-                    </m:oMath>
-                  </m:oMathPara>
-                </a14:m>
-                <a:endParaRPr lang="en-US" dirty="0"/>
-              </a:p>
-              <a:p>
-                <a:r>
-                  <a:rPr lang="en-US" dirty="0"/>
-                  <a:t>Therefore, </a:t>
-                </a:r>
-                <a14:m>
-                  <m:oMath xmlns:m="http://schemas.openxmlformats.org/officeDocument/2006/math">
-                    <m:acc>
-                      <m:accPr>
-                        <m:chr m:val="̂"/>
-                        <m:ctrlPr>
-                          <a:rPr lang="en-US" i="1">
-                            <a:latin typeface="Cambria Math" panose="02040503050406030204" pitchFamily="18" charset="0"/>
-                          </a:rPr>
-                        </m:ctrlPr>
-                      </m:accPr>
-                      <m:e>
-                        <m:r>
-                          <a:rPr lang="en-US" i="1">
-                            <a:latin typeface="Cambria Math" panose="02040503050406030204" pitchFamily="18" charset="0"/>
-                          </a:rPr>
-                          <m:t>𝛽</m:t>
-                        </m:r>
-                      </m:e>
-                    </m:acc>
-                  </m:oMath>
-                </a14:m>
-                <a:r>
-                  <a:rPr lang="en-US" dirty="0"/>
-                  <a:t> can be statistically significant and biased.</a:t>
-                </a:r>
-              </a:p>
-            </p:txBody>
-          </p:sp>
-        </mc:Choice>
-        <mc:Fallback xmlns="">
-          <p:sp>
-            <p:nvSpPr>
-              <p:cNvPr id="3" name="Content Placeholder 2">
-                <a:extLst>
-                  <a:ext uri="{FF2B5EF4-FFF2-40B4-BE49-F238E27FC236}">
-                    <a16:creationId xmlns:a16="http://schemas.microsoft.com/office/drawing/2014/main" id="{549CE041-C0A3-AE44-9043-DACAC79BEA98}"/>
-                  </a:ext>
-                </a:extLst>
-              </p:cNvPr>
-              <p:cNvSpPr>
-                <a:spLocks noGrp="1" noRot="1" noChangeAspect="1" noMove="1" noResize="1" noEditPoints="1" noAdjustHandles="1" noChangeArrowheads="1" noChangeShapeType="1" noTextEdit="1"/>
-              </p:cNvSpPr>
-              <p:nvPr>
-                <p:ph idx="1"/>
-              </p:nvPr>
-            </p:nvSpPr>
-            <p:spPr>
-              <a:blipFill>
-                <a:blip r:embed="rId3"/>
-                <a:stretch>
-                  <a:fillRect l="-1086" t="-2326" r="-121"/>
+                  <a:fillRect l="-965" t="-2336" b="-1636"/>
                 </a:stretch>
               </a:blipFill>
             </p:spPr>
@@ -15479,7 +16757,7 @@
     </p:spTree>
     <p:extLst>
       <p:ext uri="{BB962C8B-B14F-4D97-AF65-F5344CB8AC3E}">
-        <p14:creationId xmlns:p14="http://schemas.microsoft.com/office/powerpoint/2010/main" val="1465429287"/>
+        <p14:creationId xmlns:p14="http://schemas.microsoft.com/office/powerpoint/2010/main" val="2215224683"/>
       </p:ext>
     </p:extLst>
   </p:cSld>
@@ -15508,10 +16786,10 @@
       </p:grpSpPr>
       <p:sp>
         <p:nvSpPr>
-          <p:cNvPr id="2" name="Title 1">
+          <p:cNvPr id="4" name="Title 3">
             <a:extLst>
               <a:ext uri="{FF2B5EF4-FFF2-40B4-BE49-F238E27FC236}">
-                <a16:creationId xmlns:a16="http://schemas.microsoft.com/office/drawing/2014/main" id="{FA644BEC-5571-6944-AC4B-5815C0550B0C}"/>
+                <a16:creationId xmlns:a16="http://schemas.microsoft.com/office/drawing/2014/main" id="{48AE7B57-7EA7-E07B-3CE7-C807E68A0B83}"/>
               </a:ext>
             </a:extLst>
           </p:cNvPr>
@@ -15529,443 +16807,40 @@
           <a:p>
             <a:r>
               <a:rPr lang="en-US" dirty="0"/>
-              <a:t>Inference is also not forecasting</a:t>
+              <a:t>Challenges for calculating the variance</a:t>
             </a:r>
           </a:p>
         </p:txBody>
       </p:sp>
-      <mc:AlternateContent xmlns:mc="http://schemas.openxmlformats.org/markup-compatibility/2006" xmlns:a14="http://schemas.microsoft.com/office/drawing/2010/main">
-        <mc:Choice Requires="a14">
-          <p:sp>
-            <p:nvSpPr>
-              <p:cNvPr id="3" name="Content Placeholder 2">
-                <a:extLst>
-                  <a:ext uri="{FF2B5EF4-FFF2-40B4-BE49-F238E27FC236}">
-                    <a16:creationId xmlns:a16="http://schemas.microsoft.com/office/drawing/2014/main" id="{22D9D7AD-5F29-AE4E-8876-18CBDD1109ED}"/>
-                  </a:ext>
-                </a:extLst>
-              </p:cNvPr>
-              <p:cNvSpPr>
-                <a:spLocks noGrp="1"/>
-              </p:cNvSpPr>
-              <p:nvPr>
-                <p:ph idx="1"/>
-              </p:nvPr>
-            </p:nvSpPr>
-            <p:spPr>
-              <a:xfrm>
-                <a:off x="838200" y="1550894"/>
-                <a:ext cx="10515600" cy="4796119"/>
-              </a:xfrm>
-            </p:spPr>
-            <p:txBody>
-              <a:bodyPr>
-                <a:normAutofit/>
-              </a:bodyPr>
-              <a:lstStyle/>
-              <a:p>
-                <a:r>
-                  <a:rPr lang="en-US" dirty="0"/>
-                  <a:t>We interpret the confidence interval as what the estimate would be if we collected more </a:t>
-                </a:r>
-                <a14:m>
-                  <m:oMath xmlns:m="http://schemas.openxmlformats.org/officeDocument/2006/math">
-                    <m:r>
-                      <a:rPr lang="en-US" b="0" i="0" smtClean="0">
-                        <a:latin typeface="Cambria Math" panose="02040503050406030204" pitchFamily="18" charset="0"/>
-                      </a:rPr>
-                      <m:t>(</m:t>
-                    </m:r>
-                    <m:r>
-                      <m:rPr>
-                        <m:sty m:val="p"/>
-                      </m:rPr>
-                      <a:rPr lang="en-US" b="0" i="0" smtClean="0">
-                        <a:latin typeface="Cambria Math" panose="02040503050406030204" pitchFamily="18" charset="0"/>
-                      </a:rPr>
-                      <m:t>Y</m:t>
-                    </m:r>
-                    <m:r>
-                      <a:rPr lang="en-US" b="0" i="0" smtClean="0">
-                        <a:latin typeface="Cambria Math" panose="02040503050406030204" pitchFamily="18" charset="0"/>
-                      </a:rPr>
-                      <m:t>,</m:t>
-                    </m:r>
-                    <m:r>
-                      <m:rPr>
-                        <m:sty m:val="p"/>
-                      </m:rPr>
-                      <a:rPr lang="en-US" b="0" i="0" smtClean="0">
-                        <a:latin typeface="Cambria Math" panose="02040503050406030204" pitchFamily="18" charset="0"/>
-                      </a:rPr>
-                      <m:t>X</m:t>
-                    </m:r>
-                    <m:r>
-                      <a:rPr lang="en-US" b="0" i="0" smtClean="0">
-                        <a:latin typeface="Cambria Math" panose="02040503050406030204" pitchFamily="18" charset="0"/>
-                      </a:rPr>
-                      <m:t>)</m:t>
-                    </m:r>
-                    <m:r>
-                      <a:rPr lang="en-US" i="1">
-                        <a:latin typeface="Cambria Math" panose="02040503050406030204" pitchFamily="18" charset="0"/>
-                      </a:rPr>
-                      <m:t> </m:t>
-                    </m:r>
-                  </m:oMath>
-                </a14:m>
-                <a:r>
-                  <a:rPr lang="en-US" dirty="0"/>
-                  <a:t>data from </a:t>
-                </a:r>
-                <a14:m>
-                  <m:oMath xmlns:m="http://schemas.openxmlformats.org/officeDocument/2006/math">
-                    <m:r>
-                      <m:rPr>
-                        <m:sty m:val="p"/>
-                      </m:rPr>
-                      <a:rPr lang="en-US" b="0" i="0" smtClean="0">
-                        <a:latin typeface="Cambria Math" panose="02040503050406030204" pitchFamily="18" charset="0"/>
-                      </a:rPr>
-                      <m:t>F</m:t>
-                    </m:r>
-                    <m:r>
-                      <a:rPr lang="en-US" b="0" i="0" smtClean="0">
-                        <a:latin typeface="Cambria Math" panose="02040503050406030204" pitchFamily="18" charset="0"/>
-                      </a:rPr>
-                      <m:t>(</m:t>
-                    </m:r>
-                    <m:r>
-                      <m:rPr>
-                        <m:sty m:val="p"/>
-                      </m:rPr>
-                      <a:rPr lang="en-US" b="0" i="0" smtClean="0">
-                        <a:latin typeface="Cambria Math" panose="02040503050406030204" pitchFamily="18" charset="0"/>
-                      </a:rPr>
-                      <m:t>y</m:t>
-                    </m:r>
-                    <m:r>
-                      <a:rPr lang="en-US" b="0" i="0" smtClean="0">
-                        <a:latin typeface="Cambria Math" panose="02040503050406030204" pitchFamily="18" charset="0"/>
-                      </a:rPr>
-                      <m:t>|</m:t>
-                    </m:r>
-                    <m:r>
-                      <m:rPr>
-                        <m:sty m:val="p"/>
-                      </m:rPr>
-                      <a:rPr lang="en-US" b="0" i="0" smtClean="0">
-                        <a:latin typeface="Cambria Math" panose="02040503050406030204" pitchFamily="18" charset="0"/>
-                      </a:rPr>
-                      <m:t>x</m:t>
-                    </m:r>
-                    <m:r>
-                      <a:rPr lang="en-US" b="0" i="0" smtClean="0">
-                        <a:latin typeface="Cambria Math" panose="02040503050406030204" pitchFamily="18" charset="0"/>
-                      </a:rPr>
-                      <m:t> , </m:t>
-                    </m:r>
-                    <m:r>
-                      <a:rPr lang="en-US" b="0" i="1" smtClean="0">
-                        <a:latin typeface="Cambria Math" panose="02040503050406030204" pitchFamily="18" charset="0"/>
-                      </a:rPr>
-                      <m:t>𝜃</m:t>
-                    </m:r>
-                    <m:r>
-                      <a:rPr lang="en-US" b="0" i="1" smtClean="0">
-                        <a:latin typeface="Cambria Math" panose="02040503050406030204" pitchFamily="18" charset="0"/>
-                      </a:rPr>
-                      <m:t>)</m:t>
-                    </m:r>
-                  </m:oMath>
-                </a14:m>
-                <a:endParaRPr lang="en-US" dirty="0"/>
-              </a:p>
-              <a:p>
-                <a:r>
-                  <a:rPr lang="en-US" dirty="0"/>
-                  <a:t>“More data” doesn’t mean data from another context. For example, a confidence interval using data from </a:t>
-                </a:r>
-                <a14:m>
-                  <m:oMath xmlns:m="http://schemas.openxmlformats.org/officeDocument/2006/math">
-                    <m:sSub>
-                      <m:sSubPr>
-                        <m:ctrlPr>
-                          <a:rPr lang="en-US" b="0" i="1" smtClean="0">
-                            <a:latin typeface="Cambria Math" panose="02040503050406030204" pitchFamily="18" charset="0"/>
-                          </a:rPr>
-                        </m:ctrlPr>
-                      </m:sSubPr>
-                      <m:e>
-                        <m:r>
-                          <m:rPr>
-                            <m:sty m:val="p"/>
-                          </m:rPr>
-                          <a:rPr lang="en-US">
-                            <a:latin typeface="Cambria Math" panose="02040503050406030204" pitchFamily="18" charset="0"/>
-                          </a:rPr>
-                          <m:t>F</m:t>
-                        </m:r>
-                      </m:e>
-                      <m:sub>
-                        <m:r>
-                          <m:rPr>
-                            <m:sty m:val="p"/>
-                          </m:rPr>
-                          <a:rPr lang="en-US" b="0" i="0" smtClean="0">
-                            <a:latin typeface="Cambria Math" panose="02040503050406030204" pitchFamily="18" charset="0"/>
-                          </a:rPr>
-                          <m:t>t</m:t>
-                        </m:r>
-                        <m:r>
-                          <a:rPr lang="en-US" b="0" i="0" smtClean="0">
-                            <a:latin typeface="Cambria Math" panose="02040503050406030204" pitchFamily="18" charset="0"/>
-                          </a:rPr>
-                          <m:t>=1</m:t>
-                        </m:r>
-                      </m:sub>
-                    </m:sSub>
-                    <m:r>
-                      <a:rPr lang="en-US">
-                        <a:latin typeface="Cambria Math" panose="02040503050406030204" pitchFamily="18" charset="0"/>
-                      </a:rPr>
-                      <m:t>(</m:t>
-                    </m:r>
-                    <m:r>
-                      <m:rPr>
-                        <m:sty m:val="p"/>
-                      </m:rPr>
-                      <a:rPr lang="en-US">
-                        <a:latin typeface="Cambria Math" panose="02040503050406030204" pitchFamily="18" charset="0"/>
-                      </a:rPr>
-                      <m:t>y</m:t>
-                    </m:r>
-                    <m:r>
-                      <a:rPr lang="en-US">
-                        <a:latin typeface="Cambria Math" panose="02040503050406030204" pitchFamily="18" charset="0"/>
-                      </a:rPr>
-                      <m:t>|</m:t>
-                    </m:r>
-                    <m:r>
-                      <m:rPr>
-                        <m:sty m:val="p"/>
-                      </m:rPr>
-                      <a:rPr lang="en-US">
-                        <a:latin typeface="Cambria Math" panose="02040503050406030204" pitchFamily="18" charset="0"/>
-                      </a:rPr>
-                      <m:t>x</m:t>
-                    </m:r>
-                    <m:r>
-                      <a:rPr lang="en-US">
-                        <a:latin typeface="Cambria Math" panose="02040503050406030204" pitchFamily="18" charset="0"/>
-                      </a:rPr>
-                      <m:t> , </m:t>
-                    </m:r>
-                    <m:r>
-                      <a:rPr lang="en-US" i="1">
-                        <a:latin typeface="Cambria Math" panose="02040503050406030204" pitchFamily="18" charset="0"/>
-                      </a:rPr>
-                      <m:t>𝜃</m:t>
-                    </m:r>
-                    <m:r>
-                      <a:rPr lang="en-US" i="1">
-                        <a:latin typeface="Cambria Math" panose="02040503050406030204" pitchFamily="18" charset="0"/>
-                      </a:rPr>
-                      <m:t>)</m:t>
-                    </m:r>
-                  </m:oMath>
-                </a14:m>
-                <a:r>
-                  <a:rPr lang="en-US" dirty="0"/>
-                  <a:t> does not directly inform the results we would get from using data from </a:t>
-                </a:r>
-                <a14:m>
-                  <m:oMath xmlns:m="http://schemas.openxmlformats.org/officeDocument/2006/math">
-                    <m:sSub>
-                      <m:sSubPr>
-                        <m:ctrlPr>
-                          <a:rPr lang="en-US" b="0" i="1" smtClean="0">
-                            <a:latin typeface="Cambria Math" panose="02040503050406030204" pitchFamily="18" charset="0"/>
-                          </a:rPr>
-                        </m:ctrlPr>
-                      </m:sSubPr>
-                      <m:e>
-                        <m:r>
-                          <m:rPr>
-                            <m:sty m:val="p"/>
-                          </m:rPr>
-                          <a:rPr lang="en-US">
-                            <a:latin typeface="Cambria Math" panose="02040503050406030204" pitchFamily="18" charset="0"/>
-                          </a:rPr>
-                          <m:t>F</m:t>
-                        </m:r>
-                      </m:e>
-                      <m:sub>
-                        <m:r>
-                          <m:rPr>
-                            <m:sty m:val="p"/>
-                          </m:rPr>
-                          <a:rPr lang="en-US" b="0" i="0" smtClean="0">
-                            <a:latin typeface="Cambria Math" panose="02040503050406030204" pitchFamily="18" charset="0"/>
-                          </a:rPr>
-                          <m:t>t</m:t>
-                        </m:r>
-                        <m:r>
-                          <a:rPr lang="en-US" b="0" i="0" smtClean="0">
-                            <a:latin typeface="Cambria Math" panose="02040503050406030204" pitchFamily="18" charset="0"/>
-                          </a:rPr>
-                          <m:t>=2</m:t>
-                        </m:r>
-                      </m:sub>
-                    </m:sSub>
-                    <m:r>
-                      <a:rPr lang="en-US">
-                        <a:latin typeface="Cambria Math" panose="02040503050406030204" pitchFamily="18" charset="0"/>
-                      </a:rPr>
-                      <m:t>(</m:t>
-                    </m:r>
-                    <m:r>
-                      <m:rPr>
-                        <m:sty m:val="p"/>
-                      </m:rPr>
-                      <a:rPr lang="en-US">
-                        <a:latin typeface="Cambria Math" panose="02040503050406030204" pitchFamily="18" charset="0"/>
-                      </a:rPr>
-                      <m:t>y</m:t>
-                    </m:r>
-                    <m:r>
-                      <a:rPr lang="en-US">
-                        <a:latin typeface="Cambria Math" panose="02040503050406030204" pitchFamily="18" charset="0"/>
-                      </a:rPr>
-                      <m:t>|</m:t>
-                    </m:r>
-                    <m:r>
-                      <m:rPr>
-                        <m:sty m:val="p"/>
-                      </m:rPr>
-                      <a:rPr lang="en-US">
-                        <a:latin typeface="Cambria Math" panose="02040503050406030204" pitchFamily="18" charset="0"/>
-                      </a:rPr>
-                      <m:t>x</m:t>
-                    </m:r>
-                    <m:r>
-                      <a:rPr lang="en-US">
-                        <a:latin typeface="Cambria Math" panose="02040503050406030204" pitchFamily="18" charset="0"/>
-                      </a:rPr>
-                      <m:t> , </m:t>
-                    </m:r>
-                    <m:r>
-                      <a:rPr lang="en-US" i="1">
-                        <a:latin typeface="Cambria Math" panose="02040503050406030204" pitchFamily="18" charset="0"/>
-                      </a:rPr>
-                      <m:t>𝜃</m:t>
-                    </m:r>
-                    <m:r>
-                      <a:rPr lang="en-US" i="1">
-                        <a:latin typeface="Cambria Math" panose="02040503050406030204" pitchFamily="18" charset="0"/>
-                      </a:rPr>
-                      <m:t>)</m:t>
-                    </m:r>
-                  </m:oMath>
-                </a14:m>
-                <a:endParaRPr lang="en-US" dirty="0"/>
-              </a:p>
-              <a:p>
-                <a:pPr lvl="1"/>
-                <a:r>
-                  <a:rPr lang="en-US" dirty="0"/>
-                  <a:t>The confidence interval doesn’t directly answer whether </a:t>
-                </a:r>
-                <a14:m>
-                  <m:oMath xmlns:m="http://schemas.openxmlformats.org/officeDocument/2006/math">
-                    <m:acc>
-                      <m:accPr>
-                        <m:chr m:val="̂"/>
-                        <m:ctrlPr>
-                          <a:rPr lang="en-US" i="1" smtClean="0">
-                            <a:latin typeface="Cambria Math" panose="02040503050406030204" pitchFamily="18" charset="0"/>
-                          </a:rPr>
-                        </m:ctrlPr>
-                      </m:accPr>
-                      <m:e>
-                        <m:r>
-                          <a:rPr lang="en-US" i="1">
-                            <a:latin typeface="Cambria Math" panose="02040503050406030204" pitchFamily="18" charset="0"/>
-                          </a:rPr>
-                          <m:t>𝛽</m:t>
-                        </m:r>
-                      </m:e>
-                    </m:acc>
-                  </m:oMath>
-                </a14:m>
-                <a:r>
-                  <a:rPr lang="en-US" dirty="0"/>
-                  <a:t> would be the same if we collected data from next month. </a:t>
-                </a:r>
-              </a:p>
-              <a:p>
-                <a:r>
-                  <a:rPr lang="en-US" dirty="0"/>
-                  <a:t>If the underlying data generating process changes over time, then we will have model misspecification biases.</a:t>
-                </a:r>
-              </a:p>
-              <a:p>
-                <a:r>
-                  <a:rPr lang="en-US" dirty="0"/>
-                  <a:t>Model misspecification cause problems with inference.</a:t>
-                </a:r>
-              </a:p>
-            </p:txBody>
-          </p:sp>
-        </mc:Choice>
-        <mc:Fallback xmlns="">
-          <p:sp>
-            <p:nvSpPr>
-              <p:cNvPr id="3" name="Content Placeholder 2">
-                <a:extLst>
-                  <a:ext uri="{FF2B5EF4-FFF2-40B4-BE49-F238E27FC236}">
-                    <a16:creationId xmlns:a16="http://schemas.microsoft.com/office/drawing/2014/main" id="{22D9D7AD-5F29-AE4E-8876-18CBDD1109ED}"/>
-                  </a:ext>
-                </a:extLst>
-              </p:cNvPr>
-              <p:cNvSpPr>
-                <a:spLocks noGrp="1" noRot="1" noChangeAspect="1" noMove="1" noResize="1" noEditPoints="1" noAdjustHandles="1" noChangeArrowheads="1" noChangeShapeType="1" noTextEdit="1"/>
-              </p:cNvSpPr>
-              <p:nvPr>
-                <p:ph idx="1"/>
-              </p:nvPr>
-            </p:nvSpPr>
-            <p:spPr>
-              <a:xfrm>
-                <a:off x="838200" y="1550894"/>
-                <a:ext cx="10515600" cy="4796119"/>
-              </a:xfrm>
-              <a:blipFill>
-                <a:blip r:embed="rId2"/>
-                <a:stretch>
-                  <a:fillRect l="-1086" t="-2111" r="-1327"/>
-                </a:stretch>
-              </a:blipFill>
-            </p:spPr>
-            <p:txBody>
-              <a:bodyPr/>
-              <a:lstStyle/>
-              <a:p>
-                <a:r>
-                  <a:rPr lang="en-US">
-                    <a:noFill/>
-                  </a:rPr>
-                  <a:t> </a:t>
-                </a:r>
-              </a:p>
-            </p:txBody>
-          </p:sp>
-        </mc:Fallback>
-      </mc:AlternateContent>
+      <p:sp>
+        <p:nvSpPr>
+          <p:cNvPr id="5" name="Text Placeholder 4">
+            <a:extLst>
+              <a:ext uri="{FF2B5EF4-FFF2-40B4-BE49-F238E27FC236}">
+                <a16:creationId xmlns:a16="http://schemas.microsoft.com/office/drawing/2014/main" id="{3FF52B18-7982-8733-7401-383D4D2FE2EC}"/>
+              </a:ext>
+            </a:extLst>
+          </p:cNvPr>
+          <p:cNvSpPr>
+            <a:spLocks noGrp="1"/>
+          </p:cNvSpPr>
+          <p:nvPr>
+            <p:ph type="body" idx="1"/>
+          </p:nvPr>
+        </p:nvSpPr>
+        <p:spPr/>
+        <p:txBody>
+          <a:bodyPr/>
+          <a:lstStyle/>
+          <a:p>
+            <a:endParaRPr lang="en-US" dirty="0"/>
+          </a:p>
+        </p:txBody>
+      </p:sp>
     </p:spTree>
     <p:extLst>
       <p:ext uri="{BB962C8B-B14F-4D97-AF65-F5344CB8AC3E}">
-        <p14:creationId xmlns:p14="http://schemas.microsoft.com/office/powerpoint/2010/main" val="2725215919"/>
+        <p14:creationId xmlns:p14="http://schemas.microsoft.com/office/powerpoint/2010/main" val="4106614733"/>
       </p:ext>
     </p:extLst>
   </p:cSld>

--- a/Powerpoints/3 Inference.pptx
+++ b/Powerpoints/3 Inference.pptx
@@ -232,7 +232,7 @@
           <a:p>
             <a:fld id="{E723D93F-DE43-BC4C-A115-7456D7C9E421}" type="datetimeFigureOut">
               <a:rPr lang="en-US" smtClean="0"/>
-              <a:t>8/1/22</a:t>
+              <a:t>8/11/22</a:t>
             </a:fld>
             <a:endParaRPr lang="en-US"/>
           </a:p>
@@ -627,8 +627,8 @@
         </p:nvSpPr>
         <p:spPr/>
       </p:sp>
-      <mc:AlternateContent xmlns:mc="http://schemas.openxmlformats.org/markup-compatibility/2006">
-        <mc:Choice xmlns:a14="http://schemas.microsoft.com/office/drawing/2010/main" Requires="a14">
+      <mc:AlternateContent xmlns:mc="http://schemas.openxmlformats.org/markup-compatibility/2006" xmlns:a14="http://schemas.microsoft.com/office/drawing/2010/main">
+        <mc:Choice Requires="a14">
           <p:sp>
             <p:nvSpPr>
               <p:cNvPr id="3" name="Notes Placeholder 2"/>
@@ -752,7 +752,7 @@
             </p:txBody>
           </p:sp>
         </mc:Choice>
-        <mc:Fallback>
+        <mc:Fallback xmlns="">
           <p:sp>
             <p:nvSpPr>
               <p:cNvPr id="3" name="Notes Placeholder 2"/>
@@ -1482,7 +1482,7 @@
           <a:p>
             <a:fld id="{DBAB7D6F-FC53-384C-96BE-9F2C5FAC3370}" type="datetimeFigureOut">
               <a:rPr lang="en-US" smtClean="0"/>
-              <a:t>8/1/22</a:t>
+              <a:t>8/11/22</a:t>
             </a:fld>
             <a:endParaRPr lang="en-US"/>
           </a:p>
@@ -1680,7 +1680,7 @@
           <a:p>
             <a:fld id="{DBAB7D6F-FC53-384C-96BE-9F2C5FAC3370}" type="datetimeFigureOut">
               <a:rPr lang="en-US" smtClean="0"/>
-              <a:t>8/1/22</a:t>
+              <a:t>8/11/22</a:t>
             </a:fld>
             <a:endParaRPr lang="en-US"/>
           </a:p>
@@ -1888,7 +1888,7 @@
           <a:p>
             <a:fld id="{DBAB7D6F-FC53-384C-96BE-9F2C5FAC3370}" type="datetimeFigureOut">
               <a:rPr lang="en-US" smtClean="0"/>
-              <a:t>8/1/22</a:t>
+              <a:t>8/11/22</a:t>
             </a:fld>
             <a:endParaRPr lang="en-US"/>
           </a:p>
@@ -2086,7 +2086,7 @@
           <a:p>
             <a:fld id="{DBAB7D6F-FC53-384C-96BE-9F2C5FAC3370}" type="datetimeFigureOut">
               <a:rPr lang="en-US" smtClean="0"/>
-              <a:t>8/1/22</a:t>
+              <a:t>8/11/22</a:t>
             </a:fld>
             <a:endParaRPr lang="en-US"/>
           </a:p>
@@ -2361,7 +2361,7 @@
           <a:p>
             <a:fld id="{DBAB7D6F-FC53-384C-96BE-9F2C5FAC3370}" type="datetimeFigureOut">
               <a:rPr lang="en-US" smtClean="0"/>
-              <a:t>8/1/22</a:t>
+              <a:t>8/11/22</a:t>
             </a:fld>
             <a:endParaRPr lang="en-US"/>
           </a:p>
@@ -2626,7 +2626,7 @@
           <a:p>
             <a:fld id="{DBAB7D6F-FC53-384C-96BE-9F2C5FAC3370}" type="datetimeFigureOut">
               <a:rPr lang="en-US" smtClean="0"/>
-              <a:t>8/1/22</a:t>
+              <a:t>8/11/22</a:t>
             </a:fld>
             <a:endParaRPr lang="en-US"/>
           </a:p>
@@ -3038,7 +3038,7 @@
           <a:p>
             <a:fld id="{DBAB7D6F-FC53-384C-96BE-9F2C5FAC3370}" type="datetimeFigureOut">
               <a:rPr lang="en-US" smtClean="0"/>
-              <a:t>8/1/22</a:t>
+              <a:t>8/11/22</a:t>
             </a:fld>
             <a:endParaRPr lang="en-US"/>
           </a:p>
@@ -3179,7 +3179,7 @@
           <a:p>
             <a:fld id="{DBAB7D6F-FC53-384C-96BE-9F2C5FAC3370}" type="datetimeFigureOut">
               <a:rPr lang="en-US" smtClean="0"/>
-              <a:t>8/1/22</a:t>
+              <a:t>8/11/22</a:t>
             </a:fld>
             <a:endParaRPr lang="en-US"/>
           </a:p>
@@ -3292,7 +3292,7 @@
           <a:p>
             <a:fld id="{DBAB7D6F-FC53-384C-96BE-9F2C5FAC3370}" type="datetimeFigureOut">
               <a:rPr lang="en-US" smtClean="0"/>
-              <a:t>8/1/22</a:t>
+              <a:t>8/11/22</a:t>
             </a:fld>
             <a:endParaRPr lang="en-US"/>
           </a:p>
@@ -3603,7 +3603,7 @@
           <a:p>
             <a:fld id="{DBAB7D6F-FC53-384C-96BE-9F2C5FAC3370}" type="datetimeFigureOut">
               <a:rPr lang="en-US" smtClean="0"/>
-              <a:t>8/1/22</a:t>
+              <a:t>8/11/22</a:t>
             </a:fld>
             <a:endParaRPr lang="en-US"/>
           </a:p>
@@ -3891,7 +3891,7 @@
           <a:p>
             <a:fld id="{DBAB7D6F-FC53-384C-96BE-9F2C5FAC3370}" type="datetimeFigureOut">
               <a:rPr lang="en-US" smtClean="0"/>
-              <a:t>8/1/22</a:t>
+              <a:t>8/11/22</a:t>
             </a:fld>
             <a:endParaRPr lang="en-US"/>
           </a:p>
@@ -4132,7 +4132,7 @@
           <a:p>
             <a:fld id="{DBAB7D6F-FC53-384C-96BE-9F2C5FAC3370}" type="datetimeFigureOut">
               <a:rPr lang="en-US" smtClean="0"/>
-              <a:t>8/1/22</a:t>
+              <a:t>8/11/22</a:t>
             </a:fld>
             <a:endParaRPr lang="en-US"/>
           </a:p>
@@ -4644,8 +4644,8 @@
           <a:chExt cx="0" cy="0"/>
         </a:xfrm>
       </p:grpSpPr>
-      <mc:AlternateContent xmlns:mc="http://schemas.openxmlformats.org/markup-compatibility/2006">
-        <mc:Choice xmlns:a14="http://schemas.microsoft.com/office/drawing/2010/main" Requires="a14">
+      <mc:AlternateContent xmlns:mc="http://schemas.openxmlformats.org/markup-compatibility/2006" xmlns:a14="http://schemas.microsoft.com/office/drawing/2010/main">
+        <mc:Choice Requires="a14">
           <p:sp>
             <p:nvSpPr>
               <p:cNvPr id="4" name="Title 3">
@@ -4705,7 +4705,7 @@
             </p:txBody>
           </p:sp>
         </mc:Choice>
-        <mc:Fallback>
+        <mc:Fallback xmlns="">
           <p:sp>
             <p:nvSpPr>
               <p:cNvPr id="4" name="Title 3">
@@ -4745,8 +4745,8 @@
           </p:sp>
         </mc:Fallback>
       </mc:AlternateContent>
-      <mc:AlternateContent xmlns:mc="http://schemas.openxmlformats.org/markup-compatibility/2006">
-        <mc:Choice xmlns:a14="http://schemas.microsoft.com/office/drawing/2010/main" Requires="a14">
+      <mc:AlternateContent xmlns:mc="http://schemas.openxmlformats.org/markup-compatibility/2006" xmlns:a14="http://schemas.microsoft.com/office/drawing/2010/main">
+        <mc:Choice Requires="a14">
           <p:sp>
             <p:nvSpPr>
               <p:cNvPr id="5" name="Content Placeholder 4">
@@ -5094,7 +5094,7 @@
             </p:txBody>
           </p:sp>
         </mc:Choice>
-        <mc:Fallback>
+        <mc:Fallback xmlns="">
           <p:sp>
             <p:nvSpPr>
               <p:cNvPr id="5" name="Content Placeholder 4">
@@ -5533,8 +5533,8 @@
           </a:p>
         </p:txBody>
       </p:sp>
-      <mc:AlternateContent xmlns:mc="http://schemas.openxmlformats.org/markup-compatibility/2006">
-        <mc:Choice xmlns:a14="http://schemas.microsoft.com/office/drawing/2010/main" Requires="a14">
+      <mc:AlternateContent xmlns:mc="http://schemas.openxmlformats.org/markup-compatibility/2006" xmlns:a14="http://schemas.microsoft.com/office/drawing/2010/main">
+        <mc:Choice Requires="a14">
           <p:sp>
             <p:nvSpPr>
               <p:cNvPr id="3" name="Content Placeholder 2">
@@ -6222,7 +6222,7 @@
             </p:txBody>
           </p:sp>
         </mc:Choice>
-        <mc:Fallback>
+        <mc:Fallback xmlns="">
           <p:sp>
             <p:nvSpPr>
               <p:cNvPr id="3" name="Content Placeholder 2">
@@ -6744,8 +6744,8 @@
           </a:p>
         </p:txBody>
       </p:sp>
-      <mc:AlternateContent xmlns:mc="http://schemas.openxmlformats.org/markup-compatibility/2006">
-        <mc:Choice xmlns:a14="http://schemas.microsoft.com/office/drawing/2010/main" Requires="a14">
+      <mc:AlternateContent xmlns:mc="http://schemas.openxmlformats.org/markup-compatibility/2006" xmlns:a14="http://schemas.microsoft.com/office/drawing/2010/main">
+        <mc:Choice Requires="a14">
           <p:sp>
             <p:nvSpPr>
               <p:cNvPr id="3" name="Content Placeholder 2">
@@ -6871,7 +6871,7 @@
             </p:txBody>
           </p:sp>
         </mc:Choice>
-        <mc:Fallback>
+        <mc:Fallback xmlns="">
           <p:sp>
             <p:nvSpPr>
               <p:cNvPr id="3" name="Content Placeholder 2">
@@ -9018,8 +9018,8 @@
           </a:p>
         </p:txBody>
       </p:sp>
-      <mc:AlternateContent xmlns:mc="http://schemas.openxmlformats.org/markup-compatibility/2006" xmlns:a14="http://schemas.microsoft.com/office/drawing/2010/main">
-        <mc:Choice Requires="a14">
+      <mc:AlternateContent xmlns:mc="http://schemas.openxmlformats.org/markup-compatibility/2006">
+        <mc:Choice xmlns:a14="http://schemas.microsoft.com/office/drawing/2010/main" Requires="a14">
           <p:sp>
             <p:nvSpPr>
               <p:cNvPr id="3" name="Content Placeholder 2">
@@ -9043,8 +9043,13 @@
               <a:p>
                 <a:r>
                   <a:rPr lang="en-US" dirty="0"/>
-                  <a:t>Standard errors from applying multiple transformations</a:t>
-                </a:r>
+                  <a:t>Standard errors from applying multiple transformations </a:t>
+                </a:r>
+                <a:r>
+                  <a:rPr lang="en-US"/>
+                  <a:t>and combinations</a:t>
+                </a:r>
+                <a:endParaRPr lang="en-US" dirty="0"/>
               </a:p>
               <a:p>
                 <a:pPr lvl="1"/>
@@ -9053,6 +9058,16 @@
                     <a:hlinkClick r:id="rId2"/>
                   </a:rPr>
                   <a:t>https://www.stata.com/support/faqs/statistics/compute-standard-errors-with-margins/</a:t>
+                </a:r>
+                <a:endParaRPr lang="en-US" dirty="0"/>
+              </a:p>
+              <a:p>
+                <a:pPr lvl="1"/>
+                <a:r>
+                  <a:rPr lang="en-US" dirty="0">
+                    <a:hlinkClick r:id="rId3"/>
+                  </a:rPr>
+                  <a:t>https://www.stata.com/manuals13/rnlcom.pdf</a:t>
                 </a:r>
                 <a:endParaRPr lang="en-US" dirty="0"/>
               </a:p>
@@ -9225,7 +9240,7 @@
                 <a:pPr lvl="1"/>
                 <a:r>
                   <a:rPr lang="en-US" dirty="0">
-                    <a:hlinkClick r:id="rId3"/>
+                    <a:hlinkClick r:id="rId4"/>
                   </a:rPr>
                   <a:t>https://stats.idre.ucla.edu/r/faq/how-can-i-estimate-the-standard-error-of-transformed-regression-parameters-in-r-using-the-delta-method/</a:t>
                 </a:r>
@@ -9241,7 +9256,7 @@
             </p:txBody>
           </p:sp>
         </mc:Choice>
-        <mc:Fallback xmlns="">
+        <mc:Fallback>
           <p:sp>
             <p:nvSpPr>
               <p:cNvPr id="3" name="Content Placeholder 2">
@@ -9260,9 +9275,9 @@
             </p:nvSpPr>
             <p:spPr>
               <a:blipFill>
-                <a:blip r:embed="rId4"/>
+                <a:blip r:embed="rId5"/>
                 <a:stretch>
-                  <a:fillRect l="-1086" t="-2326" r="-1448"/>
+                  <a:fillRect l="-1086" t="-2326" r="-1448" b="-2907"/>
                 </a:stretch>
               </a:blipFill>
             </p:spPr>
@@ -9991,8 +10006,8 @@
           </a:p>
         </p:txBody>
       </p:sp>
-      <mc:AlternateContent xmlns:mc="http://schemas.openxmlformats.org/markup-compatibility/2006">
-        <mc:Choice xmlns:a14="http://schemas.microsoft.com/office/drawing/2010/main" Requires="a14">
+      <mc:AlternateContent xmlns:mc="http://schemas.openxmlformats.org/markup-compatibility/2006" xmlns:a14="http://schemas.microsoft.com/office/drawing/2010/main">
+        <mc:Choice Requires="a14">
           <p:sp>
             <p:nvSpPr>
               <p:cNvPr id="3" name="Content Placeholder 2">
@@ -10273,7 +10288,7 @@
             </p:txBody>
           </p:sp>
         </mc:Choice>
-        <mc:Fallback>
+        <mc:Fallback xmlns="">
           <p:sp>
             <p:nvSpPr>
               <p:cNvPr id="3" name="Content Placeholder 2">
@@ -10907,8 +10922,8 @@
           </a:p>
         </p:txBody>
       </p:sp>
-      <mc:AlternateContent xmlns:mc="http://schemas.openxmlformats.org/markup-compatibility/2006">
-        <mc:Choice xmlns:a14="http://schemas.microsoft.com/office/drawing/2010/main" Requires="a14">
+      <mc:AlternateContent xmlns:mc="http://schemas.openxmlformats.org/markup-compatibility/2006" xmlns:a14="http://schemas.microsoft.com/office/drawing/2010/main">
+        <mc:Choice Requires="a14">
           <p:sp>
             <p:nvSpPr>
               <p:cNvPr id="3" name="Content Placeholder 2">
@@ -10976,7 +10991,7 @@
             </p:txBody>
           </p:sp>
         </mc:Choice>
-        <mc:Fallback>
+        <mc:Fallback xmlns="">
           <p:sp>
             <p:nvSpPr>
               <p:cNvPr id="3" name="Content Placeholder 2">
@@ -14168,8 +14183,8 @@
           </a:p>
         </p:txBody>
       </p:sp>
-      <mc:AlternateContent xmlns:mc="http://schemas.openxmlformats.org/markup-compatibility/2006">
-        <mc:Choice xmlns:a14="http://schemas.microsoft.com/office/drawing/2010/main" Requires="a14">
+      <mc:AlternateContent xmlns:mc="http://schemas.openxmlformats.org/markup-compatibility/2006" xmlns:a14="http://schemas.microsoft.com/office/drawing/2010/main">
+        <mc:Choice Requires="a14">
           <p:sp>
             <p:nvSpPr>
               <p:cNvPr id="3" name="Content Placeholder 2">
@@ -14463,7 +14478,7 @@
             </p:txBody>
           </p:sp>
         </mc:Choice>
-        <mc:Fallback>
+        <mc:Fallback xmlns="">
           <p:sp>
             <p:nvSpPr>
               <p:cNvPr id="3" name="Content Placeholder 2">
@@ -14565,8 +14580,8 @@
           </a:p>
         </p:txBody>
       </p:sp>
-      <mc:AlternateContent xmlns:mc="http://schemas.openxmlformats.org/markup-compatibility/2006">
-        <mc:Choice xmlns:a14="http://schemas.microsoft.com/office/drawing/2010/main" Requires="a14">
+      <mc:AlternateContent xmlns:mc="http://schemas.openxmlformats.org/markup-compatibility/2006" xmlns:a14="http://schemas.microsoft.com/office/drawing/2010/main">
+        <mc:Choice Requires="a14">
           <p:sp>
             <p:nvSpPr>
               <p:cNvPr id="3" name="Content Placeholder 2">
@@ -14933,7 +14948,7 @@
             </p:txBody>
           </p:sp>
         </mc:Choice>
-        <mc:Fallback>
+        <mc:Fallback xmlns="">
           <p:sp>
             <p:nvSpPr>
               <p:cNvPr id="3" name="Content Placeholder 2">
@@ -15035,8 +15050,8 @@
           </a:p>
         </p:txBody>
       </p:sp>
-      <mc:AlternateContent xmlns:mc="http://schemas.openxmlformats.org/markup-compatibility/2006">
-        <mc:Choice xmlns:a14="http://schemas.microsoft.com/office/drawing/2010/main" Requires="a14">
+      <mc:AlternateContent xmlns:mc="http://schemas.openxmlformats.org/markup-compatibility/2006" xmlns:a14="http://schemas.microsoft.com/office/drawing/2010/main">
+        <mc:Choice Requires="a14">
           <p:sp>
             <p:nvSpPr>
               <p:cNvPr id="3" name="Content Placeholder 2">
@@ -15296,7 +15311,7 @@
             </p:txBody>
           </p:sp>
         </mc:Choice>
-        <mc:Fallback>
+        <mc:Fallback xmlns="">
           <p:sp>
             <p:nvSpPr>
               <p:cNvPr id="3" name="Content Placeholder 2">
@@ -15394,8 +15409,8 @@
           </a:p>
         </p:txBody>
       </p:sp>
-      <mc:AlternateContent xmlns:mc="http://schemas.openxmlformats.org/markup-compatibility/2006">
-        <mc:Choice xmlns:a14="http://schemas.microsoft.com/office/drawing/2010/main" Requires="a14">
+      <mc:AlternateContent xmlns:mc="http://schemas.openxmlformats.org/markup-compatibility/2006" xmlns:a14="http://schemas.microsoft.com/office/drawing/2010/main">
+        <mc:Choice Requires="a14">
           <p:sp>
             <p:nvSpPr>
               <p:cNvPr id="3" name="Content Placeholder 2">
@@ -16710,7 +16725,7 @@
             </p:txBody>
           </p:sp>
         </mc:Choice>
-        <mc:Fallback>
+        <mc:Fallback xmlns="">
           <p:sp>
             <p:nvSpPr>
               <p:cNvPr id="3" name="Content Placeholder 2">

--- a/Powerpoints/3 Inference.pptx
+++ b/Powerpoints/3 Inference.pptx
@@ -5,7 +5,7 @@
     <p:sldMasterId id="2147483648" r:id="rId1"/>
   </p:sldMasterIdLst>
   <p:notesMasterIdLst>
-    <p:notesMasterId r:id="rId38"/>
+    <p:notesMasterId r:id="rId40"/>
   </p:notesMasterIdLst>
   <p:sldIdLst>
     <p:sldId id="257" r:id="rId2"/>
@@ -16,34 +16,36 @@
     <p:sldId id="312" r:id="rId7"/>
     <p:sldId id="302" r:id="rId8"/>
     <p:sldId id="313" r:id="rId9"/>
-    <p:sldId id="344" r:id="rId10"/>
-    <p:sldId id="345" r:id="rId11"/>
-    <p:sldId id="346" r:id="rId12"/>
-    <p:sldId id="341" r:id="rId13"/>
-    <p:sldId id="308" r:id="rId14"/>
-    <p:sldId id="323" r:id="rId15"/>
-    <p:sldId id="324" r:id="rId16"/>
-    <p:sldId id="342" r:id="rId17"/>
-    <p:sldId id="326" r:id="rId18"/>
-    <p:sldId id="310" r:id="rId19"/>
-    <p:sldId id="329" r:id="rId20"/>
-    <p:sldId id="334" r:id="rId21"/>
-    <p:sldId id="332" r:id="rId22"/>
-    <p:sldId id="333" r:id="rId23"/>
-    <p:sldId id="338" r:id="rId24"/>
-    <p:sldId id="325" r:id="rId25"/>
-    <p:sldId id="339" r:id="rId26"/>
-    <p:sldId id="314" r:id="rId27"/>
-    <p:sldId id="315" r:id="rId28"/>
-    <p:sldId id="322" r:id="rId29"/>
-    <p:sldId id="316" r:id="rId30"/>
-    <p:sldId id="318" r:id="rId31"/>
-    <p:sldId id="304" r:id="rId32"/>
-    <p:sldId id="306" r:id="rId33"/>
-    <p:sldId id="267" r:id="rId34"/>
-    <p:sldId id="272" r:id="rId35"/>
-    <p:sldId id="328" r:id="rId36"/>
-    <p:sldId id="320" r:id="rId37"/>
+    <p:sldId id="341" r:id="rId10"/>
+    <p:sldId id="308" r:id="rId11"/>
+    <p:sldId id="323" r:id="rId12"/>
+    <p:sldId id="324" r:id="rId13"/>
+    <p:sldId id="342" r:id="rId14"/>
+    <p:sldId id="347" r:id="rId15"/>
+    <p:sldId id="326" r:id="rId16"/>
+    <p:sldId id="310" r:id="rId17"/>
+    <p:sldId id="329" r:id="rId18"/>
+    <p:sldId id="334" r:id="rId19"/>
+    <p:sldId id="332" r:id="rId20"/>
+    <p:sldId id="333" r:id="rId21"/>
+    <p:sldId id="338" r:id="rId22"/>
+    <p:sldId id="325" r:id="rId23"/>
+    <p:sldId id="339" r:id="rId24"/>
+    <p:sldId id="314" r:id="rId25"/>
+    <p:sldId id="315" r:id="rId26"/>
+    <p:sldId id="322" r:id="rId27"/>
+    <p:sldId id="316" r:id="rId28"/>
+    <p:sldId id="318" r:id="rId29"/>
+    <p:sldId id="344" r:id="rId30"/>
+    <p:sldId id="345" r:id="rId31"/>
+    <p:sldId id="346" r:id="rId32"/>
+    <p:sldId id="349" r:id="rId33"/>
+    <p:sldId id="304" r:id="rId34"/>
+    <p:sldId id="306" r:id="rId35"/>
+    <p:sldId id="267" r:id="rId36"/>
+    <p:sldId id="272" r:id="rId37"/>
+    <p:sldId id="328" r:id="rId38"/>
+    <p:sldId id="320" r:id="rId39"/>
   </p:sldIdLst>
   <p:sldSz cx="12192000" cy="6858000"/>
   <p:notesSz cx="6858000" cy="9144000"/>
@@ -232,7 +234,7 @@
           <a:p>
             <a:fld id="{E723D93F-DE43-BC4C-A115-7456D7C9E421}" type="datetimeFigureOut">
               <a:rPr lang="en-US" smtClean="0"/>
-              <a:t>8/11/22</a:t>
+              <a:t>10/12/22</a:t>
             </a:fld>
             <a:endParaRPr lang="en-US"/>
           </a:p>
@@ -946,7 +948,7 @@
           <a:p>
             <a:fld id="{5E430008-97A9-1B47-8101-ED2EAE72FABC}" type="slidenum">
               <a:rPr lang="en-US" smtClean="0"/>
-              <a:t>13</a:t>
+              <a:t>10</a:t>
             </a:fld>
             <a:endParaRPr lang="en-US"/>
           </a:p>
@@ -1030,7 +1032,7 @@
           <a:p>
             <a:fld id="{5E430008-97A9-1B47-8101-ED2EAE72FABC}" type="slidenum">
               <a:rPr lang="en-US" smtClean="0"/>
-              <a:t>21</a:t>
+              <a:t>19</a:t>
             </a:fld>
             <a:endParaRPr lang="en-US"/>
           </a:p>
@@ -1114,7 +1116,7 @@
           <a:p>
             <a:fld id="{5E430008-97A9-1B47-8101-ED2EAE72FABC}" type="slidenum">
               <a:rPr lang="en-US" smtClean="0"/>
-              <a:t>26</a:t>
+              <a:t>24</a:t>
             </a:fld>
             <a:endParaRPr lang="en-US"/>
           </a:p>
@@ -1221,7 +1223,7 @@
           <a:p>
             <a:fld id="{5E430008-97A9-1B47-8101-ED2EAE72FABC}" type="slidenum">
               <a:rPr lang="en-US" smtClean="0"/>
-              <a:t>27</a:t>
+              <a:t>25</a:t>
             </a:fld>
             <a:endParaRPr lang="en-US"/>
           </a:p>
@@ -1316,7 +1318,7 @@
           <a:p>
             <a:fld id="{5E430008-97A9-1B47-8101-ED2EAE72FABC}" type="slidenum">
               <a:rPr lang="en-US" smtClean="0"/>
-              <a:t>36</a:t>
+              <a:t>38</a:t>
             </a:fld>
             <a:endParaRPr lang="en-US"/>
           </a:p>
@@ -1482,7 +1484,7 @@
           <a:p>
             <a:fld id="{DBAB7D6F-FC53-384C-96BE-9F2C5FAC3370}" type="datetimeFigureOut">
               <a:rPr lang="en-US" smtClean="0"/>
-              <a:t>8/11/22</a:t>
+              <a:t>10/12/22</a:t>
             </a:fld>
             <a:endParaRPr lang="en-US"/>
           </a:p>
@@ -1680,7 +1682,7 @@
           <a:p>
             <a:fld id="{DBAB7D6F-FC53-384C-96BE-9F2C5FAC3370}" type="datetimeFigureOut">
               <a:rPr lang="en-US" smtClean="0"/>
-              <a:t>8/11/22</a:t>
+              <a:t>10/12/22</a:t>
             </a:fld>
             <a:endParaRPr lang="en-US"/>
           </a:p>
@@ -1888,7 +1890,7 @@
           <a:p>
             <a:fld id="{DBAB7D6F-FC53-384C-96BE-9F2C5FAC3370}" type="datetimeFigureOut">
               <a:rPr lang="en-US" smtClean="0"/>
-              <a:t>8/11/22</a:t>
+              <a:t>10/12/22</a:t>
             </a:fld>
             <a:endParaRPr lang="en-US"/>
           </a:p>
@@ -2086,7 +2088,7 @@
           <a:p>
             <a:fld id="{DBAB7D6F-FC53-384C-96BE-9F2C5FAC3370}" type="datetimeFigureOut">
               <a:rPr lang="en-US" smtClean="0"/>
-              <a:t>8/11/22</a:t>
+              <a:t>10/12/22</a:t>
             </a:fld>
             <a:endParaRPr lang="en-US"/>
           </a:p>
@@ -2361,7 +2363,7 @@
           <a:p>
             <a:fld id="{DBAB7D6F-FC53-384C-96BE-9F2C5FAC3370}" type="datetimeFigureOut">
               <a:rPr lang="en-US" smtClean="0"/>
-              <a:t>8/11/22</a:t>
+              <a:t>10/12/22</a:t>
             </a:fld>
             <a:endParaRPr lang="en-US"/>
           </a:p>
@@ -2626,7 +2628,7 @@
           <a:p>
             <a:fld id="{DBAB7D6F-FC53-384C-96BE-9F2C5FAC3370}" type="datetimeFigureOut">
               <a:rPr lang="en-US" smtClean="0"/>
-              <a:t>8/11/22</a:t>
+              <a:t>10/12/22</a:t>
             </a:fld>
             <a:endParaRPr lang="en-US"/>
           </a:p>
@@ -3038,7 +3040,7 @@
           <a:p>
             <a:fld id="{DBAB7D6F-FC53-384C-96BE-9F2C5FAC3370}" type="datetimeFigureOut">
               <a:rPr lang="en-US" smtClean="0"/>
-              <a:t>8/11/22</a:t>
+              <a:t>10/12/22</a:t>
             </a:fld>
             <a:endParaRPr lang="en-US"/>
           </a:p>
@@ -3179,7 +3181,7 @@
           <a:p>
             <a:fld id="{DBAB7D6F-FC53-384C-96BE-9F2C5FAC3370}" type="datetimeFigureOut">
               <a:rPr lang="en-US" smtClean="0"/>
-              <a:t>8/11/22</a:t>
+              <a:t>10/12/22</a:t>
             </a:fld>
             <a:endParaRPr lang="en-US"/>
           </a:p>
@@ -3292,7 +3294,7 @@
           <a:p>
             <a:fld id="{DBAB7D6F-FC53-384C-96BE-9F2C5FAC3370}" type="datetimeFigureOut">
               <a:rPr lang="en-US" smtClean="0"/>
-              <a:t>8/11/22</a:t>
+              <a:t>10/12/22</a:t>
             </a:fld>
             <a:endParaRPr lang="en-US"/>
           </a:p>
@@ -3603,7 +3605,7 @@
           <a:p>
             <a:fld id="{DBAB7D6F-FC53-384C-96BE-9F2C5FAC3370}" type="datetimeFigureOut">
               <a:rPr lang="en-US" smtClean="0"/>
-              <a:t>8/11/22</a:t>
+              <a:t>10/12/22</a:t>
             </a:fld>
             <a:endParaRPr lang="en-US"/>
           </a:p>
@@ -3891,7 +3893,7 @@
           <a:p>
             <a:fld id="{DBAB7D6F-FC53-384C-96BE-9F2C5FAC3370}" type="datetimeFigureOut">
               <a:rPr lang="en-US" smtClean="0"/>
-              <a:t>8/11/22</a:t>
+              <a:t>10/12/22</a:t>
             </a:fld>
             <a:endParaRPr lang="en-US"/>
           </a:p>
@@ -4132,7 +4134,7 @@
           <a:p>
             <a:fld id="{DBAB7D6F-FC53-384C-96BE-9F2C5FAC3370}" type="datetimeFigureOut">
               <a:rPr lang="en-US" smtClean="0"/>
-              <a:t>8/11/22</a:t>
+              <a:t>10/12/22</a:t>
             </a:fld>
             <a:endParaRPr lang="en-US"/>
           </a:p>
@@ -4644,692 +4646,6 @@
           <a:chExt cx="0" cy="0"/>
         </a:xfrm>
       </p:grpSpPr>
-      <mc:AlternateContent xmlns:mc="http://schemas.openxmlformats.org/markup-compatibility/2006" xmlns:a14="http://schemas.microsoft.com/office/drawing/2010/main">
-        <mc:Choice Requires="a14">
-          <p:sp>
-            <p:nvSpPr>
-              <p:cNvPr id="4" name="Title 3">
-                <a:extLst>
-                  <a:ext uri="{FF2B5EF4-FFF2-40B4-BE49-F238E27FC236}">
-                    <a16:creationId xmlns:a16="http://schemas.microsoft.com/office/drawing/2014/main" id="{E8064975-7A74-0E77-682C-A1CAB0EEFC63}"/>
-                  </a:ext>
-                </a:extLst>
-              </p:cNvPr>
-              <p:cNvSpPr>
-                <a:spLocks noGrp="1"/>
-              </p:cNvSpPr>
-              <p:nvPr>
-                <p:ph type="title"/>
-              </p:nvPr>
-            </p:nvSpPr>
-            <p:spPr/>
-            <p:txBody>
-              <a:bodyPr/>
-              <a:lstStyle/>
-              <a:p>
-                <a:r>
-                  <a:rPr lang="en-US" dirty="0"/>
-                  <a:t>Assumptions in the distribution of </a:t>
-                </a:r>
-                <a14:m>
-                  <m:oMath xmlns:m="http://schemas.openxmlformats.org/officeDocument/2006/math">
-                    <m:sSub>
-                      <m:sSubPr>
-                        <m:ctrlPr>
-                          <a:rPr lang="en-US" i="1">
-                            <a:latin typeface="Cambria Math" panose="02040503050406030204" pitchFamily="18" charset="0"/>
-                          </a:rPr>
-                        </m:ctrlPr>
-                      </m:sSubPr>
-                      <m:e>
-                        <m:r>
-                          <a:rPr lang="en-US" i="1">
-                            <a:latin typeface="Cambria Math" panose="02040503050406030204" pitchFamily="18" charset="0"/>
-                          </a:rPr>
-                          <m:t>𝜖</m:t>
-                        </m:r>
-                      </m:e>
-                      <m:sub>
-                        <m:r>
-                          <a:rPr lang="en-US" i="1">
-                            <a:latin typeface="Cambria Math" panose="02040503050406030204" pitchFamily="18" charset="0"/>
-                          </a:rPr>
-                          <m:t>𝑖</m:t>
-                        </m:r>
-                      </m:sub>
-                    </m:sSub>
-                  </m:oMath>
-                </a14:m>
-                <a:endParaRPr lang="en-US" dirty="0"/>
-              </a:p>
-            </p:txBody>
-          </p:sp>
-        </mc:Choice>
-        <mc:Fallback xmlns="">
-          <p:sp>
-            <p:nvSpPr>
-              <p:cNvPr id="4" name="Title 3">
-                <a:extLst>
-                  <a:ext uri="{FF2B5EF4-FFF2-40B4-BE49-F238E27FC236}">
-                    <a16:creationId xmlns:a16="http://schemas.microsoft.com/office/drawing/2014/main" id="{E8064975-7A74-0E77-682C-A1CAB0EEFC63}"/>
-                  </a:ext>
-                </a:extLst>
-              </p:cNvPr>
-              <p:cNvSpPr>
-                <a:spLocks noGrp="1" noRot="1" noChangeAspect="1" noMove="1" noResize="1" noEditPoints="1" noAdjustHandles="1" noChangeArrowheads="1" noChangeShapeType="1" noTextEdit="1"/>
-              </p:cNvSpPr>
-              <p:nvPr>
-                <p:ph type="title"/>
-              </p:nvPr>
-            </p:nvSpPr>
-            <p:spPr>
-              <a:blipFill>
-                <a:blip r:embed="rId2"/>
-                <a:stretch>
-                  <a:fillRect l="-2413"/>
-                </a:stretch>
-              </a:blipFill>
-            </p:spPr>
-            <p:txBody>
-              <a:bodyPr/>
-              <a:lstStyle/>
-              <a:p>
-                <a:r>
-                  <a:rPr lang="en-US">
-                    <a:noFill/>
-                  </a:rPr>
-                  <a:t> </a:t>
-                </a:r>
-              </a:p>
-            </p:txBody>
-          </p:sp>
-        </mc:Fallback>
-      </mc:AlternateContent>
-      <mc:AlternateContent xmlns:mc="http://schemas.openxmlformats.org/markup-compatibility/2006" xmlns:a14="http://schemas.microsoft.com/office/drawing/2010/main">
-        <mc:Choice Requires="a14">
-          <p:sp>
-            <p:nvSpPr>
-              <p:cNvPr id="5" name="Content Placeholder 4">
-                <a:extLst>
-                  <a:ext uri="{FF2B5EF4-FFF2-40B4-BE49-F238E27FC236}">
-                    <a16:creationId xmlns:a16="http://schemas.microsoft.com/office/drawing/2014/main" id="{76C6CB2F-5241-4CD7-62A1-E68B5DA30772}"/>
-                  </a:ext>
-                </a:extLst>
-              </p:cNvPr>
-              <p:cNvSpPr>
-                <a:spLocks noGrp="1"/>
-              </p:cNvSpPr>
-              <p:nvPr>
-                <p:ph idx="1"/>
-              </p:nvPr>
-            </p:nvSpPr>
-            <p:spPr/>
-            <p:txBody>
-              <a:bodyPr>
-                <a:normAutofit/>
-              </a:bodyPr>
-              <a:lstStyle/>
-              <a:p>
-                <a:pPr marL="0" indent="0">
-                  <a:buNone/>
-                </a:pPr>
-                <a14:m>
-                  <m:oMathPara xmlns:m="http://schemas.openxmlformats.org/officeDocument/2006/math">
-                    <m:oMathParaPr>
-                      <m:jc m:val="centerGroup"/>
-                    </m:oMathParaPr>
-                    <m:oMath xmlns:m="http://schemas.openxmlformats.org/officeDocument/2006/math">
-                      <m:sSub>
-                        <m:sSubPr>
-                          <m:ctrlPr>
-                            <a:rPr lang="en-US" i="1" smtClean="0">
-                              <a:latin typeface="Cambria Math" panose="02040503050406030204" pitchFamily="18" charset="0"/>
-                            </a:rPr>
-                          </m:ctrlPr>
-                        </m:sSubPr>
-                        <m:e>
-                          <m:r>
-                            <a:rPr lang="en-US" i="1">
-                              <a:latin typeface="Cambria Math" panose="02040503050406030204" pitchFamily="18" charset="0"/>
-                            </a:rPr>
-                            <m:t>𝑌</m:t>
-                          </m:r>
-                        </m:e>
-                        <m:sub>
-                          <m:r>
-                            <a:rPr lang="en-US" i="1">
-                              <a:latin typeface="Cambria Math" panose="02040503050406030204" pitchFamily="18" charset="0"/>
-                            </a:rPr>
-                            <m:t>𝑖</m:t>
-                          </m:r>
-                        </m:sub>
-                      </m:sSub>
-                      <m:r>
-                        <a:rPr lang="en-US" i="1">
-                          <a:latin typeface="Cambria Math" panose="02040503050406030204" pitchFamily="18" charset="0"/>
-                        </a:rPr>
-                        <m:t>=</m:t>
-                      </m:r>
-                      <m:acc>
-                        <m:accPr>
-                          <m:chr m:val="̂"/>
-                          <m:ctrlPr>
-                            <a:rPr lang="en-US" i="1">
-                              <a:latin typeface="Cambria Math" panose="02040503050406030204" pitchFamily="18" charset="0"/>
-                            </a:rPr>
-                          </m:ctrlPr>
-                        </m:accPr>
-                        <m:e>
-                          <m:r>
-                            <a:rPr lang="en-US" i="1">
-                              <a:latin typeface="Cambria Math" panose="02040503050406030204" pitchFamily="18" charset="0"/>
-                            </a:rPr>
-                            <m:t>𝛽</m:t>
-                          </m:r>
-                        </m:e>
-                      </m:acc>
-                      <m:sSub>
-                        <m:sSubPr>
-                          <m:ctrlPr>
-                            <a:rPr lang="en-US" i="1">
-                              <a:latin typeface="Cambria Math" panose="02040503050406030204" pitchFamily="18" charset="0"/>
-                            </a:rPr>
-                          </m:ctrlPr>
-                        </m:sSubPr>
-                        <m:e>
-                          <m:r>
-                            <a:rPr lang="en-US" i="1">
-                              <a:latin typeface="Cambria Math" panose="02040503050406030204" pitchFamily="18" charset="0"/>
-                            </a:rPr>
-                            <m:t>𝑋</m:t>
-                          </m:r>
-                        </m:e>
-                        <m:sub>
-                          <m:r>
-                            <a:rPr lang="en-US" i="1">
-                              <a:latin typeface="Cambria Math" panose="02040503050406030204" pitchFamily="18" charset="0"/>
-                            </a:rPr>
-                            <m:t>𝑖</m:t>
-                          </m:r>
-                        </m:sub>
-                      </m:sSub>
-                      <m:r>
-                        <a:rPr lang="en-US" i="1">
-                          <a:latin typeface="Cambria Math" panose="02040503050406030204" pitchFamily="18" charset="0"/>
-                        </a:rPr>
-                        <m:t>+</m:t>
-                      </m:r>
-                      <m:sSub>
-                        <m:sSubPr>
-                          <m:ctrlPr>
-                            <a:rPr lang="en-US" i="1">
-                              <a:latin typeface="Cambria Math" panose="02040503050406030204" pitchFamily="18" charset="0"/>
-                            </a:rPr>
-                          </m:ctrlPr>
-                        </m:sSubPr>
-                        <m:e>
-                          <m:r>
-                            <a:rPr lang="en-US" i="1">
-                              <a:latin typeface="Cambria Math" panose="02040503050406030204" pitchFamily="18" charset="0"/>
-                            </a:rPr>
-                            <m:t>𝜖</m:t>
-                          </m:r>
-                        </m:e>
-                        <m:sub>
-                          <m:r>
-                            <a:rPr lang="en-US" i="1">
-                              <a:latin typeface="Cambria Math" panose="02040503050406030204" pitchFamily="18" charset="0"/>
-                            </a:rPr>
-                            <m:t>𝑖</m:t>
-                          </m:r>
-                        </m:sub>
-                      </m:sSub>
-                    </m:oMath>
-                  </m:oMathPara>
-                </a14:m>
-                <a:endParaRPr lang="en-US" dirty="0"/>
-              </a:p>
-              <a:p>
-                <a:r>
-                  <a:rPr lang="en-US" dirty="0"/>
-                  <a:t>To know how </a:t>
-                </a:r>
-                <a14:m>
-                  <m:oMath xmlns:m="http://schemas.openxmlformats.org/officeDocument/2006/math">
-                    <m:acc>
-                      <m:accPr>
-                        <m:chr m:val="̂"/>
-                        <m:ctrlPr>
-                          <a:rPr lang="en-US" i="1">
-                            <a:latin typeface="Cambria Math" panose="02040503050406030204" pitchFamily="18" charset="0"/>
-                          </a:rPr>
-                        </m:ctrlPr>
-                      </m:accPr>
-                      <m:e>
-                        <m:r>
-                          <a:rPr lang="en-US" i="1">
-                            <a:latin typeface="Cambria Math" panose="02040503050406030204" pitchFamily="18" charset="0"/>
-                          </a:rPr>
-                          <m:t>𝛽</m:t>
-                        </m:r>
-                      </m:e>
-                    </m:acc>
-                    <m:r>
-                      <a:rPr lang="en-US" i="1">
-                        <a:latin typeface="Cambria Math" panose="02040503050406030204" pitchFamily="18" charset="0"/>
-                      </a:rPr>
-                      <m:t> </m:t>
-                    </m:r>
-                  </m:oMath>
-                </a14:m>
-                <a:r>
-                  <a:rPr lang="en-US" dirty="0"/>
-                  <a:t> is distributed, we assumed that 1. </a:t>
-                </a:r>
-                <a14:m>
-                  <m:oMath xmlns:m="http://schemas.openxmlformats.org/officeDocument/2006/math">
-                    <m:sSub>
-                      <m:sSubPr>
-                        <m:ctrlPr>
-                          <a:rPr lang="en-US" i="1">
-                            <a:latin typeface="Cambria Math" panose="02040503050406030204" pitchFamily="18" charset="0"/>
-                          </a:rPr>
-                        </m:ctrlPr>
-                      </m:sSubPr>
-                      <m:e>
-                        <m:r>
-                          <a:rPr lang="en-US" i="1">
-                            <a:latin typeface="Cambria Math" panose="02040503050406030204" pitchFamily="18" charset="0"/>
-                          </a:rPr>
-                          <m:t>𝜖</m:t>
-                        </m:r>
-                      </m:e>
-                      <m:sub>
-                        <m:r>
-                          <a:rPr lang="en-US" i="1">
-                            <a:latin typeface="Cambria Math" panose="02040503050406030204" pitchFamily="18" charset="0"/>
-                          </a:rPr>
-                          <m:t>𝑖</m:t>
-                        </m:r>
-                      </m:sub>
-                    </m:sSub>
-                  </m:oMath>
-                </a14:m>
-                <a:r>
-                  <a:rPr lang="en-US" dirty="0"/>
-                  <a:t> does not vary over </a:t>
-                </a:r>
-                <a14:m>
-                  <m:oMath xmlns:m="http://schemas.openxmlformats.org/officeDocument/2006/math">
-                    <m:sSub>
-                      <m:sSubPr>
-                        <m:ctrlPr>
-                          <a:rPr lang="en-US" i="1">
-                            <a:latin typeface="Cambria Math" panose="02040503050406030204" pitchFamily="18" charset="0"/>
-                          </a:rPr>
-                        </m:ctrlPr>
-                      </m:sSubPr>
-                      <m:e>
-                        <m:r>
-                          <a:rPr lang="en-US" i="1">
-                            <a:latin typeface="Cambria Math" panose="02040503050406030204" pitchFamily="18" charset="0"/>
-                          </a:rPr>
-                          <m:t>𝑋</m:t>
-                        </m:r>
-                      </m:e>
-                      <m:sub>
-                        <m:r>
-                          <a:rPr lang="en-US" i="1">
-                            <a:latin typeface="Cambria Math" panose="02040503050406030204" pitchFamily="18" charset="0"/>
-                          </a:rPr>
-                          <m:t>𝑖</m:t>
-                        </m:r>
-                      </m:sub>
-                    </m:sSub>
-                  </m:oMath>
-                </a14:m>
-                <a:r>
-                  <a:rPr lang="en-US" dirty="0"/>
-                  <a:t>, and 2. that the variance of </a:t>
-                </a:r>
-                <a14:m>
-                  <m:oMath xmlns:m="http://schemas.openxmlformats.org/officeDocument/2006/math">
-                    <m:sSub>
-                      <m:sSubPr>
-                        <m:ctrlPr>
-                          <a:rPr lang="en-US" i="1">
-                            <a:latin typeface="Cambria Math" panose="02040503050406030204" pitchFamily="18" charset="0"/>
-                          </a:rPr>
-                        </m:ctrlPr>
-                      </m:sSubPr>
-                      <m:e>
-                        <m:r>
-                          <a:rPr lang="en-US" i="1">
-                            <a:latin typeface="Cambria Math" panose="02040503050406030204" pitchFamily="18" charset="0"/>
-                          </a:rPr>
-                          <m:t>𝜖</m:t>
-                        </m:r>
-                      </m:e>
-                      <m:sub>
-                        <m:r>
-                          <a:rPr lang="en-US" i="1">
-                            <a:latin typeface="Cambria Math" panose="02040503050406030204" pitchFamily="18" charset="0"/>
-                          </a:rPr>
-                          <m:t>𝑖</m:t>
-                        </m:r>
-                      </m:sub>
-                    </m:sSub>
-                  </m:oMath>
-                </a14:m>
-                <a:r>
-                  <a:rPr lang="en-US" dirty="0"/>
-                  <a:t> is the same over </a:t>
-                </a:r>
-                <a14:m>
-                  <m:oMath xmlns:m="http://schemas.openxmlformats.org/officeDocument/2006/math">
-                    <m:sSub>
-                      <m:sSubPr>
-                        <m:ctrlPr>
-                          <a:rPr lang="en-US" i="1">
-                            <a:latin typeface="Cambria Math" panose="02040503050406030204" pitchFamily="18" charset="0"/>
-                          </a:rPr>
-                        </m:ctrlPr>
-                      </m:sSubPr>
-                      <m:e>
-                        <m:r>
-                          <a:rPr lang="en-US" i="1">
-                            <a:latin typeface="Cambria Math" panose="02040503050406030204" pitchFamily="18" charset="0"/>
-                          </a:rPr>
-                          <m:t>𝑋</m:t>
-                        </m:r>
-                      </m:e>
-                      <m:sub>
-                        <m:r>
-                          <a:rPr lang="en-US" i="1">
-                            <a:latin typeface="Cambria Math" panose="02040503050406030204" pitchFamily="18" charset="0"/>
-                          </a:rPr>
-                          <m:t>𝑖</m:t>
-                        </m:r>
-                      </m:sub>
-                    </m:sSub>
-                  </m:oMath>
-                </a14:m>
-                <a:r>
-                  <a:rPr lang="en-US" dirty="0"/>
-                  <a:t>.</a:t>
-                </a:r>
-              </a:p>
-              <a:p>
-                <a:r>
-                  <a:rPr lang="en-US" dirty="0"/>
-                  <a:t>When 1. or 2. are not true, we are likely under estimating the variance. This means we be incorrectly concluding something is statistically insignificant. </a:t>
-                </a:r>
-              </a:p>
-              <a:p>
-                <a:r>
-                  <a:rPr lang="en-US" dirty="0"/>
-                  <a:t>Two common types of correlation:</a:t>
-                </a:r>
-              </a:p>
-              <a:p>
-                <a:pPr marL="914400" lvl="1" indent="-457200">
-                  <a:buFont typeface="+mj-lt"/>
-                  <a:buAutoNum type="arabicPeriod"/>
-                </a:pPr>
-                <a:r>
-                  <a:rPr lang="en-US" dirty="0"/>
-                  <a:t>Grouped or Clustered Errors</a:t>
-                </a:r>
-              </a:p>
-              <a:p>
-                <a:pPr marL="914400" lvl="1" indent="-457200">
-                  <a:buFont typeface="+mj-lt"/>
-                  <a:buAutoNum type="arabicPeriod"/>
-                </a:pPr>
-                <a:r>
-                  <a:rPr lang="en-US" dirty="0"/>
-                  <a:t>Heteroskedastic Errors</a:t>
-                </a:r>
-              </a:p>
-            </p:txBody>
-          </p:sp>
-        </mc:Choice>
-        <mc:Fallback xmlns="">
-          <p:sp>
-            <p:nvSpPr>
-              <p:cNvPr id="5" name="Content Placeholder 4">
-                <a:extLst>
-                  <a:ext uri="{FF2B5EF4-FFF2-40B4-BE49-F238E27FC236}">
-                    <a16:creationId xmlns:a16="http://schemas.microsoft.com/office/drawing/2014/main" id="{76C6CB2F-5241-4CD7-62A1-E68B5DA30772}"/>
-                  </a:ext>
-                </a:extLst>
-              </p:cNvPr>
-              <p:cNvSpPr>
-                <a:spLocks noGrp="1" noRot="1" noChangeAspect="1" noMove="1" noResize="1" noEditPoints="1" noAdjustHandles="1" noChangeArrowheads="1" noChangeShapeType="1" noTextEdit="1"/>
-              </p:cNvSpPr>
-              <p:nvPr>
-                <p:ph idx="1"/>
-              </p:nvPr>
-            </p:nvSpPr>
-            <p:spPr>
-              <a:blipFill>
-                <a:blip r:embed="rId3"/>
-                <a:stretch>
-                  <a:fillRect l="-1086" t="-2035"/>
-                </a:stretch>
-              </a:blipFill>
-            </p:spPr>
-            <p:txBody>
-              <a:bodyPr/>
-              <a:lstStyle/>
-              <a:p>
-                <a:r>
-                  <a:rPr lang="en-US">
-                    <a:noFill/>
-                  </a:rPr>
-                  <a:t> </a:t>
-                </a:r>
-              </a:p>
-            </p:txBody>
-          </p:sp>
-        </mc:Fallback>
-      </mc:AlternateContent>
-    </p:spTree>
-    <p:extLst>
-      <p:ext uri="{BB962C8B-B14F-4D97-AF65-F5344CB8AC3E}">
-        <p14:creationId xmlns:p14="http://schemas.microsoft.com/office/powerpoint/2010/main" val="2701655701"/>
-      </p:ext>
-    </p:extLst>
-  </p:cSld>
-  <p:clrMapOvr>
-    <a:masterClrMapping/>
-  </p:clrMapOvr>
-</p:sld>
-</file>
-
-<file path=ppt/slides/slide11.xml><?xml version="1.0" encoding="utf-8"?>
-<p:sld xmlns:a="http://schemas.openxmlformats.org/drawingml/2006/main" xmlns:r="http://schemas.openxmlformats.org/officeDocument/2006/relationships" xmlns:p="http://schemas.openxmlformats.org/presentationml/2006/main">
-  <p:cSld>
-    <p:spTree>
-      <p:nvGrpSpPr>
-        <p:cNvPr id="1" name=""/>
-        <p:cNvGrpSpPr/>
-        <p:nvPr/>
-      </p:nvGrpSpPr>
-      <p:grpSpPr>
-        <a:xfrm>
-          <a:off x="0" y="0"/>
-          <a:ext cx="0" cy="0"/>
-          <a:chOff x="0" y="0"/>
-          <a:chExt cx="0" cy="0"/>
-        </a:xfrm>
-      </p:grpSpPr>
-      <p:sp>
-        <p:nvSpPr>
-          <p:cNvPr id="2" name="Title 1">
-            <a:extLst>
-              <a:ext uri="{FF2B5EF4-FFF2-40B4-BE49-F238E27FC236}">
-                <a16:creationId xmlns:a16="http://schemas.microsoft.com/office/drawing/2014/main" id="{14BC1D4A-A287-7410-4F57-50FEC7E62021}"/>
-              </a:ext>
-            </a:extLst>
-          </p:cNvPr>
-          <p:cNvSpPr>
-            <a:spLocks noGrp="1"/>
-          </p:cNvSpPr>
-          <p:nvPr>
-            <p:ph type="title"/>
-          </p:nvPr>
-        </p:nvSpPr>
-        <p:spPr/>
-        <p:txBody>
-          <a:bodyPr/>
-          <a:lstStyle/>
-          <a:p>
-            <a:r>
-              <a:rPr lang="en-US" dirty="0"/>
-              <a:t>Grouped or Clustered Standard Errors</a:t>
-            </a:r>
-          </a:p>
-        </p:txBody>
-      </p:sp>
-      <p:sp>
-        <p:nvSpPr>
-          <p:cNvPr id="3" name="Content Placeholder 2">
-            <a:extLst>
-              <a:ext uri="{FF2B5EF4-FFF2-40B4-BE49-F238E27FC236}">
-                <a16:creationId xmlns:a16="http://schemas.microsoft.com/office/drawing/2014/main" id="{7A70728A-ADC1-7EB7-8A11-D293332A7970}"/>
-              </a:ext>
-            </a:extLst>
-          </p:cNvPr>
-          <p:cNvSpPr>
-            <a:spLocks noGrp="1"/>
-          </p:cNvSpPr>
-          <p:nvPr>
-            <p:ph idx="1"/>
-          </p:nvPr>
-        </p:nvSpPr>
-        <p:spPr/>
-        <p:txBody>
-          <a:bodyPr/>
-          <a:lstStyle/>
-          <a:p>
-            <a:endParaRPr lang="en-US" dirty="0"/>
-          </a:p>
-        </p:txBody>
-      </p:sp>
-    </p:spTree>
-    <p:extLst>
-      <p:ext uri="{BB962C8B-B14F-4D97-AF65-F5344CB8AC3E}">
-        <p14:creationId xmlns:p14="http://schemas.microsoft.com/office/powerpoint/2010/main" val="2000677892"/>
-      </p:ext>
-    </p:extLst>
-  </p:cSld>
-  <p:clrMapOvr>
-    <a:masterClrMapping/>
-  </p:clrMapOvr>
-</p:sld>
-</file>
-
-<file path=ppt/slides/slide12.xml><?xml version="1.0" encoding="utf-8"?>
-<p:sld xmlns:a="http://schemas.openxmlformats.org/drawingml/2006/main" xmlns:r="http://schemas.openxmlformats.org/officeDocument/2006/relationships" xmlns:p="http://schemas.openxmlformats.org/presentationml/2006/main">
-  <p:cSld>
-    <p:spTree>
-      <p:nvGrpSpPr>
-        <p:cNvPr id="1" name=""/>
-        <p:cNvGrpSpPr/>
-        <p:nvPr/>
-      </p:nvGrpSpPr>
-      <p:grpSpPr>
-        <a:xfrm>
-          <a:off x="0" y="0"/>
-          <a:ext cx="0" cy="0"/>
-          <a:chOff x="0" y="0"/>
-          <a:chExt cx="0" cy="0"/>
-        </a:xfrm>
-      </p:grpSpPr>
-      <p:sp>
-        <p:nvSpPr>
-          <p:cNvPr id="4" name="Title 3">
-            <a:extLst>
-              <a:ext uri="{FF2B5EF4-FFF2-40B4-BE49-F238E27FC236}">
-                <a16:creationId xmlns:a16="http://schemas.microsoft.com/office/drawing/2014/main" id="{48AE7B57-7EA7-E07B-3CE7-C807E68A0B83}"/>
-              </a:ext>
-            </a:extLst>
-          </p:cNvPr>
-          <p:cNvSpPr>
-            <a:spLocks noGrp="1"/>
-          </p:cNvSpPr>
-          <p:nvPr>
-            <p:ph type="title"/>
-          </p:nvPr>
-        </p:nvSpPr>
-        <p:spPr/>
-        <p:txBody>
-          <a:bodyPr/>
-          <a:lstStyle/>
-          <a:p>
-            <a:r>
-              <a:rPr lang="en-US" dirty="0"/>
-              <a:t>Bootstrapping</a:t>
-            </a:r>
-          </a:p>
-        </p:txBody>
-      </p:sp>
-      <p:sp>
-        <p:nvSpPr>
-          <p:cNvPr id="5" name="Text Placeholder 4">
-            <a:extLst>
-              <a:ext uri="{FF2B5EF4-FFF2-40B4-BE49-F238E27FC236}">
-                <a16:creationId xmlns:a16="http://schemas.microsoft.com/office/drawing/2014/main" id="{3FF52B18-7982-8733-7401-383D4D2FE2EC}"/>
-              </a:ext>
-            </a:extLst>
-          </p:cNvPr>
-          <p:cNvSpPr>
-            <a:spLocks noGrp="1"/>
-          </p:cNvSpPr>
-          <p:nvPr>
-            <p:ph type="body" idx="1"/>
-          </p:nvPr>
-        </p:nvSpPr>
-        <p:spPr/>
-        <p:txBody>
-          <a:bodyPr/>
-          <a:lstStyle/>
-          <a:p>
-            <a:endParaRPr lang="en-US" dirty="0"/>
-          </a:p>
-        </p:txBody>
-      </p:sp>
-    </p:spTree>
-    <p:extLst>
-      <p:ext uri="{BB962C8B-B14F-4D97-AF65-F5344CB8AC3E}">
-        <p14:creationId xmlns:p14="http://schemas.microsoft.com/office/powerpoint/2010/main" val="3596029183"/>
-      </p:ext>
-    </p:extLst>
-  </p:cSld>
-  <p:clrMapOvr>
-    <a:masterClrMapping/>
-  </p:clrMapOvr>
-</p:sld>
-</file>
-
-<file path=ppt/slides/slide13.xml><?xml version="1.0" encoding="utf-8"?>
-<p:sld xmlns:a="http://schemas.openxmlformats.org/drawingml/2006/main" xmlns:r="http://schemas.openxmlformats.org/officeDocument/2006/relationships" xmlns:p="http://schemas.openxmlformats.org/presentationml/2006/main">
-  <p:cSld>
-    <p:spTree>
-      <p:nvGrpSpPr>
-        <p:cNvPr id="1" name=""/>
-        <p:cNvGrpSpPr/>
-        <p:nvPr/>
-      </p:nvGrpSpPr>
-      <p:grpSpPr>
-        <a:xfrm>
-          <a:off x="0" y="0"/>
-          <a:ext cx="0" cy="0"/>
-          <a:chOff x="0" y="0"/>
-          <a:chExt cx="0" cy="0"/>
-        </a:xfrm>
-      </p:grpSpPr>
       <p:sp>
         <p:nvSpPr>
           <p:cNvPr id="2" name="Title 1">
@@ -5358,123 +4674,66 @@
           </a:p>
         </p:txBody>
       </p:sp>
-      <mc:AlternateContent xmlns:mc="http://schemas.openxmlformats.org/markup-compatibility/2006" xmlns:a14="http://schemas.microsoft.com/office/drawing/2010/main">
-        <mc:Choice Requires="a14">
-          <p:sp>
-            <p:nvSpPr>
-              <p:cNvPr id="3" name="Content Placeholder 2">
-                <a:extLst>
-                  <a:ext uri="{FF2B5EF4-FFF2-40B4-BE49-F238E27FC236}">
-                    <a16:creationId xmlns:a16="http://schemas.microsoft.com/office/drawing/2014/main" id="{2994C761-3107-C643-9564-DCF3784857C0}"/>
-                  </a:ext>
-                </a:extLst>
-              </p:cNvPr>
-              <p:cNvSpPr>
-                <a:spLocks noGrp="1"/>
-              </p:cNvSpPr>
-              <p:nvPr>
-                <p:ph idx="1"/>
-              </p:nvPr>
-            </p:nvSpPr>
-            <p:spPr/>
-            <p:txBody>
-              <a:bodyPr>
-                <a:normAutofit/>
-              </a:bodyPr>
-              <a:lstStyle/>
-              <a:p>
-                <a:r>
-                  <a:rPr lang="en-US" dirty="0"/>
-                  <a:t>What happens if the estimator is consistent, but we cannot figure out how the estimator is distributed? </a:t>
-                </a:r>
-              </a:p>
-              <a:p>
-                <a:r>
-                  <a:rPr lang="en-US" dirty="0"/>
-                  <a:t>Or, if we do not have a large enough sample size for asymptotic properties to kick in.</a:t>
-                </a:r>
-              </a:p>
-              <a:p>
-                <a:r>
-                  <a:rPr lang="en-US" dirty="0"/>
-                  <a:t>Let’s numerically calculate how the estimator is distributed.</a:t>
-                </a:r>
-              </a:p>
-              <a:p>
-                <a:r>
-                  <a:rPr lang="en-US" dirty="0"/>
-                  <a:t>Recall that the distribution is interpreted as what the estimate would be if we redrew data.</a:t>
-                </a:r>
-              </a:p>
-              <a:p>
-                <a:r>
-                  <a:rPr lang="en-US" dirty="0"/>
-                  <a:t>Bootstrapping assumes that the data we have </a:t>
-                </a:r>
-                <a14:m>
-                  <m:oMath xmlns:m="http://schemas.openxmlformats.org/officeDocument/2006/math">
-                    <m:r>
-                      <a:rPr lang="en-US" i="1">
-                        <a:latin typeface="Cambria Math" panose="02040503050406030204" pitchFamily="18" charset="0"/>
-                      </a:rPr>
-                      <m:t>𝑋</m:t>
-                    </m:r>
-                  </m:oMath>
-                </a14:m>
-                <a:r>
-                  <a:rPr lang="en-US" dirty="0"/>
-                  <a:t> is sufficient to know what a redrawn dataset looks like.</a:t>
-                </a:r>
-              </a:p>
-              <a:p>
-                <a:pPr marL="0" indent="0">
-                  <a:buNone/>
-                </a:pPr>
-                <a:endParaRPr lang="en-US" dirty="0"/>
-              </a:p>
-            </p:txBody>
-          </p:sp>
-        </mc:Choice>
-        <mc:Fallback xmlns="">
-          <p:sp>
-            <p:nvSpPr>
-              <p:cNvPr id="3" name="Content Placeholder 2">
-                <a:extLst>
-                  <a:ext uri="{FF2B5EF4-FFF2-40B4-BE49-F238E27FC236}">
-                    <a16:creationId xmlns:a16="http://schemas.microsoft.com/office/drawing/2014/main" id="{2994C761-3107-C643-9564-DCF3784857C0}"/>
-                  </a:ext>
-                </a:extLst>
-              </p:cNvPr>
-              <p:cNvSpPr>
-                <a:spLocks noGrp="1" noRot="1" noChangeAspect="1" noMove="1" noResize="1" noEditPoints="1" noAdjustHandles="1" noChangeArrowheads="1" noChangeShapeType="1" noTextEdit="1"/>
-              </p:cNvSpPr>
-              <p:nvPr>
-                <p:ph idx="1"/>
-              </p:nvPr>
-            </p:nvSpPr>
-            <p:spPr>
-              <a:blipFill>
-                <a:blip r:embed="rId3"/>
-                <a:stretch>
-                  <a:fillRect l="-1086" t="-2326" r="-965"/>
-                </a:stretch>
-              </a:blipFill>
-            </p:spPr>
-            <p:txBody>
-              <a:bodyPr/>
-              <a:lstStyle/>
-              <a:p>
-                <a:r>
-                  <a:rPr lang="en-US">
-                    <a:noFill/>
-                  </a:rPr>
-                  <a:t> </a:t>
-                </a:r>
-              </a:p>
-            </p:txBody>
-          </p:sp>
-        </mc:Fallback>
-      </mc:AlternateContent>
+      <p:sp>
+        <p:nvSpPr>
+          <p:cNvPr id="3" name="Content Placeholder 2">
+            <a:extLst>
+              <a:ext uri="{FF2B5EF4-FFF2-40B4-BE49-F238E27FC236}">
+                <a16:creationId xmlns:a16="http://schemas.microsoft.com/office/drawing/2014/main" id="{2994C761-3107-C643-9564-DCF3784857C0}"/>
+              </a:ext>
+            </a:extLst>
+          </p:cNvPr>
+          <p:cNvSpPr>
+            <a:spLocks noGrp="1"/>
+          </p:cNvSpPr>
+          <p:nvPr>
+            <p:ph idx="1"/>
+          </p:nvPr>
+        </p:nvSpPr>
+        <p:spPr/>
+        <p:txBody>
+          <a:bodyPr>
+            <a:normAutofit/>
+          </a:bodyPr>
+          <a:lstStyle/>
+          <a:p>
+            <a:r>
+              <a:rPr lang="en-US" dirty="0"/>
+              <a:t>What happens if the estimator is consistent, but we cannot figure out how the estimator is distributed? </a:t>
+            </a:r>
+          </a:p>
+          <a:p>
+            <a:r>
+              <a:rPr lang="en-US" dirty="0"/>
+              <a:t>Or, if we do not have a large enough sample size for asymptotic properties to kick in.</a:t>
+            </a:r>
+          </a:p>
+          <a:p>
+            <a:r>
+              <a:rPr lang="en-US" dirty="0"/>
+              <a:t>Let’s numerically calculate how the estimator is distributed.</a:t>
+            </a:r>
+          </a:p>
+          <a:p>
+            <a:r>
+              <a:rPr lang="en-US" dirty="0"/>
+              <a:t>Recall that the distribution is interpreted as what the estimate would be if we redrew data.</a:t>
+            </a:r>
+          </a:p>
+          <a:p>
+            <a:r>
+              <a:rPr lang="en-US" dirty="0"/>
+              <a:t>Bootstrapping assumes that the data we have now is sufficient to know what a redrawn dataset looks like.</a:t>
+            </a:r>
+          </a:p>
+          <a:p>
+            <a:pPr marL="0" indent="0">
+              <a:buNone/>
+            </a:pPr>
+            <a:endParaRPr lang="en-US" dirty="0"/>
+          </a:p>
+        </p:txBody>
+      </p:sp>
     </p:spTree>
     <p:extLst>
       <p:ext uri="{BB962C8B-B14F-4D97-AF65-F5344CB8AC3E}">
@@ -5488,7 +4747,7 @@
 </p:sld>
 </file>
 
-<file path=ppt/slides/slide14.xml><?xml version="1.0" encoding="utf-8"?>
+<file path=ppt/slides/slide11.xml><?xml version="1.0" encoding="utf-8"?>
 <p:sld xmlns:a="http://schemas.openxmlformats.org/drawingml/2006/main" xmlns:r="http://schemas.openxmlformats.org/officeDocument/2006/relationships" xmlns:p="http://schemas.openxmlformats.org/presentationml/2006/main">
   <p:cSld>
     <p:spTree>
@@ -6279,7 +5538,7 @@
 </p:sld>
 </file>
 
-<file path=ppt/slides/slide15.xml><?xml version="1.0" encoding="utf-8"?>
+<file path=ppt/slides/slide12.xml><?xml version="1.0" encoding="utf-8"?>
 <p:sld xmlns:a="http://schemas.openxmlformats.org/drawingml/2006/main" xmlns:r="http://schemas.openxmlformats.org/officeDocument/2006/relationships" xmlns:p="http://schemas.openxmlformats.org/presentationml/2006/main">
   <p:cSld>
     <p:spTree>
@@ -6324,8 +5583,8 @@
           </a:p>
         </p:txBody>
       </p:sp>
-      <mc:AlternateContent xmlns:mc="http://schemas.openxmlformats.org/markup-compatibility/2006" xmlns:a14="http://schemas.microsoft.com/office/drawing/2010/main">
-        <mc:Choice Requires="a14">
+      <mc:AlternateContent xmlns:mc="http://schemas.openxmlformats.org/markup-compatibility/2006">
+        <mc:Choice xmlns:a14="http://schemas.microsoft.com/office/drawing/2010/main" Requires="a14">
           <p:sp>
             <p:nvSpPr>
               <p:cNvPr id="3" name="Content Placeholder 2">
@@ -6345,7 +5604,7 @@
             <p:spPr/>
             <p:txBody>
               <a:bodyPr>
-                <a:normAutofit lnSpcReduction="10000"/>
+                <a:normAutofit/>
               </a:bodyPr>
               <a:lstStyle/>
               <a:p>
@@ -6585,13 +5844,7 @@
                 </a14:m>
                 <a:r>
                   <a:rPr lang="en-US" dirty="0"/>
-                  <a:t>, the variance of bootstrap statistics approaches the truth.</a:t>
-                </a:r>
-              </a:p>
-              <a:p>
-                <a:r>
-                  <a:rPr lang="en-US" dirty="0"/>
-                  <a:t>How many we do depends on the question we want to answer. More bootstraps gives us more precision.</a:t>
+                  <a:t>, the bootstrap statistics approaches the truth.</a:t>
                 </a:r>
               </a:p>
               <a:p>
@@ -6646,7 +5899,7 @@
             </p:txBody>
           </p:sp>
         </mc:Choice>
-        <mc:Fallback xmlns="">
+        <mc:Fallback>
           <p:sp>
             <p:nvSpPr>
               <p:cNvPr id="3" name="Content Placeholder 2">
@@ -6667,7 +5920,7 @@
               <a:blipFill>
                 <a:blip r:embed="rId2"/>
                 <a:stretch>
-                  <a:fillRect l="-1086" t="-3198" r="-1689" b="-581"/>
+                  <a:fillRect l="-1086" t="-2326" r="-1689"/>
                 </a:stretch>
               </a:blipFill>
             </p:spPr>
@@ -6699,7 +5952,7 @@
 </p:sld>
 </file>
 
-<file path=ppt/slides/slide16.xml><?xml version="1.0" encoding="utf-8"?>
+<file path=ppt/slides/slide13.xml><?xml version="1.0" encoding="utf-8"?>
 <p:sld xmlns:a="http://schemas.openxmlformats.org/drawingml/2006/main" xmlns:r="http://schemas.openxmlformats.org/officeDocument/2006/relationships" xmlns:p="http://schemas.openxmlformats.org/presentationml/2006/main">
   <p:cSld>
     <p:spTree>
@@ -6744,8 +5997,8 @@
           </a:p>
         </p:txBody>
       </p:sp>
-      <mc:AlternateContent xmlns:mc="http://schemas.openxmlformats.org/markup-compatibility/2006" xmlns:a14="http://schemas.microsoft.com/office/drawing/2010/main">
-        <mc:Choice Requires="a14">
+      <mc:AlternateContent xmlns:mc="http://schemas.openxmlformats.org/markup-compatibility/2006">
+        <mc:Choice xmlns:a14="http://schemas.microsoft.com/office/drawing/2010/main" Requires="a14">
           <p:sp>
             <p:nvSpPr>
               <p:cNvPr id="3" name="Content Placeholder 2">
@@ -6851,17 +6104,13 @@
                 </a14:m>
                 <a:r>
                   <a:rPr lang="en-US" dirty="0"/>
-                  <a:t> with stochastic gradient descent</a:t>
+                  <a:t> with stochastic gradient descent.</a:t>
                 </a:r>
               </a:p>
               <a:p>
                 <a:r>
-                  <a:rPr lang="en-US" dirty="0">
-                    <a:highlight>
-                      <a:srgbClr val="FFFF00"/>
-                    </a:highlight>
-                  </a:rPr>
-                  <a:t>The analytical solution may rely on too many assumptions</a:t>
+                  <a:rPr lang="en-US" dirty="0"/>
+                  <a:t>The analytical solution may also rely on too many assumptions. For example, the assumes we make on the error distributions to deal with clustering and heteroskedasticity. (See Appendix)</a:t>
                 </a:r>
               </a:p>
               <a:p>
@@ -6871,7 +6120,7 @@
             </p:txBody>
           </p:sp>
         </mc:Choice>
-        <mc:Fallback xmlns="">
+        <mc:Fallback>
           <p:sp>
             <p:nvSpPr>
               <p:cNvPr id="3" name="Content Placeholder 2">
@@ -6892,7 +6141,7 @@
               <a:blipFill>
                 <a:blip r:embed="rId2"/>
                 <a:stretch>
-                  <a:fillRect l="-1086" t="-2326" r="-483"/>
+                  <a:fillRect l="-1086" t="-2326" r="-1809"/>
                 </a:stretch>
               </a:blipFill>
             </p:spPr>
@@ -6924,7 +6173,120 @@
 </p:sld>
 </file>
 
-<file path=ppt/slides/slide17.xml><?xml version="1.0" encoding="utf-8"?>
+<file path=ppt/slides/slide14.xml><?xml version="1.0" encoding="utf-8"?>
+<p:sld xmlns:a="http://schemas.openxmlformats.org/drawingml/2006/main" xmlns:r="http://schemas.openxmlformats.org/officeDocument/2006/relationships" xmlns:p="http://schemas.openxmlformats.org/presentationml/2006/main">
+  <p:cSld>
+    <p:spTree>
+      <p:nvGrpSpPr>
+        <p:cNvPr id="1" name=""/>
+        <p:cNvGrpSpPr/>
+        <p:nvPr/>
+      </p:nvGrpSpPr>
+      <p:grpSpPr>
+        <a:xfrm>
+          <a:off x="0" y="0"/>
+          <a:ext cx="0" cy="0"/>
+          <a:chOff x="0" y="0"/>
+          <a:chExt cx="0" cy="0"/>
+        </a:xfrm>
+      </p:grpSpPr>
+      <p:sp>
+        <p:nvSpPr>
+          <p:cNvPr id="2" name="Title 1">
+            <a:extLst>
+              <a:ext uri="{FF2B5EF4-FFF2-40B4-BE49-F238E27FC236}">
+                <a16:creationId xmlns:a16="http://schemas.microsoft.com/office/drawing/2014/main" id="{F55D740B-EF9B-E35A-2BC3-6A58066940FC}"/>
+              </a:ext>
+            </a:extLst>
+          </p:cNvPr>
+          <p:cNvSpPr>
+            <a:spLocks noGrp="1"/>
+          </p:cNvSpPr>
+          <p:nvPr>
+            <p:ph type="title"/>
+          </p:nvPr>
+        </p:nvSpPr>
+        <p:spPr/>
+        <p:txBody>
+          <a:bodyPr/>
+          <a:lstStyle/>
+          <a:p>
+            <a:r>
+              <a:rPr lang="en-US" dirty="0"/>
+              <a:t>Recommendation on Bootstraps</a:t>
+            </a:r>
+          </a:p>
+        </p:txBody>
+      </p:sp>
+      <p:sp>
+        <p:nvSpPr>
+          <p:cNvPr id="3" name="Content Placeholder 2">
+            <a:extLst>
+              <a:ext uri="{FF2B5EF4-FFF2-40B4-BE49-F238E27FC236}">
+                <a16:creationId xmlns:a16="http://schemas.microsoft.com/office/drawing/2014/main" id="{7D825A50-0C18-2C19-FC03-C3EC11707DC2}"/>
+              </a:ext>
+            </a:extLst>
+          </p:cNvPr>
+          <p:cNvSpPr>
+            <a:spLocks noGrp="1"/>
+          </p:cNvSpPr>
+          <p:nvPr>
+            <p:ph idx="1"/>
+          </p:nvPr>
+        </p:nvSpPr>
+        <p:spPr/>
+        <p:txBody>
+          <a:bodyPr/>
+          <a:lstStyle/>
+          <a:p>
+            <a:r>
+              <a:rPr lang="en-US" dirty="0"/>
+              <a:t>Save your time and learn quickly. </a:t>
+            </a:r>
+          </a:p>
+          <a:p>
+            <a:pPr marL="0" indent="0">
+              <a:buNone/>
+            </a:pPr>
+            <a:r>
+              <a:rPr lang="en-US" dirty="0"/>
+              <a:t>1. Calculate your standard errors without bootstraps first.</a:t>
+            </a:r>
+          </a:p>
+          <a:p>
+            <a:pPr marL="0" indent="0">
+              <a:buNone/>
+            </a:pPr>
+            <a:r>
+              <a:rPr lang="en-US" dirty="0"/>
+              <a:t>2. See how they change when you try making different assumptions (clustering, heteroskedasticity). To save time, you can use a smaller dataset.</a:t>
+            </a:r>
+          </a:p>
+          <a:p>
+            <a:pPr marL="0" indent="0">
+              <a:buNone/>
+            </a:pPr>
+            <a:r>
+              <a:rPr lang="en-US" dirty="0"/>
+              <a:t>3. If these results are similar, then it’s not worth bootstrapping.</a:t>
+            </a:r>
+          </a:p>
+        </p:txBody>
+      </p:sp>
+    </p:spTree>
+    <p:extLst>
+      <p:ext uri="{BB962C8B-B14F-4D97-AF65-F5344CB8AC3E}">
+        <p14:creationId xmlns:p14="http://schemas.microsoft.com/office/powerpoint/2010/main" val="2826593543"/>
+      </p:ext>
+    </p:extLst>
+  </p:cSld>
+  <p:clrMapOvr>
+    <a:masterClrMapping/>
+  </p:clrMapOvr>
+</p:sld>
+</file>
+
+<file path=ppt/slides/slide15.xml><?xml version="1.0" encoding="utf-8"?>
 <p:sld xmlns:a="http://schemas.openxmlformats.org/drawingml/2006/main" xmlns:r="http://schemas.openxmlformats.org/officeDocument/2006/relationships" xmlns:p="http://schemas.openxmlformats.org/presentationml/2006/main">
   <p:cSld>
     <p:spTree>
@@ -7384,7 +6746,7 @@
 </p:sld>
 </file>
 
-<file path=ppt/slides/slide18.xml><?xml version="1.0" encoding="utf-8"?>
+<file path=ppt/slides/slide16.xml><?xml version="1.0" encoding="utf-8"?>
 <p:sld xmlns:a="http://schemas.openxmlformats.org/drawingml/2006/main" xmlns:r="http://schemas.openxmlformats.org/officeDocument/2006/relationships" xmlns:p="http://schemas.openxmlformats.org/presentationml/2006/main">
   <p:cSld>
     <p:spTree>
@@ -7492,7 +6854,7 @@
 </p:sld>
 </file>
 
-<file path=ppt/slides/slide19.xml><?xml version="1.0" encoding="utf-8"?>
+<file path=ppt/slides/slide17.xml><?xml version="1.0" encoding="utf-8"?>
 <p:sld xmlns:a="http://schemas.openxmlformats.org/drawingml/2006/main" xmlns:r="http://schemas.openxmlformats.org/officeDocument/2006/relationships" xmlns:p="http://schemas.openxmlformats.org/presentationml/2006/main">
   <p:cSld>
     <p:spTree>
@@ -7575,184 +6937,7 @@
 </p:sld>
 </file>
 
-<file path=ppt/slides/slide2.xml><?xml version="1.0" encoding="utf-8"?>
-<p:sld xmlns:a="http://schemas.openxmlformats.org/drawingml/2006/main" xmlns:r="http://schemas.openxmlformats.org/officeDocument/2006/relationships" xmlns:p="http://schemas.openxmlformats.org/presentationml/2006/main">
-  <p:cSld>
-    <p:spTree>
-      <p:nvGrpSpPr>
-        <p:cNvPr id="1" name=""/>
-        <p:cNvGrpSpPr/>
-        <p:nvPr/>
-      </p:nvGrpSpPr>
-      <p:grpSpPr>
-        <a:xfrm>
-          <a:off x="0" y="0"/>
-          <a:ext cx="0" cy="0"/>
-          <a:chOff x="0" y="0"/>
-          <a:chExt cx="0" cy="0"/>
-        </a:xfrm>
-      </p:grpSpPr>
-      <p:sp>
-        <p:nvSpPr>
-          <p:cNvPr id="2" name="Title 1">
-            <a:extLst>
-              <a:ext uri="{FF2B5EF4-FFF2-40B4-BE49-F238E27FC236}">
-                <a16:creationId xmlns:a16="http://schemas.microsoft.com/office/drawing/2014/main" id="{F1821B62-5F2B-0042-B4D1-0A616B9A2397}"/>
-              </a:ext>
-            </a:extLst>
-          </p:cNvPr>
-          <p:cNvSpPr>
-            <a:spLocks noGrp="1"/>
-          </p:cNvSpPr>
-          <p:nvPr>
-            <p:ph type="title"/>
-          </p:nvPr>
-        </p:nvSpPr>
-        <p:spPr/>
-        <p:txBody>
-          <a:bodyPr/>
-          <a:lstStyle/>
-          <a:p>
-            <a:r>
-              <a:rPr lang="en-US" dirty="0"/>
-              <a:t>Causal Inference Series</a:t>
-            </a:r>
-          </a:p>
-        </p:txBody>
-      </p:sp>
-      <p:sp>
-        <p:nvSpPr>
-          <p:cNvPr id="3" name="Content Placeholder 2">
-            <a:extLst>
-              <a:ext uri="{FF2B5EF4-FFF2-40B4-BE49-F238E27FC236}">
-                <a16:creationId xmlns:a16="http://schemas.microsoft.com/office/drawing/2014/main" id="{70C15C76-6BD6-0F41-AB0A-743D563189AD}"/>
-              </a:ext>
-            </a:extLst>
-          </p:cNvPr>
-          <p:cNvSpPr>
-            <a:spLocks noGrp="1"/>
-          </p:cNvSpPr>
-          <p:nvPr>
-            <p:ph idx="1"/>
-          </p:nvPr>
-        </p:nvSpPr>
-        <p:spPr/>
-        <p:txBody>
-          <a:bodyPr>
-            <a:normAutofit fontScale="92500" lnSpcReduction="10000"/>
-          </a:bodyPr>
-          <a:lstStyle/>
-          <a:p>
-            <a:pPr marL="514350" indent="-514350">
-              <a:buFont typeface="+mj-lt"/>
-              <a:buAutoNum type="arabicParenR"/>
-            </a:pPr>
-            <a:r>
-              <a:rPr lang="en-US" dirty="0"/>
-              <a:t>Foundations</a:t>
-            </a:r>
-          </a:p>
-          <a:p>
-            <a:pPr marL="514350" indent="-514350">
-              <a:buFont typeface="+mj-lt"/>
-              <a:buAutoNum type="arabicParenR"/>
-            </a:pPr>
-            <a:r>
-              <a:rPr lang="en-US" dirty="0"/>
-              <a:t>Defining Some ATE/ATET Causal Models</a:t>
-            </a:r>
-          </a:p>
-          <a:p>
-            <a:pPr marL="514350" indent="-514350">
-              <a:buFont typeface="+mj-lt"/>
-              <a:buAutoNum type="arabicParenR"/>
-            </a:pPr>
-            <a:r>
-              <a:rPr lang="en-US" b="1" dirty="0"/>
-              <a:t>ATE/ATET Inference, Asymptotic Theory, and Bootstrapping</a:t>
-            </a:r>
-          </a:p>
-          <a:p>
-            <a:pPr marL="514350" indent="-514350">
-              <a:buFont typeface="+mj-lt"/>
-              <a:buAutoNum type="arabicParenR"/>
-            </a:pPr>
-            <a:r>
-              <a:rPr lang="en-US" dirty="0"/>
-              <a:t>Best Practices: Outliers, Class Imbalance, Feature Selection, and Bad Control </a:t>
-            </a:r>
-          </a:p>
-          <a:p>
-            <a:pPr marL="514350" indent="-514350">
-              <a:buFont typeface="+mj-lt"/>
-              <a:buAutoNum type="arabicParenR"/>
-            </a:pPr>
-            <a:r>
-              <a:rPr lang="en-US" dirty="0"/>
-              <a:t>Heterogeneous Treatment Effect Models and Inference</a:t>
-            </a:r>
-          </a:p>
-          <a:p>
-            <a:pPr marL="514350" indent="-514350">
-              <a:buFont typeface="+mj-lt"/>
-              <a:buAutoNum type="arabicParenR"/>
-            </a:pPr>
-            <a:r>
-              <a:rPr lang="en-US" dirty="0"/>
-              <a:t>Difference-in-Difference Models for Panel Data</a:t>
-            </a:r>
-          </a:p>
-          <a:p>
-            <a:pPr marL="514350" indent="-514350">
-              <a:buFont typeface="+mj-lt"/>
-              <a:buAutoNum type="arabicParenR"/>
-            </a:pPr>
-            <a:r>
-              <a:rPr lang="en-US" dirty="0"/>
-              <a:t>Regression Discontinuity Models</a:t>
-            </a:r>
-          </a:p>
-          <a:p>
-            <a:pPr marL="514350" indent="-514350">
-              <a:buFont typeface="+mj-lt"/>
-              <a:buAutoNum type="arabicParenR"/>
-            </a:pPr>
-            <a:r>
-              <a:rPr lang="en-US" dirty="0"/>
-              <a:t>Arguable Validation</a:t>
-            </a:r>
-          </a:p>
-          <a:p>
-            <a:pPr marL="514350" indent="-514350">
-              <a:buFont typeface="+mj-lt"/>
-              <a:buAutoNum type="arabicParenR"/>
-            </a:pPr>
-            <a:r>
-              <a:rPr lang="en-US" dirty="0"/>
-              <a:t>Multiple Hypothesis </a:t>
-            </a:r>
-            <a:r>
-              <a:rPr lang="en-US"/>
-              <a:t>and Sequential Testing</a:t>
-            </a:r>
-            <a:endParaRPr lang="en-US" dirty="0"/>
-          </a:p>
-        </p:txBody>
-      </p:sp>
-    </p:spTree>
-    <p:extLst>
-      <p:ext uri="{BB962C8B-B14F-4D97-AF65-F5344CB8AC3E}">
-        <p14:creationId xmlns:p14="http://schemas.microsoft.com/office/powerpoint/2010/main" val="2542964179"/>
-      </p:ext>
-    </p:extLst>
-  </p:cSld>
-  <p:clrMapOvr>
-    <a:masterClrMapping/>
-  </p:clrMapOvr>
-</p:sld>
-</file>
-
-<file path=ppt/slides/slide20.xml><?xml version="1.0" encoding="utf-8"?>
+<file path=ppt/slides/slide18.xml><?xml version="1.0" encoding="utf-8"?>
 <p:sld xmlns:a="http://schemas.openxmlformats.org/drawingml/2006/main" xmlns:r="http://schemas.openxmlformats.org/officeDocument/2006/relationships" xmlns:p="http://schemas.openxmlformats.org/presentationml/2006/main">
   <p:cSld>
     <p:spTree>
@@ -7840,7 +7025,7 @@
 </p:sld>
 </file>
 
-<file path=ppt/slides/slide21.xml><?xml version="1.0" encoding="utf-8"?>
+<file path=ppt/slides/slide19.xml><?xml version="1.0" encoding="utf-8"?>
 <p:sld xmlns:a="http://schemas.openxmlformats.org/drawingml/2006/main" xmlns:r="http://schemas.openxmlformats.org/officeDocument/2006/relationships" xmlns:p="http://schemas.openxmlformats.org/presentationml/2006/main">
   <p:cSld>
     <p:spTree>
@@ -8973,7 +8158,184 @@
 </p:sld>
 </file>
 
-<file path=ppt/slides/slide22.xml><?xml version="1.0" encoding="utf-8"?>
+<file path=ppt/slides/slide2.xml><?xml version="1.0" encoding="utf-8"?>
+<p:sld xmlns:a="http://schemas.openxmlformats.org/drawingml/2006/main" xmlns:r="http://schemas.openxmlformats.org/officeDocument/2006/relationships" xmlns:p="http://schemas.openxmlformats.org/presentationml/2006/main">
+  <p:cSld>
+    <p:spTree>
+      <p:nvGrpSpPr>
+        <p:cNvPr id="1" name=""/>
+        <p:cNvGrpSpPr/>
+        <p:nvPr/>
+      </p:nvGrpSpPr>
+      <p:grpSpPr>
+        <a:xfrm>
+          <a:off x="0" y="0"/>
+          <a:ext cx="0" cy="0"/>
+          <a:chOff x="0" y="0"/>
+          <a:chExt cx="0" cy="0"/>
+        </a:xfrm>
+      </p:grpSpPr>
+      <p:sp>
+        <p:nvSpPr>
+          <p:cNvPr id="2" name="Title 1">
+            <a:extLst>
+              <a:ext uri="{FF2B5EF4-FFF2-40B4-BE49-F238E27FC236}">
+                <a16:creationId xmlns:a16="http://schemas.microsoft.com/office/drawing/2014/main" id="{F1821B62-5F2B-0042-B4D1-0A616B9A2397}"/>
+              </a:ext>
+            </a:extLst>
+          </p:cNvPr>
+          <p:cNvSpPr>
+            <a:spLocks noGrp="1"/>
+          </p:cNvSpPr>
+          <p:nvPr>
+            <p:ph type="title"/>
+          </p:nvPr>
+        </p:nvSpPr>
+        <p:spPr/>
+        <p:txBody>
+          <a:bodyPr/>
+          <a:lstStyle/>
+          <a:p>
+            <a:r>
+              <a:rPr lang="en-US" dirty="0"/>
+              <a:t>Causal Inference Series</a:t>
+            </a:r>
+          </a:p>
+        </p:txBody>
+      </p:sp>
+      <p:sp>
+        <p:nvSpPr>
+          <p:cNvPr id="3" name="Content Placeholder 2">
+            <a:extLst>
+              <a:ext uri="{FF2B5EF4-FFF2-40B4-BE49-F238E27FC236}">
+                <a16:creationId xmlns:a16="http://schemas.microsoft.com/office/drawing/2014/main" id="{70C15C76-6BD6-0F41-AB0A-743D563189AD}"/>
+              </a:ext>
+            </a:extLst>
+          </p:cNvPr>
+          <p:cNvSpPr>
+            <a:spLocks noGrp="1"/>
+          </p:cNvSpPr>
+          <p:nvPr>
+            <p:ph idx="1"/>
+          </p:nvPr>
+        </p:nvSpPr>
+        <p:spPr/>
+        <p:txBody>
+          <a:bodyPr>
+            <a:normAutofit fontScale="92500" lnSpcReduction="10000"/>
+          </a:bodyPr>
+          <a:lstStyle/>
+          <a:p>
+            <a:pPr marL="514350" indent="-514350">
+              <a:buFont typeface="+mj-lt"/>
+              <a:buAutoNum type="arabicParenR"/>
+            </a:pPr>
+            <a:r>
+              <a:rPr lang="en-US" dirty="0"/>
+              <a:t>Foundations</a:t>
+            </a:r>
+          </a:p>
+          <a:p>
+            <a:pPr marL="514350" indent="-514350">
+              <a:buFont typeface="+mj-lt"/>
+              <a:buAutoNum type="arabicParenR"/>
+            </a:pPr>
+            <a:r>
+              <a:rPr lang="en-US" dirty="0"/>
+              <a:t>Defining Some ATE/ATET Causal Models</a:t>
+            </a:r>
+          </a:p>
+          <a:p>
+            <a:pPr marL="514350" indent="-514350">
+              <a:buFont typeface="+mj-lt"/>
+              <a:buAutoNum type="arabicParenR"/>
+            </a:pPr>
+            <a:r>
+              <a:rPr lang="en-US" b="1" dirty="0"/>
+              <a:t>ATE/ATET Inference, Asymptotic Theory, and Bootstrapping</a:t>
+            </a:r>
+          </a:p>
+          <a:p>
+            <a:pPr marL="514350" indent="-514350">
+              <a:buFont typeface="+mj-lt"/>
+              <a:buAutoNum type="arabicParenR"/>
+            </a:pPr>
+            <a:r>
+              <a:rPr lang="en-US" dirty="0"/>
+              <a:t>Best Practices: Outliers, Class Imbalance, Feature Selection, and Bad Control </a:t>
+            </a:r>
+          </a:p>
+          <a:p>
+            <a:pPr marL="514350" indent="-514350">
+              <a:buFont typeface="+mj-lt"/>
+              <a:buAutoNum type="arabicParenR"/>
+            </a:pPr>
+            <a:r>
+              <a:rPr lang="en-US" dirty="0"/>
+              <a:t>Heterogeneous Treatment Effect Models and Inference</a:t>
+            </a:r>
+          </a:p>
+          <a:p>
+            <a:pPr marL="514350" indent="-514350">
+              <a:buFont typeface="+mj-lt"/>
+              <a:buAutoNum type="arabicParenR"/>
+            </a:pPr>
+            <a:r>
+              <a:rPr lang="en-US" dirty="0"/>
+              <a:t>Difference-in-Difference Models for Panel Data</a:t>
+            </a:r>
+          </a:p>
+          <a:p>
+            <a:pPr marL="514350" indent="-514350">
+              <a:buFont typeface="+mj-lt"/>
+              <a:buAutoNum type="arabicParenR"/>
+            </a:pPr>
+            <a:r>
+              <a:rPr lang="en-US" dirty="0"/>
+              <a:t>Regression Discontinuity Models</a:t>
+            </a:r>
+          </a:p>
+          <a:p>
+            <a:pPr marL="514350" indent="-514350">
+              <a:buFont typeface="+mj-lt"/>
+              <a:buAutoNum type="arabicParenR"/>
+            </a:pPr>
+            <a:r>
+              <a:rPr lang="en-US" dirty="0"/>
+              <a:t>Arguable Validation</a:t>
+            </a:r>
+          </a:p>
+          <a:p>
+            <a:pPr marL="514350" indent="-514350">
+              <a:buFont typeface="+mj-lt"/>
+              <a:buAutoNum type="arabicParenR"/>
+            </a:pPr>
+            <a:r>
+              <a:rPr lang="en-US" dirty="0"/>
+              <a:t>Multiple Hypothesis </a:t>
+            </a:r>
+            <a:r>
+              <a:rPr lang="en-US"/>
+              <a:t>and Sequential Testing</a:t>
+            </a:r>
+            <a:endParaRPr lang="en-US" dirty="0"/>
+          </a:p>
+        </p:txBody>
+      </p:sp>
+    </p:spTree>
+    <p:extLst>
+      <p:ext uri="{BB962C8B-B14F-4D97-AF65-F5344CB8AC3E}">
+        <p14:creationId xmlns:p14="http://schemas.microsoft.com/office/powerpoint/2010/main" val="2542964179"/>
+      </p:ext>
+    </p:extLst>
+  </p:cSld>
+  <p:clrMapOvr>
+    <a:masterClrMapping/>
+  </p:clrMapOvr>
+</p:sld>
+</file>
+
+<file path=ppt/slides/slide20.xml><?xml version="1.0" encoding="utf-8"?>
 <p:sld xmlns:a="http://schemas.openxmlformats.org/drawingml/2006/main" xmlns:r="http://schemas.openxmlformats.org/officeDocument/2006/relationships" xmlns:p="http://schemas.openxmlformats.org/presentationml/2006/main">
   <p:cSld>
     <p:spTree>
@@ -9018,8 +8380,8 @@
           </a:p>
         </p:txBody>
       </p:sp>
-      <mc:AlternateContent xmlns:mc="http://schemas.openxmlformats.org/markup-compatibility/2006">
-        <mc:Choice xmlns:a14="http://schemas.microsoft.com/office/drawing/2010/main" Requires="a14">
+      <mc:AlternateContent xmlns:mc="http://schemas.openxmlformats.org/markup-compatibility/2006" xmlns:a14="http://schemas.microsoft.com/office/drawing/2010/main">
+        <mc:Choice Requires="a14">
           <p:sp>
             <p:nvSpPr>
               <p:cNvPr id="3" name="Content Placeholder 2">
@@ -9256,7 +8618,7 @@
             </p:txBody>
           </p:sp>
         </mc:Choice>
-        <mc:Fallback>
+        <mc:Fallback xmlns="">
           <p:sp>
             <p:nvSpPr>
               <p:cNvPr id="3" name="Content Placeholder 2">
@@ -9309,7 +8671,7 @@
 </p:sld>
 </file>
 
-<file path=ppt/slides/slide23.xml><?xml version="1.0" encoding="utf-8"?>
+<file path=ppt/slides/slide21.xml><?xml version="1.0" encoding="utf-8"?>
 <p:sld xmlns:a="http://schemas.openxmlformats.org/drawingml/2006/main" xmlns:r="http://schemas.openxmlformats.org/officeDocument/2006/relationships" xmlns:p="http://schemas.openxmlformats.org/presentationml/2006/main">
   <p:cSld>
     <p:spTree>
@@ -9392,7 +8754,7 @@
 </p:sld>
 </file>
 
-<file path=ppt/slides/slide24.xml><?xml version="1.0" encoding="utf-8"?>
+<file path=ppt/slides/slide22.xml><?xml version="1.0" encoding="utf-8"?>
 <p:sld xmlns:a="http://schemas.openxmlformats.org/drawingml/2006/main" xmlns:r="http://schemas.openxmlformats.org/officeDocument/2006/relationships" xmlns:p="http://schemas.openxmlformats.org/presentationml/2006/main">
   <p:cSld>
     <p:spTree>
@@ -9878,7 +9240,7 @@
 </p:sld>
 </file>
 
-<file path=ppt/slides/slide25.xml><?xml version="1.0" encoding="utf-8"?>
+<file path=ppt/slides/slide23.xml><?xml version="1.0" encoding="utf-8"?>
 <p:sld xmlns:a="http://schemas.openxmlformats.org/drawingml/2006/main" xmlns:r="http://schemas.openxmlformats.org/officeDocument/2006/relationships" xmlns:p="http://schemas.openxmlformats.org/presentationml/2006/main">
   <p:cSld>
     <p:spTree>
@@ -9961,7 +9323,7 @@
 </p:sld>
 </file>
 
-<file path=ppt/slides/slide26.xml><?xml version="1.0" encoding="utf-8"?>
+<file path=ppt/slides/slide24.xml><?xml version="1.0" encoding="utf-8"?>
 <p:sld xmlns:a="http://schemas.openxmlformats.org/drawingml/2006/main" xmlns:r="http://schemas.openxmlformats.org/officeDocument/2006/relationships" xmlns:p="http://schemas.openxmlformats.org/presentationml/2006/main">
   <p:cSld>
     <p:spTree>
@@ -10341,7 +9703,7 @@
 </p:sld>
 </file>
 
-<file path=ppt/slides/slide27.xml><?xml version="1.0" encoding="utf-8"?>
+<file path=ppt/slides/slide25.xml><?xml version="1.0" encoding="utf-8"?>
 <p:sld xmlns:a="http://schemas.openxmlformats.org/drawingml/2006/main" xmlns:r="http://schemas.openxmlformats.org/officeDocument/2006/relationships" xmlns:p="http://schemas.openxmlformats.org/presentationml/2006/main">
   <p:cSld>
     <p:spTree>
@@ -10877,7 +10239,7 @@
 </p:sld>
 </file>
 
-<file path=ppt/slides/slide28.xml><?xml version="1.0" encoding="utf-8"?>
+<file path=ppt/slides/slide26.xml><?xml version="1.0" encoding="utf-8"?>
 <p:sld xmlns:a="http://schemas.openxmlformats.org/drawingml/2006/main" xmlns:r="http://schemas.openxmlformats.org/officeDocument/2006/relationships" xmlns:p="http://schemas.openxmlformats.org/presentationml/2006/main">
   <p:cSld>
     <p:spTree>
@@ -11044,7 +10406,7 @@
 </p:sld>
 </file>
 
-<file path=ppt/slides/slide29.xml><?xml version="1.0" encoding="utf-8"?>
+<file path=ppt/slides/slide27.xml><?xml version="1.0" encoding="utf-8"?>
 <p:sld xmlns:a="http://schemas.openxmlformats.org/drawingml/2006/main" xmlns:r="http://schemas.openxmlformats.org/officeDocument/2006/relationships" xmlns:p="http://schemas.openxmlformats.org/presentationml/2006/main">
   <p:cSld>
     <p:spTree>
@@ -11147,6 +10509,333 @@
     <p:extLst>
       <p:ext uri="{BB962C8B-B14F-4D97-AF65-F5344CB8AC3E}">
         <p14:creationId xmlns:p14="http://schemas.microsoft.com/office/powerpoint/2010/main" val="1921304409"/>
+      </p:ext>
+    </p:extLst>
+  </p:cSld>
+  <p:clrMapOvr>
+    <a:masterClrMapping/>
+  </p:clrMapOvr>
+</p:sld>
+</file>
+
+<file path=ppt/slides/slide28.xml><?xml version="1.0" encoding="utf-8"?>
+<p:sld xmlns:a="http://schemas.openxmlformats.org/drawingml/2006/main" xmlns:r="http://schemas.openxmlformats.org/officeDocument/2006/relationships" xmlns:p="http://schemas.openxmlformats.org/presentationml/2006/main">
+  <p:cSld>
+    <p:spTree>
+      <p:nvGrpSpPr>
+        <p:cNvPr id="1" name=""/>
+        <p:cNvGrpSpPr/>
+        <p:nvPr/>
+      </p:nvGrpSpPr>
+      <p:grpSpPr>
+        <a:xfrm>
+          <a:off x="0" y="0"/>
+          <a:ext cx="0" cy="0"/>
+          <a:chOff x="0" y="0"/>
+          <a:chExt cx="0" cy="0"/>
+        </a:xfrm>
+      </p:grpSpPr>
+      <mc:AlternateContent xmlns:mc="http://schemas.openxmlformats.org/markup-compatibility/2006" xmlns:a14="http://schemas.microsoft.com/office/drawing/2010/main">
+        <mc:Choice Requires="a14">
+          <p:sp>
+            <p:nvSpPr>
+              <p:cNvPr id="2" name="Title 1">
+                <a:extLst>
+                  <a:ext uri="{FF2B5EF4-FFF2-40B4-BE49-F238E27FC236}">
+                    <a16:creationId xmlns:a16="http://schemas.microsoft.com/office/drawing/2014/main" id="{18BDBB03-7B0C-7346-844F-0C3AA816D725}"/>
+                  </a:ext>
+                </a:extLst>
+              </p:cNvPr>
+              <p:cNvSpPr>
+                <a:spLocks noGrp="1"/>
+              </p:cNvSpPr>
+              <p:nvPr>
+                <p:ph type="title"/>
+              </p:nvPr>
+            </p:nvSpPr>
+            <p:spPr/>
+            <p:txBody>
+              <a:bodyPr/>
+              <a:lstStyle/>
+              <a:p>
+                <a:r>
+                  <a:rPr lang="en-US" dirty="0"/>
+                  <a:t>Review on what an estimate of </a:t>
+                </a:r>
+                <a14:m>
+                  <m:oMath xmlns:m="http://schemas.openxmlformats.org/officeDocument/2006/math">
+                    <m:r>
+                      <a:rPr lang="en-US" b="0" i="1" smtClean="0">
+                        <a:latin typeface="Cambria Math" panose="02040503050406030204" pitchFamily="18" charset="0"/>
+                      </a:rPr>
+                      <m:t>𝛽</m:t>
+                    </m:r>
+                  </m:oMath>
+                </a14:m>
+                <a:r>
+                  <a:rPr lang="en-US" dirty="0"/>
+                  <a:t> is</a:t>
+                </a:r>
+              </a:p>
+            </p:txBody>
+          </p:sp>
+        </mc:Choice>
+        <mc:Fallback xmlns="">
+          <p:sp>
+            <p:nvSpPr>
+              <p:cNvPr id="2" name="Title 1">
+                <a:extLst>
+                  <a:ext uri="{FF2B5EF4-FFF2-40B4-BE49-F238E27FC236}">
+                    <a16:creationId xmlns:a16="http://schemas.microsoft.com/office/drawing/2014/main" id="{18BDBB03-7B0C-7346-844F-0C3AA816D725}"/>
+                  </a:ext>
+                </a:extLst>
+              </p:cNvPr>
+              <p:cNvSpPr>
+                <a:spLocks noGrp="1" noRot="1" noChangeAspect="1" noMove="1" noResize="1" noEditPoints="1" noAdjustHandles="1" noChangeArrowheads="1" noChangeShapeType="1" noTextEdit="1"/>
+              </p:cNvSpPr>
+              <p:nvPr>
+                <p:ph type="title"/>
+              </p:nvPr>
+            </p:nvSpPr>
+            <p:spPr>
+              <a:blipFill>
+                <a:blip r:embed="rId2"/>
+                <a:stretch>
+                  <a:fillRect l="-2413"/>
+                </a:stretch>
+              </a:blipFill>
+            </p:spPr>
+            <p:txBody>
+              <a:bodyPr/>
+              <a:lstStyle/>
+              <a:p>
+                <a:r>
+                  <a:rPr lang="en-US">
+                    <a:noFill/>
+                  </a:rPr>
+                  <a:t> </a:t>
+                </a:r>
+              </a:p>
+            </p:txBody>
+          </p:sp>
+        </mc:Fallback>
+      </mc:AlternateContent>
+      <mc:AlternateContent xmlns:mc="http://schemas.openxmlformats.org/markup-compatibility/2006" xmlns:a14="http://schemas.microsoft.com/office/drawing/2010/main">
+        <mc:Choice Requires="a14">
+          <p:sp>
+            <p:nvSpPr>
+              <p:cNvPr id="3" name="Content Placeholder 2">
+                <a:extLst>
+                  <a:ext uri="{FF2B5EF4-FFF2-40B4-BE49-F238E27FC236}">
+                    <a16:creationId xmlns:a16="http://schemas.microsoft.com/office/drawing/2014/main" id="{2C45E9FC-750F-5243-8DF0-17B0B9CDB659}"/>
+                  </a:ext>
+                </a:extLst>
+              </p:cNvPr>
+              <p:cNvSpPr>
+                <a:spLocks noGrp="1"/>
+              </p:cNvSpPr>
+              <p:nvPr>
+                <p:ph idx="1"/>
+              </p:nvPr>
+            </p:nvSpPr>
+            <p:spPr/>
+            <p:txBody>
+              <a:bodyPr/>
+              <a:lstStyle/>
+              <a:p>
+                <a14:m>
+                  <m:oMath xmlns:m="http://schemas.openxmlformats.org/officeDocument/2006/math">
+                    <m:acc>
+                      <m:accPr>
+                        <m:chr m:val="̂"/>
+                        <m:ctrlPr>
+                          <a:rPr lang="en-US" b="0" i="1" dirty="0" smtClean="0">
+                            <a:latin typeface="Cambria Math" panose="02040503050406030204" pitchFamily="18" charset="0"/>
+                          </a:rPr>
+                        </m:ctrlPr>
+                      </m:accPr>
+                      <m:e>
+                        <m:r>
+                          <a:rPr lang="en-US" b="0" i="1" dirty="0" smtClean="0">
+                            <a:latin typeface="Cambria Math" panose="02040503050406030204" pitchFamily="18" charset="0"/>
+                          </a:rPr>
+                          <m:t>𝛽</m:t>
+                        </m:r>
+                      </m:e>
+                    </m:acc>
+                    <m:r>
+                      <a:rPr lang="en-US" b="0" i="1" dirty="0" smtClean="0">
+                        <a:latin typeface="Cambria Math" panose="02040503050406030204" pitchFamily="18" charset="0"/>
+                      </a:rPr>
+                      <m:t>=</m:t>
+                    </m:r>
+                    <m:r>
+                      <a:rPr lang="en-US" b="0" i="1" dirty="0" smtClean="0">
+                        <a:latin typeface="Cambria Math" panose="02040503050406030204" pitchFamily="18" charset="0"/>
+                      </a:rPr>
+                      <m:t>𝛽</m:t>
+                    </m:r>
+                    <m:r>
+                      <a:rPr lang="en-US" b="0" i="1" dirty="0" smtClean="0">
+                        <a:latin typeface="Cambria Math" panose="02040503050406030204" pitchFamily="18" charset="0"/>
+                      </a:rPr>
+                      <m:t>+</m:t>
+                    </m:r>
+                  </m:oMath>
+                </a14:m>
+                <a:r>
+                  <a:rPr lang="en-US" dirty="0"/>
+                  <a:t>(Selection Bias) + (Model Misspecification Bias)</a:t>
+                </a:r>
+              </a:p>
+              <a:p>
+                <a:r>
+                  <a:rPr lang="en-US" dirty="0"/>
+                  <a:t>Selection Bias is addressed by assuming we have satisfied the assumptions for a causal interpretation</a:t>
+                </a:r>
+              </a:p>
+              <a:p>
+                <a:r>
+                  <a:rPr lang="en-US" dirty="0"/>
+                  <a:t>Model Misspecification Bias is addressed by robustness checks</a:t>
+                </a:r>
+              </a:p>
+              <a:p>
+                <a:endParaRPr lang="en-US" dirty="0"/>
+              </a:p>
+              <a:p>
+                <a:endParaRPr lang="en-US" dirty="0"/>
+              </a:p>
+            </p:txBody>
+          </p:sp>
+        </mc:Choice>
+        <mc:Fallback xmlns="">
+          <p:sp>
+            <p:nvSpPr>
+              <p:cNvPr id="3" name="Content Placeholder 2">
+                <a:extLst>
+                  <a:ext uri="{FF2B5EF4-FFF2-40B4-BE49-F238E27FC236}">
+                    <a16:creationId xmlns:a16="http://schemas.microsoft.com/office/drawing/2014/main" id="{2C45E9FC-750F-5243-8DF0-17B0B9CDB659}"/>
+                  </a:ext>
+                </a:extLst>
+              </p:cNvPr>
+              <p:cNvSpPr>
+                <a:spLocks noGrp="1" noRot="1" noChangeAspect="1" noMove="1" noResize="1" noEditPoints="1" noAdjustHandles="1" noChangeArrowheads="1" noChangeShapeType="1" noTextEdit="1"/>
+              </p:cNvSpPr>
+              <p:nvPr>
+                <p:ph idx="1"/>
+              </p:nvPr>
+            </p:nvSpPr>
+            <p:spPr>
+              <a:blipFill>
+                <a:blip r:embed="rId3"/>
+                <a:stretch>
+                  <a:fillRect l="-1086" t="-2035"/>
+                </a:stretch>
+              </a:blipFill>
+            </p:spPr>
+            <p:txBody>
+              <a:bodyPr/>
+              <a:lstStyle/>
+              <a:p>
+                <a:r>
+                  <a:rPr lang="en-US">
+                    <a:noFill/>
+                  </a:rPr>
+                  <a:t> </a:t>
+                </a:r>
+              </a:p>
+            </p:txBody>
+          </p:sp>
+        </mc:Fallback>
+      </mc:AlternateContent>
+    </p:spTree>
+    <p:extLst>
+      <p:ext uri="{BB962C8B-B14F-4D97-AF65-F5344CB8AC3E}">
+        <p14:creationId xmlns:p14="http://schemas.microsoft.com/office/powerpoint/2010/main" val="3740148946"/>
+      </p:ext>
+    </p:extLst>
+  </p:cSld>
+  <p:clrMapOvr>
+    <a:masterClrMapping/>
+  </p:clrMapOvr>
+</p:sld>
+</file>
+
+<file path=ppt/slides/slide29.xml><?xml version="1.0" encoding="utf-8"?>
+<p:sld xmlns:a="http://schemas.openxmlformats.org/drawingml/2006/main" xmlns:r="http://schemas.openxmlformats.org/officeDocument/2006/relationships" xmlns:p="http://schemas.openxmlformats.org/presentationml/2006/main">
+  <p:cSld>
+    <p:spTree>
+      <p:nvGrpSpPr>
+        <p:cNvPr id="1" name=""/>
+        <p:cNvGrpSpPr/>
+        <p:nvPr/>
+      </p:nvGrpSpPr>
+      <p:grpSpPr>
+        <a:xfrm>
+          <a:off x="0" y="0"/>
+          <a:ext cx="0" cy="0"/>
+          <a:chOff x="0" y="0"/>
+          <a:chExt cx="0" cy="0"/>
+        </a:xfrm>
+      </p:grpSpPr>
+      <p:sp>
+        <p:nvSpPr>
+          <p:cNvPr id="4" name="Title 3">
+            <a:extLst>
+              <a:ext uri="{FF2B5EF4-FFF2-40B4-BE49-F238E27FC236}">
+                <a16:creationId xmlns:a16="http://schemas.microsoft.com/office/drawing/2014/main" id="{48AE7B57-7EA7-E07B-3CE7-C807E68A0B83}"/>
+              </a:ext>
+            </a:extLst>
+          </p:cNvPr>
+          <p:cNvSpPr>
+            <a:spLocks noGrp="1"/>
+          </p:cNvSpPr>
+          <p:nvPr>
+            <p:ph type="title"/>
+          </p:nvPr>
+        </p:nvSpPr>
+        <p:spPr/>
+        <p:txBody>
+          <a:bodyPr/>
+          <a:lstStyle/>
+          <a:p>
+            <a:r>
+              <a:rPr lang="en-US" dirty="0"/>
+              <a:t>Appendix - Challenges for calculating the variance</a:t>
+            </a:r>
+          </a:p>
+        </p:txBody>
+      </p:sp>
+      <p:sp>
+        <p:nvSpPr>
+          <p:cNvPr id="5" name="Text Placeholder 4">
+            <a:extLst>
+              <a:ext uri="{FF2B5EF4-FFF2-40B4-BE49-F238E27FC236}">
+                <a16:creationId xmlns:a16="http://schemas.microsoft.com/office/drawing/2014/main" id="{3FF52B18-7982-8733-7401-383D4D2FE2EC}"/>
+              </a:ext>
+            </a:extLst>
+          </p:cNvPr>
+          <p:cNvSpPr>
+            <a:spLocks noGrp="1"/>
+          </p:cNvSpPr>
+          <p:nvPr>
+            <p:ph type="body" idx="1"/>
+          </p:nvPr>
+        </p:nvSpPr>
+        <p:spPr/>
+        <p:txBody>
+          <a:bodyPr/>
+          <a:lstStyle/>
+          <a:p>
+            <a:endParaRPr lang="en-US" dirty="0"/>
+          </a:p>
+        </p:txBody>
+      </p:sp>
+    </p:spTree>
+    <p:extLst>
+      <p:ext uri="{BB962C8B-B14F-4D97-AF65-F5344CB8AC3E}">
+        <p14:creationId xmlns:p14="http://schemas.microsoft.com/office/powerpoint/2010/main" val="3820815487"/>
       </p:ext>
     </p:extLst>
   </p:cSld>
@@ -11359,10 +11048,10 @@
         <mc:Choice Requires="a14">
           <p:sp>
             <p:nvSpPr>
-              <p:cNvPr id="2" name="Title 1">
+              <p:cNvPr id="4" name="Title 3">
                 <a:extLst>
                   <a:ext uri="{FF2B5EF4-FFF2-40B4-BE49-F238E27FC236}">
-                    <a16:creationId xmlns:a16="http://schemas.microsoft.com/office/drawing/2014/main" id="{18BDBB03-7B0C-7346-844F-0C3AA816D725}"/>
+                    <a16:creationId xmlns:a16="http://schemas.microsoft.com/office/drawing/2014/main" id="{E8064975-7A74-0E77-682C-A1CAB0EEFC63}"/>
                   </a:ext>
                 </a:extLst>
               </p:cNvPr>
@@ -11380,22 +11069,38 @@
               <a:p>
                 <a:r>
                   <a:rPr lang="en-US" dirty="0"/>
-                  <a:t>Review on what an estimate of </a:t>
+                  <a:t>Assumptions in the distribution of </a:t>
                 </a:r>
                 <a14:m>
                   <m:oMath xmlns:m="http://schemas.openxmlformats.org/officeDocument/2006/math">
-                    <m:r>
-                      <a:rPr lang="en-US" b="0" i="1" smtClean="0">
-                        <a:latin typeface="Cambria Math" panose="02040503050406030204" pitchFamily="18" charset="0"/>
-                      </a:rPr>
-                      <m:t>𝛽</m:t>
-                    </m:r>
+                    <m:sSub>
+                      <m:sSubPr>
+                        <m:ctrlPr>
+                          <a:rPr lang="en-US" i="1">
+                            <a:latin typeface="Cambria Math" panose="02040503050406030204" pitchFamily="18" charset="0"/>
+                          </a:rPr>
+                        </m:ctrlPr>
+                      </m:sSubPr>
+                      <m:e>
+                        <m:r>
+                          <a:rPr lang="en-US" i="1">
+                            <a:latin typeface="Cambria Math" panose="02040503050406030204" pitchFamily="18" charset="0"/>
+                          </a:rPr>
+                          <m:t>𝜖</m:t>
+                        </m:r>
+                      </m:e>
+                      <m:sub>
+                        <m:r>
+                          <a:rPr lang="en-US" i="1">
+                            <a:latin typeface="Cambria Math" panose="02040503050406030204" pitchFamily="18" charset="0"/>
+                          </a:rPr>
+                          <m:t>𝑖</m:t>
+                        </m:r>
+                      </m:sub>
+                    </m:sSub>
                   </m:oMath>
                 </a14:m>
-                <a:r>
-                  <a:rPr lang="en-US" dirty="0"/>
-                  <a:t> is</a:t>
-                </a:r>
+                <a:endParaRPr lang="en-US" dirty="0"/>
               </a:p>
             </p:txBody>
           </p:sp>
@@ -11403,10 +11108,10 @@
         <mc:Fallback xmlns="">
           <p:sp>
             <p:nvSpPr>
-              <p:cNvPr id="2" name="Title 1">
+              <p:cNvPr id="4" name="Title 3">
                 <a:extLst>
                   <a:ext uri="{FF2B5EF4-FFF2-40B4-BE49-F238E27FC236}">
-                    <a16:creationId xmlns:a16="http://schemas.microsoft.com/office/drawing/2014/main" id="{18BDBB03-7B0C-7346-844F-0C3AA816D725}"/>
+                    <a16:creationId xmlns:a16="http://schemas.microsoft.com/office/drawing/2014/main" id="{E8064975-7A74-0E77-682C-A1CAB0EEFC63}"/>
                   </a:ext>
                 </a:extLst>
               </p:cNvPr>
@@ -11444,10 +11149,10 @@
         <mc:Choice Requires="a14">
           <p:sp>
             <p:nvSpPr>
-              <p:cNvPr id="3" name="Content Placeholder 2">
+              <p:cNvPr id="5" name="Content Placeholder 4">
                 <a:extLst>
                   <a:ext uri="{FF2B5EF4-FFF2-40B4-BE49-F238E27FC236}">
-                    <a16:creationId xmlns:a16="http://schemas.microsoft.com/office/drawing/2014/main" id="{2C45E9FC-750F-5243-8DF0-17B0B9CDB659}"/>
+                    <a16:creationId xmlns:a16="http://schemas.microsoft.com/office/drawing/2014/main" id="{76C6CB2F-5241-4CD7-62A1-E68B5DA30772}"/>
                   </a:ext>
                 </a:extLst>
               </p:cNvPr>
@@ -11460,23 +11165,149 @@
             </p:nvSpPr>
             <p:spPr/>
             <p:txBody>
-              <a:bodyPr/>
+              <a:bodyPr>
+                <a:normAutofit/>
+              </a:bodyPr>
               <a:lstStyle/>
               <a:p>
+                <a:pPr marL="0" indent="0">
+                  <a:buNone/>
+                </a:pPr>
+                <a14:m>
+                  <m:oMathPara xmlns:m="http://schemas.openxmlformats.org/officeDocument/2006/math">
+                    <m:oMathParaPr>
+                      <m:jc m:val="centerGroup"/>
+                    </m:oMathParaPr>
+                    <m:oMath xmlns:m="http://schemas.openxmlformats.org/officeDocument/2006/math">
+                      <m:sSub>
+                        <m:sSubPr>
+                          <m:ctrlPr>
+                            <a:rPr lang="en-US" i="1" smtClean="0">
+                              <a:latin typeface="Cambria Math" panose="02040503050406030204" pitchFamily="18" charset="0"/>
+                            </a:rPr>
+                          </m:ctrlPr>
+                        </m:sSubPr>
+                        <m:e>
+                          <m:r>
+                            <a:rPr lang="en-US" i="1">
+                              <a:latin typeface="Cambria Math" panose="02040503050406030204" pitchFamily="18" charset="0"/>
+                            </a:rPr>
+                            <m:t>𝑌</m:t>
+                          </m:r>
+                        </m:e>
+                        <m:sub>
+                          <m:r>
+                            <a:rPr lang="en-US" i="1">
+                              <a:latin typeface="Cambria Math" panose="02040503050406030204" pitchFamily="18" charset="0"/>
+                            </a:rPr>
+                            <m:t>𝑖</m:t>
+                          </m:r>
+                        </m:sub>
+                      </m:sSub>
+                      <m:r>
+                        <a:rPr lang="en-US" i="1">
+                          <a:latin typeface="Cambria Math" panose="02040503050406030204" pitchFamily="18" charset="0"/>
+                        </a:rPr>
+                        <m:t>=</m:t>
+                      </m:r>
+                      <m:acc>
+                        <m:accPr>
+                          <m:chr m:val="̂"/>
+                          <m:ctrlPr>
+                            <a:rPr lang="en-US" i="1">
+                              <a:latin typeface="Cambria Math" panose="02040503050406030204" pitchFamily="18" charset="0"/>
+                            </a:rPr>
+                          </m:ctrlPr>
+                        </m:accPr>
+                        <m:e>
+                          <m:r>
+                            <a:rPr lang="en-US" i="1">
+                              <a:latin typeface="Cambria Math" panose="02040503050406030204" pitchFamily="18" charset="0"/>
+                            </a:rPr>
+                            <m:t>𝛽</m:t>
+                          </m:r>
+                        </m:e>
+                      </m:acc>
+                      <m:sSub>
+                        <m:sSubPr>
+                          <m:ctrlPr>
+                            <a:rPr lang="en-US" i="1">
+                              <a:latin typeface="Cambria Math" panose="02040503050406030204" pitchFamily="18" charset="0"/>
+                            </a:rPr>
+                          </m:ctrlPr>
+                        </m:sSubPr>
+                        <m:e>
+                          <m:r>
+                            <a:rPr lang="en-US" i="1">
+                              <a:latin typeface="Cambria Math" panose="02040503050406030204" pitchFamily="18" charset="0"/>
+                            </a:rPr>
+                            <m:t>𝑋</m:t>
+                          </m:r>
+                        </m:e>
+                        <m:sub>
+                          <m:r>
+                            <a:rPr lang="en-US" i="1">
+                              <a:latin typeface="Cambria Math" panose="02040503050406030204" pitchFamily="18" charset="0"/>
+                            </a:rPr>
+                            <m:t>𝑖</m:t>
+                          </m:r>
+                        </m:sub>
+                      </m:sSub>
+                      <m:r>
+                        <a:rPr lang="en-US" i="1">
+                          <a:latin typeface="Cambria Math" panose="02040503050406030204" pitchFamily="18" charset="0"/>
+                        </a:rPr>
+                        <m:t>+</m:t>
+                      </m:r>
+                      <m:sSub>
+                        <m:sSubPr>
+                          <m:ctrlPr>
+                            <a:rPr lang="en-US" i="1">
+                              <a:latin typeface="Cambria Math" panose="02040503050406030204" pitchFamily="18" charset="0"/>
+                            </a:rPr>
+                          </m:ctrlPr>
+                        </m:sSubPr>
+                        <m:e>
+                          <m:r>
+                            <a:rPr lang="en-US" i="1">
+                              <a:latin typeface="Cambria Math" panose="02040503050406030204" pitchFamily="18" charset="0"/>
+                            </a:rPr>
+                            <m:t>𝜖</m:t>
+                          </m:r>
+                        </m:e>
+                        <m:sub>
+                          <m:r>
+                            <a:rPr lang="en-US" i="1">
+                              <a:latin typeface="Cambria Math" panose="02040503050406030204" pitchFamily="18" charset="0"/>
+                            </a:rPr>
+                            <m:t>𝑖</m:t>
+                          </m:r>
+                        </m:sub>
+                      </m:sSub>
+                    </m:oMath>
+                  </m:oMathPara>
+                </a14:m>
+                <a:endParaRPr lang="en-US" dirty="0"/>
+              </a:p>
+              <a:p>
+                <a:r>
+                  <a:rPr lang="en-US" dirty="0"/>
+                  <a:t>To know how </a:t>
+                </a:r>
                 <a14:m>
                   <m:oMath xmlns:m="http://schemas.openxmlformats.org/officeDocument/2006/math">
                     <m:acc>
                       <m:accPr>
                         <m:chr m:val="̂"/>
                         <m:ctrlPr>
-                          <a:rPr lang="en-US" b="0" i="1" dirty="0" smtClean="0">
+                          <a:rPr lang="en-US" i="1">
                             <a:latin typeface="Cambria Math" panose="02040503050406030204" pitchFamily="18" charset="0"/>
                           </a:rPr>
                         </m:ctrlPr>
                       </m:accPr>
                       <m:e>
                         <m:r>
-                          <a:rPr lang="en-US" b="0" i="1" dirty="0" smtClean="0">
+                          <a:rPr lang="en-US" i="1">
                             <a:latin typeface="Cambria Math" panose="02040503050406030204" pitchFamily="18" charset="0"/>
                           </a:rPr>
                           <m:t>𝛽</m:t>
@@ -11484,47 +11315,181 @@
                       </m:e>
                     </m:acc>
                     <m:r>
-                      <a:rPr lang="en-US" b="0" i="1" dirty="0" smtClean="0">
+                      <a:rPr lang="en-US" i="1">
                         <a:latin typeface="Cambria Math" panose="02040503050406030204" pitchFamily="18" charset="0"/>
                       </a:rPr>
-                      <m:t>=</m:t>
-                    </m:r>
-                    <m:r>
-                      <a:rPr lang="en-US" b="0" i="1" dirty="0" smtClean="0">
-                        <a:latin typeface="Cambria Math" panose="02040503050406030204" pitchFamily="18" charset="0"/>
-                      </a:rPr>
-                      <m:t>𝛽</m:t>
-                    </m:r>
-                    <m:r>
-                      <a:rPr lang="en-US" b="0" i="1" dirty="0" smtClean="0">
-                        <a:latin typeface="Cambria Math" panose="02040503050406030204" pitchFamily="18" charset="0"/>
-                      </a:rPr>
-                      <m:t>+</m:t>
+                      <m:t> </m:t>
                     </m:r>
                   </m:oMath>
                 </a14:m>
                 <a:r>
                   <a:rPr lang="en-US" dirty="0"/>
-                  <a:t>(Selection Bias) + (Model Misspecification Bias)</a:t>
+                  <a:t> is distributed, we assumed that 1. </a:t>
+                </a:r>
+                <a14:m>
+                  <m:oMath xmlns:m="http://schemas.openxmlformats.org/officeDocument/2006/math">
+                    <m:sSub>
+                      <m:sSubPr>
+                        <m:ctrlPr>
+                          <a:rPr lang="en-US" i="1">
+                            <a:latin typeface="Cambria Math" panose="02040503050406030204" pitchFamily="18" charset="0"/>
+                          </a:rPr>
+                        </m:ctrlPr>
+                      </m:sSubPr>
+                      <m:e>
+                        <m:r>
+                          <a:rPr lang="en-US" i="1">
+                            <a:latin typeface="Cambria Math" panose="02040503050406030204" pitchFamily="18" charset="0"/>
+                          </a:rPr>
+                          <m:t>𝜖</m:t>
+                        </m:r>
+                      </m:e>
+                      <m:sub>
+                        <m:r>
+                          <a:rPr lang="en-US" i="1">
+                            <a:latin typeface="Cambria Math" panose="02040503050406030204" pitchFamily="18" charset="0"/>
+                          </a:rPr>
+                          <m:t>𝑖</m:t>
+                        </m:r>
+                      </m:sub>
+                    </m:sSub>
+                  </m:oMath>
+                </a14:m>
+                <a:r>
+                  <a:rPr lang="en-US" dirty="0"/>
+                  <a:t> does not vary over </a:t>
+                </a:r>
+                <a14:m>
+                  <m:oMath xmlns:m="http://schemas.openxmlformats.org/officeDocument/2006/math">
+                    <m:sSub>
+                      <m:sSubPr>
+                        <m:ctrlPr>
+                          <a:rPr lang="en-US" i="1">
+                            <a:latin typeface="Cambria Math" panose="02040503050406030204" pitchFamily="18" charset="0"/>
+                          </a:rPr>
+                        </m:ctrlPr>
+                      </m:sSubPr>
+                      <m:e>
+                        <m:r>
+                          <a:rPr lang="en-US" i="1">
+                            <a:latin typeface="Cambria Math" panose="02040503050406030204" pitchFamily="18" charset="0"/>
+                          </a:rPr>
+                          <m:t>𝑋</m:t>
+                        </m:r>
+                      </m:e>
+                      <m:sub>
+                        <m:r>
+                          <a:rPr lang="en-US" i="1">
+                            <a:latin typeface="Cambria Math" panose="02040503050406030204" pitchFamily="18" charset="0"/>
+                          </a:rPr>
+                          <m:t>𝑖</m:t>
+                        </m:r>
+                      </m:sub>
+                    </m:sSub>
+                  </m:oMath>
+                </a14:m>
+                <a:r>
+                  <a:rPr lang="en-US" dirty="0"/>
+                  <a:t>, and 2. that the variance of </a:t>
+                </a:r>
+                <a14:m>
+                  <m:oMath xmlns:m="http://schemas.openxmlformats.org/officeDocument/2006/math">
+                    <m:sSub>
+                      <m:sSubPr>
+                        <m:ctrlPr>
+                          <a:rPr lang="en-US" i="1">
+                            <a:latin typeface="Cambria Math" panose="02040503050406030204" pitchFamily="18" charset="0"/>
+                          </a:rPr>
+                        </m:ctrlPr>
+                      </m:sSubPr>
+                      <m:e>
+                        <m:r>
+                          <a:rPr lang="en-US" i="1">
+                            <a:latin typeface="Cambria Math" panose="02040503050406030204" pitchFamily="18" charset="0"/>
+                          </a:rPr>
+                          <m:t>𝜖</m:t>
+                        </m:r>
+                      </m:e>
+                      <m:sub>
+                        <m:r>
+                          <a:rPr lang="en-US" i="1">
+                            <a:latin typeface="Cambria Math" panose="02040503050406030204" pitchFamily="18" charset="0"/>
+                          </a:rPr>
+                          <m:t>𝑖</m:t>
+                        </m:r>
+                      </m:sub>
+                    </m:sSub>
+                  </m:oMath>
+                </a14:m>
+                <a:r>
+                  <a:rPr lang="en-US" dirty="0"/>
+                  <a:t> is the same over </a:t>
+                </a:r>
+                <a14:m>
+                  <m:oMath xmlns:m="http://schemas.openxmlformats.org/officeDocument/2006/math">
+                    <m:sSub>
+                      <m:sSubPr>
+                        <m:ctrlPr>
+                          <a:rPr lang="en-US" i="1">
+                            <a:latin typeface="Cambria Math" panose="02040503050406030204" pitchFamily="18" charset="0"/>
+                          </a:rPr>
+                        </m:ctrlPr>
+                      </m:sSubPr>
+                      <m:e>
+                        <m:r>
+                          <a:rPr lang="en-US" i="1">
+                            <a:latin typeface="Cambria Math" panose="02040503050406030204" pitchFamily="18" charset="0"/>
+                          </a:rPr>
+                          <m:t>𝑋</m:t>
+                        </m:r>
+                      </m:e>
+                      <m:sub>
+                        <m:r>
+                          <a:rPr lang="en-US" i="1">
+                            <a:latin typeface="Cambria Math" panose="02040503050406030204" pitchFamily="18" charset="0"/>
+                          </a:rPr>
+                          <m:t>𝑖</m:t>
+                        </m:r>
+                      </m:sub>
+                    </m:sSub>
+                  </m:oMath>
+                </a14:m>
+                <a:r>
+                  <a:rPr lang="en-US" dirty="0"/>
+                  <a:t>.</a:t>
                 </a:r>
               </a:p>
               <a:p>
                 <a:r>
                   <a:rPr lang="en-US" dirty="0"/>
-                  <a:t>Selection Bias is addressed by assuming we have satisfied the assumptions for a causal interpretation</a:t>
+                  <a:t>When 1. or 2. are not true, we are likely under estimating the variance. This means we be incorrectly concluding something is statistically insignificant. </a:t>
                 </a:r>
               </a:p>
               <a:p>
                 <a:r>
                   <a:rPr lang="en-US" dirty="0"/>
-                  <a:t>Model Misspecification Bias is addressed by robustness checks</a:t>
+                  <a:t>Two common types of correlation:</a:t>
                 </a:r>
               </a:p>
               <a:p>
-                <a:endParaRPr lang="en-US" dirty="0"/>
+                <a:pPr marL="914400" lvl="1" indent="-457200">
+                  <a:buFont typeface="+mj-lt"/>
+                  <a:buAutoNum type="arabicPeriod"/>
+                </a:pPr>
+                <a:r>
+                  <a:rPr lang="en-US" dirty="0"/>
+                  <a:t>Grouped or Clustered Errors</a:t>
+                </a:r>
               </a:p>
               <a:p>
-                <a:endParaRPr lang="en-US" dirty="0"/>
+                <a:pPr marL="914400" lvl="1" indent="-457200">
+                  <a:buFont typeface="+mj-lt"/>
+                  <a:buAutoNum type="arabicPeriod"/>
+                </a:pPr>
+                <a:r>
+                  <a:rPr lang="en-US" dirty="0"/>
+                  <a:t>Heteroskedastic Errors</a:t>
+                </a:r>
               </a:p>
             </p:txBody>
           </p:sp>
@@ -11532,10 +11497,10 @@
         <mc:Fallback xmlns="">
           <p:sp>
             <p:nvSpPr>
-              <p:cNvPr id="3" name="Content Placeholder 2">
+              <p:cNvPr id="5" name="Content Placeholder 4">
                 <a:extLst>
                   <a:ext uri="{FF2B5EF4-FFF2-40B4-BE49-F238E27FC236}">
-                    <a16:creationId xmlns:a16="http://schemas.microsoft.com/office/drawing/2014/main" id="{2C45E9FC-750F-5243-8DF0-17B0B9CDB659}"/>
+                    <a16:creationId xmlns:a16="http://schemas.microsoft.com/office/drawing/2014/main" id="{76C6CB2F-5241-4CD7-62A1-E68B5DA30772}"/>
                   </a:ext>
                 </a:extLst>
               </p:cNvPr>
@@ -11572,7 +11537,7 @@
     </p:spTree>
     <p:extLst>
       <p:ext uri="{BB962C8B-B14F-4D97-AF65-F5344CB8AC3E}">
-        <p14:creationId xmlns:p14="http://schemas.microsoft.com/office/powerpoint/2010/main" val="3740148946"/>
+        <p14:creationId xmlns:p14="http://schemas.microsoft.com/office/powerpoint/2010/main" val="784308812"/>
       </p:ext>
     </p:extLst>
   </p:cSld>
@@ -11583,6 +11548,803 @@
 </file>
 
 <file path=ppt/slides/slide31.xml><?xml version="1.0" encoding="utf-8"?>
+<p:sld xmlns:a="http://schemas.openxmlformats.org/drawingml/2006/main" xmlns:r="http://schemas.openxmlformats.org/officeDocument/2006/relationships" xmlns:p="http://schemas.openxmlformats.org/presentationml/2006/main">
+  <p:cSld>
+    <p:spTree>
+      <p:nvGrpSpPr>
+        <p:cNvPr id="1" name=""/>
+        <p:cNvGrpSpPr/>
+        <p:nvPr/>
+      </p:nvGrpSpPr>
+      <p:grpSpPr>
+        <a:xfrm>
+          <a:off x="0" y="0"/>
+          <a:ext cx="0" cy="0"/>
+          <a:chOff x="0" y="0"/>
+          <a:chExt cx="0" cy="0"/>
+        </a:xfrm>
+      </p:grpSpPr>
+      <p:sp>
+        <p:nvSpPr>
+          <p:cNvPr id="2" name="Title 1">
+            <a:extLst>
+              <a:ext uri="{FF2B5EF4-FFF2-40B4-BE49-F238E27FC236}">
+                <a16:creationId xmlns:a16="http://schemas.microsoft.com/office/drawing/2014/main" id="{14BC1D4A-A287-7410-4F57-50FEC7E62021}"/>
+              </a:ext>
+            </a:extLst>
+          </p:cNvPr>
+          <p:cNvSpPr>
+            <a:spLocks noGrp="1"/>
+          </p:cNvSpPr>
+          <p:nvPr>
+            <p:ph type="title"/>
+          </p:nvPr>
+        </p:nvSpPr>
+        <p:spPr/>
+        <p:txBody>
+          <a:bodyPr/>
+          <a:lstStyle/>
+          <a:p>
+            <a:r>
+              <a:rPr lang="en-US" dirty="0"/>
+              <a:t>Grouped or Clustered Standard Errors</a:t>
+            </a:r>
+          </a:p>
+        </p:txBody>
+      </p:sp>
+      <mc:AlternateContent xmlns:mc="http://schemas.openxmlformats.org/markup-compatibility/2006">
+        <mc:Choice xmlns:a14="http://schemas.microsoft.com/office/drawing/2010/main" Requires="a14">
+          <p:sp>
+            <p:nvSpPr>
+              <p:cNvPr id="3" name="Content Placeholder 2">
+                <a:extLst>
+                  <a:ext uri="{FF2B5EF4-FFF2-40B4-BE49-F238E27FC236}">
+                    <a16:creationId xmlns:a16="http://schemas.microsoft.com/office/drawing/2014/main" id="{7A70728A-ADC1-7EB7-8A11-D293332A7970}"/>
+                  </a:ext>
+                </a:extLst>
+              </p:cNvPr>
+              <p:cNvSpPr>
+                <a:spLocks noGrp="1"/>
+              </p:cNvSpPr>
+              <p:nvPr>
+                <p:ph idx="1"/>
+              </p:nvPr>
+            </p:nvSpPr>
+            <p:spPr/>
+            <p:txBody>
+              <a:bodyPr>
+                <a:normAutofit/>
+              </a:bodyPr>
+              <a:lstStyle/>
+              <a:p>
+                <a:r>
+                  <a:rPr lang="en-US" dirty="0"/>
+                  <a:t>This often comes up when we are doing analysis with groups in them. For example, studying store-level impact using customer-level data:</a:t>
+                </a:r>
+              </a:p>
+              <a:p>
+                <a:pPr marL="0" indent="0">
+                  <a:buNone/>
+                </a:pPr>
+                <a14:m>
+                  <m:oMathPara xmlns:m="http://schemas.openxmlformats.org/officeDocument/2006/math">
+                    <m:oMathParaPr>
+                      <m:jc m:val="centerGroup"/>
+                    </m:oMathParaPr>
+                    <m:oMath xmlns:m="http://schemas.openxmlformats.org/officeDocument/2006/math">
+                      <m:sSub>
+                        <m:sSubPr>
+                          <m:ctrlPr>
+                            <a:rPr lang="en-US" i="1" smtClean="0">
+                              <a:latin typeface="Cambria Math" panose="02040503050406030204" pitchFamily="18" charset="0"/>
+                            </a:rPr>
+                          </m:ctrlPr>
+                        </m:sSubPr>
+                        <m:e>
+                          <m:r>
+                            <a:rPr lang="en-US" i="1">
+                              <a:latin typeface="Cambria Math" panose="02040503050406030204" pitchFamily="18" charset="0"/>
+                            </a:rPr>
+                            <m:t>𝑌</m:t>
+                          </m:r>
+                        </m:e>
+                        <m:sub>
+                          <m:r>
+                            <a:rPr lang="en-US" i="1">
+                              <a:latin typeface="Cambria Math" panose="02040503050406030204" pitchFamily="18" charset="0"/>
+                            </a:rPr>
+                            <m:t>𝑖</m:t>
+                          </m:r>
+                          <m:r>
+                            <a:rPr lang="en-US" b="0" i="1" smtClean="0">
+                              <a:latin typeface="Cambria Math" panose="02040503050406030204" pitchFamily="18" charset="0"/>
+                            </a:rPr>
+                            <m:t>𝑠</m:t>
+                          </m:r>
+                        </m:sub>
+                      </m:sSub>
+                      <m:r>
+                        <a:rPr lang="en-US" i="1">
+                          <a:latin typeface="Cambria Math" panose="02040503050406030204" pitchFamily="18" charset="0"/>
+                        </a:rPr>
+                        <m:t>=</m:t>
+                      </m:r>
+                      <m:sSub>
+                        <m:sSubPr>
+                          <m:ctrlPr>
+                            <a:rPr lang="en-US" b="0" i="1" smtClean="0">
+                              <a:latin typeface="Cambria Math" panose="02040503050406030204" pitchFamily="18" charset="0"/>
+                            </a:rPr>
+                          </m:ctrlPr>
+                        </m:sSubPr>
+                        <m:e>
+                          <m:acc>
+                            <m:accPr>
+                              <m:chr m:val="̂"/>
+                              <m:ctrlPr>
+                                <a:rPr lang="en-US" b="0" i="1" smtClean="0">
+                                  <a:latin typeface="Cambria Math" panose="02040503050406030204" pitchFamily="18" charset="0"/>
+                                </a:rPr>
+                              </m:ctrlPr>
+                            </m:accPr>
+                            <m:e>
+                              <m:r>
+                                <a:rPr lang="en-US" b="0" i="1" smtClean="0">
+                                  <a:latin typeface="Cambria Math" panose="02040503050406030204" pitchFamily="18" charset="0"/>
+                                </a:rPr>
+                                <m:t>𝜏</m:t>
+                              </m:r>
+                            </m:e>
+                          </m:acc>
+                        </m:e>
+                        <m:sub>
+                          <m:r>
+                            <a:rPr lang="en-US" b="0" i="1" smtClean="0">
+                              <a:latin typeface="Cambria Math" panose="02040503050406030204" pitchFamily="18" charset="0"/>
+                            </a:rPr>
+                            <m:t>𝑠</m:t>
+                          </m:r>
+                        </m:sub>
+                      </m:sSub>
+                      <m:r>
+                        <a:rPr lang="en-US" b="0" i="1" smtClean="0">
+                          <a:latin typeface="Cambria Math" panose="02040503050406030204" pitchFamily="18" charset="0"/>
+                        </a:rPr>
+                        <m:t>+</m:t>
+                      </m:r>
+                      <m:acc>
+                        <m:accPr>
+                          <m:chr m:val="̂"/>
+                          <m:ctrlPr>
+                            <a:rPr lang="en-US" b="0" i="1" smtClean="0">
+                              <a:latin typeface="Cambria Math" panose="02040503050406030204" pitchFamily="18" charset="0"/>
+                            </a:rPr>
+                          </m:ctrlPr>
+                        </m:accPr>
+                        <m:e>
+                          <m:r>
+                            <a:rPr lang="en-US" b="0" i="1" smtClean="0">
+                              <a:latin typeface="Cambria Math" panose="02040503050406030204" pitchFamily="18" charset="0"/>
+                            </a:rPr>
+                            <m:t>𝛽</m:t>
+                          </m:r>
+                        </m:e>
+                      </m:acc>
+                      <m:sSub>
+                        <m:sSubPr>
+                          <m:ctrlPr>
+                            <a:rPr lang="en-US" i="1">
+                              <a:latin typeface="Cambria Math" panose="02040503050406030204" pitchFamily="18" charset="0"/>
+                            </a:rPr>
+                          </m:ctrlPr>
+                        </m:sSubPr>
+                        <m:e>
+                          <m:r>
+                            <a:rPr lang="en-US" i="1">
+                              <a:latin typeface="Cambria Math" panose="02040503050406030204" pitchFamily="18" charset="0"/>
+                            </a:rPr>
+                            <m:t>𝑋</m:t>
+                          </m:r>
+                        </m:e>
+                        <m:sub>
+                          <m:r>
+                            <a:rPr lang="en-US" i="1">
+                              <a:latin typeface="Cambria Math" panose="02040503050406030204" pitchFamily="18" charset="0"/>
+                            </a:rPr>
+                            <m:t>𝑖</m:t>
+                          </m:r>
+                          <m:r>
+                            <a:rPr lang="en-US" b="0" i="1" smtClean="0">
+                              <a:latin typeface="Cambria Math" panose="02040503050406030204" pitchFamily="18" charset="0"/>
+                            </a:rPr>
+                            <m:t>𝑠</m:t>
+                          </m:r>
+                        </m:sub>
+                      </m:sSub>
+                      <m:r>
+                        <a:rPr lang="en-US" i="1">
+                          <a:latin typeface="Cambria Math" panose="02040503050406030204" pitchFamily="18" charset="0"/>
+                        </a:rPr>
+                        <m:t>+</m:t>
+                      </m:r>
+                      <m:sSub>
+                        <m:sSubPr>
+                          <m:ctrlPr>
+                            <a:rPr lang="en-US" i="1">
+                              <a:latin typeface="Cambria Math" panose="02040503050406030204" pitchFamily="18" charset="0"/>
+                            </a:rPr>
+                          </m:ctrlPr>
+                        </m:sSubPr>
+                        <m:e>
+                          <m:r>
+                            <a:rPr lang="en-US" i="1">
+                              <a:latin typeface="Cambria Math" panose="02040503050406030204" pitchFamily="18" charset="0"/>
+                            </a:rPr>
+                            <m:t>𝜖</m:t>
+                          </m:r>
+                        </m:e>
+                        <m:sub>
+                          <m:r>
+                            <a:rPr lang="en-US" i="1">
+                              <a:latin typeface="Cambria Math" panose="02040503050406030204" pitchFamily="18" charset="0"/>
+                            </a:rPr>
+                            <m:t>𝑖</m:t>
+                          </m:r>
+                          <m:r>
+                            <a:rPr lang="en-US" b="0" i="1" smtClean="0">
+                              <a:latin typeface="Cambria Math" panose="02040503050406030204" pitchFamily="18" charset="0"/>
+                            </a:rPr>
+                            <m:t>𝑠</m:t>
+                          </m:r>
+                        </m:sub>
+                      </m:sSub>
+                    </m:oMath>
+                  </m:oMathPara>
+                </a14:m>
+                <a:endParaRPr lang="en-US" dirty="0"/>
+              </a:p>
+              <a:p>
+                <a:r>
+                  <a:rPr lang="en-US" dirty="0"/>
+                  <a:t>Customers in the same store may experience the same shocks (same weather, selection, pricing etc.). This means that </a:t>
+                </a:r>
+                <a14:m>
+                  <m:oMath xmlns:m="http://schemas.openxmlformats.org/officeDocument/2006/math">
+                    <m:sSub>
+                      <m:sSubPr>
+                        <m:ctrlPr>
+                          <a:rPr lang="en-US" i="1" smtClean="0">
+                            <a:latin typeface="Cambria Math" panose="02040503050406030204" pitchFamily="18" charset="0"/>
+                          </a:rPr>
+                        </m:ctrlPr>
+                      </m:sSubPr>
+                      <m:e>
+                        <m:r>
+                          <a:rPr lang="en-US" i="1">
+                            <a:latin typeface="Cambria Math" panose="02040503050406030204" pitchFamily="18" charset="0"/>
+                          </a:rPr>
+                          <m:t>𝜖</m:t>
+                        </m:r>
+                      </m:e>
+                      <m:sub>
+                        <m:r>
+                          <a:rPr lang="en-US" i="1">
+                            <a:latin typeface="Cambria Math" panose="02040503050406030204" pitchFamily="18" charset="0"/>
+                          </a:rPr>
+                          <m:t>𝑖</m:t>
+                        </m:r>
+                        <m:r>
+                          <a:rPr lang="en-US" b="0" i="1" smtClean="0">
+                            <a:latin typeface="Cambria Math" panose="02040503050406030204" pitchFamily="18" charset="0"/>
+                          </a:rPr>
+                          <m:t>𝑠</m:t>
+                        </m:r>
+                      </m:sub>
+                    </m:sSub>
+                  </m:oMath>
+                </a14:m>
+                <a:r>
+                  <a:rPr lang="en-US" dirty="0"/>
+                  <a:t> is correlated within each store </a:t>
+                </a:r>
+                <a14:m>
+                  <m:oMath xmlns:m="http://schemas.openxmlformats.org/officeDocument/2006/math">
+                    <m:r>
+                      <a:rPr lang="en-US" b="0" i="1" smtClean="0">
+                        <a:latin typeface="Cambria Math" panose="02040503050406030204" pitchFamily="18" charset="0"/>
+                      </a:rPr>
+                      <m:t>𝑠</m:t>
+                    </m:r>
+                  </m:oMath>
+                </a14:m>
+                <a:r>
+                  <a:rPr lang="en-US" dirty="0"/>
+                  <a:t>. </a:t>
+                </a:r>
+              </a:p>
+              <a:p>
+                <a:r>
+                  <a:rPr lang="en-US" dirty="0"/>
+                  <a:t>If you ignore this, your model thinks the </a:t>
+                </a:r>
+                <a14:m>
+                  <m:oMath xmlns:m="http://schemas.openxmlformats.org/officeDocument/2006/math">
+                    <m:sSub>
+                      <m:sSubPr>
+                        <m:ctrlPr>
+                          <a:rPr lang="en-US" i="1" smtClean="0">
+                            <a:latin typeface="Cambria Math" panose="02040503050406030204" pitchFamily="18" charset="0"/>
+                          </a:rPr>
+                        </m:ctrlPr>
+                      </m:sSubPr>
+                      <m:e>
+                        <m:r>
+                          <a:rPr lang="en-US" i="1">
+                            <a:latin typeface="Cambria Math" panose="02040503050406030204" pitchFamily="18" charset="0"/>
+                          </a:rPr>
+                          <m:t>𝜖</m:t>
+                        </m:r>
+                      </m:e>
+                      <m:sub>
+                        <m:r>
+                          <a:rPr lang="en-US" i="1">
+                            <a:latin typeface="Cambria Math" panose="02040503050406030204" pitchFamily="18" charset="0"/>
+                          </a:rPr>
+                          <m:t>𝑖</m:t>
+                        </m:r>
+                        <m:r>
+                          <a:rPr lang="en-US" b="0" i="1" smtClean="0">
+                            <a:latin typeface="Cambria Math" panose="02040503050406030204" pitchFamily="18" charset="0"/>
+                          </a:rPr>
+                          <m:t>𝑠</m:t>
+                        </m:r>
+                      </m:sub>
+                    </m:sSub>
+                  </m:oMath>
+                </a14:m>
+                <a:r>
+                  <a:rPr lang="en-US" dirty="0"/>
+                  <a:t> is smaller than it really is. You may incorrectly find that </a:t>
+                </a:r>
+                <a14:m>
+                  <m:oMath xmlns:m="http://schemas.openxmlformats.org/officeDocument/2006/math">
+                    <m:sSub>
+                      <m:sSubPr>
+                        <m:ctrlPr>
+                          <a:rPr lang="en-US" i="1">
+                            <a:latin typeface="Cambria Math" panose="02040503050406030204" pitchFamily="18" charset="0"/>
+                          </a:rPr>
+                        </m:ctrlPr>
+                      </m:sSubPr>
+                      <m:e>
+                        <m:acc>
+                          <m:accPr>
+                            <m:chr m:val="̂"/>
+                            <m:ctrlPr>
+                              <a:rPr lang="en-US" i="1">
+                                <a:latin typeface="Cambria Math" panose="02040503050406030204" pitchFamily="18" charset="0"/>
+                              </a:rPr>
+                            </m:ctrlPr>
+                          </m:accPr>
+                          <m:e>
+                            <m:r>
+                              <a:rPr lang="en-US" i="1">
+                                <a:latin typeface="Cambria Math" panose="02040503050406030204" pitchFamily="18" charset="0"/>
+                              </a:rPr>
+                              <m:t>𝜏</m:t>
+                            </m:r>
+                          </m:e>
+                        </m:acc>
+                      </m:e>
+                      <m:sub>
+                        <m:r>
+                          <a:rPr lang="en-US" i="1">
+                            <a:latin typeface="Cambria Math" panose="02040503050406030204" pitchFamily="18" charset="0"/>
+                          </a:rPr>
+                          <m:t>𝑠</m:t>
+                        </m:r>
+                      </m:sub>
+                    </m:sSub>
+                  </m:oMath>
+                </a14:m>
+                <a:r>
+                  <a:rPr lang="en-US" dirty="0"/>
+                  <a:t> is statistically significant.</a:t>
+                </a:r>
+              </a:p>
+            </p:txBody>
+          </p:sp>
+        </mc:Choice>
+        <mc:Fallback>
+          <p:sp>
+            <p:nvSpPr>
+              <p:cNvPr id="3" name="Content Placeholder 2">
+                <a:extLst>
+                  <a:ext uri="{FF2B5EF4-FFF2-40B4-BE49-F238E27FC236}">
+                    <a16:creationId xmlns:a16="http://schemas.microsoft.com/office/drawing/2014/main" id="{7A70728A-ADC1-7EB7-8A11-D293332A7970}"/>
+                  </a:ext>
+                </a:extLst>
+              </p:cNvPr>
+              <p:cNvSpPr>
+                <a:spLocks noGrp="1" noRot="1" noChangeAspect="1" noMove="1" noResize="1" noEditPoints="1" noAdjustHandles="1" noChangeArrowheads="1" noChangeShapeType="1" noTextEdit="1"/>
+              </p:cNvSpPr>
+              <p:nvPr>
+                <p:ph idx="1"/>
+              </p:nvPr>
+            </p:nvSpPr>
+            <p:spPr>
+              <a:blipFill>
+                <a:blip r:embed="rId2"/>
+                <a:stretch>
+                  <a:fillRect l="-1086" t="-2326" r="-1086"/>
+                </a:stretch>
+              </a:blipFill>
+            </p:spPr>
+            <p:txBody>
+              <a:bodyPr/>
+              <a:lstStyle/>
+              <a:p>
+                <a:r>
+                  <a:rPr lang="en-US">
+                    <a:noFill/>
+                  </a:rPr>
+                  <a:t> </a:t>
+                </a:r>
+              </a:p>
+            </p:txBody>
+          </p:sp>
+        </mc:Fallback>
+      </mc:AlternateContent>
+    </p:spTree>
+    <p:extLst>
+      <p:ext uri="{BB962C8B-B14F-4D97-AF65-F5344CB8AC3E}">
+        <p14:creationId xmlns:p14="http://schemas.microsoft.com/office/powerpoint/2010/main" val="1576664456"/>
+      </p:ext>
+    </p:extLst>
+  </p:cSld>
+  <p:clrMapOvr>
+    <a:masterClrMapping/>
+  </p:clrMapOvr>
+</p:sld>
+</file>
+
+<file path=ppt/slides/slide32.xml><?xml version="1.0" encoding="utf-8"?>
+<p:sld xmlns:a="http://schemas.openxmlformats.org/drawingml/2006/main" xmlns:r="http://schemas.openxmlformats.org/officeDocument/2006/relationships" xmlns:p="http://schemas.openxmlformats.org/presentationml/2006/main">
+  <p:cSld>
+    <p:spTree>
+      <p:nvGrpSpPr>
+        <p:cNvPr id="1" name=""/>
+        <p:cNvGrpSpPr/>
+        <p:nvPr/>
+      </p:nvGrpSpPr>
+      <p:grpSpPr>
+        <a:xfrm>
+          <a:off x="0" y="0"/>
+          <a:ext cx="0" cy="0"/>
+          <a:chOff x="0" y="0"/>
+          <a:chExt cx="0" cy="0"/>
+        </a:xfrm>
+      </p:grpSpPr>
+      <p:sp>
+        <p:nvSpPr>
+          <p:cNvPr id="2" name="Title 1">
+            <a:extLst>
+              <a:ext uri="{FF2B5EF4-FFF2-40B4-BE49-F238E27FC236}">
+                <a16:creationId xmlns:a16="http://schemas.microsoft.com/office/drawing/2014/main" id="{F9F9B9AD-7BE4-2D5C-3F29-CD3A1E28448E}"/>
+              </a:ext>
+            </a:extLst>
+          </p:cNvPr>
+          <p:cNvSpPr>
+            <a:spLocks noGrp="1"/>
+          </p:cNvSpPr>
+          <p:nvPr>
+            <p:ph type="title"/>
+          </p:nvPr>
+        </p:nvSpPr>
+        <p:spPr/>
+        <p:txBody>
+          <a:bodyPr/>
+          <a:lstStyle/>
+          <a:p>
+            <a:r>
+              <a:rPr lang="en-US" dirty="0"/>
+              <a:t>Clustered Standard Errors and Number of Clusters</a:t>
+            </a:r>
+          </a:p>
+        </p:txBody>
+      </p:sp>
+      <mc:AlternateContent xmlns:mc="http://schemas.openxmlformats.org/markup-compatibility/2006">
+        <mc:Choice xmlns:a14="http://schemas.microsoft.com/office/drawing/2010/main" Requires="a14">
+          <p:sp>
+            <p:nvSpPr>
+              <p:cNvPr id="3" name="Content Placeholder 2">
+                <a:extLst>
+                  <a:ext uri="{FF2B5EF4-FFF2-40B4-BE49-F238E27FC236}">
+                    <a16:creationId xmlns:a16="http://schemas.microsoft.com/office/drawing/2014/main" id="{8ECBF9FF-02D1-3CA1-BC98-5AB19289534D}"/>
+                  </a:ext>
+                </a:extLst>
+              </p:cNvPr>
+              <p:cNvSpPr>
+                <a:spLocks noGrp="1"/>
+              </p:cNvSpPr>
+              <p:nvPr>
+                <p:ph idx="1"/>
+              </p:nvPr>
+            </p:nvSpPr>
+            <p:spPr/>
+            <p:txBody>
+              <a:bodyPr/>
+              <a:lstStyle/>
+              <a:p>
+                <a:r>
+                  <a:rPr lang="en-US" dirty="0"/>
+                  <a:t>We assume the error </a:t>
+                </a:r>
+                <a14:m>
+                  <m:oMath xmlns:m="http://schemas.openxmlformats.org/officeDocument/2006/math">
+                    <m:sSub>
+                      <m:sSubPr>
+                        <m:ctrlPr>
+                          <a:rPr lang="en-US" i="1" smtClean="0">
+                            <a:latin typeface="Cambria Math" panose="02040503050406030204" pitchFamily="18" charset="0"/>
+                          </a:rPr>
+                        </m:ctrlPr>
+                      </m:sSubPr>
+                      <m:e>
+                        <m:r>
+                          <a:rPr lang="en-US" i="1">
+                            <a:latin typeface="Cambria Math" panose="02040503050406030204" pitchFamily="18" charset="0"/>
+                          </a:rPr>
+                          <m:t>𝜖</m:t>
+                        </m:r>
+                      </m:e>
+                      <m:sub>
+                        <m:r>
+                          <a:rPr lang="en-US" i="1">
+                            <a:latin typeface="Cambria Math" panose="02040503050406030204" pitchFamily="18" charset="0"/>
+                          </a:rPr>
+                          <m:t>𝑖</m:t>
+                        </m:r>
+                        <m:r>
+                          <a:rPr lang="en-US" b="0" i="1" smtClean="0">
+                            <a:latin typeface="Cambria Math" panose="02040503050406030204" pitchFamily="18" charset="0"/>
+                          </a:rPr>
+                          <m:t>𝑠</m:t>
+                        </m:r>
+                      </m:sub>
+                    </m:sSub>
+                  </m:oMath>
+                </a14:m>
+                <a:r>
+                  <a:rPr lang="en-US" dirty="0"/>
+                  <a:t> has a group structure where there is a shared store-level error.</a:t>
+                </a:r>
+              </a:p>
+              <a:p>
+                <a:pPr marL="0" indent="0">
+                  <a:buNone/>
+                </a:pPr>
+                <a14:m>
+                  <m:oMathPara xmlns:m="http://schemas.openxmlformats.org/officeDocument/2006/math">
+                    <m:oMathParaPr>
+                      <m:jc m:val="centerGroup"/>
+                    </m:oMathParaPr>
+                    <m:oMath xmlns:m="http://schemas.openxmlformats.org/officeDocument/2006/math">
+                      <m:sSub>
+                        <m:sSubPr>
+                          <m:ctrlPr>
+                            <a:rPr lang="en-US" i="1" smtClean="0">
+                              <a:latin typeface="Cambria Math" panose="02040503050406030204" pitchFamily="18" charset="0"/>
+                            </a:rPr>
+                          </m:ctrlPr>
+                        </m:sSubPr>
+                        <m:e>
+                          <m:r>
+                            <a:rPr lang="en-US" i="1">
+                              <a:latin typeface="Cambria Math" panose="02040503050406030204" pitchFamily="18" charset="0"/>
+                            </a:rPr>
+                            <m:t>𝜖</m:t>
+                          </m:r>
+                        </m:e>
+                        <m:sub>
+                          <m:r>
+                            <a:rPr lang="en-US" i="1">
+                              <a:latin typeface="Cambria Math" panose="02040503050406030204" pitchFamily="18" charset="0"/>
+                            </a:rPr>
+                            <m:t>𝑖</m:t>
+                          </m:r>
+                          <m:r>
+                            <a:rPr lang="en-US" b="0" i="1" smtClean="0">
+                              <a:latin typeface="Cambria Math" panose="02040503050406030204" pitchFamily="18" charset="0"/>
+                            </a:rPr>
+                            <m:t>𝑠</m:t>
+                          </m:r>
+                        </m:sub>
+                      </m:sSub>
+                      <m:r>
+                        <a:rPr lang="en-US" b="0" i="1" smtClean="0">
+                          <a:latin typeface="Cambria Math" panose="02040503050406030204" pitchFamily="18" charset="0"/>
+                        </a:rPr>
+                        <m:t>=</m:t>
+                      </m:r>
+                      <m:sSub>
+                        <m:sSubPr>
+                          <m:ctrlPr>
+                            <a:rPr lang="en-US" b="0" i="1" smtClean="0">
+                              <a:latin typeface="Cambria Math" panose="02040503050406030204" pitchFamily="18" charset="0"/>
+                            </a:rPr>
+                          </m:ctrlPr>
+                        </m:sSubPr>
+                        <m:e>
+                          <m:r>
+                            <a:rPr lang="en-US" b="0" i="1" smtClean="0">
+                              <a:latin typeface="Cambria Math" panose="02040503050406030204" pitchFamily="18" charset="0"/>
+                            </a:rPr>
+                            <m:t>𝜂</m:t>
+                          </m:r>
+                        </m:e>
+                        <m:sub>
+                          <m:r>
+                            <a:rPr lang="en-US" b="0" i="1" smtClean="0">
+                              <a:latin typeface="Cambria Math" panose="02040503050406030204" pitchFamily="18" charset="0"/>
+                            </a:rPr>
+                            <m:t>𝑖𝑠</m:t>
+                          </m:r>
+                        </m:sub>
+                      </m:sSub>
+                      <m:r>
+                        <a:rPr lang="en-US" b="0" i="1" smtClean="0">
+                          <a:latin typeface="Cambria Math" panose="02040503050406030204" pitchFamily="18" charset="0"/>
+                        </a:rPr>
+                        <m:t>+</m:t>
+                      </m:r>
+                      <m:sSub>
+                        <m:sSubPr>
+                          <m:ctrlPr>
+                            <a:rPr lang="en-US" b="0" i="1" smtClean="0">
+                              <a:latin typeface="Cambria Math" panose="02040503050406030204" pitchFamily="18" charset="0"/>
+                            </a:rPr>
+                          </m:ctrlPr>
+                        </m:sSubPr>
+                        <m:e>
+                          <m:r>
+                            <a:rPr lang="en-US" b="0" i="1" smtClean="0">
+                              <a:latin typeface="Cambria Math" panose="02040503050406030204" pitchFamily="18" charset="0"/>
+                            </a:rPr>
+                            <m:t>𝜁</m:t>
+                          </m:r>
+                        </m:e>
+                        <m:sub>
+                          <m:r>
+                            <a:rPr lang="en-US" b="0" i="1" smtClean="0">
+                              <a:latin typeface="Cambria Math" panose="02040503050406030204" pitchFamily="18" charset="0"/>
+                            </a:rPr>
+                            <m:t>𝑠</m:t>
+                          </m:r>
+                        </m:sub>
+                      </m:sSub>
+                    </m:oMath>
+                  </m:oMathPara>
+                </a14:m>
+                <a:endParaRPr lang="en-US" b="0" dirty="0"/>
+              </a:p>
+              <a:p>
+                <a:r>
+                  <a:rPr lang="en-US" dirty="0"/>
+                  <a:t>This leads to a standard error that increases the more correlated </a:t>
+                </a:r>
+                <a14:m>
+                  <m:oMath xmlns:m="http://schemas.openxmlformats.org/officeDocument/2006/math">
+                    <m:sSub>
+                      <m:sSubPr>
+                        <m:ctrlPr>
+                          <a:rPr lang="en-US" b="0" i="1" smtClean="0">
+                            <a:latin typeface="Cambria Math" panose="02040503050406030204" pitchFamily="18" charset="0"/>
+                          </a:rPr>
+                        </m:ctrlPr>
+                      </m:sSubPr>
+                      <m:e>
+                        <m:r>
+                          <a:rPr lang="en-US" b="0" i="1" smtClean="0">
+                            <a:latin typeface="Cambria Math" panose="02040503050406030204" pitchFamily="18" charset="0"/>
+                          </a:rPr>
+                          <m:t>𝜁</m:t>
+                        </m:r>
+                      </m:e>
+                      <m:sub>
+                        <m:r>
+                          <a:rPr lang="en-US" b="0" i="1" smtClean="0">
+                            <a:latin typeface="Cambria Math" panose="02040503050406030204" pitchFamily="18" charset="0"/>
+                          </a:rPr>
+                          <m:t>𝑠</m:t>
+                        </m:r>
+                      </m:sub>
+                    </m:sSub>
+                  </m:oMath>
+                </a14:m>
+                <a:r>
+                  <a:rPr lang="en-US" dirty="0"/>
+                  <a:t> is within a store.</a:t>
+                </a:r>
+              </a:p>
+              <a:p>
+                <a:r>
+                  <a:rPr lang="en-US" dirty="0"/>
+                  <a:t>You rely on having enough groups to have consistency though. Rule of thumb is you need to have at least 40 groups.</a:t>
+                </a:r>
+              </a:p>
+              <a:p>
+                <a:r>
+                  <a:rPr lang="en-US" dirty="0"/>
+                  <a:t>Bootstrapping will not directly solve this because you’ll need to bootstrap groups (block bootstrap).</a:t>
+                </a:r>
+              </a:p>
+              <a:p>
+                <a:endParaRPr lang="en-US" dirty="0"/>
+              </a:p>
+              <a:p>
+                <a:pPr marL="0" indent="0">
+                  <a:buNone/>
+                </a:pPr>
+                <a:endParaRPr lang="en-US" dirty="0"/>
+              </a:p>
+            </p:txBody>
+          </p:sp>
+        </mc:Choice>
+        <mc:Fallback>
+          <p:sp>
+            <p:nvSpPr>
+              <p:cNvPr id="3" name="Content Placeholder 2">
+                <a:extLst>
+                  <a:ext uri="{FF2B5EF4-FFF2-40B4-BE49-F238E27FC236}">
+                    <a16:creationId xmlns:a16="http://schemas.microsoft.com/office/drawing/2014/main" id="{8ECBF9FF-02D1-3CA1-BC98-5AB19289534D}"/>
+                  </a:ext>
+                </a:extLst>
+              </p:cNvPr>
+              <p:cNvSpPr>
+                <a:spLocks noGrp="1" noRot="1" noChangeAspect="1" noMove="1" noResize="1" noEditPoints="1" noAdjustHandles="1" noChangeArrowheads="1" noChangeShapeType="1" noTextEdit="1"/>
+              </p:cNvSpPr>
+              <p:nvPr>
+                <p:ph idx="1"/>
+              </p:nvPr>
+            </p:nvSpPr>
+            <p:spPr>
+              <a:blipFill>
+                <a:blip r:embed="rId2"/>
+                <a:stretch>
+                  <a:fillRect l="-1086" t="-2326" r="-1568"/>
+                </a:stretch>
+              </a:blipFill>
+            </p:spPr>
+            <p:txBody>
+              <a:bodyPr/>
+              <a:lstStyle/>
+              <a:p>
+                <a:r>
+                  <a:rPr lang="en-US">
+                    <a:noFill/>
+                  </a:rPr>
+                  <a:t> </a:t>
+                </a:r>
+              </a:p>
+            </p:txBody>
+          </p:sp>
+        </mc:Fallback>
+      </mc:AlternateContent>
+    </p:spTree>
+    <p:extLst>
+      <p:ext uri="{BB962C8B-B14F-4D97-AF65-F5344CB8AC3E}">
+        <p14:creationId xmlns:p14="http://schemas.microsoft.com/office/powerpoint/2010/main" val="320221628"/>
+      </p:ext>
+    </p:extLst>
+  </p:cSld>
+  <p:clrMapOvr>
+    <a:masterClrMapping/>
+  </p:clrMapOvr>
+</p:sld>
+</file>
+
+<file path=ppt/slides/slide33.xml><?xml version="1.0" encoding="utf-8"?>
 <p:sld xmlns:a="http://schemas.openxmlformats.org/drawingml/2006/main" xmlns:r="http://schemas.openxmlformats.org/officeDocument/2006/relationships" xmlns:p="http://schemas.openxmlformats.org/presentationml/2006/main">
   <p:cSld>
     <p:spTree>
@@ -11665,7 +12427,7 @@
 </p:sld>
 </file>
 
-<file path=ppt/slides/slide32.xml><?xml version="1.0" encoding="utf-8"?>
+<file path=ppt/slides/slide34.xml><?xml version="1.0" encoding="utf-8"?>
 <p:sld xmlns:a="http://schemas.openxmlformats.org/drawingml/2006/main" xmlns:r="http://schemas.openxmlformats.org/officeDocument/2006/relationships" xmlns:p="http://schemas.openxmlformats.org/presentationml/2006/main">
   <p:cSld>
     <p:spTree>
@@ -11760,7 +12522,7 @@
 </p:sld>
 </file>
 
-<file path=ppt/slides/slide33.xml><?xml version="1.0" encoding="utf-8"?>
+<file path=ppt/slides/slide35.xml><?xml version="1.0" encoding="utf-8"?>
 <p:sld xmlns:a="http://schemas.openxmlformats.org/drawingml/2006/main" xmlns:r="http://schemas.openxmlformats.org/officeDocument/2006/relationships" xmlns:p="http://schemas.openxmlformats.org/presentationml/2006/main">
   <p:cSld>
     <p:spTree>
@@ -12998,7 +13760,7 @@
 </p:sld>
 </file>
 
-<file path=ppt/slides/slide34.xml><?xml version="1.0" encoding="utf-8"?>
+<file path=ppt/slides/slide36.xml><?xml version="1.0" encoding="utf-8"?>
 <p:sld xmlns:a="http://schemas.openxmlformats.org/drawingml/2006/main" xmlns:r="http://schemas.openxmlformats.org/officeDocument/2006/relationships" xmlns:p="http://schemas.openxmlformats.org/presentationml/2006/main">
   <p:cSld>
     <p:spTree>
@@ -13558,7 +14320,7 @@
 </p:sld>
 </file>
 
-<file path=ppt/slides/slide35.xml><?xml version="1.0" encoding="utf-8"?>
+<file path=ppt/slides/slide37.xml><?xml version="1.0" encoding="utf-8"?>
 <p:sld xmlns:a="http://schemas.openxmlformats.org/drawingml/2006/main" xmlns:r="http://schemas.openxmlformats.org/officeDocument/2006/relationships" xmlns:p="http://schemas.openxmlformats.org/presentationml/2006/main">
   <p:cSld>
     <p:spTree>
@@ -13641,7 +14403,7 @@
 </p:sld>
 </file>
 
-<file path=ppt/slides/slide36.xml><?xml version="1.0" encoding="utf-8"?>
+<file path=ppt/slides/slide38.xml><?xml version="1.0" encoding="utf-8"?>
 <p:sld xmlns:a="http://schemas.openxmlformats.org/drawingml/2006/main" xmlns:r="http://schemas.openxmlformats.org/officeDocument/2006/relationships" xmlns:p="http://schemas.openxmlformats.org/presentationml/2006/main">
   <p:cSld>
     <p:spTree>
@@ -16822,7 +17584,7 @@
           <a:p>
             <a:r>
               <a:rPr lang="en-US" dirty="0"/>
-              <a:t>Challenges for calculating the variance</a:t>
+              <a:t>Bootstrapping</a:t>
             </a:r>
           </a:p>
         </p:txBody>
@@ -16855,7 +17617,7 @@
     </p:spTree>
     <p:extLst>
       <p:ext uri="{BB962C8B-B14F-4D97-AF65-F5344CB8AC3E}">
-        <p14:creationId xmlns:p14="http://schemas.microsoft.com/office/powerpoint/2010/main" val="4106614733"/>
+        <p14:creationId xmlns:p14="http://schemas.microsoft.com/office/powerpoint/2010/main" val="3596029183"/>
       </p:ext>
     </p:extLst>
   </p:cSld>
